--- a/Report/Baocao 3-12.pptx
+++ b/Report/Baocao 3-12.pptx
@@ -264,7 +264,7 @@
             <a:fld id="{1D8BD707-D9CF-40AE-B4C6-C98DA3205C09}" type="datetimeFigureOut">
               <a:rPr lang="en-US" smtClean="0"/>
               <a:pPr/>
-              <a:t>11/29/2010</a:t>
+              <a:t>12/1/2010</a:t>
             </a:fld>
             <a:endParaRPr lang="en-US"/>
           </a:p>
@@ -1135,7 +1135,7 @@
             <a:fld id="{1D8BD707-D9CF-40AE-B4C6-C98DA3205C09}" type="datetimeFigureOut">
               <a:rPr lang="en-US" smtClean="0"/>
               <a:pPr/>
-              <a:t>11/29/2010</a:t>
+              <a:t>12/1/2010</a:t>
             </a:fld>
             <a:endParaRPr lang="en-US"/>
           </a:p>
@@ -1312,7 +1312,7 @@
             <a:fld id="{1D8BD707-D9CF-40AE-B4C6-C98DA3205C09}" type="datetimeFigureOut">
               <a:rPr lang="en-US" smtClean="0"/>
               <a:pPr/>
-              <a:t>11/29/2010</a:t>
+              <a:t>12/1/2010</a:t>
             </a:fld>
             <a:endParaRPr lang="en-US"/>
           </a:p>
@@ -1484,7 +1484,7 @@
             <a:fld id="{1D8BD707-D9CF-40AE-B4C6-C98DA3205C09}" type="datetimeFigureOut">
               <a:rPr lang="en-US" smtClean="0"/>
               <a:pPr/>
-              <a:t>11/29/2010</a:t>
+              <a:t>12/1/2010</a:t>
             </a:fld>
             <a:endParaRPr lang="en-US"/>
           </a:p>
@@ -1696,7 +1696,7 @@
             <a:fld id="{1D8BD707-D9CF-40AE-B4C6-C98DA3205C09}" type="datetimeFigureOut">
               <a:rPr lang="en-US" smtClean="0"/>
               <a:pPr/>
-              <a:t>11/29/2010</a:t>
+              <a:t>12/1/2010</a:t>
             </a:fld>
             <a:endParaRPr lang="en-US"/>
           </a:p>
@@ -2512,7 +2512,7 @@
             <a:fld id="{1D8BD707-D9CF-40AE-B4C6-C98DA3205C09}" type="datetimeFigureOut">
               <a:rPr lang="en-US" smtClean="0"/>
               <a:pPr/>
-              <a:t>11/29/2010</a:t>
+              <a:t>12/1/2010</a:t>
             </a:fld>
             <a:endParaRPr lang="en-US"/>
           </a:p>
@@ -2750,7 +2750,7 @@
             <a:fld id="{1D8BD707-D9CF-40AE-B4C6-C98DA3205C09}" type="datetimeFigureOut">
               <a:rPr lang="en-US" smtClean="0"/>
               <a:pPr/>
-              <a:t>11/29/2010</a:t>
+              <a:t>12/1/2010</a:t>
             </a:fld>
             <a:endParaRPr lang="en-US"/>
           </a:p>
@@ -3075,7 +3075,7 @@
             <a:fld id="{1D8BD707-D9CF-40AE-B4C6-C98DA3205C09}" type="datetimeFigureOut">
               <a:rPr lang="en-US" smtClean="0"/>
               <a:pPr/>
-              <a:t>11/29/2010</a:t>
+              <a:t>12/1/2010</a:t>
             </a:fld>
             <a:endParaRPr lang="en-US"/>
           </a:p>
@@ -3167,7 +3167,7 @@
             <a:fld id="{1D8BD707-D9CF-40AE-B4C6-C98DA3205C09}" type="datetimeFigureOut">
               <a:rPr lang="en-US" smtClean="0"/>
               <a:pPr/>
-              <a:t>11/29/2010</a:t>
+              <a:t>12/1/2010</a:t>
             </a:fld>
             <a:endParaRPr lang="en-US"/>
           </a:p>
@@ -3686,7 +3686,7 @@
             <a:fld id="{1D8BD707-D9CF-40AE-B4C6-C98DA3205C09}" type="datetimeFigureOut">
               <a:rPr lang="en-US" smtClean="0"/>
               <a:pPr/>
-              <a:t>11/29/2010</a:t>
+              <a:t>12/1/2010</a:t>
             </a:fld>
             <a:endParaRPr lang="en-US"/>
           </a:p>
@@ -4199,7 +4199,7 @@
             <a:fld id="{1D8BD707-D9CF-40AE-B4C6-C98DA3205C09}" type="datetimeFigureOut">
               <a:rPr lang="en-US" smtClean="0"/>
               <a:pPr/>
-              <a:t>11/29/2010</a:t>
+              <a:t>12/1/2010</a:t>
             </a:fld>
             <a:endParaRPr lang="en-US"/>
           </a:p>
@@ -4446,7 +4446,7 @@
             <a:fld id="{1D8BD707-D9CF-40AE-B4C6-C98DA3205C09}" type="datetimeFigureOut">
               <a:rPr lang="en-US" smtClean="0"/>
               <a:pPr/>
-              <a:t>11/29/2010</a:t>
+              <a:t>12/1/2010</a:t>
             </a:fld>
             <a:endParaRPr lang="en-US"/>
           </a:p>
@@ -10580,6 +10580,9 @@
           </a:bodyPr>
           <a:lstStyle/>
           <a:p>
+            <a:endParaRPr lang="en-US" sz="2000" dirty="0" smtClean="0"/>
+          </a:p>
+          <a:p>
             <a:r>
               <a:rPr lang="en-US" sz="2000" dirty="0" err="1" smtClean="0"/>
               <a:t>Dữ</a:t>
@@ -11397,33 +11400,35 @@
               <a:t>mục</a:t>
             </a:r>
             <a:r>
-              <a:rPr lang="en-US" dirty="0" smtClean="0"/>
+              <a:rPr lang="en-US" smtClean="0"/>
               <a:t>.</a:t>
             </a:r>
-          </a:p>
-          <a:p>
-            <a:pPr>
-              <a:buNone/>
-            </a:pPr>
             <a:endParaRPr lang="en-US" dirty="0" smtClean="0">
               <a:sym typeface="Wingdings" pitchFamily="2" charset="2"/>
             </a:endParaRPr>
           </a:p>
           <a:p>
             <a:pPr>
-              <a:buNone/>
+              <a:buFont typeface="Wingdings"/>
+              <a:buChar char="è"/>
             </a:pPr>
+            <a:r>
+              <a:rPr lang="en-US" dirty="0" err="1" smtClean="0">
+                <a:sym typeface="Wingdings" pitchFamily="2" charset="2"/>
+              </a:rPr>
+              <a:t>chưa</a:t>
+            </a:r>
             <a:r>
               <a:rPr lang="en-US" dirty="0" smtClean="0">
                 <a:sym typeface="Wingdings" pitchFamily="2" charset="2"/>
               </a:rPr>
-              <a:t> </a:t>
+              <a:t> </a:t>
             </a:r>
             <a:r>
               <a:rPr lang="en-US" dirty="0" err="1" smtClean="0">
                 <a:sym typeface="Wingdings" pitchFamily="2" charset="2"/>
               </a:rPr>
-              <a:t>chưa</a:t>
+              <a:t>tìm</a:t>
             </a:r>
             <a:r>
               <a:rPr lang="en-US" dirty="0" smtClean="0">
@@ -11435,7 +11440,7 @@
               <a:rPr lang="en-US" dirty="0" err="1" smtClean="0">
                 <a:sym typeface="Wingdings" pitchFamily="2" charset="2"/>
               </a:rPr>
-              <a:t>tìm</a:t>
+              <a:t>kiếm</a:t>
             </a:r>
             <a:r>
               <a:rPr lang="en-US" dirty="0" smtClean="0">
@@ -11447,7 +11452,7 @@
               <a:rPr lang="en-US" dirty="0" err="1" smtClean="0">
                 <a:sym typeface="Wingdings" pitchFamily="2" charset="2"/>
               </a:rPr>
-              <a:t>kiếm</a:t>
+              <a:t>được</a:t>
             </a:r>
             <a:r>
               <a:rPr lang="en-US" dirty="0" smtClean="0">
@@ -11459,7 +11464,7 @@
               <a:rPr lang="en-US" dirty="0" err="1" smtClean="0">
                 <a:sym typeface="Wingdings" pitchFamily="2" charset="2"/>
               </a:rPr>
-              <a:t>được</a:t>
+              <a:t>bài</a:t>
             </a:r>
             <a:r>
               <a:rPr lang="en-US" dirty="0" smtClean="0">
@@ -11471,7 +11476,7 @@
               <a:rPr lang="en-US" dirty="0" err="1" smtClean="0">
                 <a:sym typeface="Wingdings" pitchFamily="2" charset="2"/>
               </a:rPr>
-              <a:t>bài</a:t>
+              <a:t>báo</a:t>
             </a:r>
             <a:r>
               <a:rPr lang="en-US" dirty="0" smtClean="0">
@@ -11483,19 +11488,19 @@
               <a:rPr lang="en-US" dirty="0" err="1" smtClean="0">
                 <a:sym typeface="Wingdings" pitchFamily="2" charset="2"/>
               </a:rPr>
-              <a:t>báo</a:t>
+              <a:t>trong</a:t>
             </a:r>
             <a:r>
               <a:rPr lang="en-US" dirty="0" smtClean="0">
                 <a:sym typeface="Wingdings" pitchFamily="2" charset="2"/>
               </a:rPr>
-              <a:t>  </a:t>
+              <a:t> </a:t>
             </a:r>
             <a:r>
               <a:rPr lang="en-US" dirty="0" err="1" smtClean="0">
                 <a:sym typeface="Wingdings" pitchFamily="2" charset="2"/>
               </a:rPr>
-              <a:t>trong</a:t>
+              <a:t>các</a:t>
             </a:r>
             <a:r>
               <a:rPr lang="en-US" dirty="0" smtClean="0">
@@ -11507,7 +11512,7 @@
               <a:rPr lang="en-US" dirty="0" err="1" smtClean="0">
                 <a:sym typeface="Wingdings" pitchFamily="2" charset="2"/>
               </a:rPr>
-              <a:t>các</a:t>
+              <a:t>hệ</a:t>
             </a:r>
             <a:r>
               <a:rPr lang="en-US" dirty="0" smtClean="0">
@@ -11519,7 +11524,7 @@
               <a:rPr lang="en-US" dirty="0" err="1" smtClean="0">
                 <a:sym typeface="Wingdings" pitchFamily="2" charset="2"/>
               </a:rPr>
-              <a:t>hệ</a:t>
+              <a:t>thống</a:t>
             </a:r>
             <a:r>
               <a:rPr lang="en-US" dirty="0" smtClean="0">
@@ -11531,7 +11536,7 @@
               <a:rPr lang="en-US" dirty="0" err="1" smtClean="0">
                 <a:sym typeface="Wingdings" pitchFamily="2" charset="2"/>
               </a:rPr>
-              <a:t>thống</a:t>
+              <a:t>theo</a:t>
             </a:r>
             <a:r>
               <a:rPr lang="en-US" dirty="0" smtClean="0">
@@ -11543,7 +11548,7 @@
               <a:rPr lang="en-US" dirty="0" err="1" smtClean="0">
                 <a:sym typeface="Wingdings" pitchFamily="2" charset="2"/>
               </a:rPr>
-              <a:t>theo</a:t>
+              <a:t>chủ</a:t>
             </a:r>
             <a:r>
               <a:rPr lang="en-US" dirty="0" smtClean="0">
@@ -11555,25 +11560,241 @@
               <a:rPr lang="en-US" dirty="0" err="1" smtClean="0">
                 <a:sym typeface="Wingdings" pitchFamily="2" charset="2"/>
               </a:rPr>
-              <a:t>chủ</a:t>
+              <a:t>đề</a:t>
             </a:r>
             <a:r>
               <a:rPr lang="en-US" dirty="0" smtClean="0">
                 <a:sym typeface="Wingdings" pitchFamily="2" charset="2"/>
               </a:rPr>
-              <a:t> </a:t>
+              <a:t> - </a:t>
             </a:r>
             <a:r>
               <a:rPr lang="en-US" dirty="0" err="1" smtClean="0">
                 <a:sym typeface="Wingdings" pitchFamily="2" charset="2"/>
               </a:rPr>
-              <a:t>đề</a:t>
+              <a:t>hoặc</a:t>
             </a:r>
             <a:r>
               <a:rPr lang="en-US" dirty="0" smtClean="0">
                 <a:sym typeface="Wingdings" pitchFamily="2" charset="2"/>
               </a:rPr>
-              <a:t>. </a:t>
+              <a:t> </a:t>
+            </a:r>
+            <a:r>
+              <a:rPr lang="en-US" dirty="0" err="1" smtClean="0">
+                <a:sym typeface="Wingdings" pitchFamily="2" charset="2"/>
+              </a:rPr>
+              <a:t>nếu</a:t>
+            </a:r>
+            <a:r>
+              <a:rPr lang="en-US" dirty="0" smtClean="0">
+                <a:sym typeface="Wingdings" pitchFamily="2" charset="2"/>
+              </a:rPr>
+              <a:t> </a:t>
+            </a:r>
+            <a:r>
+              <a:rPr lang="en-US" dirty="0" err="1" smtClean="0">
+                <a:sym typeface="Wingdings" pitchFamily="2" charset="2"/>
+              </a:rPr>
+              <a:t>có</a:t>
+            </a:r>
+            <a:r>
+              <a:rPr lang="en-US" dirty="0" smtClean="0">
+                <a:sym typeface="Wingdings" pitchFamily="2" charset="2"/>
+              </a:rPr>
+              <a:t> </a:t>
+            </a:r>
+            <a:r>
+              <a:rPr lang="en-US" dirty="0" err="1" smtClean="0">
+                <a:sym typeface="Wingdings" pitchFamily="2" charset="2"/>
+              </a:rPr>
+              <a:t>thì</a:t>
+            </a:r>
+            <a:r>
+              <a:rPr lang="en-US" dirty="0" smtClean="0">
+                <a:sym typeface="Wingdings" pitchFamily="2" charset="2"/>
+              </a:rPr>
+              <a:t> </a:t>
+            </a:r>
+            <a:r>
+              <a:rPr lang="en-US" dirty="0" err="1" smtClean="0">
+                <a:sym typeface="Wingdings" pitchFamily="2" charset="2"/>
+              </a:rPr>
+              <a:t>các</a:t>
+            </a:r>
+            <a:r>
+              <a:rPr lang="en-US" dirty="0" smtClean="0">
+                <a:sym typeface="Wingdings" pitchFamily="2" charset="2"/>
+              </a:rPr>
+              <a:t> </a:t>
+            </a:r>
+            <a:r>
+              <a:rPr lang="en-US" dirty="0" err="1" smtClean="0">
+                <a:sym typeface="Wingdings" pitchFamily="2" charset="2"/>
+              </a:rPr>
+              <a:t>chủ</a:t>
+            </a:r>
+            <a:r>
+              <a:rPr lang="en-US" dirty="0" smtClean="0">
+                <a:sym typeface="Wingdings" pitchFamily="2" charset="2"/>
+              </a:rPr>
+              <a:t> </a:t>
+            </a:r>
+            <a:r>
+              <a:rPr lang="en-US" dirty="0" err="1" smtClean="0">
+                <a:sym typeface="Wingdings" pitchFamily="2" charset="2"/>
+              </a:rPr>
+              <a:t>đề</a:t>
+            </a:r>
+            <a:r>
+              <a:rPr lang="en-US" dirty="0" smtClean="0">
+                <a:sym typeface="Wingdings" pitchFamily="2" charset="2"/>
+              </a:rPr>
+              <a:t> </a:t>
+            </a:r>
+            <a:r>
+              <a:rPr lang="en-US" dirty="0" err="1" smtClean="0">
+                <a:sym typeface="Wingdings" pitchFamily="2" charset="2"/>
+              </a:rPr>
+              <a:t>này</a:t>
+            </a:r>
+            <a:r>
+              <a:rPr lang="en-US" dirty="0" smtClean="0">
+                <a:sym typeface="Wingdings" pitchFamily="2" charset="2"/>
+              </a:rPr>
+              <a:t> </a:t>
+            </a:r>
+            <a:r>
+              <a:rPr lang="en-US" dirty="0" err="1" smtClean="0">
+                <a:sym typeface="Wingdings" pitchFamily="2" charset="2"/>
+              </a:rPr>
+              <a:t>rộng</a:t>
+            </a:r>
+            <a:r>
+              <a:rPr lang="en-US" dirty="0" smtClean="0">
+                <a:sym typeface="Wingdings" pitchFamily="2" charset="2"/>
+              </a:rPr>
+              <a:t> </a:t>
+            </a:r>
+            <a:r>
+              <a:rPr lang="en-US" dirty="0" err="1" smtClean="0">
+                <a:sym typeface="Wingdings" pitchFamily="2" charset="2"/>
+              </a:rPr>
+              <a:t>hoặc</a:t>
+            </a:r>
+            <a:r>
+              <a:rPr lang="en-US" dirty="0" smtClean="0">
+                <a:sym typeface="Wingdings" pitchFamily="2" charset="2"/>
+              </a:rPr>
+              <a:t> </a:t>
+            </a:r>
+            <a:r>
+              <a:rPr lang="en-US" dirty="0" err="1" smtClean="0">
+                <a:sym typeface="Wingdings" pitchFamily="2" charset="2"/>
+              </a:rPr>
+              <a:t>quá</a:t>
+            </a:r>
+            <a:r>
+              <a:rPr lang="en-US" dirty="0" smtClean="0">
+                <a:sym typeface="Wingdings" pitchFamily="2" charset="2"/>
+              </a:rPr>
+              <a:t> </a:t>
+            </a:r>
+            <a:r>
+              <a:rPr lang="en-US" dirty="0" err="1" smtClean="0">
+                <a:sym typeface="Wingdings" pitchFamily="2" charset="2"/>
+              </a:rPr>
+              <a:t>hẹp</a:t>
+            </a:r>
+            <a:r>
+              <a:rPr lang="en-US" dirty="0" smtClean="0">
+                <a:sym typeface="Wingdings" pitchFamily="2" charset="2"/>
+              </a:rPr>
+              <a:t> so </a:t>
+            </a:r>
+            <a:r>
+              <a:rPr lang="en-US" dirty="0" err="1" smtClean="0">
+                <a:sym typeface="Wingdings" pitchFamily="2" charset="2"/>
+              </a:rPr>
+              <a:t>với</a:t>
+            </a:r>
+            <a:r>
+              <a:rPr lang="en-US" dirty="0" smtClean="0">
+                <a:sym typeface="Wingdings" pitchFamily="2" charset="2"/>
+              </a:rPr>
+              <a:t> </a:t>
+            </a:r>
+            <a:r>
+              <a:rPr lang="en-US" dirty="0" err="1" smtClean="0">
+                <a:sym typeface="Wingdings" pitchFamily="2" charset="2"/>
+              </a:rPr>
+              <a:t>những</a:t>
+            </a:r>
+            <a:r>
+              <a:rPr lang="en-US" dirty="0" smtClean="0">
+                <a:sym typeface="Wingdings" pitchFamily="2" charset="2"/>
+              </a:rPr>
+              <a:t> </a:t>
+            </a:r>
+            <a:r>
+              <a:rPr lang="en-US" dirty="0" err="1" smtClean="0">
+                <a:sym typeface="Wingdings" pitchFamily="2" charset="2"/>
+              </a:rPr>
+              <a:t>chủ</a:t>
+            </a:r>
+            <a:r>
+              <a:rPr lang="en-US" dirty="0" smtClean="0">
+                <a:sym typeface="Wingdings" pitchFamily="2" charset="2"/>
+              </a:rPr>
+              <a:t> </a:t>
+            </a:r>
+            <a:r>
+              <a:rPr lang="en-US" dirty="0" err="1" smtClean="0">
+                <a:sym typeface="Wingdings" pitchFamily="2" charset="2"/>
+              </a:rPr>
+              <a:t>đề</a:t>
+            </a:r>
+            <a:r>
+              <a:rPr lang="en-US" dirty="0" smtClean="0">
+                <a:sym typeface="Wingdings" pitchFamily="2" charset="2"/>
+              </a:rPr>
+              <a:t> </a:t>
+            </a:r>
+            <a:r>
+              <a:rPr lang="en-US" dirty="0" err="1" smtClean="0">
+                <a:sym typeface="Wingdings" pitchFamily="2" charset="2"/>
+              </a:rPr>
+              <a:t>tìm</a:t>
+            </a:r>
+            <a:r>
+              <a:rPr lang="en-US" dirty="0" smtClean="0">
+                <a:sym typeface="Wingdings" pitchFamily="2" charset="2"/>
+              </a:rPr>
+              <a:t> </a:t>
+            </a:r>
+            <a:r>
+              <a:rPr lang="en-US" dirty="0" err="1" smtClean="0">
+                <a:sym typeface="Wingdings" pitchFamily="2" charset="2"/>
+              </a:rPr>
+              <a:t>kiếm</a:t>
+            </a:r>
+            <a:r>
+              <a:rPr lang="en-US" dirty="0" smtClean="0">
+                <a:sym typeface="Wingdings" pitchFamily="2" charset="2"/>
+              </a:rPr>
+              <a:t>.</a:t>
+            </a:r>
+          </a:p>
+          <a:p>
+            <a:pPr>
+              <a:buFont typeface="Wingdings"/>
+              <a:buChar char="è"/>
+            </a:pPr>
+            <a:r>
+              <a:rPr lang="en-US" dirty="0" smtClean="0">
+                <a:sym typeface="Wingdings" pitchFamily="2" charset="2"/>
+              </a:rPr>
+              <a:t> </a:t>
             </a:r>
             <a:r>
               <a:rPr lang="en-US" dirty="0" err="1" smtClean="0">

--- a/Report/Baocao 3-12.pptx
+++ b/Report/Baocao 3-12.pptx
@@ -13,18 +13,19 @@
     <p:sldId id="258" r:id="rId7"/>
     <p:sldId id="263" r:id="rId8"/>
     <p:sldId id="265" r:id="rId9"/>
-    <p:sldId id="259" r:id="rId10"/>
-    <p:sldId id="270" r:id="rId11"/>
-    <p:sldId id="271" r:id="rId12"/>
-    <p:sldId id="272" r:id="rId13"/>
-    <p:sldId id="273" r:id="rId14"/>
-    <p:sldId id="274" r:id="rId15"/>
+    <p:sldId id="278" r:id="rId10"/>
+    <p:sldId id="279" r:id="rId11"/>
+    <p:sldId id="259" r:id="rId12"/>
+    <p:sldId id="270" r:id="rId13"/>
+    <p:sldId id="271" r:id="rId14"/>
+    <p:sldId id="272" r:id="rId15"/>
     <p:sldId id="262" r:id="rId16"/>
     <p:sldId id="269" r:id="rId17"/>
     <p:sldId id="268" r:id="rId18"/>
     <p:sldId id="275" r:id="rId19"/>
     <p:sldId id="276" r:id="rId20"/>
-    <p:sldId id="277" r:id="rId21"/>
+    <p:sldId id="281" r:id="rId21"/>
+    <p:sldId id="277" r:id="rId22"/>
   </p:sldIdLst>
   <p:sldSz cx="9144000" cy="6858000" type="screen4x3"/>
   <p:notesSz cx="6858000" cy="9144000"/>
@@ -264,7 +265,7 @@
             <a:fld id="{1D8BD707-D9CF-40AE-B4C6-C98DA3205C09}" type="datetimeFigureOut">
               <a:rPr lang="en-US" smtClean="0"/>
               <a:pPr/>
-              <a:t>12/1/2010</a:t>
+              <a:t>12/2/2010</a:t>
             </a:fld>
             <a:endParaRPr lang="en-US"/>
           </a:p>
@@ -1135,7 +1136,7 @@
             <a:fld id="{1D8BD707-D9CF-40AE-B4C6-C98DA3205C09}" type="datetimeFigureOut">
               <a:rPr lang="en-US" smtClean="0"/>
               <a:pPr/>
-              <a:t>12/1/2010</a:t>
+              <a:t>12/2/2010</a:t>
             </a:fld>
             <a:endParaRPr lang="en-US"/>
           </a:p>
@@ -1312,7 +1313,7 @@
             <a:fld id="{1D8BD707-D9CF-40AE-B4C6-C98DA3205C09}" type="datetimeFigureOut">
               <a:rPr lang="en-US" smtClean="0"/>
               <a:pPr/>
-              <a:t>12/1/2010</a:t>
+              <a:t>12/2/2010</a:t>
             </a:fld>
             <a:endParaRPr lang="en-US"/>
           </a:p>
@@ -1484,7 +1485,7 @@
             <a:fld id="{1D8BD707-D9CF-40AE-B4C6-C98DA3205C09}" type="datetimeFigureOut">
               <a:rPr lang="en-US" smtClean="0"/>
               <a:pPr/>
-              <a:t>12/1/2010</a:t>
+              <a:t>12/2/2010</a:t>
             </a:fld>
             <a:endParaRPr lang="en-US"/>
           </a:p>
@@ -1696,7 +1697,7 @@
             <a:fld id="{1D8BD707-D9CF-40AE-B4C6-C98DA3205C09}" type="datetimeFigureOut">
               <a:rPr lang="en-US" smtClean="0"/>
               <a:pPr/>
-              <a:t>12/1/2010</a:t>
+              <a:t>12/2/2010</a:t>
             </a:fld>
             <a:endParaRPr lang="en-US"/>
           </a:p>
@@ -2512,7 +2513,7 @@
             <a:fld id="{1D8BD707-D9CF-40AE-B4C6-C98DA3205C09}" type="datetimeFigureOut">
               <a:rPr lang="en-US" smtClean="0"/>
               <a:pPr/>
-              <a:t>12/1/2010</a:t>
+              <a:t>12/2/2010</a:t>
             </a:fld>
             <a:endParaRPr lang="en-US"/>
           </a:p>
@@ -2750,7 +2751,7 @@
             <a:fld id="{1D8BD707-D9CF-40AE-B4C6-C98DA3205C09}" type="datetimeFigureOut">
               <a:rPr lang="en-US" smtClean="0"/>
               <a:pPr/>
-              <a:t>12/1/2010</a:t>
+              <a:t>12/2/2010</a:t>
             </a:fld>
             <a:endParaRPr lang="en-US"/>
           </a:p>
@@ -3075,7 +3076,7 @@
             <a:fld id="{1D8BD707-D9CF-40AE-B4C6-C98DA3205C09}" type="datetimeFigureOut">
               <a:rPr lang="en-US" smtClean="0"/>
               <a:pPr/>
-              <a:t>12/1/2010</a:t>
+              <a:t>12/2/2010</a:t>
             </a:fld>
             <a:endParaRPr lang="en-US"/>
           </a:p>
@@ -3167,7 +3168,7 @@
             <a:fld id="{1D8BD707-D9CF-40AE-B4C6-C98DA3205C09}" type="datetimeFigureOut">
               <a:rPr lang="en-US" smtClean="0"/>
               <a:pPr/>
-              <a:t>12/1/2010</a:t>
+              <a:t>12/2/2010</a:t>
             </a:fld>
             <a:endParaRPr lang="en-US"/>
           </a:p>
@@ -3686,7 +3687,7 @@
             <a:fld id="{1D8BD707-D9CF-40AE-B4C6-C98DA3205C09}" type="datetimeFigureOut">
               <a:rPr lang="en-US" smtClean="0"/>
               <a:pPr/>
-              <a:t>12/1/2010</a:t>
+              <a:t>12/2/2010</a:t>
             </a:fld>
             <a:endParaRPr lang="en-US"/>
           </a:p>
@@ -4199,7 +4200,7 @@
             <a:fld id="{1D8BD707-D9CF-40AE-B4C6-C98DA3205C09}" type="datetimeFigureOut">
               <a:rPr lang="en-US" smtClean="0"/>
               <a:pPr/>
-              <a:t>12/1/2010</a:t>
+              <a:t>12/2/2010</a:t>
             </a:fld>
             <a:endParaRPr lang="en-US"/>
           </a:p>
@@ -4446,7 +4447,7 @@
             <a:fld id="{1D8BD707-D9CF-40AE-B4C6-C98DA3205C09}" type="datetimeFigureOut">
               <a:rPr lang="en-US" smtClean="0"/>
               <a:pPr/>
-              <a:t>12/1/2010</a:t>
+              <a:t>12/2/2010</a:t>
             </a:fld>
             <a:endParaRPr lang="en-US"/>
           </a:p>
@@ -5672,6 +5673,13 @@
   <p:clrMapOvr>
     <a:masterClrMapping/>
   </p:clrMapOvr>
+  <p:timing>
+    <p:tnLst>
+      <p:par>
+        <p:cTn id="1" dur="indefinite" restart="never" nodeType="tmRoot"/>
+      </p:par>
+    </p:tnLst>
+  </p:timing>
 </p:sld>
 </file>
 
@@ -5702,21 +5710,103 @@
             <p:ph type="title"/>
           </p:nvPr>
         </p:nvSpPr>
-        <p:spPr/>
+        <p:spPr>
+          <a:xfrm>
+            <a:off x="457200" y="274638"/>
+            <a:ext cx="7467600" cy="639762"/>
+          </a:xfrm>
+        </p:spPr>
         <p:txBody>
           <a:bodyPr>
-            <a:noAutofit/>
+            <a:normAutofit/>
           </a:bodyPr>
           <a:lstStyle/>
           <a:p>
             <a:r>
-              <a:rPr lang="en-US" sz="2400" dirty="0" smtClean="0">
-                <a:latin typeface="Times New Roman" pitchFamily="18" charset="0"/>
-                <a:cs typeface="Times New Roman" pitchFamily="18" charset="0"/>
-              </a:rPr>
-              <a:t>ACM- Association for Computing Machinery </a:t>
-            </a:r>
-            <a:endParaRPr lang="en-US" sz="2400" dirty="0">
+              <a:rPr lang="en-US" sz="2500" dirty="0" err="1" smtClean="0">
+                <a:latin typeface="Times New Roman" pitchFamily="18" charset="0"/>
+                <a:cs typeface="Times New Roman" pitchFamily="18" charset="0"/>
+              </a:rPr>
+              <a:t>Một</a:t>
+            </a:r>
+            <a:r>
+              <a:rPr lang="en-US" sz="2500" dirty="0" smtClean="0">
+                <a:latin typeface="Times New Roman" pitchFamily="18" charset="0"/>
+                <a:cs typeface="Times New Roman" pitchFamily="18" charset="0"/>
+              </a:rPr>
+              <a:t> </a:t>
+            </a:r>
+            <a:r>
+              <a:rPr lang="en-US" sz="2500" dirty="0" err="1" smtClean="0">
+                <a:latin typeface="Times New Roman" pitchFamily="18" charset="0"/>
+                <a:cs typeface="Times New Roman" pitchFamily="18" charset="0"/>
+              </a:rPr>
+              <a:t>số</a:t>
+            </a:r>
+            <a:r>
+              <a:rPr lang="en-US" sz="2500" dirty="0" smtClean="0">
+                <a:latin typeface="Times New Roman" pitchFamily="18" charset="0"/>
+                <a:cs typeface="Times New Roman" pitchFamily="18" charset="0"/>
+              </a:rPr>
+              <a:t> </a:t>
+            </a:r>
+            <a:r>
+              <a:rPr lang="en-US" sz="2500" dirty="0" err="1" smtClean="0">
+                <a:latin typeface="Times New Roman" pitchFamily="18" charset="0"/>
+                <a:cs typeface="Times New Roman" pitchFamily="18" charset="0"/>
+              </a:rPr>
+              <a:t>ứng</a:t>
+            </a:r>
+            <a:r>
+              <a:rPr lang="en-US" sz="2500" dirty="0" smtClean="0">
+                <a:latin typeface="Times New Roman" pitchFamily="18" charset="0"/>
+                <a:cs typeface="Times New Roman" pitchFamily="18" charset="0"/>
+              </a:rPr>
+              <a:t> </a:t>
+            </a:r>
+            <a:r>
+              <a:rPr lang="en-US" sz="2500" dirty="0" err="1" smtClean="0">
+                <a:latin typeface="Times New Roman" pitchFamily="18" charset="0"/>
+                <a:cs typeface="Times New Roman" pitchFamily="18" charset="0"/>
+              </a:rPr>
+              <a:t>dụng</a:t>
+            </a:r>
+            <a:r>
+              <a:rPr lang="en-US" sz="2500" dirty="0" smtClean="0">
+                <a:latin typeface="Times New Roman" pitchFamily="18" charset="0"/>
+                <a:cs typeface="Times New Roman" pitchFamily="18" charset="0"/>
+              </a:rPr>
+              <a:t> </a:t>
+            </a:r>
+            <a:r>
+              <a:rPr lang="en-US" sz="2500" dirty="0" err="1" smtClean="0">
+                <a:latin typeface="Times New Roman" pitchFamily="18" charset="0"/>
+                <a:cs typeface="Times New Roman" pitchFamily="18" charset="0"/>
+              </a:rPr>
+              <a:t>xây</a:t>
+            </a:r>
+            <a:r>
+              <a:rPr lang="en-US" sz="2500" dirty="0" smtClean="0">
+                <a:latin typeface="Times New Roman" pitchFamily="18" charset="0"/>
+                <a:cs typeface="Times New Roman" pitchFamily="18" charset="0"/>
+              </a:rPr>
+              <a:t> </a:t>
+            </a:r>
+            <a:r>
+              <a:rPr lang="en-US" sz="2500" dirty="0" err="1" smtClean="0">
+                <a:latin typeface="Times New Roman" pitchFamily="18" charset="0"/>
+                <a:cs typeface="Times New Roman" pitchFamily="18" charset="0"/>
+              </a:rPr>
+              <a:t>trên</a:t>
+            </a:r>
+            <a:r>
+              <a:rPr lang="en-US" sz="2500" dirty="0" smtClean="0">
+                <a:latin typeface="Times New Roman" pitchFamily="18" charset="0"/>
+                <a:cs typeface="Times New Roman" pitchFamily="18" charset="0"/>
+              </a:rPr>
+              <a:t> DBLP Database</a:t>
+            </a:r>
+            <a:endParaRPr lang="en-US" sz="2500" dirty="0">
               <a:latin typeface="Times New Roman" pitchFamily="18" charset="0"/>
               <a:cs typeface="Times New Roman" pitchFamily="18" charset="0"/>
             </a:endParaRPr>
@@ -5730,956 +5820,665 @@
             <a:spLocks noGrp="1"/>
           </p:cNvSpPr>
           <p:nvPr>
-            <p:ph idx="1"/>
-          </p:nvPr>
-        </p:nvSpPr>
-        <p:spPr/>
-        <p:txBody>
-          <a:bodyPr>
-            <a:normAutofit fontScale="92500" lnSpcReduction="20000"/>
-          </a:bodyPr>
-          <a:lstStyle/>
-          <a:p>
-            <a:r>
-              <a:rPr lang="en-US" sz="2400" dirty="0" smtClean="0">
-                <a:latin typeface="Times New Roman" pitchFamily="18" charset="0"/>
-                <a:cs typeface="Times New Roman" pitchFamily="18" charset="0"/>
-              </a:rPr>
-              <a:t>ACM </a:t>
-            </a:r>
-            <a:r>
-              <a:rPr lang="en-US" sz="2400" dirty="0" err="1" smtClean="0">
-                <a:latin typeface="Times New Roman" pitchFamily="18" charset="0"/>
-                <a:cs typeface="Times New Roman" pitchFamily="18" charset="0"/>
-              </a:rPr>
-              <a:t>cung</a:t>
-            </a:r>
-            <a:r>
-              <a:rPr lang="en-US" sz="2400" dirty="0" smtClean="0">
-                <a:latin typeface="Times New Roman" pitchFamily="18" charset="0"/>
-                <a:cs typeface="Times New Roman" pitchFamily="18" charset="0"/>
-              </a:rPr>
-              <a:t> </a:t>
-            </a:r>
-            <a:r>
-              <a:rPr lang="en-US" sz="2400" dirty="0" err="1" smtClean="0">
-                <a:latin typeface="Times New Roman" pitchFamily="18" charset="0"/>
-                <a:cs typeface="Times New Roman" pitchFamily="18" charset="0"/>
-              </a:rPr>
-              <a:t>cấp</a:t>
-            </a:r>
-            <a:r>
-              <a:rPr lang="en-US" sz="2400" dirty="0" smtClean="0">
-                <a:latin typeface="Times New Roman" pitchFamily="18" charset="0"/>
-                <a:cs typeface="Times New Roman" pitchFamily="18" charset="0"/>
-              </a:rPr>
-              <a:t> </a:t>
-            </a:r>
-            <a:r>
-              <a:rPr lang="en-US" sz="2400" dirty="0" err="1" smtClean="0">
-                <a:latin typeface="Times New Roman" pitchFamily="18" charset="0"/>
-                <a:cs typeface="Times New Roman" pitchFamily="18" charset="0"/>
-              </a:rPr>
-              <a:t>một</a:t>
-            </a:r>
-            <a:r>
-              <a:rPr lang="en-US" sz="2400" dirty="0" smtClean="0">
-                <a:latin typeface="Times New Roman" pitchFamily="18" charset="0"/>
-                <a:cs typeface="Times New Roman" pitchFamily="18" charset="0"/>
-              </a:rPr>
-              <a:t> </a:t>
-            </a:r>
-            <a:r>
-              <a:rPr lang="en-US" sz="2400" dirty="0" err="1" smtClean="0">
-                <a:latin typeface="Times New Roman" pitchFamily="18" charset="0"/>
-                <a:cs typeface="Times New Roman" pitchFamily="18" charset="0"/>
-              </a:rPr>
-              <a:t>thư</a:t>
-            </a:r>
-            <a:r>
-              <a:rPr lang="en-US" sz="2400" dirty="0" smtClean="0">
-                <a:latin typeface="Times New Roman" pitchFamily="18" charset="0"/>
-                <a:cs typeface="Times New Roman" pitchFamily="18" charset="0"/>
-              </a:rPr>
-              <a:t> </a:t>
-            </a:r>
-            <a:r>
-              <a:rPr lang="en-US" sz="2400" dirty="0" err="1" smtClean="0">
-                <a:latin typeface="Times New Roman" pitchFamily="18" charset="0"/>
-                <a:cs typeface="Times New Roman" pitchFamily="18" charset="0"/>
-              </a:rPr>
-              <a:t>viện</a:t>
-            </a:r>
-            <a:r>
-              <a:rPr lang="en-US" sz="2400" dirty="0" smtClean="0">
-                <a:latin typeface="Times New Roman" pitchFamily="18" charset="0"/>
-                <a:cs typeface="Times New Roman" pitchFamily="18" charset="0"/>
-              </a:rPr>
-              <a:t> </a:t>
-            </a:r>
-            <a:r>
-              <a:rPr lang="en-US" sz="2400" dirty="0" err="1" smtClean="0">
-                <a:latin typeface="Times New Roman" pitchFamily="18" charset="0"/>
-                <a:cs typeface="Times New Roman" pitchFamily="18" charset="0"/>
-              </a:rPr>
-              <a:t>số</a:t>
-            </a:r>
-            <a:r>
-              <a:rPr lang="en-US" sz="2400" dirty="0" smtClean="0">
-                <a:latin typeface="Times New Roman" pitchFamily="18" charset="0"/>
-                <a:cs typeface="Times New Roman" pitchFamily="18" charset="0"/>
-              </a:rPr>
-              <a:t> </a:t>
-            </a:r>
-            <a:r>
-              <a:rPr lang="en-US" sz="2400" dirty="0" err="1" smtClean="0">
-                <a:latin typeface="Times New Roman" pitchFamily="18" charset="0"/>
-                <a:cs typeface="Times New Roman" pitchFamily="18" charset="0"/>
-              </a:rPr>
-              <a:t>cho</a:t>
-            </a:r>
-            <a:r>
-              <a:rPr lang="en-US" sz="2400" dirty="0" smtClean="0">
-                <a:latin typeface="Times New Roman" pitchFamily="18" charset="0"/>
-                <a:cs typeface="Times New Roman" pitchFamily="18" charset="0"/>
-              </a:rPr>
-              <a:t> </a:t>
-            </a:r>
-            <a:r>
-              <a:rPr lang="en-US" sz="2400" dirty="0" err="1" smtClean="0">
-                <a:latin typeface="Times New Roman" pitchFamily="18" charset="0"/>
-                <a:cs typeface="Times New Roman" pitchFamily="18" charset="0"/>
-              </a:rPr>
-              <a:t>phép</a:t>
-            </a:r>
-            <a:r>
-              <a:rPr lang="en-US" sz="2400" dirty="0" smtClean="0">
-                <a:latin typeface="Times New Roman" pitchFamily="18" charset="0"/>
-                <a:cs typeface="Times New Roman" pitchFamily="18" charset="0"/>
-              </a:rPr>
-              <a:t> </a:t>
-            </a:r>
-            <a:r>
-              <a:rPr lang="en-US" sz="2400" dirty="0" err="1" smtClean="0">
-                <a:latin typeface="Times New Roman" pitchFamily="18" charset="0"/>
-                <a:cs typeface="Times New Roman" pitchFamily="18" charset="0"/>
-              </a:rPr>
-              <a:t>người</a:t>
-            </a:r>
-            <a:r>
-              <a:rPr lang="en-US" sz="2400" dirty="0" smtClean="0">
-                <a:latin typeface="Times New Roman" pitchFamily="18" charset="0"/>
-                <a:cs typeface="Times New Roman" pitchFamily="18" charset="0"/>
-              </a:rPr>
-              <a:t> </a:t>
-            </a:r>
-            <a:r>
-              <a:rPr lang="en-US" sz="2400" dirty="0" err="1" smtClean="0">
-                <a:latin typeface="Times New Roman" pitchFamily="18" charset="0"/>
-                <a:cs typeface="Times New Roman" pitchFamily="18" charset="0"/>
-              </a:rPr>
-              <a:t>dùng</a:t>
-            </a:r>
-            <a:r>
-              <a:rPr lang="en-US" sz="2400" dirty="0" smtClean="0">
-                <a:latin typeface="Times New Roman" pitchFamily="18" charset="0"/>
-                <a:cs typeface="Times New Roman" pitchFamily="18" charset="0"/>
-              </a:rPr>
-              <a:t> </a:t>
-            </a:r>
-            <a:r>
-              <a:rPr lang="en-US" sz="2400" dirty="0" err="1" smtClean="0">
-                <a:latin typeface="Times New Roman" pitchFamily="18" charset="0"/>
-                <a:cs typeface="Times New Roman" pitchFamily="18" charset="0"/>
-              </a:rPr>
-              <a:t>tìm</a:t>
-            </a:r>
-            <a:r>
-              <a:rPr lang="en-US" sz="2400" dirty="0" smtClean="0">
-                <a:latin typeface="Times New Roman" pitchFamily="18" charset="0"/>
-                <a:cs typeface="Times New Roman" pitchFamily="18" charset="0"/>
-              </a:rPr>
-              <a:t> </a:t>
-            </a:r>
-            <a:r>
-              <a:rPr lang="en-US" sz="2400" dirty="0" err="1" smtClean="0">
-                <a:latin typeface="Times New Roman" pitchFamily="18" charset="0"/>
-                <a:cs typeface="Times New Roman" pitchFamily="18" charset="0"/>
-              </a:rPr>
-              <a:t>kiếm</a:t>
-            </a:r>
-            <a:r>
-              <a:rPr lang="en-US" sz="2400" dirty="0" smtClean="0">
-                <a:latin typeface="Times New Roman" pitchFamily="18" charset="0"/>
-                <a:cs typeface="Times New Roman" pitchFamily="18" charset="0"/>
-              </a:rPr>
-              <a:t> </a:t>
-            </a:r>
-            <a:r>
-              <a:rPr lang="en-US" sz="2400" dirty="0" err="1" smtClean="0">
-                <a:latin typeface="Times New Roman" pitchFamily="18" charset="0"/>
-                <a:cs typeface="Times New Roman" pitchFamily="18" charset="0"/>
-              </a:rPr>
-              <a:t>các</a:t>
-            </a:r>
-            <a:r>
-              <a:rPr lang="en-US" sz="2400" dirty="0" smtClean="0">
-                <a:latin typeface="Times New Roman" pitchFamily="18" charset="0"/>
-                <a:cs typeface="Times New Roman" pitchFamily="18" charset="0"/>
-              </a:rPr>
-              <a:t> </a:t>
-            </a:r>
-            <a:r>
-              <a:rPr lang="en-US" sz="2400" dirty="0" err="1" smtClean="0">
-                <a:latin typeface="Times New Roman" pitchFamily="18" charset="0"/>
-                <a:cs typeface="Times New Roman" pitchFamily="18" charset="0"/>
-              </a:rPr>
-              <a:t>bài</a:t>
-            </a:r>
-            <a:r>
-              <a:rPr lang="en-US" sz="2400" dirty="0" smtClean="0">
-                <a:latin typeface="Times New Roman" pitchFamily="18" charset="0"/>
-                <a:cs typeface="Times New Roman" pitchFamily="18" charset="0"/>
-              </a:rPr>
-              <a:t> </a:t>
-            </a:r>
-            <a:r>
-              <a:rPr lang="en-US" sz="2400" dirty="0" err="1" smtClean="0">
-                <a:latin typeface="Times New Roman" pitchFamily="18" charset="0"/>
-                <a:cs typeface="Times New Roman" pitchFamily="18" charset="0"/>
-              </a:rPr>
-              <a:t>báo</a:t>
-            </a:r>
-            <a:r>
-              <a:rPr lang="en-US" sz="2400" dirty="0" smtClean="0">
-                <a:latin typeface="Times New Roman" pitchFamily="18" charset="0"/>
-                <a:cs typeface="Times New Roman" pitchFamily="18" charset="0"/>
-              </a:rPr>
-              <a:t> </a:t>
-            </a:r>
-            <a:r>
-              <a:rPr lang="en-US" sz="2400" dirty="0" err="1" smtClean="0">
-                <a:latin typeface="Times New Roman" pitchFamily="18" charset="0"/>
-                <a:cs typeface="Times New Roman" pitchFamily="18" charset="0"/>
-              </a:rPr>
-              <a:t>khoa</a:t>
-            </a:r>
-            <a:r>
-              <a:rPr lang="en-US" sz="2400" dirty="0" smtClean="0">
-                <a:latin typeface="Times New Roman" pitchFamily="18" charset="0"/>
-                <a:cs typeface="Times New Roman" pitchFamily="18" charset="0"/>
-              </a:rPr>
-              <a:t> </a:t>
-            </a:r>
-            <a:r>
-              <a:rPr lang="en-US" sz="2400" dirty="0" err="1" smtClean="0">
-                <a:latin typeface="Times New Roman" pitchFamily="18" charset="0"/>
-                <a:cs typeface="Times New Roman" pitchFamily="18" charset="0"/>
-              </a:rPr>
-              <a:t>học</a:t>
-            </a:r>
-            <a:r>
-              <a:rPr lang="en-US" sz="2400" dirty="0" smtClean="0">
-                <a:latin typeface="Times New Roman" pitchFamily="18" charset="0"/>
-                <a:cs typeface="Times New Roman" pitchFamily="18" charset="0"/>
-              </a:rPr>
-              <a:t>.</a:t>
-            </a:r>
-          </a:p>
-          <a:p>
-            <a:r>
-              <a:rPr lang="en-US" sz="2400" dirty="0" smtClean="0">
-                <a:latin typeface="Times New Roman" pitchFamily="18" charset="0"/>
-                <a:cs typeface="Times New Roman" pitchFamily="18" charset="0"/>
-              </a:rPr>
-              <a:t>ACM </a:t>
-            </a:r>
-            <a:r>
-              <a:rPr lang="en-US" sz="2400" dirty="0" err="1" smtClean="0">
-                <a:latin typeface="Times New Roman" pitchFamily="18" charset="0"/>
-                <a:cs typeface="Times New Roman" pitchFamily="18" charset="0"/>
-              </a:rPr>
-              <a:t>sử</a:t>
-            </a:r>
-            <a:r>
-              <a:rPr lang="en-US" sz="2400" dirty="0" smtClean="0">
-                <a:latin typeface="Times New Roman" pitchFamily="18" charset="0"/>
-                <a:cs typeface="Times New Roman" pitchFamily="18" charset="0"/>
-              </a:rPr>
-              <a:t> </a:t>
-            </a:r>
-            <a:r>
-              <a:rPr lang="en-US" sz="2400" dirty="0" err="1" smtClean="0">
-                <a:latin typeface="Times New Roman" pitchFamily="18" charset="0"/>
-                <a:cs typeface="Times New Roman" pitchFamily="18" charset="0"/>
-              </a:rPr>
-              <a:t>dụng</a:t>
-            </a:r>
-            <a:r>
-              <a:rPr lang="en-US" sz="2400" dirty="0" smtClean="0">
-                <a:latin typeface="Times New Roman" pitchFamily="18" charset="0"/>
-                <a:cs typeface="Times New Roman" pitchFamily="18" charset="0"/>
-              </a:rPr>
-              <a:t> </a:t>
-            </a:r>
-            <a:r>
-              <a:rPr lang="en-US" sz="2400" dirty="0" err="1" smtClean="0">
-                <a:latin typeface="Times New Roman" pitchFamily="18" charset="0"/>
-                <a:cs typeface="Times New Roman" pitchFamily="18" charset="0"/>
-              </a:rPr>
-              <a:t>khung</a:t>
-            </a:r>
-            <a:r>
-              <a:rPr lang="en-US" sz="2400" dirty="0" smtClean="0">
-                <a:latin typeface="Times New Roman" pitchFamily="18" charset="0"/>
-                <a:cs typeface="Times New Roman" pitchFamily="18" charset="0"/>
-              </a:rPr>
-              <a:t> </a:t>
-            </a:r>
-            <a:r>
-              <a:rPr lang="en-US" sz="2400" dirty="0" err="1" smtClean="0">
-                <a:latin typeface="Times New Roman" pitchFamily="18" charset="0"/>
-                <a:cs typeface="Times New Roman" pitchFamily="18" charset="0"/>
-              </a:rPr>
-              <a:t>phân</a:t>
-            </a:r>
-            <a:r>
-              <a:rPr lang="en-US" sz="2400" dirty="0" smtClean="0">
-                <a:latin typeface="Times New Roman" pitchFamily="18" charset="0"/>
-                <a:cs typeface="Times New Roman" pitchFamily="18" charset="0"/>
-              </a:rPr>
-              <a:t> </a:t>
-            </a:r>
-            <a:r>
-              <a:rPr lang="en-US" sz="2400" dirty="0" err="1" smtClean="0">
-                <a:latin typeface="Times New Roman" pitchFamily="18" charset="0"/>
-                <a:cs typeface="Times New Roman" pitchFamily="18" charset="0"/>
-              </a:rPr>
-              <a:t>loại</a:t>
-            </a:r>
-            <a:r>
-              <a:rPr lang="en-US" sz="2400" dirty="0" smtClean="0">
-                <a:latin typeface="Times New Roman" pitchFamily="18" charset="0"/>
-                <a:cs typeface="Times New Roman" pitchFamily="18" charset="0"/>
-              </a:rPr>
-              <a:t> ACM Computing Classification System (CCS). </a:t>
-            </a:r>
-          </a:p>
-          <a:p>
-            <a:r>
-              <a:rPr lang="en-US" sz="2400" dirty="0" err="1" smtClean="0">
-                <a:latin typeface="Times New Roman" pitchFamily="18" charset="0"/>
-                <a:cs typeface="Times New Roman" pitchFamily="18" charset="0"/>
-              </a:rPr>
-              <a:t>Khi</a:t>
-            </a:r>
-            <a:r>
-              <a:rPr lang="en-US" sz="2400" dirty="0" smtClean="0">
-                <a:latin typeface="Times New Roman" pitchFamily="18" charset="0"/>
-                <a:cs typeface="Times New Roman" pitchFamily="18" charset="0"/>
-              </a:rPr>
-              <a:t> </a:t>
-            </a:r>
-            <a:r>
-              <a:rPr lang="en-US" sz="2400" dirty="0" err="1" smtClean="0">
-                <a:latin typeface="Times New Roman" pitchFamily="18" charset="0"/>
-                <a:cs typeface="Times New Roman" pitchFamily="18" charset="0"/>
-              </a:rPr>
-              <a:t>một</a:t>
-            </a:r>
-            <a:r>
-              <a:rPr lang="en-US" sz="2400" dirty="0" smtClean="0">
-                <a:latin typeface="Times New Roman" pitchFamily="18" charset="0"/>
-                <a:cs typeface="Times New Roman" pitchFamily="18" charset="0"/>
-              </a:rPr>
-              <a:t> </a:t>
-            </a:r>
-            <a:r>
-              <a:rPr lang="en-US" sz="2400" dirty="0" err="1" smtClean="0">
-                <a:latin typeface="Times New Roman" pitchFamily="18" charset="0"/>
-                <a:cs typeface="Times New Roman" pitchFamily="18" charset="0"/>
-              </a:rPr>
-              <a:t>bài</a:t>
-            </a:r>
-            <a:r>
-              <a:rPr lang="en-US" sz="2400" dirty="0" smtClean="0">
-                <a:latin typeface="Times New Roman" pitchFamily="18" charset="0"/>
-                <a:cs typeface="Times New Roman" pitchFamily="18" charset="0"/>
-              </a:rPr>
-              <a:t> </a:t>
-            </a:r>
-            <a:r>
-              <a:rPr lang="en-US" sz="2400" dirty="0" err="1" smtClean="0">
-                <a:latin typeface="Times New Roman" pitchFamily="18" charset="0"/>
-                <a:cs typeface="Times New Roman" pitchFamily="18" charset="0"/>
-              </a:rPr>
-              <a:t>báo</a:t>
-            </a:r>
-            <a:r>
-              <a:rPr lang="en-US" sz="2400" dirty="0" smtClean="0">
-                <a:latin typeface="Times New Roman" pitchFamily="18" charset="0"/>
-                <a:cs typeface="Times New Roman" pitchFamily="18" charset="0"/>
-              </a:rPr>
-              <a:t> </a:t>
-            </a:r>
-            <a:r>
-              <a:rPr lang="en-US" sz="2400" dirty="0" err="1" smtClean="0">
-                <a:latin typeface="Times New Roman" pitchFamily="18" charset="0"/>
-                <a:cs typeface="Times New Roman" pitchFamily="18" charset="0"/>
-              </a:rPr>
-              <a:t>đưa</a:t>
-            </a:r>
-            <a:r>
-              <a:rPr lang="en-US" sz="2400" dirty="0" smtClean="0">
-                <a:latin typeface="Times New Roman" pitchFamily="18" charset="0"/>
-                <a:cs typeface="Times New Roman" pitchFamily="18" charset="0"/>
-              </a:rPr>
-              <a:t> </a:t>
-            </a:r>
-            <a:r>
-              <a:rPr lang="en-US" sz="2400" dirty="0" err="1" smtClean="0">
-                <a:latin typeface="Times New Roman" pitchFamily="18" charset="0"/>
-                <a:cs typeface="Times New Roman" pitchFamily="18" charset="0"/>
-              </a:rPr>
-              <a:t>lên</a:t>
-            </a:r>
-            <a:r>
-              <a:rPr lang="en-US" sz="2400" dirty="0" smtClean="0">
-                <a:latin typeface="Times New Roman" pitchFamily="18" charset="0"/>
-                <a:cs typeface="Times New Roman" pitchFamily="18" charset="0"/>
-              </a:rPr>
-              <a:t> </a:t>
-            </a:r>
-            <a:r>
-              <a:rPr lang="en-US" sz="2400" dirty="0" err="1" smtClean="0">
-                <a:latin typeface="Times New Roman" pitchFamily="18" charset="0"/>
-                <a:cs typeface="Times New Roman" pitchFamily="18" charset="0"/>
-              </a:rPr>
-              <a:t>trên</a:t>
-            </a:r>
-            <a:r>
-              <a:rPr lang="en-US" sz="2400" dirty="0" smtClean="0">
-                <a:latin typeface="Times New Roman" pitchFamily="18" charset="0"/>
-                <a:cs typeface="Times New Roman" pitchFamily="18" charset="0"/>
-              </a:rPr>
-              <a:t> web </a:t>
-            </a:r>
-            <a:r>
-              <a:rPr lang="en-US" sz="2400" dirty="0" err="1" smtClean="0">
-                <a:latin typeface="Times New Roman" pitchFamily="18" charset="0"/>
-                <a:cs typeface="Times New Roman" pitchFamily="18" charset="0"/>
-              </a:rPr>
-              <a:t>thì</a:t>
-            </a:r>
-            <a:r>
-              <a:rPr lang="en-US" sz="2400" dirty="0" smtClean="0">
-                <a:latin typeface="Times New Roman" pitchFamily="18" charset="0"/>
-                <a:cs typeface="Times New Roman" pitchFamily="18" charset="0"/>
-              </a:rPr>
-              <a:t> </a:t>
-            </a:r>
-            <a:r>
-              <a:rPr lang="en-US" sz="2400" dirty="0" err="1" smtClean="0">
-                <a:latin typeface="Times New Roman" pitchFamily="18" charset="0"/>
-                <a:cs typeface="Times New Roman" pitchFamily="18" charset="0"/>
-              </a:rPr>
-              <a:t>người</a:t>
-            </a:r>
-            <a:r>
-              <a:rPr lang="en-US" sz="2400" dirty="0" smtClean="0">
-                <a:latin typeface="Times New Roman" pitchFamily="18" charset="0"/>
-                <a:cs typeface="Times New Roman" pitchFamily="18" charset="0"/>
-              </a:rPr>
-              <a:t> </a:t>
-            </a:r>
-            <a:r>
-              <a:rPr lang="en-US" sz="2400" dirty="0" err="1" smtClean="0">
-                <a:latin typeface="Times New Roman" pitchFamily="18" charset="0"/>
-                <a:cs typeface="Times New Roman" pitchFamily="18" charset="0"/>
-              </a:rPr>
-              <a:t>đăng</a:t>
-            </a:r>
-            <a:r>
-              <a:rPr lang="en-US" sz="2400" dirty="0" smtClean="0">
-                <a:latin typeface="Times New Roman" pitchFamily="18" charset="0"/>
-                <a:cs typeface="Times New Roman" pitchFamily="18" charset="0"/>
-              </a:rPr>
-              <a:t> </a:t>
-            </a:r>
-            <a:r>
-              <a:rPr lang="en-US" sz="2400" dirty="0" err="1" smtClean="0">
-                <a:latin typeface="Times New Roman" pitchFamily="18" charset="0"/>
-                <a:cs typeface="Times New Roman" pitchFamily="18" charset="0"/>
-              </a:rPr>
-              <a:t>bài</a:t>
-            </a:r>
-            <a:r>
-              <a:rPr lang="en-US" sz="2400" dirty="0" smtClean="0">
-                <a:latin typeface="Times New Roman" pitchFamily="18" charset="0"/>
-                <a:cs typeface="Times New Roman" pitchFamily="18" charset="0"/>
-              </a:rPr>
-              <a:t> </a:t>
-            </a:r>
-            <a:r>
-              <a:rPr lang="en-US" sz="2400" dirty="0" err="1" smtClean="0">
-                <a:latin typeface="Times New Roman" pitchFamily="18" charset="0"/>
-                <a:cs typeface="Times New Roman" pitchFamily="18" charset="0"/>
-              </a:rPr>
-              <a:t>chọn</a:t>
-            </a:r>
-            <a:r>
-              <a:rPr lang="en-US" sz="2400" dirty="0" smtClean="0">
-                <a:latin typeface="Times New Roman" pitchFamily="18" charset="0"/>
-                <a:cs typeface="Times New Roman" pitchFamily="18" charset="0"/>
-              </a:rPr>
-              <a:t> </a:t>
-            </a:r>
-            <a:r>
-              <a:rPr lang="en-US" sz="2400" dirty="0" err="1" smtClean="0">
-                <a:latin typeface="Times New Roman" pitchFamily="18" charset="0"/>
-                <a:cs typeface="Times New Roman" pitchFamily="18" charset="0"/>
-              </a:rPr>
-              <a:t>đúng</a:t>
-            </a:r>
-            <a:r>
-              <a:rPr lang="en-US" sz="2400" dirty="0" smtClean="0">
-                <a:latin typeface="Times New Roman" pitchFamily="18" charset="0"/>
-                <a:cs typeface="Times New Roman" pitchFamily="18" charset="0"/>
-              </a:rPr>
-              <a:t> </a:t>
-            </a:r>
-            <a:r>
-              <a:rPr lang="en-US" sz="2400" dirty="0" err="1" smtClean="0">
-                <a:latin typeface="Times New Roman" pitchFamily="18" charset="0"/>
-                <a:cs typeface="Times New Roman" pitchFamily="18" charset="0"/>
-              </a:rPr>
-              <a:t>chuyên</a:t>
-            </a:r>
-            <a:r>
-              <a:rPr lang="en-US" sz="2400" dirty="0" smtClean="0">
-                <a:latin typeface="Times New Roman" pitchFamily="18" charset="0"/>
-                <a:cs typeface="Times New Roman" pitchFamily="18" charset="0"/>
-              </a:rPr>
-              <a:t> </a:t>
-            </a:r>
-            <a:r>
-              <a:rPr lang="en-US" sz="2400" dirty="0" err="1" smtClean="0">
-                <a:latin typeface="Times New Roman" pitchFamily="18" charset="0"/>
-                <a:cs typeface="Times New Roman" pitchFamily="18" charset="0"/>
-              </a:rPr>
-              <a:t>đề</a:t>
-            </a:r>
-            <a:r>
-              <a:rPr lang="en-US" sz="2400" dirty="0" smtClean="0">
-                <a:latin typeface="Times New Roman" pitchFamily="18" charset="0"/>
-                <a:cs typeface="Times New Roman" pitchFamily="18" charset="0"/>
-              </a:rPr>
-              <a:t> </a:t>
-            </a:r>
-            <a:r>
-              <a:rPr lang="en-US" sz="2400" dirty="0" err="1" smtClean="0">
-                <a:latin typeface="Times New Roman" pitchFamily="18" charset="0"/>
-                <a:cs typeface="Times New Roman" pitchFamily="18" charset="0"/>
-              </a:rPr>
-              <a:t>trên</a:t>
-            </a:r>
-            <a:r>
-              <a:rPr lang="en-US" sz="2400" dirty="0" smtClean="0">
-                <a:latin typeface="Times New Roman" pitchFamily="18" charset="0"/>
-                <a:cs typeface="Times New Roman" pitchFamily="18" charset="0"/>
-              </a:rPr>
-              <a:t> CCS, </a:t>
-            </a:r>
-            <a:r>
-              <a:rPr lang="en-US" sz="2400" dirty="0" err="1" smtClean="0">
-                <a:latin typeface="Times New Roman" pitchFamily="18" charset="0"/>
-                <a:cs typeface="Times New Roman" pitchFamily="18" charset="0"/>
-              </a:rPr>
-              <a:t>trang</a:t>
-            </a:r>
-            <a:r>
-              <a:rPr lang="en-US" sz="2400" dirty="0" smtClean="0">
-                <a:latin typeface="Times New Roman" pitchFamily="18" charset="0"/>
-                <a:cs typeface="Times New Roman" pitchFamily="18" charset="0"/>
-              </a:rPr>
-              <a:t> web </a:t>
-            </a:r>
-            <a:r>
-              <a:rPr lang="en-US" sz="2400" dirty="0" err="1" smtClean="0">
-                <a:latin typeface="Times New Roman" pitchFamily="18" charset="0"/>
-                <a:cs typeface="Times New Roman" pitchFamily="18" charset="0"/>
-              </a:rPr>
-              <a:t>có</a:t>
-            </a:r>
-            <a:r>
-              <a:rPr lang="en-US" sz="2400" dirty="0" smtClean="0">
-                <a:latin typeface="Times New Roman" pitchFamily="18" charset="0"/>
-                <a:cs typeface="Times New Roman" pitchFamily="18" charset="0"/>
-              </a:rPr>
-              <a:t> </a:t>
-            </a:r>
-            <a:r>
-              <a:rPr lang="en-US" sz="2400" dirty="0" err="1" smtClean="0">
-                <a:latin typeface="Times New Roman" pitchFamily="18" charset="0"/>
-                <a:cs typeface="Times New Roman" pitchFamily="18" charset="0"/>
-              </a:rPr>
-              <a:t>một</a:t>
-            </a:r>
-            <a:r>
-              <a:rPr lang="en-US" sz="2400" dirty="0" smtClean="0">
-                <a:latin typeface="Times New Roman" pitchFamily="18" charset="0"/>
-                <a:cs typeface="Times New Roman" pitchFamily="18" charset="0"/>
-              </a:rPr>
-              <a:t> </a:t>
-            </a:r>
-            <a:r>
-              <a:rPr lang="en-US" sz="2400" dirty="0" err="1" smtClean="0">
-                <a:latin typeface="Times New Roman" pitchFamily="18" charset="0"/>
-                <a:cs typeface="Times New Roman" pitchFamily="18" charset="0"/>
-              </a:rPr>
-              <a:t>hệ</a:t>
-            </a:r>
-            <a:r>
-              <a:rPr lang="en-US" sz="2400" dirty="0" smtClean="0">
-                <a:latin typeface="Times New Roman" pitchFamily="18" charset="0"/>
-                <a:cs typeface="Times New Roman" pitchFamily="18" charset="0"/>
-              </a:rPr>
-              <a:t> </a:t>
-            </a:r>
-            <a:r>
-              <a:rPr lang="en-US" sz="2400" dirty="0" err="1" smtClean="0">
-                <a:latin typeface="Times New Roman" pitchFamily="18" charset="0"/>
-                <a:cs typeface="Times New Roman" pitchFamily="18" charset="0"/>
-              </a:rPr>
-              <a:t>thống</a:t>
-            </a:r>
-            <a:r>
-              <a:rPr lang="en-US" sz="2400" dirty="0" smtClean="0">
-                <a:latin typeface="Times New Roman" pitchFamily="18" charset="0"/>
-                <a:cs typeface="Times New Roman" pitchFamily="18" charset="0"/>
-              </a:rPr>
-              <a:t> </a:t>
-            </a:r>
-            <a:r>
-              <a:rPr lang="en-US" sz="2400" dirty="0" err="1" smtClean="0">
-                <a:latin typeface="Times New Roman" pitchFamily="18" charset="0"/>
-                <a:cs typeface="Times New Roman" pitchFamily="18" charset="0"/>
-              </a:rPr>
-              <a:t>các</a:t>
-            </a:r>
-            <a:r>
-              <a:rPr lang="en-US" sz="2400" dirty="0" smtClean="0">
-                <a:latin typeface="Times New Roman" pitchFamily="18" charset="0"/>
-                <a:cs typeface="Times New Roman" pitchFamily="18" charset="0"/>
-              </a:rPr>
-              <a:t> editor </a:t>
-            </a:r>
-            <a:r>
-              <a:rPr lang="en-US" sz="2400" dirty="0" err="1" smtClean="0">
-                <a:latin typeface="Times New Roman" pitchFamily="18" charset="0"/>
-                <a:cs typeface="Times New Roman" pitchFamily="18" charset="0"/>
-              </a:rPr>
-              <a:t>kiểm</a:t>
-            </a:r>
-            <a:r>
-              <a:rPr lang="en-US" sz="2400" dirty="0" smtClean="0">
-                <a:latin typeface="Times New Roman" pitchFamily="18" charset="0"/>
-                <a:cs typeface="Times New Roman" pitchFamily="18" charset="0"/>
-              </a:rPr>
-              <a:t> </a:t>
-            </a:r>
-            <a:r>
-              <a:rPr lang="en-US" sz="2400" dirty="0" err="1" smtClean="0">
-                <a:latin typeface="Times New Roman" pitchFamily="18" charset="0"/>
-                <a:cs typeface="Times New Roman" pitchFamily="18" charset="0"/>
-              </a:rPr>
-              <a:t>tra</a:t>
-            </a:r>
-            <a:r>
-              <a:rPr lang="en-US" sz="2400" dirty="0" smtClean="0">
-                <a:latin typeface="Times New Roman" pitchFamily="18" charset="0"/>
-                <a:cs typeface="Times New Roman" pitchFamily="18" charset="0"/>
-              </a:rPr>
-              <a:t> </a:t>
-            </a:r>
-            <a:r>
-              <a:rPr lang="en-US" sz="2400" dirty="0" err="1" smtClean="0">
-                <a:latin typeface="Times New Roman" pitchFamily="18" charset="0"/>
-                <a:cs typeface="Times New Roman" pitchFamily="18" charset="0"/>
-              </a:rPr>
-              <a:t>giai</a:t>
-            </a:r>
-            <a:r>
-              <a:rPr lang="en-US" sz="2400" dirty="0" smtClean="0">
-                <a:latin typeface="Times New Roman" pitchFamily="18" charset="0"/>
-                <a:cs typeface="Times New Roman" pitchFamily="18" charset="0"/>
-              </a:rPr>
-              <a:t> </a:t>
-            </a:r>
-            <a:r>
-              <a:rPr lang="en-US" sz="2400" dirty="0" err="1" smtClean="0">
-                <a:latin typeface="Times New Roman" pitchFamily="18" charset="0"/>
-                <a:cs typeface="Times New Roman" pitchFamily="18" charset="0"/>
-              </a:rPr>
-              <a:t>đoạn</a:t>
-            </a:r>
-            <a:r>
-              <a:rPr lang="en-US" sz="2400" dirty="0" smtClean="0">
-                <a:latin typeface="Times New Roman" pitchFamily="18" charset="0"/>
-                <a:cs typeface="Times New Roman" pitchFamily="18" charset="0"/>
-              </a:rPr>
-              <a:t> </a:t>
-            </a:r>
-            <a:r>
-              <a:rPr lang="en-US" sz="2400" dirty="0" err="1" smtClean="0">
-                <a:latin typeface="Times New Roman" pitchFamily="18" charset="0"/>
-                <a:cs typeface="Times New Roman" pitchFamily="18" charset="0"/>
-              </a:rPr>
-              <a:t>này</a:t>
-            </a:r>
-            <a:r>
-              <a:rPr lang="en-US" sz="2400" dirty="0" smtClean="0">
-                <a:latin typeface="Times New Roman" pitchFamily="18" charset="0"/>
-                <a:cs typeface="Times New Roman" pitchFamily="18" charset="0"/>
-              </a:rPr>
-              <a:t>.</a:t>
-            </a:r>
-          </a:p>
-          <a:p>
-            <a:r>
-              <a:rPr lang="en-US" sz="2400" dirty="0" err="1" smtClean="0">
-                <a:latin typeface="Times New Roman" pitchFamily="18" charset="0"/>
-                <a:cs typeface="Times New Roman" pitchFamily="18" charset="0"/>
-              </a:rPr>
-              <a:t>Kết</a:t>
-            </a:r>
-            <a:r>
-              <a:rPr lang="en-US" sz="2400" dirty="0" smtClean="0">
-                <a:latin typeface="Times New Roman" pitchFamily="18" charset="0"/>
-                <a:cs typeface="Times New Roman" pitchFamily="18" charset="0"/>
-              </a:rPr>
-              <a:t> </a:t>
-            </a:r>
-            <a:r>
-              <a:rPr lang="en-US" sz="2400" dirty="0" err="1" smtClean="0">
-                <a:latin typeface="Times New Roman" pitchFamily="18" charset="0"/>
-                <a:cs typeface="Times New Roman" pitchFamily="18" charset="0"/>
-              </a:rPr>
-              <a:t>quả</a:t>
-            </a:r>
-            <a:r>
-              <a:rPr lang="en-US" sz="2400" dirty="0" smtClean="0">
-                <a:latin typeface="Times New Roman" pitchFamily="18" charset="0"/>
-                <a:cs typeface="Times New Roman" pitchFamily="18" charset="0"/>
-              </a:rPr>
-              <a:t> </a:t>
-            </a:r>
-            <a:r>
-              <a:rPr lang="en-US" sz="2400" dirty="0" err="1" smtClean="0">
-                <a:latin typeface="Times New Roman" pitchFamily="18" charset="0"/>
-                <a:cs typeface="Times New Roman" pitchFamily="18" charset="0"/>
-              </a:rPr>
-              <a:t>trả</a:t>
-            </a:r>
-            <a:r>
-              <a:rPr lang="en-US" sz="2400" dirty="0" smtClean="0">
-                <a:latin typeface="Times New Roman" pitchFamily="18" charset="0"/>
-                <a:cs typeface="Times New Roman" pitchFamily="18" charset="0"/>
-              </a:rPr>
-              <a:t> </a:t>
-            </a:r>
-            <a:r>
-              <a:rPr lang="en-US" sz="2400" dirty="0" err="1" smtClean="0">
-                <a:latin typeface="Times New Roman" pitchFamily="18" charset="0"/>
-                <a:cs typeface="Times New Roman" pitchFamily="18" charset="0"/>
-              </a:rPr>
-              <a:t>về</a:t>
-            </a:r>
-            <a:r>
-              <a:rPr lang="en-US" sz="2400" dirty="0" smtClean="0">
-                <a:latin typeface="Times New Roman" pitchFamily="18" charset="0"/>
-                <a:cs typeface="Times New Roman" pitchFamily="18" charset="0"/>
-              </a:rPr>
-              <a:t> </a:t>
-            </a:r>
-            <a:r>
-              <a:rPr lang="en-US" sz="2400" dirty="0" err="1" smtClean="0">
-                <a:latin typeface="Times New Roman" pitchFamily="18" charset="0"/>
-                <a:cs typeface="Times New Roman" pitchFamily="18" charset="0"/>
-              </a:rPr>
-              <a:t>từ</a:t>
-            </a:r>
-            <a:r>
-              <a:rPr lang="en-US" sz="2400" dirty="0" smtClean="0">
-                <a:latin typeface="Times New Roman" pitchFamily="18" charset="0"/>
-                <a:cs typeface="Times New Roman" pitchFamily="18" charset="0"/>
-              </a:rPr>
-              <a:t> ACM </a:t>
-            </a:r>
-            <a:r>
-              <a:rPr lang="en-US" sz="2400" dirty="0" err="1" smtClean="0">
-                <a:latin typeface="Times New Roman" pitchFamily="18" charset="0"/>
-                <a:cs typeface="Times New Roman" pitchFamily="18" charset="0"/>
-              </a:rPr>
-              <a:t>bao</a:t>
-            </a:r>
-            <a:r>
-              <a:rPr lang="en-US" sz="2400" dirty="0" smtClean="0">
-                <a:latin typeface="Times New Roman" pitchFamily="18" charset="0"/>
-                <a:cs typeface="Times New Roman" pitchFamily="18" charset="0"/>
-              </a:rPr>
-              <a:t> </a:t>
-            </a:r>
-            <a:r>
-              <a:rPr lang="en-US" sz="2400" dirty="0" err="1" smtClean="0">
-                <a:latin typeface="Times New Roman" pitchFamily="18" charset="0"/>
-                <a:cs typeface="Times New Roman" pitchFamily="18" charset="0"/>
-              </a:rPr>
-              <a:t>gồm</a:t>
-            </a:r>
-            <a:r>
-              <a:rPr lang="en-US" sz="2400" dirty="0" smtClean="0">
-                <a:latin typeface="Times New Roman" pitchFamily="18" charset="0"/>
-                <a:cs typeface="Times New Roman" pitchFamily="18" charset="0"/>
-              </a:rPr>
-              <a:t> : </a:t>
-            </a:r>
-          </a:p>
-          <a:p>
-            <a:pPr lvl="1"/>
-            <a:r>
-              <a:rPr lang="en-US" sz="2000" dirty="0" smtClean="0"/>
-              <a:t>abstracts </a:t>
-            </a:r>
-          </a:p>
-          <a:p>
-            <a:pPr lvl="1"/>
-            <a:r>
-              <a:rPr lang="en-US" sz="2000" dirty="0" err="1" smtClean="0"/>
-              <a:t>citings</a:t>
-            </a:r>
-            <a:r>
-              <a:rPr lang="en-US" sz="2000" dirty="0" smtClean="0"/>
-              <a:t> (where the paper has been referenced by other papers) </a:t>
-            </a:r>
-          </a:p>
-          <a:p>
-            <a:pPr lvl="1"/>
-            <a:r>
-              <a:rPr lang="en-US" sz="2000" dirty="0" smtClean="0"/>
-              <a:t>references (by the paper to other papers) </a:t>
-            </a:r>
-          </a:p>
-          <a:p>
-            <a:pPr lvl="1"/>
-            <a:r>
-              <a:rPr lang="en-US" sz="2000" dirty="0" smtClean="0"/>
-              <a:t>index terms from ACM's Computing Classification System (CCS) </a:t>
-            </a:r>
-          </a:p>
-          <a:p>
-            <a:r>
-              <a:rPr lang="en-US" sz="2400" dirty="0" err="1" smtClean="0"/>
-              <a:t>Phải</a:t>
-            </a:r>
-            <a:r>
-              <a:rPr lang="en-US" sz="2400" dirty="0" smtClean="0"/>
-              <a:t> </a:t>
-            </a:r>
-            <a:r>
-              <a:rPr lang="en-US" sz="2400" dirty="0" err="1" smtClean="0"/>
-              <a:t>có</a:t>
-            </a:r>
-            <a:r>
-              <a:rPr lang="en-US" sz="2400" dirty="0" smtClean="0"/>
-              <a:t> </a:t>
-            </a:r>
-            <a:r>
-              <a:rPr lang="en-US" sz="2400" dirty="0" err="1" smtClean="0"/>
-              <a:t>tài</a:t>
-            </a:r>
-            <a:r>
-              <a:rPr lang="en-US" sz="2400" dirty="0" smtClean="0"/>
-              <a:t> </a:t>
-            </a:r>
-            <a:r>
-              <a:rPr lang="en-US" sz="2400" dirty="0" err="1" smtClean="0"/>
-              <a:t>khoản</a:t>
-            </a:r>
-            <a:r>
-              <a:rPr lang="en-US" sz="2400" dirty="0" smtClean="0"/>
-              <a:t> </a:t>
-            </a:r>
-            <a:r>
-              <a:rPr lang="en-US" sz="2400" dirty="0" err="1" smtClean="0"/>
-              <a:t>mới</a:t>
-            </a:r>
-            <a:r>
-              <a:rPr lang="en-US" sz="2400" dirty="0" smtClean="0"/>
-              <a:t> download </a:t>
-            </a:r>
-            <a:r>
-              <a:rPr lang="en-US" sz="2400" dirty="0" err="1" smtClean="0"/>
-              <a:t>được</a:t>
-            </a:r>
-            <a:r>
-              <a:rPr lang="en-US" sz="2400" dirty="0" smtClean="0"/>
-              <a:t> </a:t>
-            </a:r>
-            <a:r>
-              <a:rPr lang="en-US" sz="2400" dirty="0" err="1" smtClean="0"/>
-              <a:t>tài</a:t>
-            </a:r>
-            <a:r>
-              <a:rPr lang="en-US" sz="2400" dirty="0" smtClean="0"/>
-              <a:t> </a:t>
-            </a:r>
-            <a:r>
-              <a:rPr lang="en-US" sz="2400" dirty="0" err="1" smtClean="0"/>
-              <a:t>liệu</a:t>
-            </a:r>
-            <a:r>
-              <a:rPr lang="en-US" sz="2400" dirty="0" smtClean="0"/>
-              <a:t>.</a:t>
-            </a:r>
-          </a:p>
-          <a:p>
-            <a:endParaRPr lang="en-US" sz="2400" dirty="0">
-              <a:latin typeface="Times New Roman" pitchFamily="18" charset="0"/>
-              <a:cs typeface="Times New Roman" pitchFamily="18" charset="0"/>
-            </a:endParaRPr>
-          </a:p>
-        </p:txBody>
-      </p:sp>
-      <p:sp>
-        <p:nvSpPr>
-          <p:cNvPr id="4" name="Slide Number Placeholder 3"/>
-          <p:cNvSpPr>
-            <a:spLocks noGrp="1"/>
-          </p:cNvSpPr>
-          <p:nvPr>
-            <p:ph type="sldNum" sz="quarter" idx="4294967295"/>
+            <p:ph sz="quarter" idx="1"/>
           </p:nvPr>
         </p:nvSpPr>
         <p:spPr>
           <a:xfrm>
-            <a:off x="8229600" y="6473952"/>
-            <a:ext cx="758952" cy="246888"/>
-          </a:xfrm>
-          <a:prstGeom prst="rect">
-            <a:avLst/>
-          </a:prstGeom>
-        </p:spPr>
-        <p:txBody>
-          <a:bodyPr/>
-          <a:lstStyle/>
-          <a:p>
-            <a:fld id="{B6F15528-21DE-4FAA-801E-634DDDAF4B2B}" type="slidenum">
-              <a:rPr lang="en-US" smtClean="0"/>
-              <a:pPr/>
-              <a:t>10</a:t>
-            </a:fld>
-            <a:endParaRPr lang="en-US"/>
+            <a:off x="457200" y="1143000"/>
+            <a:ext cx="7467600" cy="5330952"/>
+          </a:xfrm>
+        </p:spPr>
+        <p:txBody>
+          <a:bodyPr>
+            <a:normAutofit lnSpcReduction="10000"/>
+          </a:bodyPr>
+          <a:lstStyle/>
+          <a:p>
+            <a:r>
+              <a:rPr lang="en-US" dirty="0" err="1" smtClean="0"/>
+              <a:t>CompleteSearch</a:t>
+            </a:r>
+            <a:r>
+              <a:rPr lang="en-US" dirty="0" smtClean="0"/>
+              <a:t> </a:t>
+            </a:r>
+            <a:r>
+              <a:rPr lang="en-US" dirty="0" smtClean="0"/>
+              <a:t>DBLP [1]</a:t>
+            </a:r>
+          </a:p>
+          <a:p>
+            <a:pPr lvl="3"/>
+            <a:r>
+              <a:rPr lang="en-US" dirty="0" err="1" smtClean="0"/>
+              <a:t>Tìm</a:t>
+            </a:r>
+            <a:r>
+              <a:rPr lang="en-US" dirty="0" smtClean="0"/>
+              <a:t> </a:t>
+            </a:r>
+            <a:r>
+              <a:rPr lang="en-US" dirty="0" err="1" smtClean="0"/>
+              <a:t>kiếm</a:t>
+            </a:r>
+            <a:r>
+              <a:rPr lang="en-US" dirty="0" smtClean="0"/>
+              <a:t> </a:t>
+            </a:r>
+            <a:r>
+              <a:rPr lang="en-US" dirty="0" err="1" smtClean="0"/>
+              <a:t>theo</a:t>
+            </a:r>
+            <a:r>
+              <a:rPr lang="en-US" dirty="0" smtClean="0"/>
+              <a:t> </a:t>
+            </a:r>
+            <a:r>
+              <a:rPr lang="en-US" dirty="0" err="1" smtClean="0"/>
+              <a:t>từ</a:t>
+            </a:r>
+            <a:r>
+              <a:rPr lang="en-US" dirty="0" smtClean="0"/>
+              <a:t>.</a:t>
+            </a:r>
+            <a:endParaRPr lang="en-US" sz="1200" dirty="0" smtClean="0"/>
+          </a:p>
+          <a:p>
+            <a:pPr lvl="3"/>
+            <a:r>
+              <a:rPr lang="en-US" dirty="0" err="1" smtClean="0"/>
+              <a:t>Tìm</a:t>
+            </a:r>
+            <a:r>
+              <a:rPr lang="en-US" dirty="0" smtClean="0"/>
+              <a:t> </a:t>
+            </a:r>
+            <a:r>
+              <a:rPr lang="en-US" dirty="0" err="1" smtClean="0"/>
+              <a:t>kiếm</a:t>
+            </a:r>
+            <a:r>
+              <a:rPr lang="en-US" dirty="0" smtClean="0"/>
+              <a:t> </a:t>
+            </a:r>
+            <a:r>
+              <a:rPr lang="en-US" dirty="0" err="1" smtClean="0"/>
+              <a:t>theo</a:t>
+            </a:r>
+            <a:r>
+              <a:rPr lang="en-US" dirty="0" smtClean="0"/>
+              <a:t> </a:t>
+            </a:r>
+            <a:r>
+              <a:rPr lang="en-US" dirty="0" err="1" smtClean="0"/>
+              <a:t>tên</a:t>
+            </a:r>
+            <a:r>
+              <a:rPr lang="en-US" dirty="0" smtClean="0"/>
+              <a:t> </a:t>
+            </a:r>
+            <a:r>
+              <a:rPr lang="en-US" dirty="0" err="1" smtClean="0"/>
+              <a:t>tác</a:t>
+            </a:r>
+            <a:r>
+              <a:rPr lang="en-US" dirty="0" smtClean="0"/>
+              <a:t> </a:t>
+            </a:r>
+            <a:r>
+              <a:rPr lang="en-US" dirty="0" err="1" smtClean="0"/>
+              <a:t>giả</a:t>
+            </a:r>
+            <a:r>
+              <a:rPr lang="en-US" dirty="0" smtClean="0"/>
+              <a:t>.</a:t>
+            </a:r>
+            <a:endParaRPr lang="en-US" sz="1200" dirty="0" smtClean="0"/>
+          </a:p>
+          <a:p>
+            <a:pPr lvl="3"/>
+            <a:r>
+              <a:rPr lang="en-US" dirty="0" err="1" smtClean="0"/>
+              <a:t>Tìm</a:t>
+            </a:r>
+            <a:r>
+              <a:rPr lang="en-US" dirty="0" smtClean="0"/>
+              <a:t> </a:t>
+            </a:r>
+            <a:r>
+              <a:rPr lang="en-US" dirty="0" err="1" smtClean="0"/>
+              <a:t>kiếm</a:t>
+            </a:r>
+            <a:r>
+              <a:rPr lang="en-US" dirty="0" smtClean="0"/>
+              <a:t> </a:t>
+            </a:r>
+            <a:r>
+              <a:rPr lang="en-US" dirty="0" err="1" smtClean="0"/>
+              <a:t>theo</a:t>
+            </a:r>
+            <a:r>
+              <a:rPr lang="en-US" dirty="0" smtClean="0"/>
+              <a:t> </a:t>
+            </a:r>
+            <a:r>
+              <a:rPr lang="en-US" dirty="0" err="1" smtClean="0"/>
+              <a:t>tên</a:t>
+            </a:r>
+            <a:r>
+              <a:rPr lang="en-US" dirty="0" smtClean="0"/>
+              <a:t> </a:t>
+            </a:r>
+            <a:r>
+              <a:rPr lang="en-US" dirty="0" err="1" smtClean="0"/>
+              <a:t>tổ</a:t>
+            </a:r>
+            <a:r>
+              <a:rPr lang="en-US" dirty="0" smtClean="0"/>
+              <a:t> </a:t>
+            </a:r>
+            <a:r>
+              <a:rPr lang="en-US" dirty="0" err="1" smtClean="0"/>
+              <a:t>chức</a:t>
+            </a:r>
+            <a:r>
+              <a:rPr lang="en-US" dirty="0" smtClean="0"/>
+              <a:t> </a:t>
+            </a:r>
+            <a:r>
+              <a:rPr lang="en-US" dirty="0" err="1" smtClean="0"/>
+              <a:t>công</a:t>
+            </a:r>
+            <a:r>
+              <a:rPr lang="en-US" dirty="0" smtClean="0"/>
+              <a:t> </a:t>
+            </a:r>
+            <a:r>
+              <a:rPr lang="en-US" dirty="0" err="1" smtClean="0"/>
+              <a:t>bố</a:t>
+            </a:r>
+            <a:r>
+              <a:rPr lang="en-US" dirty="0" smtClean="0"/>
+              <a:t> </a:t>
+            </a:r>
+            <a:r>
+              <a:rPr lang="en-US" dirty="0" err="1" smtClean="0"/>
+              <a:t>bài</a:t>
+            </a:r>
+            <a:r>
+              <a:rPr lang="en-US" dirty="0" smtClean="0"/>
+              <a:t> </a:t>
+            </a:r>
+            <a:r>
+              <a:rPr lang="en-US" dirty="0" err="1" smtClean="0"/>
+              <a:t>báo</a:t>
+            </a:r>
+            <a:r>
+              <a:rPr lang="en-US" dirty="0" smtClean="0"/>
+              <a:t>.</a:t>
+            </a:r>
+            <a:endParaRPr lang="en-US" sz="1200" dirty="0" smtClean="0"/>
+          </a:p>
+          <a:p>
+            <a:pPr lvl="3"/>
+            <a:r>
+              <a:rPr lang="en-US" dirty="0" err="1" smtClean="0"/>
+              <a:t>Tìm</a:t>
+            </a:r>
+            <a:r>
+              <a:rPr lang="en-US" dirty="0" smtClean="0"/>
+              <a:t> </a:t>
+            </a:r>
+            <a:r>
+              <a:rPr lang="en-US" dirty="0" err="1" smtClean="0"/>
+              <a:t>kiếm</a:t>
+            </a:r>
+            <a:r>
+              <a:rPr lang="en-US" dirty="0" smtClean="0"/>
+              <a:t> </a:t>
+            </a:r>
+            <a:r>
+              <a:rPr lang="en-US" dirty="0" err="1" smtClean="0"/>
+              <a:t>theo</a:t>
+            </a:r>
+            <a:r>
+              <a:rPr lang="en-US" dirty="0" smtClean="0"/>
+              <a:t> </a:t>
+            </a:r>
+            <a:r>
+              <a:rPr lang="en-US" dirty="0" err="1" smtClean="0"/>
+              <a:t>năm</a:t>
+            </a:r>
+            <a:r>
+              <a:rPr lang="en-US" dirty="0" smtClean="0"/>
+              <a:t> </a:t>
+            </a:r>
+            <a:r>
+              <a:rPr lang="en-US" dirty="0" err="1" smtClean="0"/>
+              <a:t>xuất</a:t>
+            </a:r>
+            <a:r>
+              <a:rPr lang="en-US" dirty="0" smtClean="0"/>
+              <a:t> </a:t>
+            </a:r>
+            <a:r>
+              <a:rPr lang="en-US" dirty="0" err="1" smtClean="0"/>
+              <a:t>bản</a:t>
+            </a:r>
+            <a:r>
+              <a:rPr lang="en-US" dirty="0" smtClean="0"/>
+              <a:t> </a:t>
+            </a:r>
+            <a:r>
+              <a:rPr lang="en-US" dirty="0" err="1" smtClean="0"/>
+              <a:t>của</a:t>
+            </a:r>
+            <a:r>
+              <a:rPr lang="en-US" dirty="0" smtClean="0"/>
+              <a:t> </a:t>
+            </a:r>
+            <a:r>
+              <a:rPr lang="en-US" dirty="0" err="1" smtClean="0"/>
+              <a:t>bài</a:t>
+            </a:r>
+            <a:r>
+              <a:rPr lang="en-US" dirty="0" smtClean="0"/>
+              <a:t> </a:t>
+            </a:r>
+            <a:r>
+              <a:rPr lang="en-US" dirty="0" err="1" smtClean="0"/>
+              <a:t>báo</a:t>
+            </a:r>
+            <a:r>
+              <a:rPr lang="en-US" dirty="0" smtClean="0"/>
+              <a:t>. </a:t>
+            </a:r>
+            <a:endParaRPr lang="en-US" dirty="0" smtClean="0"/>
+          </a:p>
+          <a:p>
+            <a:r>
+              <a:rPr lang="en-US" b="1" dirty="0" smtClean="0">
+                <a:hlinkClick r:id="rId2"/>
+              </a:rPr>
+              <a:t>Faceted </a:t>
+            </a:r>
+            <a:r>
+              <a:rPr lang="en-US" b="1" dirty="0" smtClean="0">
+                <a:hlinkClick r:id="rId2"/>
+              </a:rPr>
+              <a:t>search</a:t>
+            </a:r>
+            <a:r>
+              <a:rPr lang="en-US" b="1" dirty="0" smtClean="0"/>
+              <a:t> [2]</a:t>
+            </a:r>
+            <a:endParaRPr lang="en-US" b="1" dirty="0" smtClean="0"/>
+          </a:p>
+          <a:p>
+            <a:pPr lvl="2"/>
+            <a:r>
+              <a:rPr lang="en-US" dirty="0" err="1" smtClean="0"/>
+              <a:t>Tìm</a:t>
+            </a:r>
+            <a:r>
+              <a:rPr lang="en-US" dirty="0" smtClean="0"/>
+              <a:t> </a:t>
+            </a:r>
+            <a:r>
+              <a:rPr lang="en-US" dirty="0" err="1" smtClean="0"/>
+              <a:t>kiếm</a:t>
+            </a:r>
+            <a:r>
+              <a:rPr lang="en-US" dirty="0" smtClean="0"/>
+              <a:t> </a:t>
+            </a:r>
+            <a:r>
+              <a:rPr lang="en-US" dirty="0" err="1" smtClean="0"/>
+              <a:t>dựa</a:t>
+            </a:r>
+            <a:r>
+              <a:rPr lang="en-US" dirty="0" smtClean="0"/>
+              <a:t> </a:t>
+            </a:r>
+            <a:r>
+              <a:rPr lang="en-US" dirty="0" err="1" smtClean="0"/>
+              <a:t>vào</a:t>
+            </a:r>
+            <a:r>
+              <a:rPr lang="en-US" dirty="0" smtClean="0"/>
+              <a:t> </a:t>
+            </a:r>
+            <a:r>
+              <a:rPr lang="en-US" dirty="0" err="1" smtClean="0"/>
+              <a:t>thông</a:t>
+            </a:r>
+            <a:r>
+              <a:rPr lang="en-US" dirty="0" smtClean="0"/>
+              <a:t> tin metadata </a:t>
+            </a:r>
+            <a:r>
+              <a:rPr lang="en-US" dirty="0" err="1" smtClean="0"/>
+              <a:t>bài</a:t>
+            </a:r>
+            <a:r>
+              <a:rPr lang="en-US" dirty="0" smtClean="0"/>
+              <a:t> </a:t>
+            </a:r>
+            <a:r>
+              <a:rPr lang="en-US" dirty="0" err="1" smtClean="0"/>
+              <a:t>báo</a:t>
+            </a:r>
+            <a:r>
+              <a:rPr lang="en-US" dirty="0" smtClean="0"/>
+              <a:t>.</a:t>
+            </a:r>
+          </a:p>
+          <a:p>
+            <a:pPr lvl="2"/>
+            <a:r>
+              <a:rPr lang="en-US" dirty="0" err="1" smtClean="0"/>
+              <a:t>Tìm</a:t>
+            </a:r>
+            <a:r>
+              <a:rPr lang="en-US" dirty="0" smtClean="0"/>
+              <a:t> </a:t>
+            </a:r>
+            <a:r>
+              <a:rPr lang="en-US" dirty="0" err="1" smtClean="0"/>
+              <a:t>kiếm</a:t>
+            </a:r>
+            <a:r>
+              <a:rPr lang="en-US" dirty="0" smtClean="0"/>
+              <a:t> </a:t>
+            </a:r>
+            <a:r>
+              <a:rPr lang="en-US" dirty="0" err="1" smtClean="0"/>
+              <a:t>theo</a:t>
+            </a:r>
+            <a:r>
+              <a:rPr lang="en-US" dirty="0" smtClean="0"/>
+              <a:t> </a:t>
+            </a:r>
+            <a:r>
+              <a:rPr lang="en-US" dirty="0" err="1" smtClean="0"/>
+              <a:t>tên</a:t>
+            </a:r>
+            <a:r>
+              <a:rPr lang="en-US" dirty="0" smtClean="0"/>
+              <a:t> </a:t>
+            </a:r>
+            <a:r>
+              <a:rPr lang="en-US" dirty="0" err="1" smtClean="0"/>
+              <a:t>tác</a:t>
+            </a:r>
+            <a:r>
+              <a:rPr lang="en-US" dirty="0" smtClean="0"/>
+              <a:t> </a:t>
+            </a:r>
+            <a:r>
+              <a:rPr lang="en-US" dirty="0" err="1" smtClean="0"/>
+              <a:t>giả</a:t>
+            </a:r>
+            <a:r>
+              <a:rPr lang="en-US" dirty="0" smtClean="0"/>
+              <a:t>.</a:t>
+            </a:r>
+          </a:p>
+          <a:p>
+            <a:pPr lvl="2"/>
+            <a:r>
+              <a:rPr lang="en-US" dirty="0" err="1" smtClean="0"/>
+              <a:t>Tìm</a:t>
+            </a:r>
+            <a:r>
+              <a:rPr lang="en-US" dirty="0" smtClean="0"/>
+              <a:t> </a:t>
+            </a:r>
+            <a:r>
+              <a:rPr lang="en-US" dirty="0" err="1" smtClean="0"/>
+              <a:t>kiếm</a:t>
+            </a:r>
+            <a:r>
+              <a:rPr lang="en-US" dirty="0" smtClean="0"/>
+              <a:t> </a:t>
+            </a:r>
+            <a:r>
+              <a:rPr lang="en-US" dirty="0" err="1" smtClean="0"/>
+              <a:t>theo</a:t>
+            </a:r>
+            <a:r>
+              <a:rPr lang="en-US" dirty="0" smtClean="0"/>
+              <a:t> </a:t>
+            </a:r>
+            <a:r>
+              <a:rPr lang="en-US" dirty="0" err="1" smtClean="0"/>
+              <a:t>nơi</a:t>
+            </a:r>
+            <a:r>
+              <a:rPr lang="en-US" dirty="0" smtClean="0"/>
+              <a:t> </a:t>
+            </a:r>
+            <a:r>
+              <a:rPr lang="en-US" dirty="0" err="1" smtClean="0"/>
+              <a:t>công</a:t>
+            </a:r>
+            <a:r>
+              <a:rPr lang="en-US" dirty="0" smtClean="0"/>
+              <a:t> </a:t>
+            </a:r>
+            <a:r>
+              <a:rPr lang="en-US" dirty="0" err="1" smtClean="0"/>
+              <a:t>bố</a:t>
+            </a:r>
+            <a:r>
+              <a:rPr lang="en-US" dirty="0" smtClean="0"/>
+              <a:t> </a:t>
+            </a:r>
+            <a:r>
+              <a:rPr lang="en-US" dirty="0" err="1" smtClean="0"/>
+              <a:t>bài</a:t>
+            </a:r>
+            <a:r>
+              <a:rPr lang="en-US" dirty="0" smtClean="0"/>
+              <a:t> </a:t>
+            </a:r>
+            <a:r>
+              <a:rPr lang="en-US" dirty="0" err="1" smtClean="0"/>
+              <a:t>báo</a:t>
+            </a:r>
+            <a:r>
+              <a:rPr lang="en-US" dirty="0" smtClean="0"/>
+              <a:t>.</a:t>
+            </a:r>
+          </a:p>
+          <a:p>
+            <a:r>
+              <a:rPr lang="en-US" dirty="0" smtClean="0"/>
+              <a:t>DBL – </a:t>
+            </a:r>
+            <a:r>
+              <a:rPr lang="en-US" dirty="0" smtClean="0"/>
+              <a:t>Browser</a:t>
+            </a:r>
+          </a:p>
+          <a:p>
+            <a:pPr lvl="1">
+              <a:buNone/>
+            </a:pPr>
+            <a:r>
+              <a:rPr lang="en-US" sz="1700" dirty="0" err="1" smtClean="0"/>
+              <a:t>Là</a:t>
+            </a:r>
+            <a:r>
+              <a:rPr lang="en-US" sz="1700" dirty="0" smtClean="0"/>
+              <a:t> </a:t>
+            </a:r>
+            <a:r>
+              <a:rPr lang="en-US" sz="1700" dirty="0" err="1" smtClean="0"/>
+              <a:t>chương</a:t>
+            </a:r>
+            <a:r>
+              <a:rPr lang="en-US" sz="1700" dirty="0" smtClean="0"/>
+              <a:t> </a:t>
+            </a:r>
+            <a:r>
+              <a:rPr lang="en-US" sz="1700" dirty="0" err="1" smtClean="0"/>
+              <a:t>trình</a:t>
+            </a:r>
+            <a:r>
+              <a:rPr lang="en-US" sz="1700" dirty="0" smtClean="0"/>
+              <a:t> </a:t>
+            </a:r>
+            <a:r>
+              <a:rPr lang="en-US" sz="1700" dirty="0" err="1" smtClean="0"/>
+              <a:t>sử</a:t>
+            </a:r>
+            <a:r>
+              <a:rPr lang="en-US" sz="1700" dirty="0" smtClean="0"/>
+              <a:t> </a:t>
+            </a:r>
+            <a:r>
+              <a:rPr lang="en-US" sz="1700" dirty="0" err="1" smtClean="0"/>
+              <a:t>dụng</a:t>
+            </a:r>
+            <a:r>
+              <a:rPr lang="en-US" sz="1700" dirty="0" smtClean="0"/>
+              <a:t> </a:t>
+            </a:r>
+            <a:r>
+              <a:rPr lang="en-US" sz="1700" dirty="0" err="1" smtClean="0"/>
+              <a:t>để</a:t>
+            </a:r>
+            <a:r>
+              <a:rPr lang="en-US" sz="1700" dirty="0" smtClean="0"/>
+              <a:t> </a:t>
+            </a:r>
+            <a:r>
+              <a:rPr lang="en-US" sz="1700" dirty="0" err="1" smtClean="0"/>
+              <a:t>tìm</a:t>
+            </a:r>
+            <a:r>
+              <a:rPr lang="en-US" sz="1700" dirty="0" smtClean="0"/>
+              <a:t> </a:t>
+            </a:r>
+            <a:r>
+              <a:rPr lang="en-US" sz="1700" dirty="0" err="1" smtClean="0"/>
+              <a:t>kiếm</a:t>
+            </a:r>
+            <a:r>
+              <a:rPr lang="en-US" sz="1700" dirty="0" smtClean="0"/>
+              <a:t> </a:t>
+            </a:r>
+            <a:r>
+              <a:rPr lang="en-US" sz="1700" dirty="0" err="1" smtClean="0"/>
+              <a:t>trên</a:t>
+            </a:r>
+            <a:r>
+              <a:rPr lang="en-US" sz="1700" dirty="0" smtClean="0"/>
+              <a:t> file </a:t>
+            </a:r>
+            <a:r>
+              <a:rPr lang="en-US" sz="1700" dirty="0" err="1" smtClean="0"/>
+              <a:t>dữ</a:t>
+            </a:r>
+            <a:r>
+              <a:rPr lang="en-US" sz="1700" dirty="0" smtClean="0"/>
+              <a:t> </a:t>
+            </a:r>
+            <a:r>
+              <a:rPr lang="en-US" sz="1700" dirty="0" err="1" smtClean="0"/>
+              <a:t>liệu</a:t>
+            </a:r>
+            <a:r>
+              <a:rPr lang="en-US" sz="1700" dirty="0" smtClean="0"/>
+              <a:t> DBLP </a:t>
+            </a:r>
+            <a:r>
+              <a:rPr lang="en-US" sz="1700" dirty="0" err="1" smtClean="0"/>
+              <a:t>không</a:t>
+            </a:r>
+            <a:r>
+              <a:rPr lang="en-US" sz="1700" dirty="0" smtClean="0"/>
+              <a:t> </a:t>
+            </a:r>
+            <a:r>
+              <a:rPr lang="en-US" sz="1700" dirty="0" err="1" smtClean="0"/>
+              <a:t>cần</a:t>
+            </a:r>
+            <a:r>
+              <a:rPr lang="en-US" sz="1700" dirty="0" smtClean="0"/>
+              <a:t> </a:t>
+            </a:r>
+            <a:r>
+              <a:rPr lang="en-US" sz="1700" dirty="0" err="1" smtClean="0"/>
+              <a:t>kết</a:t>
+            </a:r>
+            <a:r>
+              <a:rPr lang="en-US" sz="1700" dirty="0" smtClean="0"/>
+              <a:t> </a:t>
+            </a:r>
+            <a:r>
+              <a:rPr lang="en-US" sz="1700" dirty="0" err="1" smtClean="0"/>
+              <a:t>nối</a:t>
+            </a:r>
+            <a:r>
+              <a:rPr lang="en-US" sz="1700" dirty="0" smtClean="0"/>
+              <a:t> internet</a:t>
+            </a:r>
+          </a:p>
+          <a:p>
+            <a:endParaRPr lang="en-US" dirty="0" smtClean="0"/>
+          </a:p>
+          <a:p>
+            <a:pPr lvl="2">
+              <a:buNone/>
+            </a:pPr>
+            <a:r>
+              <a:rPr lang="en-US" u="sng" dirty="0" smtClean="0">
+                <a:hlinkClick r:id="rId3"/>
+              </a:rPr>
+              <a:t>[</a:t>
+            </a:r>
+            <a:r>
+              <a:rPr lang="en-US" u="sng" dirty="0" smtClean="0">
+                <a:hlinkClick r:id="rId3"/>
+              </a:rPr>
+              <a:t>1]. http</a:t>
+            </a:r>
+            <a:r>
+              <a:rPr lang="en-US" u="sng" dirty="0" smtClean="0">
+                <a:hlinkClick r:id="rId3"/>
+              </a:rPr>
+              <a:t>://</a:t>
+            </a:r>
+            <a:r>
+              <a:rPr lang="en-US" u="sng" dirty="0" smtClean="0">
+                <a:hlinkClick r:id="rId3"/>
+              </a:rPr>
+              <a:t>dblp.mpi-inf.mpg.de/dblp-mirror/index.php</a:t>
+            </a:r>
+            <a:endParaRPr lang="en-US" u="sng" dirty="0" smtClean="0"/>
+          </a:p>
+          <a:p>
+            <a:pPr lvl="2">
+              <a:buNone/>
+            </a:pPr>
+            <a:r>
+              <a:rPr lang="en-US" dirty="0" smtClean="0"/>
+              <a:t>[2]http</a:t>
+            </a:r>
+            <a:r>
+              <a:rPr lang="en-US" dirty="0" smtClean="0"/>
+              <a:t>://dblp.l3s.de/?q=&amp;newQuery=yes&amp;resTableName=query_result0n7KsQ</a:t>
+            </a:r>
+            <a:endParaRPr lang="en-US" dirty="0" smtClean="0"/>
+          </a:p>
+          <a:p>
+            <a:pPr>
+              <a:buNone/>
+            </a:pPr>
+            <a:endParaRPr lang="en-US" dirty="0" smtClean="0"/>
           </a:p>
         </p:txBody>
       </p:sp>
@@ -6717,76 +6516,7 @@
       </p:grpSpPr>
       <p:sp>
         <p:nvSpPr>
-          <p:cNvPr id="3" name="Content Placeholder 2"/>
-          <p:cNvSpPr>
-            <a:spLocks noGrp="1"/>
-          </p:cNvSpPr>
-          <p:nvPr>
-            <p:ph idx="1"/>
-          </p:nvPr>
-        </p:nvSpPr>
-        <p:spPr/>
-        <p:txBody>
-          <a:bodyPr>
-            <a:normAutofit/>
-          </a:bodyPr>
-          <a:lstStyle/>
-          <a:p>
-            <a:pPr algn="just"/>
-            <a:r>
-              <a:rPr lang="en-US" smtClean="0">
-                <a:latin typeface="Times New Roman" pitchFamily="18" charset="0"/>
-                <a:cs typeface="Times New Roman" pitchFamily="18" charset="0"/>
-              </a:rPr>
-              <a:t>Là một thư viện số mà tài liệu được thư viện cung cấp chủ yếu là về lĩnh vực máy tính. </a:t>
-            </a:r>
-          </a:p>
-          <a:p>
-            <a:pPr algn="just"/>
-            <a:r>
-              <a:rPr lang="en-US" smtClean="0">
-                <a:latin typeface="Times New Roman" pitchFamily="18" charset="0"/>
-                <a:cs typeface="Times New Roman" pitchFamily="18" charset="0"/>
-              </a:rPr>
-              <a:t>Thư viện số này dùng hệ thống Autonomous Citation Indexing (ACI) để đánh chỉ mục và tìm kiếm tài liệu từ đó tạo cơ sở để người dùng có thể tìm kiếm được các bài báo. </a:t>
-            </a:r>
-          </a:p>
-          <a:p>
-            <a:pPr algn="just"/>
-            <a:r>
-              <a:rPr lang="en-US" smtClean="0">
-                <a:latin typeface="Times New Roman" pitchFamily="18" charset="0"/>
-                <a:cs typeface="Times New Roman" pitchFamily="18" charset="0"/>
-              </a:rPr>
-              <a:t>Khi ng</a:t>
-            </a:r>
-            <a:r>
-              <a:rPr lang="vi-VN" smtClean="0">
-                <a:latin typeface="Times New Roman" pitchFamily="18" charset="0"/>
-                <a:cs typeface="Times New Roman" pitchFamily="18" charset="0"/>
-              </a:rPr>
-              <a:t>ườ</a:t>
-            </a:r>
-            <a:r>
-              <a:rPr lang="en-US" smtClean="0">
-                <a:latin typeface="Times New Roman" pitchFamily="18" charset="0"/>
-                <a:cs typeface="Times New Roman" pitchFamily="18" charset="0"/>
-              </a:rPr>
-              <a:t>i dùng tra cứu thông tin về một bài báo thì hệ thống sẽ trả về các thông tin sau: Link download, các thông tin metadata (abtract, title, year).</a:t>
-            </a:r>
-          </a:p>
-          <a:p>
-            <a:pPr algn="just"/>
-            <a:endParaRPr lang="en-US">
-              <a:latin typeface="Times New Roman" pitchFamily="18" charset="0"/>
-              <a:cs typeface="Times New Roman" pitchFamily="18" charset="0"/>
-            </a:endParaRPr>
-          </a:p>
-        </p:txBody>
-      </p:sp>
-      <p:sp>
-        <p:nvSpPr>
-          <p:cNvPr id="4" name="Title 1"/>
+          <p:cNvPr id="2" name="Title 1"/>
           <p:cNvSpPr>
             <a:spLocks noGrp="1"/>
           </p:cNvSpPr>
@@ -6796,49 +6526,165 @@
         </p:nvSpPr>
         <p:spPr/>
         <p:txBody>
-          <a:bodyPr/>
-          <a:lstStyle/>
-          <a:p>
-            <a:r>
-              <a:rPr lang="en-US" dirty="0" err="1" smtClean="0">
-                <a:latin typeface="Times New Roman" pitchFamily="18" charset="0"/>
-                <a:cs typeface="Times New Roman" pitchFamily="18" charset="0"/>
-              </a:rPr>
-              <a:t>Citeseerx</a:t>
-            </a:r>
+          <a:bodyPr>
+            <a:normAutofit fontScale="90000"/>
+          </a:bodyPr>
+          <a:lstStyle/>
+          <a:p>
+            <a:r>
+              <a:rPr lang="en-US" sz="3200" dirty="0" err="1" smtClean="0"/>
+              <a:t>Hệ</a:t>
+            </a:r>
+            <a:r>
+              <a:rPr lang="en-US" sz="3200" dirty="0" smtClean="0"/>
+              <a:t> </a:t>
+            </a:r>
+            <a:r>
+              <a:rPr lang="en-US" sz="3200" dirty="0" err="1" smtClean="0"/>
+              <a:t>thống</a:t>
+            </a:r>
+            <a:r>
+              <a:rPr lang="en-US" sz="3200" dirty="0" smtClean="0"/>
+              <a:t> </a:t>
+            </a:r>
+            <a:r>
+              <a:rPr lang="en-US" sz="3200" dirty="0" err="1" smtClean="0"/>
+              <a:t>thư</a:t>
+            </a:r>
+            <a:r>
+              <a:rPr lang="en-US" sz="3200" dirty="0" smtClean="0"/>
+              <a:t> </a:t>
+            </a:r>
+            <a:r>
+              <a:rPr lang="en-US" sz="3200" dirty="0" err="1" smtClean="0"/>
+              <a:t>viện</a:t>
+            </a:r>
+            <a:r>
+              <a:rPr lang="en-US" sz="3200" dirty="0" smtClean="0"/>
+              <a:t> </a:t>
+            </a:r>
+            <a:r>
+              <a:rPr lang="en-US" sz="3200" dirty="0" err="1" smtClean="0"/>
+              <a:t>số</a:t>
+            </a:r>
+            <a:r>
+              <a:rPr lang="en-US" sz="3200" dirty="0" smtClean="0"/>
+              <a:t> </a:t>
+            </a:r>
+            <a:r>
+              <a:rPr lang="en-US" sz="3200" dirty="0" err="1" smtClean="0"/>
+              <a:t>và</a:t>
+            </a:r>
+            <a:r>
+              <a:rPr lang="en-US" sz="3200" dirty="0" smtClean="0"/>
+              <a:t> </a:t>
+            </a:r>
+            <a:r>
+              <a:rPr lang="en-US" sz="3200" dirty="0" err="1" smtClean="0"/>
+              <a:t>cây</a:t>
+            </a:r>
+            <a:r>
+              <a:rPr lang="en-US" sz="3200" dirty="0" smtClean="0"/>
+              <a:t> </a:t>
+            </a:r>
+            <a:r>
+              <a:rPr lang="en-US" sz="3200" dirty="0" err="1" smtClean="0"/>
+              <a:t>phân</a:t>
+            </a:r>
+            <a:r>
+              <a:rPr lang="en-US" sz="3200" dirty="0" smtClean="0"/>
+              <a:t> </a:t>
+            </a:r>
+            <a:r>
+              <a:rPr lang="en-US" sz="3200" dirty="0" err="1" smtClean="0"/>
+              <a:t>lớp</a:t>
+            </a:r>
+            <a:r>
+              <a:rPr lang="en-US" sz="3200" dirty="0" smtClean="0"/>
+              <a:t> </a:t>
+            </a:r>
+            <a:r>
+              <a:rPr lang="en-US" sz="3200" dirty="0" err="1" smtClean="0"/>
+              <a:t>của</a:t>
+            </a:r>
+            <a:r>
+              <a:rPr lang="en-US" sz="3200" dirty="0" smtClean="0"/>
+              <a:t> </a:t>
+            </a:r>
+            <a:r>
+              <a:rPr lang="en-US" sz="3200" dirty="0" err="1" smtClean="0"/>
+              <a:t>thư</a:t>
+            </a:r>
+            <a:r>
+              <a:rPr lang="en-US" sz="3200" dirty="0" smtClean="0"/>
+              <a:t> </a:t>
+            </a:r>
+            <a:r>
+              <a:rPr lang="en-US" sz="3200" dirty="0" err="1" smtClean="0"/>
+              <a:t>viện</a:t>
+            </a:r>
+            <a:r>
+              <a:rPr lang="en-US" sz="3200" dirty="0" smtClean="0"/>
+              <a:t> </a:t>
+            </a:r>
+            <a:r>
+              <a:rPr lang="en-US" sz="3200" dirty="0" err="1" smtClean="0"/>
+              <a:t>số</a:t>
+            </a:r>
+            <a:r>
+              <a:rPr lang="en-US" sz="3200" dirty="0" smtClean="0"/>
+              <a:t>.</a:t>
+            </a:r>
+            <a:br>
+              <a:rPr lang="en-US" sz="3200" dirty="0" smtClean="0"/>
+            </a:br>
             <a:endParaRPr lang="en-US" dirty="0"/>
           </a:p>
         </p:txBody>
       </p:sp>
       <p:sp>
         <p:nvSpPr>
-          <p:cNvPr id="5" name="Slide Number Placeholder 4"/>
+          <p:cNvPr id="3" name="Content Placeholder 2"/>
           <p:cNvSpPr>
             <a:spLocks noGrp="1"/>
           </p:cNvSpPr>
           <p:nvPr>
-            <p:ph type="sldNum" sz="quarter" idx="4294967295"/>
+            <p:ph sz="quarter" idx="1"/>
           </p:nvPr>
         </p:nvSpPr>
-        <p:spPr>
-          <a:xfrm>
-            <a:off x="8229600" y="6473952"/>
-            <a:ext cx="758952" cy="246888"/>
-          </a:xfrm>
-          <a:prstGeom prst="rect">
-            <a:avLst/>
-          </a:prstGeom>
-        </p:spPr>
+        <p:spPr/>
         <p:txBody>
           <a:bodyPr/>
           <a:lstStyle/>
           <a:p>
-            <a:fld id="{B6F15528-21DE-4FAA-801E-634DDDAF4B2B}" type="slidenum">
-              <a:rPr lang="en-US" smtClean="0"/>
-              <a:pPr/>
-              <a:t>11</a:t>
-            </a:fld>
-            <a:endParaRPr lang="en-US"/>
+            <a:pPr lvl="1"/>
+            <a:r>
+              <a:rPr lang="en-US" sz="2000" dirty="0" smtClean="0"/>
+              <a:t>ACM.</a:t>
+            </a:r>
+          </a:p>
+          <a:p>
+            <a:pPr lvl="1"/>
+            <a:r>
+              <a:rPr lang="en-US" sz="2000" dirty="0" smtClean="0"/>
+              <a:t>IEEE </a:t>
+            </a:r>
+            <a:r>
+              <a:rPr lang="en-US" sz="2000" dirty="0" err="1" smtClean="0"/>
+              <a:t>Xplore</a:t>
+            </a:r>
+            <a:endParaRPr lang="en-US" sz="2000" dirty="0" smtClean="0"/>
+          </a:p>
+          <a:p>
+            <a:pPr lvl="1"/>
+            <a:r>
+              <a:rPr lang="en-US" sz="2000" dirty="0" err="1" smtClean="0"/>
+              <a:t>Cicesser</a:t>
+            </a:r>
+            <a:endParaRPr lang="en-US" sz="2000" dirty="0" smtClean="0"/>
+          </a:p>
+          <a:p>
+            <a:endParaRPr lang="en-US" dirty="0"/>
           </a:p>
         </p:txBody>
       </p:sp>
@@ -6886,24 +6732,22 @@
         </p:nvSpPr>
         <p:spPr/>
         <p:txBody>
-          <a:bodyPr/>
-          <a:lstStyle/>
-          <a:p>
-            <a:r>
-              <a:rPr lang="en-US" dirty="0" smtClean="0">
-                <a:latin typeface="Times New Roman" pitchFamily="18" charset="0"/>
-                <a:cs typeface="Times New Roman" pitchFamily="18" charset="0"/>
-              </a:rPr>
-              <a:t>IEEE </a:t>
-            </a:r>
-            <a:r>
-              <a:rPr lang="en-US" dirty="0" err="1" smtClean="0">
-                <a:latin typeface="Times New Roman" pitchFamily="18" charset="0"/>
-                <a:cs typeface="Times New Roman" pitchFamily="18" charset="0"/>
-              </a:rPr>
-              <a:t>Xplore</a:t>
-            </a:r>
-            <a:endParaRPr lang="en-US" dirty="0"/>
+          <a:bodyPr>
+            <a:noAutofit/>
+          </a:bodyPr>
+          <a:lstStyle/>
+          <a:p>
+            <a:r>
+              <a:rPr lang="en-US" sz="2400" dirty="0" smtClean="0">
+                <a:latin typeface="Times New Roman" pitchFamily="18" charset="0"/>
+                <a:cs typeface="Times New Roman" pitchFamily="18" charset="0"/>
+              </a:rPr>
+              <a:t>ACM- Association for Computing Machinery </a:t>
+            </a:r>
+            <a:endParaRPr lang="en-US" sz="2400" dirty="0">
+              <a:latin typeface="Times New Roman" pitchFamily="18" charset="0"/>
+              <a:cs typeface="Times New Roman" pitchFamily="18" charset="0"/>
+            </a:endParaRPr>
           </a:p>
         </p:txBody>
       </p:sp>
@@ -6924,33 +6768,1381 @@
           </a:bodyPr>
           <a:lstStyle/>
           <a:p>
-            <a:pPr algn="just"/>
-            <a:r>
-              <a:rPr lang="en-US" u="sng" smtClean="0">
-                <a:latin typeface="Times New Roman" pitchFamily="18" charset="0"/>
-                <a:cs typeface="Times New Roman" pitchFamily="18" charset="0"/>
-                <a:hlinkClick r:id="rId2"/>
-              </a:rPr>
-              <a:t>http://ieeexplore.ieee.org</a:t>
-            </a:r>
-            <a:r>
-              <a:rPr lang="en-US" smtClean="0">
-                <a:latin typeface="Times New Roman" pitchFamily="18" charset="0"/>
-                <a:cs typeface="Times New Roman" pitchFamily="18" charset="0"/>
-              </a:rPr>
-              <a:t> đây là trang web hỗ trợ tìm kiếm các bài báo khoa học. Hệ thống sẽ tìm kiếm các bài báo trong thư viện số IEEExplore dựa vào các khóa do người dùng nhập.</a:t>
-            </a:r>
-          </a:p>
-          <a:p>
-            <a:pPr algn="just"/>
-            <a:r>
-              <a:rPr lang="en-US" smtClean="0">
-                <a:latin typeface="Times New Roman" pitchFamily="18" charset="0"/>
-                <a:cs typeface="Times New Roman" pitchFamily="18" charset="0"/>
-              </a:rPr>
-              <a:t>Thư viện số này cập nhật dữ liệu bởi các tác giả của các bài báo hoặc tổ chức muốn công bố bài báo. Dữ liệu được thêm dựa vào mẫu do hệ thống trang web trên cung cấp.</a:t>
-            </a:r>
-            <a:endParaRPr lang="en-US" dirty="0">
+            <a:r>
+              <a:rPr lang="en-US" sz="2400" dirty="0" smtClean="0">
+                <a:latin typeface="Times New Roman" pitchFamily="18" charset="0"/>
+                <a:cs typeface="Times New Roman" pitchFamily="18" charset="0"/>
+              </a:rPr>
+              <a:t>ACM </a:t>
+            </a:r>
+            <a:r>
+              <a:rPr lang="en-US" sz="2400" dirty="0" err="1" smtClean="0">
+                <a:latin typeface="Times New Roman" pitchFamily="18" charset="0"/>
+                <a:cs typeface="Times New Roman" pitchFamily="18" charset="0"/>
+              </a:rPr>
+              <a:t>cung</a:t>
+            </a:r>
+            <a:r>
+              <a:rPr lang="en-US" sz="2400" dirty="0" smtClean="0">
+                <a:latin typeface="Times New Roman" pitchFamily="18" charset="0"/>
+                <a:cs typeface="Times New Roman" pitchFamily="18" charset="0"/>
+              </a:rPr>
+              <a:t> </a:t>
+            </a:r>
+            <a:r>
+              <a:rPr lang="en-US" sz="2400" dirty="0" err="1" smtClean="0">
+                <a:latin typeface="Times New Roman" pitchFamily="18" charset="0"/>
+                <a:cs typeface="Times New Roman" pitchFamily="18" charset="0"/>
+              </a:rPr>
+              <a:t>cấp</a:t>
+            </a:r>
+            <a:r>
+              <a:rPr lang="en-US" sz="2400" dirty="0" smtClean="0">
+                <a:latin typeface="Times New Roman" pitchFamily="18" charset="0"/>
+                <a:cs typeface="Times New Roman" pitchFamily="18" charset="0"/>
+              </a:rPr>
+              <a:t> </a:t>
+            </a:r>
+            <a:r>
+              <a:rPr lang="en-US" sz="2400" dirty="0" err="1" smtClean="0">
+                <a:latin typeface="Times New Roman" pitchFamily="18" charset="0"/>
+                <a:cs typeface="Times New Roman" pitchFamily="18" charset="0"/>
+              </a:rPr>
+              <a:t>một</a:t>
+            </a:r>
+            <a:r>
+              <a:rPr lang="en-US" sz="2400" dirty="0" smtClean="0">
+                <a:latin typeface="Times New Roman" pitchFamily="18" charset="0"/>
+                <a:cs typeface="Times New Roman" pitchFamily="18" charset="0"/>
+              </a:rPr>
+              <a:t> </a:t>
+            </a:r>
+            <a:r>
+              <a:rPr lang="en-US" sz="2400" dirty="0" err="1" smtClean="0">
+                <a:latin typeface="Times New Roman" pitchFamily="18" charset="0"/>
+                <a:cs typeface="Times New Roman" pitchFamily="18" charset="0"/>
+              </a:rPr>
+              <a:t>thư</a:t>
+            </a:r>
+            <a:r>
+              <a:rPr lang="en-US" sz="2400" dirty="0" smtClean="0">
+                <a:latin typeface="Times New Roman" pitchFamily="18" charset="0"/>
+                <a:cs typeface="Times New Roman" pitchFamily="18" charset="0"/>
+              </a:rPr>
+              <a:t> </a:t>
+            </a:r>
+            <a:r>
+              <a:rPr lang="en-US" sz="2400" dirty="0" err="1" smtClean="0">
+                <a:latin typeface="Times New Roman" pitchFamily="18" charset="0"/>
+                <a:cs typeface="Times New Roman" pitchFamily="18" charset="0"/>
+              </a:rPr>
+              <a:t>viện</a:t>
+            </a:r>
+            <a:r>
+              <a:rPr lang="en-US" sz="2400" dirty="0" smtClean="0">
+                <a:latin typeface="Times New Roman" pitchFamily="18" charset="0"/>
+                <a:cs typeface="Times New Roman" pitchFamily="18" charset="0"/>
+              </a:rPr>
+              <a:t> </a:t>
+            </a:r>
+            <a:r>
+              <a:rPr lang="en-US" sz="2400" dirty="0" err="1" smtClean="0">
+                <a:latin typeface="Times New Roman" pitchFamily="18" charset="0"/>
+                <a:cs typeface="Times New Roman" pitchFamily="18" charset="0"/>
+              </a:rPr>
+              <a:t>số</a:t>
+            </a:r>
+            <a:r>
+              <a:rPr lang="en-US" sz="2400" dirty="0" smtClean="0">
+                <a:latin typeface="Times New Roman" pitchFamily="18" charset="0"/>
+                <a:cs typeface="Times New Roman" pitchFamily="18" charset="0"/>
+              </a:rPr>
+              <a:t> </a:t>
+            </a:r>
+            <a:r>
+              <a:rPr lang="en-US" sz="2400" dirty="0" err="1" smtClean="0">
+                <a:latin typeface="Times New Roman" pitchFamily="18" charset="0"/>
+                <a:cs typeface="Times New Roman" pitchFamily="18" charset="0"/>
+              </a:rPr>
+              <a:t>cho</a:t>
+            </a:r>
+            <a:r>
+              <a:rPr lang="en-US" sz="2400" dirty="0" smtClean="0">
+                <a:latin typeface="Times New Roman" pitchFamily="18" charset="0"/>
+                <a:cs typeface="Times New Roman" pitchFamily="18" charset="0"/>
+              </a:rPr>
+              <a:t> </a:t>
+            </a:r>
+            <a:r>
+              <a:rPr lang="en-US" sz="2400" dirty="0" err="1" smtClean="0">
+                <a:latin typeface="Times New Roman" pitchFamily="18" charset="0"/>
+                <a:cs typeface="Times New Roman" pitchFamily="18" charset="0"/>
+              </a:rPr>
+              <a:t>phép</a:t>
+            </a:r>
+            <a:r>
+              <a:rPr lang="en-US" sz="2400" dirty="0" smtClean="0">
+                <a:latin typeface="Times New Roman" pitchFamily="18" charset="0"/>
+                <a:cs typeface="Times New Roman" pitchFamily="18" charset="0"/>
+              </a:rPr>
+              <a:t> </a:t>
+            </a:r>
+            <a:r>
+              <a:rPr lang="en-US" sz="2400" dirty="0" err="1" smtClean="0">
+                <a:latin typeface="Times New Roman" pitchFamily="18" charset="0"/>
+                <a:cs typeface="Times New Roman" pitchFamily="18" charset="0"/>
+              </a:rPr>
+              <a:t>người</a:t>
+            </a:r>
+            <a:r>
+              <a:rPr lang="en-US" sz="2400" dirty="0" smtClean="0">
+                <a:latin typeface="Times New Roman" pitchFamily="18" charset="0"/>
+                <a:cs typeface="Times New Roman" pitchFamily="18" charset="0"/>
+              </a:rPr>
+              <a:t> </a:t>
+            </a:r>
+            <a:r>
+              <a:rPr lang="en-US" sz="2400" dirty="0" err="1" smtClean="0">
+                <a:latin typeface="Times New Roman" pitchFamily="18" charset="0"/>
+                <a:cs typeface="Times New Roman" pitchFamily="18" charset="0"/>
+              </a:rPr>
+              <a:t>dùng</a:t>
+            </a:r>
+            <a:r>
+              <a:rPr lang="en-US" sz="2400" dirty="0" smtClean="0">
+                <a:latin typeface="Times New Roman" pitchFamily="18" charset="0"/>
+                <a:cs typeface="Times New Roman" pitchFamily="18" charset="0"/>
+              </a:rPr>
+              <a:t> </a:t>
+            </a:r>
+            <a:r>
+              <a:rPr lang="en-US" sz="2400" dirty="0" err="1" smtClean="0">
+                <a:latin typeface="Times New Roman" pitchFamily="18" charset="0"/>
+                <a:cs typeface="Times New Roman" pitchFamily="18" charset="0"/>
+              </a:rPr>
+              <a:t>tìm</a:t>
+            </a:r>
+            <a:r>
+              <a:rPr lang="en-US" sz="2400" dirty="0" smtClean="0">
+                <a:latin typeface="Times New Roman" pitchFamily="18" charset="0"/>
+                <a:cs typeface="Times New Roman" pitchFamily="18" charset="0"/>
+              </a:rPr>
+              <a:t> </a:t>
+            </a:r>
+            <a:r>
+              <a:rPr lang="en-US" sz="2400" dirty="0" err="1" smtClean="0">
+                <a:latin typeface="Times New Roman" pitchFamily="18" charset="0"/>
+                <a:cs typeface="Times New Roman" pitchFamily="18" charset="0"/>
+              </a:rPr>
+              <a:t>kiếm</a:t>
+            </a:r>
+            <a:r>
+              <a:rPr lang="en-US" sz="2400" dirty="0" smtClean="0">
+                <a:latin typeface="Times New Roman" pitchFamily="18" charset="0"/>
+                <a:cs typeface="Times New Roman" pitchFamily="18" charset="0"/>
+              </a:rPr>
+              <a:t> </a:t>
+            </a:r>
+            <a:r>
+              <a:rPr lang="en-US" sz="2400" dirty="0" err="1" smtClean="0">
+                <a:latin typeface="Times New Roman" pitchFamily="18" charset="0"/>
+                <a:cs typeface="Times New Roman" pitchFamily="18" charset="0"/>
+              </a:rPr>
+              <a:t>các</a:t>
+            </a:r>
+            <a:r>
+              <a:rPr lang="en-US" sz="2400" dirty="0" smtClean="0">
+                <a:latin typeface="Times New Roman" pitchFamily="18" charset="0"/>
+                <a:cs typeface="Times New Roman" pitchFamily="18" charset="0"/>
+              </a:rPr>
+              <a:t> </a:t>
+            </a:r>
+            <a:r>
+              <a:rPr lang="en-US" sz="2400" dirty="0" err="1" smtClean="0">
+                <a:latin typeface="Times New Roman" pitchFamily="18" charset="0"/>
+                <a:cs typeface="Times New Roman" pitchFamily="18" charset="0"/>
+              </a:rPr>
+              <a:t>bài</a:t>
+            </a:r>
+            <a:r>
+              <a:rPr lang="en-US" sz="2400" dirty="0" smtClean="0">
+                <a:latin typeface="Times New Roman" pitchFamily="18" charset="0"/>
+                <a:cs typeface="Times New Roman" pitchFamily="18" charset="0"/>
+              </a:rPr>
+              <a:t> </a:t>
+            </a:r>
+            <a:r>
+              <a:rPr lang="en-US" sz="2400" dirty="0" err="1" smtClean="0">
+                <a:latin typeface="Times New Roman" pitchFamily="18" charset="0"/>
+                <a:cs typeface="Times New Roman" pitchFamily="18" charset="0"/>
+              </a:rPr>
+              <a:t>báo</a:t>
+            </a:r>
+            <a:r>
+              <a:rPr lang="en-US" sz="2400" dirty="0" smtClean="0">
+                <a:latin typeface="Times New Roman" pitchFamily="18" charset="0"/>
+                <a:cs typeface="Times New Roman" pitchFamily="18" charset="0"/>
+              </a:rPr>
+              <a:t> </a:t>
+            </a:r>
+            <a:r>
+              <a:rPr lang="en-US" sz="2400" dirty="0" err="1" smtClean="0">
+                <a:latin typeface="Times New Roman" pitchFamily="18" charset="0"/>
+                <a:cs typeface="Times New Roman" pitchFamily="18" charset="0"/>
+              </a:rPr>
+              <a:t>khoa</a:t>
+            </a:r>
+            <a:r>
+              <a:rPr lang="en-US" sz="2400" dirty="0" smtClean="0">
+                <a:latin typeface="Times New Roman" pitchFamily="18" charset="0"/>
+                <a:cs typeface="Times New Roman" pitchFamily="18" charset="0"/>
+              </a:rPr>
+              <a:t> </a:t>
+            </a:r>
+            <a:r>
+              <a:rPr lang="en-US" sz="2400" dirty="0" err="1" smtClean="0">
+                <a:latin typeface="Times New Roman" pitchFamily="18" charset="0"/>
+                <a:cs typeface="Times New Roman" pitchFamily="18" charset="0"/>
+              </a:rPr>
+              <a:t>học</a:t>
+            </a:r>
+            <a:r>
+              <a:rPr lang="en-US" sz="2400" dirty="0" smtClean="0">
+                <a:latin typeface="Times New Roman" pitchFamily="18" charset="0"/>
+                <a:cs typeface="Times New Roman" pitchFamily="18" charset="0"/>
+              </a:rPr>
+              <a:t> </a:t>
+            </a:r>
+            <a:r>
+              <a:rPr lang="en-US" sz="2400" dirty="0" err="1" smtClean="0">
+                <a:latin typeface="Times New Roman" pitchFamily="18" charset="0"/>
+                <a:cs typeface="Times New Roman" pitchFamily="18" charset="0"/>
+              </a:rPr>
+              <a:t>được</a:t>
+            </a:r>
+            <a:r>
+              <a:rPr lang="en-US" sz="2400" dirty="0" smtClean="0">
+                <a:latin typeface="Times New Roman" pitchFamily="18" charset="0"/>
+                <a:cs typeface="Times New Roman" pitchFamily="18" charset="0"/>
+              </a:rPr>
+              <a:t> </a:t>
+            </a:r>
+            <a:r>
+              <a:rPr lang="en-US" sz="2400" dirty="0" err="1" smtClean="0">
+                <a:latin typeface="Times New Roman" pitchFamily="18" charset="0"/>
+                <a:cs typeface="Times New Roman" pitchFamily="18" charset="0"/>
+              </a:rPr>
+              <a:t>công</a:t>
+            </a:r>
+            <a:r>
+              <a:rPr lang="en-US" sz="2400" dirty="0" smtClean="0">
+                <a:latin typeface="Times New Roman" pitchFamily="18" charset="0"/>
+                <a:cs typeface="Times New Roman" pitchFamily="18" charset="0"/>
+              </a:rPr>
+              <a:t> </a:t>
+            </a:r>
+            <a:r>
+              <a:rPr lang="en-US" sz="2400" dirty="0" err="1" smtClean="0">
+                <a:latin typeface="Times New Roman" pitchFamily="18" charset="0"/>
+                <a:cs typeface="Times New Roman" pitchFamily="18" charset="0"/>
+              </a:rPr>
+              <a:t>bố</a:t>
+            </a:r>
+            <a:r>
+              <a:rPr lang="en-US" sz="2400" dirty="0" smtClean="0">
+                <a:latin typeface="Times New Roman" pitchFamily="18" charset="0"/>
+                <a:cs typeface="Times New Roman" pitchFamily="18" charset="0"/>
+              </a:rPr>
+              <a:t> </a:t>
+            </a:r>
+            <a:r>
+              <a:rPr lang="en-US" sz="2400" dirty="0" err="1" smtClean="0">
+                <a:latin typeface="Times New Roman" pitchFamily="18" charset="0"/>
+                <a:cs typeface="Times New Roman" pitchFamily="18" charset="0"/>
+              </a:rPr>
+              <a:t>bởi</a:t>
+            </a:r>
+            <a:r>
+              <a:rPr lang="en-US" sz="2400" dirty="0" smtClean="0">
+                <a:latin typeface="Times New Roman" pitchFamily="18" charset="0"/>
+                <a:cs typeface="Times New Roman" pitchFamily="18" charset="0"/>
+              </a:rPr>
+              <a:t> ACM </a:t>
+            </a:r>
+            <a:r>
+              <a:rPr lang="en-US" sz="2400" dirty="0" err="1" smtClean="0">
+                <a:latin typeface="Times New Roman" pitchFamily="18" charset="0"/>
+                <a:cs typeface="Times New Roman" pitchFamily="18" charset="0"/>
+              </a:rPr>
+              <a:t>và</a:t>
+            </a:r>
+            <a:r>
+              <a:rPr lang="en-US" sz="2400" dirty="0" smtClean="0">
+                <a:latin typeface="Times New Roman" pitchFamily="18" charset="0"/>
+                <a:cs typeface="Times New Roman" pitchFamily="18" charset="0"/>
+              </a:rPr>
+              <a:t> </a:t>
+            </a:r>
+            <a:r>
+              <a:rPr lang="en-US" sz="2400" dirty="0" err="1" smtClean="0">
+                <a:latin typeface="Times New Roman" pitchFamily="18" charset="0"/>
+                <a:cs typeface="Times New Roman" pitchFamily="18" charset="0"/>
+              </a:rPr>
+              <a:t>các</a:t>
+            </a:r>
+            <a:r>
+              <a:rPr lang="en-US" sz="2400" dirty="0" smtClean="0">
+                <a:latin typeface="Times New Roman" pitchFamily="18" charset="0"/>
+                <a:cs typeface="Times New Roman" pitchFamily="18" charset="0"/>
+              </a:rPr>
+              <a:t> </a:t>
+            </a:r>
+            <a:r>
+              <a:rPr lang="en-US" sz="2400" dirty="0" err="1" smtClean="0">
+                <a:latin typeface="Times New Roman" pitchFamily="18" charset="0"/>
+                <a:cs typeface="Times New Roman" pitchFamily="18" charset="0"/>
+              </a:rPr>
+              <a:t>tổ</a:t>
+            </a:r>
+            <a:r>
+              <a:rPr lang="en-US" sz="2400" dirty="0" smtClean="0">
+                <a:latin typeface="Times New Roman" pitchFamily="18" charset="0"/>
+                <a:cs typeface="Times New Roman" pitchFamily="18" charset="0"/>
+              </a:rPr>
+              <a:t> </a:t>
+            </a:r>
+            <a:r>
+              <a:rPr lang="en-US" sz="2400" dirty="0" err="1" smtClean="0">
+                <a:latin typeface="Times New Roman" pitchFamily="18" charset="0"/>
+                <a:cs typeface="Times New Roman" pitchFamily="18" charset="0"/>
+              </a:rPr>
+              <a:t>chức</a:t>
+            </a:r>
+            <a:r>
+              <a:rPr lang="en-US" sz="2400" dirty="0" smtClean="0">
+                <a:latin typeface="Times New Roman" pitchFamily="18" charset="0"/>
+                <a:cs typeface="Times New Roman" pitchFamily="18" charset="0"/>
+              </a:rPr>
+              <a:t> </a:t>
+            </a:r>
+            <a:r>
+              <a:rPr lang="en-US" sz="2400" dirty="0" err="1" smtClean="0">
+                <a:latin typeface="Times New Roman" pitchFamily="18" charset="0"/>
+                <a:cs typeface="Times New Roman" pitchFamily="18" charset="0"/>
+              </a:rPr>
+              <a:t>khác</a:t>
+            </a:r>
+            <a:r>
+              <a:rPr lang="en-US" sz="2400" dirty="0" smtClean="0">
+                <a:latin typeface="Times New Roman" pitchFamily="18" charset="0"/>
+                <a:cs typeface="Times New Roman" pitchFamily="18" charset="0"/>
+              </a:rPr>
+              <a:t>.</a:t>
+            </a:r>
+            <a:endParaRPr lang="en-US" sz="2400" dirty="0" smtClean="0">
+              <a:latin typeface="Times New Roman" pitchFamily="18" charset="0"/>
+              <a:cs typeface="Times New Roman" pitchFamily="18" charset="0"/>
+            </a:endParaRPr>
+          </a:p>
+          <a:p>
+            <a:r>
+              <a:rPr lang="en-US" sz="2400" dirty="0" smtClean="0">
+                <a:latin typeface="Times New Roman" pitchFamily="18" charset="0"/>
+                <a:cs typeface="Times New Roman" pitchFamily="18" charset="0"/>
+              </a:rPr>
+              <a:t>ACM </a:t>
+            </a:r>
+            <a:r>
+              <a:rPr lang="en-US" sz="2400" dirty="0" err="1" smtClean="0">
+                <a:latin typeface="Times New Roman" pitchFamily="18" charset="0"/>
+                <a:cs typeface="Times New Roman" pitchFamily="18" charset="0"/>
+              </a:rPr>
+              <a:t>sử</a:t>
+            </a:r>
+            <a:r>
+              <a:rPr lang="en-US" sz="2400" dirty="0" smtClean="0">
+                <a:latin typeface="Times New Roman" pitchFamily="18" charset="0"/>
+                <a:cs typeface="Times New Roman" pitchFamily="18" charset="0"/>
+              </a:rPr>
+              <a:t> </a:t>
+            </a:r>
+            <a:r>
+              <a:rPr lang="en-US" sz="2400" dirty="0" err="1" smtClean="0">
+                <a:latin typeface="Times New Roman" pitchFamily="18" charset="0"/>
+                <a:cs typeface="Times New Roman" pitchFamily="18" charset="0"/>
+              </a:rPr>
+              <a:t>dụng</a:t>
+            </a:r>
+            <a:r>
+              <a:rPr lang="en-US" sz="2400" dirty="0" smtClean="0">
+                <a:latin typeface="Times New Roman" pitchFamily="18" charset="0"/>
+                <a:cs typeface="Times New Roman" pitchFamily="18" charset="0"/>
+              </a:rPr>
+              <a:t> </a:t>
+            </a:r>
+            <a:r>
+              <a:rPr lang="en-US" sz="2400" dirty="0" err="1" smtClean="0">
+                <a:latin typeface="Times New Roman" pitchFamily="18" charset="0"/>
+                <a:cs typeface="Times New Roman" pitchFamily="18" charset="0"/>
+              </a:rPr>
+              <a:t>khung</a:t>
+            </a:r>
+            <a:r>
+              <a:rPr lang="en-US" sz="2400" dirty="0" smtClean="0">
+                <a:latin typeface="Times New Roman" pitchFamily="18" charset="0"/>
+                <a:cs typeface="Times New Roman" pitchFamily="18" charset="0"/>
+              </a:rPr>
+              <a:t> </a:t>
+            </a:r>
+            <a:r>
+              <a:rPr lang="en-US" sz="2400" dirty="0" err="1" smtClean="0">
+                <a:latin typeface="Times New Roman" pitchFamily="18" charset="0"/>
+                <a:cs typeface="Times New Roman" pitchFamily="18" charset="0"/>
+              </a:rPr>
+              <a:t>phân</a:t>
+            </a:r>
+            <a:r>
+              <a:rPr lang="en-US" sz="2400" dirty="0" smtClean="0">
+                <a:latin typeface="Times New Roman" pitchFamily="18" charset="0"/>
+                <a:cs typeface="Times New Roman" pitchFamily="18" charset="0"/>
+              </a:rPr>
+              <a:t> </a:t>
+            </a:r>
+            <a:r>
+              <a:rPr lang="en-US" sz="2400" dirty="0" err="1" smtClean="0">
+                <a:latin typeface="Times New Roman" pitchFamily="18" charset="0"/>
+                <a:cs typeface="Times New Roman" pitchFamily="18" charset="0"/>
+              </a:rPr>
+              <a:t>loại</a:t>
+            </a:r>
+            <a:r>
+              <a:rPr lang="en-US" sz="2400" dirty="0" smtClean="0">
+                <a:latin typeface="Times New Roman" pitchFamily="18" charset="0"/>
+                <a:cs typeface="Times New Roman" pitchFamily="18" charset="0"/>
+              </a:rPr>
+              <a:t> ACM Computing Classification System (CCS). </a:t>
+            </a:r>
+          </a:p>
+          <a:p>
+            <a:pPr>
+              <a:buNone/>
+            </a:pPr>
+            <a:r>
+              <a:rPr lang="en-US" sz="2400" dirty="0" smtClean="0">
+                <a:latin typeface="Times New Roman" pitchFamily="18" charset="0"/>
+                <a:cs typeface="Times New Roman" pitchFamily="18" charset="0"/>
+              </a:rPr>
+              <a:t>	</a:t>
+            </a:r>
+            <a:r>
+              <a:rPr lang="en-US" sz="1400" dirty="0" err="1" smtClean="0"/>
+              <a:t>Cấu</a:t>
+            </a:r>
+            <a:r>
+              <a:rPr lang="en-US" sz="1400" dirty="0" smtClean="0"/>
+              <a:t> </a:t>
+            </a:r>
+            <a:r>
+              <a:rPr lang="en-US" sz="1400" dirty="0" err="1" smtClean="0"/>
+              <a:t>trúc</a:t>
+            </a:r>
+            <a:r>
+              <a:rPr lang="en-US" sz="1400" dirty="0" smtClean="0"/>
+              <a:t> </a:t>
+            </a:r>
+            <a:r>
+              <a:rPr lang="en-US" sz="1400" dirty="0" err="1" smtClean="0"/>
+              <a:t>của</a:t>
+            </a:r>
+            <a:r>
+              <a:rPr lang="en-US" sz="1400" dirty="0" smtClean="0"/>
+              <a:t> CCS </a:t>
+            </a:r>
+            <a:r>
+              <a:rPr lang="en-US" sz="1400" dirty="0" err="1" smtClean="0"/>
+              <a:t>gồm</a:t>
+            </a:r>
+            <a:r>
+              <a:rPr lang="en-US" sz="1400" dirty="0" smtClean="0"/>
+              <a:t> 1473 node </a:t>
+            </a:r>
+            <a:r>
+              <a:rPr lang="en-US" sz="1400" dirty="0" err="1" smtClean="0"/>
+              <a:t>được</a:t>
+            </a:r>
+            <a:r>
+              <a:rPr lang="en-US" sz="1400" dirty="0" smtClean="0"/>
+              <a:t> </a:t>
+            </a:r>
+            <a:r>
+              <a:rPr lang="en-US" sz="1400" dirty="0" err="1" smtClean="0"/>
+              <a:t>chia</a:t>
+            </a:r>
+            <a:r>
+              <a:rPr lang="en-US" sz="1400" dirty="0" smtClean="0"/>
+              <a:t> </a:t>
+            </a:r>
+            <a:r>
+              <a:rPr lang="en-US" sz="1400" dirty="0" err="1" smtClean="0"/>
+              <a:t>trên</a:t>
+            </a:r>
+            <a:r>
+              <a:rPr lang="en-US" sz="1400" dirty="0" smtClean="0"/>
+              <a:t> </a:t>
+            </a:r>
+            <a:r>
+              <a:rPr lang="en-US" sz="1400" dirty="0" err="1" smtClean="0"/>
+              <a:t>cây</a:t>
+            </a:r>
+            <a:r>
+              <a:rPr lang="en-US" sz="1400" dirty="0" smtClean="0"/>
+              <a:t> </a:t>
+            </a:r>
+            <a:r>
+              <a:rPr lang="en-US" sz="1400" dirty="0" err="1" smtClean="0"/>
+              <a:t>phân</a:t>
+            </a:r>
+            <a:r>
+              <a:rPr lang="en-US" sz="1400" dirty="0" smtClean="0"/>
+              <a:t> </a:t>
+            </a:r>
+            <a:r>
+              <a:rPr lang="en-US" sz="1400" dirty="0" err="1" smtClean="0"/>
+              <a:t>lớp</a:t>
+            </a:r>
+            <a:r>
+              <a:rPr lang="en-US" sz="1400" dirty="0" smtClean="0"/>
+              <a:t> </a:t>
+            </a:r>
+            <a:r>
+              <a:rPr lang="en-US" sz="1400" dirty="0" err="1" smtClean="0"/>
+              <a:t>thành</a:t>
+            </a:r>
+            <a:r>
+              <a:rPr lang="en-US" sz="1400" dirty="0" smtClean="0"/>
+              <a:t> 3 </a:t>
+            </a:r>
+            <a:r>
+              <a:rPr lang="en-US" sz="1400" dirty="0" err="1" smtClean="0"/>
+              <a:t>cấp</a:t>
+            </a:r>
+            <a:r>
+              <a:rPr lang="en-US" sz="1400" dirty="0" smtClean="0"/>
+              <a:t>, </a:t>
+            </a:r>
+            <a:r>
+              <a:rPr lang="en-US" sz="1400" dirty="0" err="1" smtClean="0"/>
+              <a:t>cấp</a:t>
+            </a:r>
+            <a:r>
+              <a:rPr lang="en-US" sz="1400" dirty="0" smtClean="0"/>
+              <a:t> </a:t>
+            </a:r>
+            <a:r>
+              <a:rPr lang="en-US" sz="1400" dirty="0" err="1" smtClean="0"/>
+              <a:t>đầu</a:t>
+            </a:r>
+            <a:r>
+              <a:rPr lang="en-US" sz="1400" dirty="0" smtClean="0"/>
+              <a:t> </a:t>
+            </a:r>
+            <a:r>
+              <a:rPr lang="en-US" sz="1400" dirty="0" err="1" smtClean="0"/>
+              <a:t>tiên</a:t>
+            </a:r>
+            <a:r>
+              <a:rPr lang="en-US" sz="1400" dirty="0" smtClean="0"/>
+              <a:t> </a:t>
+            </a:r>
+            <a:r>
+              <a:rPr lang="en-US" sz="1400" dirty="0" err="1" smtClean="0"/>
+              <a:t>bao</a:t>
+            </a:r>
+            <a:r>
+              <a:rPr lang="en-US" sz="1400" dirty="0" smtClean="0"/>
+              <a:t> </a:t>
+            </a:r>
+            <a:r>
+              <a:rPr lang="en-US" sz="1400" dirty="0" err="1" smtClean="0"/>
+              <a:t>gồm</a:t>
+            </a:r>
+            <a:r>
+              <a:rPr lang="en-US" sz="1400" dirty="0" smtClean="0"/>
+              <a:t> 11 node, </a:t>
+            </a:r>
+            <a:r>
+              <a:rPr lang="en-US" sz="1400" dirty="0" err="1" smtClean="0"/>
+              <a:t>cấp</a:t>
+            </a:r>
+            <a:r>
+              <a:rPr lang="en-US" sz="1400" dirty="0" smtClean="0"/>
+              <a:t> </a:t>
+            </a:r>
+            <a:r>
+              <a:rPr lang="en-US" sz="1400" dirty="0" err="1" smtClean="0"/>
+              <a:t>sau</a:t>
+            </a:r>
+            <a:r>
+              <a:rPr lang="en-US" sz="1400" dirty="0" smtClean="0"/>
+              <a:t> </a:t>
+            </a:r>
+            <a:r>
+              <a:rPr lang="en-US" sz="1400" dirty="0" err="1" smtClean="0"/>
+              <a:t>đó</a:t>
+            </a:r>
+            <a:r>
+              <a:rPr lang="en-US" sz="1400" dirty="0" smtClean="0"/>
+              <a:t> </a:t>
+            </a:r>
+            <a:r>
+              <a:rPr lang="en-US" sz="1400" dirty="0" err="1" smtClean="0"/>
+              <a:t>gồm</a:t>
+            </a:r>
+            <a:r>
+              <a:rPr lang="en-US" sz="1400" dirty="0" smtClean="0"/>
+              <a:t> 81 node </a:t>
+            </a:r>
+            <a:r>
+              <a:rPr lang="en-US" sz="1400" dirty="0" err="1" smtClean="0"/>
+              <a:t>và</a:t>
+            </a:r>
+            <a:r>
+              <a:rPr lang="en-US" sz="1400" dirty="0" smtClean="0"/>
+              <a:t> </a:t>
+            </a:r>
+            <a:r>
+              <a:rPr lang="en-US" sz="1400" dirty="0" err="1" smtClean="0"/>
+              <a:t>còn</a:t>
+            </a:r>
+            <a:r>
+              <a:rPr lang="en-US" sz="1400" dirty="0" smtClean="0"/>
+              <a:t> </a:t>
+            </a:r>
+            <a:r>
+              <a:rPr lang="en-US" sz="1400" dirty="0" err="1" smtClean="0"/>
+              <a:t>lại</a:t>
+            </a:r>
+            <a:r>
+              <a:rPr lang="en-US" sz="1400" dirty="0" smtClean="0"/>
+              <a:t> </a:t>
+            </a:r>
+            <a:r>
+              <a:rPr lang="en-US" sz="1400" dirty="0" err="1" smtClean="0"/>
+              <a:t>thuộc</a:t>
+            </a:r>
+            <a:r>
+              <a:rPr lang="en-US" sz="1400" dirty="0" smtClean="0"/>
+              <a:t> </a:t>
+            </a:r>
+            <a:r>
+              <a:rPr lang="en-US" sz="1400" dirty="0" err="1" smtClean="0"/>
+              <a:t>cấp</a:t>
+            </a:r>
+            <a:r>
+              <a:rPr lang="en-US" sz="1400" dirty="0" smtClean="0"/>
+              <a:t> </a:t>
+            </a:r>
+            <a:r>
+              <a:rPr lang="en-US" sz="1400" dirty="0" err="1" smtClean="0"/>
+              <a:t>số</a:t>
+            </a:r>
+            <a:r>
+              <a:rPr lang="en-US" sz="1400" dirty="0" smtClean="0"/>
+              <a:t> 3 (</a:t>
+            </a:r>
+            <a:r>
+              <a:rPr lang="en-US" sz="1400" dirty="0" err="1" smtClean="0"/>
+              <a:t>theo</a:t>
+            </a:r>
+            <a:r>
+              <a:rPr lang="en-US" sz="1400" dirty="0" smtClean="0"/>
+              <a:t> </a:t>
+            </a:r>
+            <a:r>
+              <a:rPr lang="en-US" sz="1400" dirty="0" err="1" smtClean="0"/>
+              <a:t>phiên</a:t>
+            </a:r>
+            <a:r>
+              <a:rPr lang="en-US" sz="1400" dirty="0" smtClean="0"/>
+              <a:t> </a:t>
+            </a:r>
+            <a:r>
+              <a:rPr lang="en-US" sz="1400" dirty="0" err="1" smtClean="0"/>
+              <a:t>bản</a:t>
+            </a:r>
+            <a:r>
+              <a:rPr lang="en-US" sz="1400" dirty="0" smtClean="0"/>
+              <a:t> </a:t>
+            </a:r>
+            <a:r>
+              <a:rPr lang="en-US" sz="1400" dirty="0" err="1" smtClean="0"/>
+              <a:t>năm</a:t>
+            </a:r>
+            <a:r>
+              <a:rPr lang="en-US" sz="1400" dirty="0" smtClean="0"/>
+              <a:t> 1998). </a:t>
+            </a:r>
+            <a:endParaRPr lang="en-US" sz="1400" dirty="0" smtClean="0"/>
+          </a:p>
+          <a:p>
+            <a:r>
+              <a:rPr lang="en-US" sz="1400" dirty="0" smtClean="0">
+                <a:latin typeface="Times New Roman" pitchFamily="18" charset="0"/>
+                <a:cs typeface="Times New Roman" pitchFamily="18" charset="0"/>
+              </a:rPr>
+              <a:t> </a:t>
+            </a:r>
+            <a:r>
+              <a:rPr lang="en-US" sz="2000" dirty="0" err="1" smtClean="0">
+                <a:latin typeface="Times New Roman" pitchFamily="18" charset="0"/>
+                <a:cs typeface="Times New Roman" pitchFamily="18" charset="0"/>
+              </a:rPr>
+              <a:t>Người</a:t>
+            </a:r>
+            <a:r>
+              <a:rPr lang="en-US" sz="2000" dirty="0" smtClean="0">
+                <a:latin typeface="Times New Roman" pitchFamily="18" charset="0"/>
+                <a:cs typeface="Times New Roman" pitchFamily="18" charset="0"/>
+              </a:rPr>
+              <a:t> </a:t>
+            </a:r>
+            <a:r>
+              <a:rPr lang="en-US" sz="2000" dirty="0" err="1" smtClean="0">
+                <a:latin typeface="Times New Roman" pitchFamily="18" charset="0"/>
+                <a:cs typeface="Times New Roman" pitchFamily="18" charset="0"/>
+              </a:rPr>
+              <a:t>dùng</a:t>
+            </a:r>
+            <a:r>
+              <a:rPr lang="en-US" sz="2000" dirty="0" smtClean="0">
+                <a:latin typeface="Times New Roman" pitchFamily="18" charset="0"/>
+                <a:cs typeface="Times New Roman" pitchFamily="18" charset="0"/>
+              </a:rPr>
+              <a:t> </a:t>
+            </a:r>
+            <a:r>
+              <a:rPr lang="en-US" sz="2000" dirty="0" err="1" smtClean="0">
+                <a:latin typeface="Times New Roman" pitchFamily="18" charset="0"/>
+                <a:cs typeface="Times New Roman" pitchFamily="18" charset="0"/>
+              </a:rPr>
+              <a:t>có</a:t>
+            </a:r>
+            <a:r>
+              <a:rPr lang="en-US" sz="2000" dirty="0" smtClean="0">
+                <a:latin typeface="Times New Roman" pitchFamily="18" charset="0"/>
+                <a:cs typeface="Times New Roman" pitchFamily="18" charset="0"/>
+              </a:rPr>
+              <a:t> </a:t>
+            </a:r>
+            <a:r>
+              <a:rPr lang="en-US" sz="2000" dirty="0" err="1" smtClean="0">
+                <a:latin typeface="Times New Roman" pitchFamily="18" charset="0"/>
+                <a:cs typeface="Times New Roman" pitchFamily="18" charset="0"/>
+              </a:rPr>
+              <a:t>thể</a:t>
+            </a:r>
+            <a:r>
+              <a:rPr lang="en-US" sz="2000" dirty="0" smtClean="0">
+                <a:latin typeface="Times New Roman" pitchFamily="18" charset="0"/>
+                <a:cs typeface="Times New Roman" pitchFamily="18" charset="0"/>
+              </a:rPr>
+              <a:t> </a:t>
+            </a:r>
+            <a:r>
+              <a:rPr lang="en-US" sz="2000" dirty="0" err="1" smtClean="0">
+                <a:latin typeface="Times New Roman" pitchFamily="18" charset="0"/>
+                <a:cs typeface="Times New Roman" pitchFamily="18" charset="0"/>
+              </a:rPr>
+              <a:t>tìm</a:t>
+            </a:r>
+            <a:r>
+              <a:rPr lang="en-US" sz="2000" dirty="0" smtClean="0">
+                <a:latin typeface="Times New Roman" pitchFamily="18" charset="0"/>
+                <a:cs typeface="Times New Roman" pitchFamily="18" charset="0"/>
+              </a:rPr>
+              <a:t> </a:t>
+            </a:r>
+            <a:r>
+              <a:rPr lang="en-US" sz="2000" dirty="0" err="1" smtClean="0">
+                <a:latin typeface="Times New Roman" pitchFamily="18" charset="0"/>
+                <a:cs typeface="Times New Roman" pitchFamily="18" charset="0"/>
+              </a:rPr>
+              <a:t>kiếm</a:t>
+            </a:r>
+            <a:r>
+              <a:rPr lang="en-US" sz="2000" dirty="0" smtClean="0">
+                <a:latin typeface="Times New Roman" pitchFamily="18" charset="0"/>
+                <a:cs typeface="Times New Roman" pitchFamily="18" charset="0"/>
+              </a:rPr>
+              <a:t> </a:t>
+            </a:r>
+            <a:r>
+              <a:rPr lang="en-US" sz="2000" dirty="0" err="1" smtClean="0">
+                <a:latin typeface="Times New Roman" pitchFamily="18" charset="0"/>
+                <a:cs typeface="Times New Roman" pitchFamily="18" charset="0"/>
+              </a:rPr>
+              <a:t>bài</a:t>
+            </a:r>
+            <a:r>
+              <a:rPr lang="en-US" sz="2000" dirty="0" smtClean="0">
+                <a:latin typeface="Times New Roman" pitchFamily="18" charset="0"/>
+                <a:cs typeface="Times New Roman" pitchFamily="18" charset="0"/>
+              </a:rPr>
+              <a:t> </a:t>
+            </a:r>
+            <a:r>
+              <a:rPr lang="en-US" sz="2000" dirty="0" err="1" smtClean="0">
+                <a:latin typeface="Times New Roman" pitchFamily="18" charset="0"/>
+                <a:cs typeface="Times New Roman" pitchFamily="18" charset="0"/>
+              </a:rPr>
+              <a:t>báo</a:t>
+            </a:r>
+            <a:r>
+              <a:rPr lang="en-US" sz="2000" dirty="0" smtClean="0">
+                <a:latin typeface="Times New Roman" pitchFamily="18" charset="0"/>
+                <a:cs typeface="Times New Roman" pitchFamily="18" charset="0"/>
+              </a:rPr>
+              <a:t> </a:t>
+            </a:r>
+            <a:r>
+              <a:rPr lang="en-US" sz="2000" dirty="0" err="1" smtClean="0">
+                <a:latin typeface="Times New Roman" pitchFamily="18" charset="0"/>
+                <a:cs typeface="Times New Roman" pitchFamily="18" charset="0"/>
+              </a:rPr>
+              <a:t>theo</a:t>
+            </a:r>
+            <a:r>
+              <a:rPr lang="en-US" sz="2000" dirty="0" smtClean="0">
+                <a:latin typeface="Times New Roman" pitchFamily="18" charset="0"/>
+                <a:cs typeface="Times New Roman" pitchFamily="18" charset="0"/>
+              </a:rPr>
+              <a:t> </a:t>
+            </a:r>
+            <a:r>
+              <a:rPr lang="en-US" sz="2000" dirty="0" err="1" smtClean="0">
+                <a:latin typeface="Times New Roman" pitchFamily="18" charset="0"/>
+                <a:cs typeface="Times New Roman" pitchFamily="18" charset="0"/>
+              </a:rPr>
+              <a:t>thông</a:t>
+            </a:r>
+            <a:r>
+              <a:rPr lang="en-US" sz="2000" dirty="0" smtClean="0">
+                <a:latin typeface="Times New Roman" pitchFamily="18" charset="0"/>
+                <a:cs typeface="Times New Roman" pitchFamily="18" charset="0"/>
+              </a:rPr>
+              <a:t> tin </a:t>
+            </a:r>
+            <a:r>
+              <a:rPr lang="en-US" sz="2000" dirty="0" err="1" smtClean="0">
+                <a:latin typeface="Times New Roman" pitchFamily="18" charset="0"/>
+                <a:cs typeface="Times New Roman" pitchFamily="18" charset="0"/>
+              </a:rPr>
+              <a:t>người</a:t>
+            </a:r>
+            <a:r>
+              <a:rPr lang="en-US" sz="2000" dirty="0" smtClean="0">
+                <a:latin typeface="Times New Roman" pitchFamily="18" charset="0"/>
+                <a:cs typeface="Times New Roman" pitchFamily="18" charset="0"/>
+              </a:rPr>
+              <a:t> </a:t>
+            </a:r>
+            <a:r>
+              <a:rPr lang="en-US" sz="2000" dirty="0" err="1" smtClean="0">
+                <a:latin typeface="Times New Roman" pitchFamily="18" charset="0"/>
+                <a:cs typeface="Times New Roman" pitchFamily="18" charset="0"/>
+              </a:rPr>
+              <a:t>dùng</a:t>
+            </a:r>
+            <a:r>
+              <a:rPr lang="en-US" sz="2000" dirty="0" smtClean="0">
+                <a:latin typeface="Times New Roman" pitchFamily="18" charset="0"/>
+                <a:cs typeface="Times New Roman" pitchFamily="18" charset="0"/>
+              </a:rPr>
+              <a:t> </a:t>
+            </a:r>
+            <a:r>
+              <a:rPr lang="en-US" sz="2000" dirty="0" err="1" smtClean="0">
+                <a:latin typeface="Times New Roman" pitchFamily="18" charset="0"/>
+                <a:cs typeface="Times New Roman" pitchFamily="18" charset="0"/>
+              </a:rPr>
+              <a:t>nhập</a:t>
+            </a:r>
+            <a:r>
+              <a:rPr lang="en-US" sz="2000" dirty="0" smtClean="0">
+                <a:latin typeface="Times New Roman" pitchFamily="18" charset="0"/>
+                <a:cs typeface="Times New Roman" pitchFamily="18" charset="0"/>
+              </a:rPr>
+              <a:t> </a:t>
+            </a:r>
+            <a:r>
+              <a:rPr lang="en-US" sz="2000" dirty="0" err="1" smtClean="0">
+                <a:latin typeface="Times New Roman" pitchFamily="18" charset="0"/>
+                <a:cs typeface="Times New Roman" pitchFamily="18" charset="0"/>
+              </a:rPr>
+              <a:t>vào</a:t>
+            </a:r>
+            <a:r>
+              <a:rPr lang="en-US" sz="2000" dirty="0" smtClean="0">
+                <a:latin typeface="Times New Roman" pitchFamily="18" charset="0"/>
+                <a:cs typeface="Times New Roman" pitchFamily="18" charset="0"/>
+              </a:rPr>
+              <a:t> </a:t>
+            </a:r>
+            <a:r>
+              <a:rPr lang="en-US" sz="2000" dirty="0" err="1" smtClean="0">
+                <a:latin typeface="Times New Roman" pitchFamily="18" charset="0"/>
+                <a:cs typeface="Times New Roman" pitchFamily="18" charset="0"/>
+              </a:rPr>
+              <a:t>hoặc</a:t>
+            </a:r>
+            <a:r>
+              <a:rPr lang="en-US" sz="2000" dirty="0" smtClean="0">
+                <a:latin typeface="Times New Roman" pitchFamily="18" charset="0"/>
+                <a:cs typeface="Times New Roman" pitchFamily="18" charset="0"/>
+              </a:rPr>
+              <a:t> </a:t>
+            </a:r>
+            <a:r>
+              <a:rPr lang="en-US" sz="2000" dirty="0" err="1" smtClean="0">
+                <a:latin typeface="Times New Roman" pitchFamily="18" charset="0"/>
+                <a:cs typeface="Times New Roman" pitchFamily="18" charset="0"/>
+              </a:rPr>
+              <a:t>tên</a:t>
+            </a:r>
+            <a:r>
+              <a:rPr lang="en-US" sz="2000" dirty="0" smtClean="0">
+                <a:latin typeface="Times New Roman" pitchFamily="18" charset="0"/>
+                <a:cs typeface="Times New Roman" pitchFamily="18" charset="0"/>
+              </a:rPr>
+              <a:t> node </a:t>
+            </a:r>
+            <a:r>
+              <a:rPr lang="en-US" sz="2000" dirty="0" err="1" smtClean="0">
+                <a:latin typeface="Times New Roman" pitchFamily="18" charset="0"/>
+                <a:cs typeface="Times New Roman" pitchFamily="18" charset="0"/>
+              </a:rPr>
+              <a:t>trên</a:t>
+            </a:r>
+            <a:r>
+              <a:rPr lang="en-US" sz="2000" dirty="0" smtClean="0">
+                <a:latin typeface="Times New Roman" pitchFamily="18" charset="0"/>
+                <a:cs typeface="Times New Roman" pitchFamily="18" charset="0"/>
+              </a:rPr>
+              <a:t> </a:t>
+            </a:r>
+            <a:r>
+              <a:rPr lang="en-US" sz="2000" dirty="0" err="1" smtClean="0">
+                <a:latin typeface="Times New Roman" pitchFamily="18" charset="0"/>
+                <a:cs typeface="Times New Roman" pitchFamily="18" charset="0"/>
+              </a:rPr>
+              <a:t>cây</a:t>
+            </a:r>
+            <a:r>
+              <a:rPr lang="en-US" sz="2000" dirty="0" smtClean="0">
+                <a:latin typeface="Times New Roman" pitchFamily="18" charset="0"/>
+                <a:cs typeface="Times New Roman" pitchFamily="18" charset="0"/>
+              </a:rPr>
+              <a:t> CSS , </a:t>
+            </a:r>
+            <a:r>
+              <a:rPr lang="en-US" sz="2000" dirty="0" err="1" smtClean="0">
+                <a:latin typeface="Times New Roman" pitchFamily="18" charset="0"/>
+                <a:cs typeface="Times New Roman" pitchFamily="18" charset="0"/>
+              </a:rPr>
+              <a:t>hệ</a:t>
+            </a:r>
+            <a:r>
+              <a:rPr lang="en-US" sz="2000" dirty="0" smtClean="0">
+                <a:latin typeface="Times New Roman" pitchFamily="18" charset="0"/>
+                <a:cs typeface="Times New Roman" pitchFamily="18" charset="0"/>
+              </a:rPr>
+              <a:t> </a:t>
+            </a:r>
+            <a:r>
+              <a:rPr lang="en-US" sz="2000" dirty="0" err="1" smtClean="0">
+                <a:latin typeface="Times New Roman" pitchFamily="18" charset="0"/>
+                <a:cs typeface="Times New Roman" pitchFamily="18" charset="0"/>
+              </a:rPr>
+              <a:t>thống</a:t>
+            </a:r>
+            <a:r>
+              <a:rPr lang="en-US" sz="2000" dirty="0" smtClean="0">
+                <a:latin typeface="Times New Roman" pitchFamily="18" charset="0"/>
+                <a:cs typeface="Times New Roman" pitchFamily="18" charset="0"/>
+              </a:rPr>
+              <a:t> </a:t>
+            </a:r>
+            <a:r>
+              <a:rPr lang="en-US" sz="2000" dirty="0" err="1" smtClean="0">
+                <a:latin typeface="Times New Roman" pitchFamily="18" charset="0"/>
+                <a:cs typeface="Times New Roman" pitchFamily="18" charset="0"/>
+              </a:rPr>
+              <a:t>sẽ</a:t>
+            </a:r>
+            <a:r>
+              <a:rPr lang="en-US" sz="2000" dirty="0" smtClean="0">
+                <a:latin typeface="Times New Roman" pitchFamily="18" charset="0"/>
+                <a:cs typeface="Times New Roman" pitchFamily="18" charset="0"/>
+              </a:rPr>
+              <a:t> </a:t>
+            </a:r>
+            <a:r>
+              <a:rPr lang="en-US" sz="2000" dirty="0" err="1" smtClean="0">
+                <a:latin typeface="Times New Roman" pitchFamily="18" charset="0"/>
+                <a:cs typeface="Times New Roman" pitchFamily="18" charset="0"/>
+              </a:rPr>
+              <a:t>dựa</a:t>
+            </a:r>
+            <a:r>
+              <a:rPr lang="en-US" sz="2000" dirty="0" smtClean="0">
+                <a:latin typeface="Times New Roman" pitchFamily="18" charset="0"/>
+                <a:cs typeface="Times New Roman" pitchFamily="18" charset="0"/>
+              </a:rPr>
+              <a:t> </a:t>
+            </a:r>
+            <a:r>
+              <a:rPr lang="en-US" sz="2000" dirty="0" err="1" smtClean="0">
+                <a:latin typeface="Times New Roman" pitchFamily="18" charset="0"/>
+                <a:cs typeface="Times New Roman" pitchFamily="18" charset="0"/>
+              </a:rPr>
+              <a:t>vào</a:t>
+            </a:r>
+            <a:r>
+              <a:rPr lang="en-US" sz="2000" dirty="0" smtClean="0">
+                <a:latin typeface="Times New Roman" pitchFamily="18" charset="0"/>
+                <a:cs typeface="Times New Roman" pitchFamily="18" charset="0"/>
+              </a:rPr>
+              <a:t> </a:t>
+            </a:r>
+            <a:r>
+              <a:rPr lang="en-US" sz="2000" dirty="0" err="1" smtClean="0">
+                <a:latin typeface="Times New Roman" pitchFamily="18" charset="0"/>
+                <a:cs typeface="Times New Roman" pitchFamily="18" charset="0"/>
+              </a:rPr>
+              <a:t>sự</a:t>
+            </a:r>
+            <a:r>
+              <a:rPr lang="en-US" sz="2000" dirty="0" smtClean="0">
+                <a:latin typeface="Times New Roman" pitchFamily="18" charset="0"/>
+                <a:cs typeface="Times New Roman" pitchFamily="18" charset="0"/>
+              </a:rPr>
+              <a:t> </a:t>
+            </a:r>
+            <a:r>
+              <a:rPr lang="en-US" sz="2000" dirty="0" err="1" smtClean="0">
+                <a:latin typeface="Times New Roman" pitchFamily="18" charset="0"/>
+                <a:cs typeface="Times New Roman" pitchFamily="18" charset="0"/>
+              </a:rPr>
+              <a:t>xuất</a:t>
+            </a:r>
+            <a:r>
+              <a:rPr lang="en-US" sz="2000" dirty="0" smtClean="0">
+                <a:latin typeface="Times New Roman" pitchFamily="18" charset="0"/>
+                <a:cs typeface="Times New Roman" pitchFamily="18" charset="0"/>
+              </a:rPr>
+              <a:t> </a:t>
+            </a:r>
+            <a:r>
+              <a:rPr lang="en-US" sz="2000" dirty="0" err="1" smtClean="0">
+                <a:latin typeface="Times New Roman" pitchFamily="18" charset="0"/>
+                <a:cs typeface="Times New Roman" pitchFamily="18" charset="0"/>
+              </a:rPr>
+              <a:t>hiên</a:t>
+            </a:r>
+            <a:r>
+              <a:rPr lang="en-US" sz="2000" dirty="0" smtClean="0">
+                <a:latin typeface="Times New Roman" pitchFamily="18" charset="0"/>
+                <a:cs typeface="Times New Roman" pitchFamily="18" charset="0"/>
+              </a:rPr>
+              <a:t>  </a:t>
+            </a:r>
+            <a:r>
+              <a:rPr lang="en-US" sz="2000" dirty="0" err="1" smtClean="0">
+                <a:latin typeface="Times New Roman" pitchFamily="18" charset="0"/>
+                <a:cs typeface="Times New Roman" pitchFamily="18" charset="0"/>
+              </a:rPr>
+              <a:t>của</a:t>
+            </a:r>
+            <a:r>
+              <a:rPr lang="en-US" sz="2000" dirty="0" smtClean="0">
+                <a:latin typeface="Times New Roman" pitchFamily="18" charset="0"/>
+                <a:cs typeface="Times New Roman" pitchFamily="18" charset="0"/>
+              </a:rPr>
+              <a:t> </a:t>
+            </a:r>
+            <a:r>
+              <a:rPr lang="en-US" sz="2000" dirty="0" err="1" smtClean="0">
+                <a:latin typeface="Times New Roman" pitchFamily="18" charset="0"/>
+                <a:cs typeface="Times New Roman" pitchFamily="18" charset="0"/>
+              </a:rPr>
+              <a:t>từ</a:t>
+            </a:r>
+            <a:r>
+              <a:rPr lang="en-US" sz="2000" dirty="0" smtClean="0">
+                <a:latin typeface="Times New Roman" pitchFamily="18" charset="0"/>
+                <a:cs typeface="Times New Roman" pitchFamily="18" charset="0"/>
+              </a:rPr>
+              <a:t> </a:t>
+            </a:r>
+            <a:r>
+              <a:rPr lang="en-US" sz="2000" dirty="0" err="1" smtClean="0">
+                <a:latin typeface="Times New Roman" pitchFamily="18" charset="0"/>
+                <a:cs typeface="Times New Roman" pitchFamily="18" charset="0"/>
+              </a:rPr>
+              <a:t>khóa</a:t>
+            </a:r>
+            <a:r>
+              <a:rPr lang="en-US" sz="2000" dirty="0" smtClean="0">
+                <a:latin typeface="Times New Roman" pitchFamily="18" charset="0"/>
+                <a:cs typeface="Times New Roman" pitchFamily="18" charset="0"/>
+              </a:rPr>
+              <a:t> </a:t>
+            </a:r>
+            <a:r>
+              <a:rPr lang="en-US" sz="2000" dirty="0" err="1" smtClean="0">
+                <a:latin typeface="Times New Roman" pitchFamily="18" charset="0"/>
+                <a:cs typeface="Times New Roman" pitchFamily="18" charset="0"/>
+              </a:rPr>
+              <a:t>tìm</a:t>
+            </a:r>
+            <a:r>
+              <a:rPr lang="en-US" sz="2000" dirty="0" smtClean="0">
+                <a:latin typeface="Times New Roman" pitchFamily="18" charset="0"/>
+                <a:cs typeface="Times New Roman" pitchFamily="18" charset="0"/>
+              </a:rPr>
+              <a:t> </a:t>
+            </a:r>
+            <a:r>
+              <a:rPr lang="en-US" sz="2000" dirty="0" err="1" smtClean="0">
+                <a:latin typeface="Times New Roman" pitchFamily="18" charset="0"/>
+                <a:cs typeface="Times New Roman" pitchFamily="18" charset="0"/>
+              </a:rPr>
+              <a:t>kiếm</a:t>
+            </a:r>
+            <a:r>
+              <a:rPr lang="en-US" sz="2000" dirty="0" smtClean="0">
+                <a:latin typeface="Times New Roman" pitchFamily="18" charset="0"/>
+                <a:cs typeface="Times New Roman" pitchFamily="18" charset="0"/>
+              </a:rPr>
+              <a:t> </a:t>
+            </a:r>
+            <a:r>
+              <a:rPr lang="en-US" sz="2000" dirty="0" err="1" smtClean="0">
+                <a:latin typeface="Times New Roman" pitchFamily="18" charset="0"/>
+                <a:cs typeface="Times New Roman" pitchFamily="18" charset="0"/>
+              </a:rPr>
+              <a:t>trên</a:t>
+            </a:r>
+            <a:r>
+              <a:rPr lang="en-US" sz="2000" dirty="0" smtClean="0">
+                <a:latin typeface="Times New Roman" pitchFamily="18" charset="0"/>
+                <a:cs typeface="Times New Roman" pitchFamily="18" charset="0"/>
+              </a:rPr>
+              <a:t> </a:t>
+            </a:r>
+            <a:r>
+              <a:rPr lang="en-US" sz="2000" dirty="0" err="1" smtClean="0">
+                <a:latin typeface="Times New Roman" pitchFamily="18" charset="0"/>
+                <a:cs typeface="Times New Roman" pitchFamily="18" charset="0"/>
+              </a:rPr>
+              <a:t>các</a:t>
+            </a:r>
+            <a:r>
+              <a:rPr lang="en-US" sz="2000" dirty="0" smtClean="0">
+                <a:latin typeface="Times New Roman" pitchFamily="18" charset="0"/>
+                <a:cs typeface="Times New Roman" pitchFamily="18" charset="0"/>
+              </a:rPr>
+              <a:t> </a:t>
+            </a:r>
+            <a:r>
+              <a:rPr lang="en-US" sz="2000" dirty="0" err="1" smtClean="0">
+                <a:latin typeface="Times New Roman" pitchFamily="18" charset="0"/>
+                <a:cs typeface="Times New Roman" pitchFamily="18" charset="0"/>
+              </a:rPr>
+              <a:t>trường</a:t>
+            </a:r>
+            <a:r>
+              <a:rPr lang="en-US" sz="2000" dirty="0" smtClean="0">
+                <a:latin typeface="Times New Roman" pitchFamily="18" charset="0"/>
+                <a:cs typeface="Times New Roman" pitchFamily="18" charset="0"/>
+              </a:rPr>
+              <a:t> metadata </a:t>
+            </a:r>
+            <a:r>
+              <a:rPr lang="en-US" sz="2000" dirty="0" err="1" smtClean="0">
+                <a:latin typeface="Times New Roman" pitchFamily="18" charset="0"/>
+                <a:cs typeface="Times New Roman" pitchFamily="18" charset="0"/>
+              </a:rPr>
+              <a:t>hoặc</a:t>
+            </a:r>
+            <a:r>
+              <a:rPr lang="en-US" sz="2000" dirty="0" smtClean="0">
+                <a:latin typeface="Times New Roman" pitchFamily="18" charset="0"/>
+                <a:cs typeface="Times New Roman" pitchFamily="18" charset="0"/>
+              </a:rPr>
+              <a:t> </a:t>
+            </a:r>
+            <a:r>
+              <a:rPr lang="en-US" sz="2000" dirty="0" err="1" smtClean="0">
+                <a:latin typeface="Times New Roman" pitchFamily="18" charset="0"/>
+                <a:cs typeface="Times New Roman" pitchFamily="18" charset="0"/>
+              </a:rPr>
+              <a:t>tên</a:t>
+            </a:r>
+            <a:r>
+              <a:rPr lang="en-US" sz="2000" dirty="0" smtClean="0">
+                <a:latin typeface="Times New Roman" pitchFamily="18" charset="0"/>
+                <a:cs typeface="Times New Roman" pitchFamily="18" charset="0"/>
+              </a:rPr>
+              <a:t> node </a:t>
+            </a:r>
+            <a:r>
+              <a:rPr lang="en-US" sz="2000" dirty="0" err="1" smtClean="0">
+                <a:latin typeface="Times New Roman" pitchFamily="18" charset="0"/>
+                <a:cs typeface="Times New Roman" pitchFamily="18" charset="0"/>
+              </a:rPr>
+              <a:t>mà</a:t>
+            </a:r>
+            <a:r>
+              <a:rPr lang="en-US" sz="2000" dirty="0" smtClean="0">
+                <a:latin typeface="Times New Roman" pitchFamily="18" charset="0"/>
+                <a:cs typeface="Times New Roman" pitchFamily="18" charset="0"/>
+              </a:rPr>
+              <a:t> </a:t>
+            </a:r>
+            <a:r>
+              <a:rPr lang="en-US" sz="2000" dirty="0" err="1" smtClean="0">
+                <a:latin typeface="Times New Roman" pitchFamily="18" charset="0"/>
+                <a:cs typeface="Times New Roman" pitchFamily="18" charset="0"/>
+              </a:rPr>
+              <a:t>người</a:t>
+            </a:r>
+            <a:r>
+              <a:rPr lang="en-US" sz="2000" dirty="0" smtClean="0">
+                <a:latin typeface="Times New Roman" pitchFamily="18" charset="0"/>
+                <a:cs typeface="Times New Roman" pitchFamily="18" charset="0"/>
+              </a:rPr>
+              <a:t> </a:t>
+            </a:r>
+            <a:r>
+              <a:rPr lang="en-US" sz="2000" dirty="0" err="1" smtClean="0">
+                <a:latin typeface="Times New Roman" pitchFamily="18" charset="0"/>
+                <a:cs typeface="Times New Roman" pitchFamily="18" charset="0"/>
+              </a:rPr>
+              <a:t>dùng</a:t>
+            </a:r>
+            <a:r>
+              <a:rPr lang="en-US" sz="2000" dirty="0" smtClean="0">
+                <a:latin typeface="Times New Roman" pitchFamily="18" charset="0"/>
+                <a:cs typeface="Times New Roman" pitchFamily="18" charset="0"/>
+              </a:rPr>
+              <a:t> </a:t>
+            </a:r>
+            <a:r>
+              <a:rPr lang="en-US" sz="2000" dirty="0" err="1" smtClean="0">
+                <a:latin typeface="Times New Roman" pitchFamily="18" charset="0"/>
+                <a:cs typeface="Times New Roman" pitchFamily="18" charset="0"/>
+              </a:rPr>
+              <a:t>nhập</a:t>
+            </a:r>
+            <a:r>
+              <a:rPr lang="en-US" sz="2000" dirty="0" smtClean="0">
+                <a:latin typeface="Times New Roman" pitchFamily="18" charset="0"/>
+                <a:cs typeface="Times New Roman" pitchFamily="18" charset="0"/>
+              </a:rPr>
+              <a:t> </a:t>
+            </a:r>
+            <a:r>
+              <a:rPr lang="en-US" sz="2000" dirty="0" err="1" smtClean="0">
+                <a:latin typeface="Times New Roman" pitchFamily="18" charset="0"/>
+                <a:cs typeface="Times New Roman" pitchFamily="18" charset="0"/>
+              </a:rPr>
+              <a:t>vào</a:t>
+            </a:r>
+            <a:r>
+              <a:rPr lang="en-US" sz="2000" dirty="0" smtClean="0">
+                <a:latin typeface="Times New Roman" pitchFamily="18" charset="0"/>
+                <a:cs typeface="Times New Roman" pitchFamily="18" charset="0"/>
+              </a:rPr>
+              <a:t> </a:t>
+            </a:r>
+            <a:r>
+              <a:rPr lang="en-US" sz="2000" dirty="0" err="1" smtClean="0">
+                <a:latin typeface="Times New Roman" pitchFamily="18" charset="0"/>
+                <a:cs typeface="Times New Roman" pitchFamily="18" charset="0"/>
+              </a:rPr>
+              <a:t>để</a:t>
+            </a:r>
+            <a:r>
+              <a:rPr lang="en-US" sz="2000" dirty="0" smtClean="0">
+                <a:latin typeface="Times New Roman" pitchFamily="18" charset="0"/>
+                <a:cs typeface="Times New Roman" pitchFamily="18" charset="0"/>
+              </a:rPr>
+              <a:t> </a:t>
+            </a:r>
+            <a:r>
+              <a:rPr lang="en-US" sz="2000" dirty="0" err="1" smtClean="0">
+                <a:latin typeface="Times New Roman" pitchFamily="18" charset="0"/>
+                <a:cs typeface="Times New Roman" pitchFamily="18" charset="0"/>
+              </a:rPr>
+              <a:t>đưa</a:t>
+            </a:r>
+            <a:r>
+              <a:rPr lang="en-US" sz="2000" dirty="0" smtClean="0">
+                <a:latin typeface="Times New Roman" pitchFamily="18" charset="0"/>
+                <a:cs typeface="Times New Roman" pitchFamily="18" charset="0"/>
+              </a:rPr>
+              <a:t> </a:t>
+            </a:r>
+            <a:r>
+              <a:rPr lang="en-US" sz="2000" dirty="0" err="1" smtClean="0">
+                <a:latin typeface="Times New Roman" pitchFamily="18" charset="0"/>
+                <a:cs typeface="Times New Roman" pitchFamily="18" charset="0"/>
+              </a:rPr>
+              <a:t>ra</a:t>
+            </a:r>
+            <a:r>
+              <a:rPr lang="en-US" sz="2000" dirty="0" smtClean="0">
+                <a:latin typeface="Times New Roman" pitchFamily="18" charset="0"/>
+                <a:cs typeface="Times New Roman" pitchFamily="18" charset="0"/>
+              </a:rPr>
+              <a:t> </a:t>
+            </a:r>
+            <a:r>
+              <a:rPr lang="en-US" sz="2000" dirty="0" err="1" smtClean="0">
+                <a:latin typeface="Times New Roman" pitchFamily="18" charset="0"/>
+                <a:cs typeface="Times New Roman" pitchFamily="18" charset="0"/>
+              </a:rPr>
+              <a:t>kế</a:t>
+            </a:r>
+            <a:r>
+              <a:rPr lang="en-US" sz="2000" dirty="0" err="1" smtClean="0">
+                <a:latin typeface="Times New Roman" pitchFamily="18" charset="0"/>
+                <a:cs typeface="Times New Roman" pitchFamily="18" charset="0"/>
+              </a:rPr>
+              <a:t>t</a:t>
+            </a:r>
+            <a:r>
+              <a:rPr lang="en-US" sz="2000" dirty="0" smtClean="0">
+                <a:latin typeface="Times New Roman" pitchFamily="18" charset="0"/>
+                <a:cs typeface="Times New Roman" pitchFamily="18" charset="0"/>
+              </a:rPr>
+              <a:t> </a:t>
+            </a:r>
+            <a:r>
+              <a:rPr lang="en-US" sz="2000" dirty="0" err="1" smtClean="0">
+                <a:latin typeface="Times New Roman" pitchFamily="18" charset="0"/>
+                <a:cs typeface="Times New Roman" pitchFamily="18" charset="0"/>
+              </a:rPr>
+              <a:t>quả</a:t>
+            </a:r>
+            <a:endParaRPr lang="en-US" sz="2000" dirty="0" smtClean="0">
+              <a:latin typeface="Times New Roman" pitchFamily="18" charset="0"/>
+              <a:cs typeface="Times New Roman" pitchFamily="18" charset="0"/>
+            </a:endParaRPr>
+          </a:p>
+          <a:p>
+            <a:endParaRPr lang="en-US" sz="2000" dirty="0" smtClean="0">
               <a:latin typeface="Times New Roman" pitchFamily="18" charset="0"/>
               <a:cs typeface="Times New Roman" pitchFamily="18" charset="0"/>
             </a:endParaRPr>
@@ -6986,6 +8178,62 @@
               <a:t>12</a:t>
             </a:fld>
             <a:endParaRPr lang="en-US"/>
+          </a:p>
+        </p:txBody>
+      </p:sp>
+      <p:pic>
+        <p:nvPicPr>
+          <p:cNvPr id="3074" name="Picture 2" descr="C:\Users\TKORG-PC1\Desktop\ccs.png"/>
+          <p:cNvPicPr>
+            <a:picLocks noChangeAspect="1" noChangeArrowheads="1"/>
+          </p:cNvPicPr>
+          <p:nvPr/>
+        </p:nvPicPr>
+        <p:blipFill>
+          <a:blip r:embed="rId2"/>
+          <a:srcRect/>
+          <a:stretch>
+            <a:fillRect/>
+          </a:stretch>
+        </p:blipFill>
+        <p:spPr bwMode="auto">
+          <a:xfrm>
+            <a:off x="2209800" y="2590800"/>
+            <a:ext cx="5181600" cy="3590528"/>
+          </a:xfrm>
+          <a:prstGeom prst="rect">
+            <a:avLst/>
+          </a:prstGeom>
+          <a:noFill/>
+        </p:spPr>
+      </p:pic>
+      <p:sp>
+        <p:nvSpPr>
+          <p:cNvPr id="6" name="TextBox 5"/>
+          <p:cNvSpPr txBox="1"/>
+          <p:nvPr/>
+        </p:nvSpPr>
+        <p:spPr>
+          <a:xfrm>
+            <a:off x="4401996" y="6488668"/>
+            <a:ext cx="4742004" cy="369332"/>
+          </a:xfrm>
+          <a:prstGeom prst="rect">
+            <a:avLst/>
+          </a:prstGeom>
+          <a:noFill/>
+        </p:spPr>
+        <p:txBody>
+          <a:bodyPr wrap="none" rtlCol="0">
+            <a:spAutoFit/>
+          </a:bodyPr>
+          <a:lstStyle/>
+          <a:p>
+            <a:r>
+              <a:rPr lang="en-US" dirty="0" smtClean="0"/>
+              <a:t>http://www.acm.org/about/class/ccs98-html</a:t>
+            </a:r>
+            <a:endParaRPr lang="en-US" dirty="0"/>
           </a:p>
         </p:txBody>
       </p:sp>
@@ -7038,95 +8286,1033 @@
           </a:bodyPr>
           <a:lstStyle/>
           <a:p>
-            <a:pPr lvl="0" algn="just"/>
-            <a:r>
-              <a:rPr lang="en-US" sz="2600" smtClean="0">
-                <a:latin typeface="Times New Roman" pitchFamily="18" charset="0"/>
-                <a:cs typeface="Times New Roman" pitchFamily="18" charset="0"/>
-              </a:rPr>
-              <a:t>Kết quả mà trang web này đưa ra sau khi tìm kiếm là một danh sách các bài báo, mỗi bài báo chưa các thông tin sau: </a:t>
-            </a:r>
-          </a:p>
-          <a:p>
-            <a:pPr lvl="1" algn="just"/>
-            <a:r>
-              <a:rPr lang="en-US" sz="1900" smtClean="0">
-                <a:latin typeface="Times New Roman" pitchFamily="18" charset="0"/>
-                <a:cs typeface="Times New Roman" pitchFamily="18" charset="0"/>
-              </a:rPr>
-              <a:t>Tên bài báo và đường dẫn của bài báo đó.</a:t>
-            </a:r>
-          </a:p>
-          <a:p>
-            <a:pPr lvl="1" algn="just"/>
-            <a:r>
-              <a:rPr lang="en-US" sz="1900" smtClean="0">
-                <a:latin typeface="Times New Roman" pitchFamily="18" charset="0"/>
-                <a:cs typeface="Times New Roman" pitchFamily="18" charset="0"/>
-              </a:rPr>
-              <a:t>Các đồng tác giả.</a:t>
-            </a:r>
-          </a:p>
-          <a:p>
-            <a:pPr lvl="1" algn="just"/>
-            <a:r>
-              <a:rPr lang="en-US" sz="1900" smtClean="0">
-                <a:latin typeface="Times New Roman" pitchFamily="18" charset="0"/>
-                <a:cs typeface="Times New Roman" pitchFamily="18" charset="0"/>
-              </a:rPr>
-              <a:t>Hội thảo của bài báo đó kèm theo đường dẫn của hội thảo đó.</a:t>
-            </a:r>
-          </a:p>
-          <a:p>
-            <a:pPr lvl="1" algn="just"/>
-            <a:r>
-              <a:rPr lang="en-US" sz="1900" smtClean="0">
-                <a:latin typeface="Times New Roman" pitchFamily="18" charset="0"/>
-                <a:cs typeface="Times New Roman" pitchFamily="18" charset="0"/>
-              </a:rPr>
-              <a:t>Mã số của bài báo.</a:t>
-            </a:r>
-          </a:p>
-          <a:p>
-            <a:pPr lvl="1" algn="just"/>
-            <a:r>
-              <a:rPr lang="en-US" sz="1900" smtClean="0">
-                <a:latin typeface="Times New Roman" pitchFamily="18" charset="0"/>
-                <a:cs typeface="Times New Roman" pitchFamily="18" charset="0"/>
-              </a:rPr>
-              <a:t>Thời gian công bố.</a:t>
-            </a:r>
-          </a:p>
-          <a:p>
-            <a:pPr lvl="1" algn="just"/>
-            <a:r>
-              <a:rPr lang="en-US" sz="1900" smtClean="0">
-                <a:latin typeface="Times New Roman" pitchFamily="18" charset="0"/>
-                <a:cs typeface="Times New Roman" pitchFamily="18" charset="0"/>
-              </a:rPr>
-              <a:t>Số trang.  </a:t>
-            </a:r>
-          </a:p>
-          <a:p>
-            <a:pPr lvl="1" algn="just"/>
-            <a:r>
-              <a:rPr lang="en-US" sz="1900" smtClean="0">
-                <a:latin typeface="Times New Roman" pitchFamily="18" charset="0"/>
-                <a:cs typeface="Times New Roman" pitchFamily="18" charset="0"/>
-              </a:rPr>
-              <a:t>Tóm tắt sơ lược của bài báo. </a:t>
-            </a:r>
-          </a:p>
-          <a:p>
             <a:pPr algn="just"/>
             <a:r>
-              <a:rPr lang="en-US" sz="2400" smtClean="0">
-                <a:latin typeface="Times New Roman" pitchFamily="18" charset="0"/>
-                <a:cs typeface="Times New Roman" pitchFamily="18" charset="0"/>
-              </a:rPr>
-              <a:t>Định dạng của các bài báo hầu hết là các file PDF</a:t>
-            </a:r>
-            <a:endParaRPr lang="en-US" sz="2400">
+              <a:rPr lang="en-US" dirty="0" err="1" smtClean="0">
+                <a:latin typeface="Times New Roman" pitchFamily="18" charset="0"/>
+                <a:cs typeface="Times New Roman" pitchFamily="18" charset="0"/>
+              </a:rPr>
+              <a:t>Là</a:t>
+            </a:r>
+            <a:r>
+              <a:rPr lang="en-US" dirty="0" smtClean="0">
+                <a:latin typeface="Times New Roman" pitchFamily="18" charset="0"/>
+                <a:cs typeface="Times New Roman" pitchFamily="18" charset="0"/>
+              </a:rPr>
+              <a:t> </a:t>
+            </a:r>
+            <a:r>
+              <a:rPr lang="en-US" dirty="0" err="1" smtClean="0">
+                <a:latin typeface="Times New Roman" pitchFamily="18" charset="0"/>
+                <a:cs typeface="Times New Roman" pitchFamily="18" charset="0"/>
+              </a:rPr>
+              <a:t>một</a:t>
+            </a:r>
+            <a:r>
+              <a:rPr lang="en-US" dirty="0" smtClean="0">
+                <a:latin typeface="Times New Roman" pitchFamily="18" charset="0"/>
+                <a:cs typeface="Times New Roman" pitchFamily="18" charset="0"/>
+              </a:rPr>
+              <a:t> </a:t>
+            </a:r>
+            <a:r>
+              <a:rPr lang="en-US" dirty="0" err="1" smtClean="0">
+                <a:latin typeface="Times New Roman" pitchFamily="18" charset="0"/>
+                <a:cs typeface="Times New Roman" pitchFamily="18" charset="0"/>
+              </a:rPr>
+              <a:t>thư</a:t>
+            </a:r>
+            <a:r>
+              <a:rPr lang="en-US" dirty="0" smtClean="0">
+                <a:latin typeface="Times New Roman" pitchFamily="18" charset="0"/>
+                <a:cs typeface="Times New Roman" pitchFamily="18" charset="0"/>
+              </a:rPr>
+              <a:t> </a:t>
+            </a:r>
+            <a:r>
+              <a:rPr lang="en-US" dirty="0" err="1" smtClean="0">
+                <a:latin typeface="Times New Roman" pitchFamily="18" charset="0"/>
+                <a:cs typeface="Times New Roman" pitchFamily="18" charset="0"/>
+              </a:rPr>
+              <a:t>viện</a:t>
+            </a:r>
+            <a:r>
+              <a:rPr lang="en-US" dirty="0" smtClean="0">
+                <a:latin typeface="Times New Roman" pitchFamily="18" charset="0"/>
+                <a:cs typeface="Times New Roman" pitchFamily="18" charset="0"/>
+              </a:rPr>
+              <a:t> </a:t>
+            </a:r>
+            <a:r>
+              <a:rPr lang="en-US" dirty="0" err="1" smtClean="0">
+                <a:latin typeface="Times New Roman" pitchFamily="18" charset="0"/>
+                <a:cs typeface="Times New Roman" pitchFamily="18" charset="0"/>
+              </a:rPr>
+              <a:t>số</a:t>
+            </a:r>
+            <a:r>
+              <a:rPr lang="en-US" dirty="0" smtClean="0">
+                <a:latin typeface="Times New Roman" pitchFamily="18" charset="0"/>
+                <a:cs typeface="Times New Roman" pitchFamily="18" charset="0"/>
+              </a:rPr>
+              <a:t> </a:t>
+            </a:r>
+            <a:r>
+              <a:rPr lang="en-US" dirty="0" err="1" smtClean="0">
+                <a:latin typeface="Times New Roman" pitchFamily="18" charset="0"/>
+                <a:cs typeface="Times New Roman" pitchFamily="18" charset="0"/>
+              </a:rPr>
+              <a:t>cung</a:t>
+            </a:r>
+            <a:r>
+              <a:rPr lang="en-US" dirty="0" smtClean="0">
+                <a:latin typeface="Times New Roman" pitchFamily="18" charset="0"/>
+                <a:cs typeface="Times New Roman" pitchFamily="18" charset="0"/>
+              </a:rPr>
+              <a:t> </a:t>
+            </a:r>
+            <a:r>
+              <a:rPr lang="en-US" dirty="0" err="1" smtClean="0">
+                <a:latin typeface="Times New Roman" pitchFamily="18" charset="0"/>
+                <a:cs typeface="Times New Roman" pitchFamily="18" charset="0"/>
+              </a:rPr>
+              <a:t>cấp</a:t>
+            </a:r>
+            <a:r>
+              <a:rPr lang="en-US" dirty="0" smtClean="0">
+                <a:latin typeface="Times New Roman" pitchFamily="18" charset="0"/>
+                <a:cs typeface="Times New Roman" pitchFamily="18" charset="0"/>
+              </a:rPr>
+              <a:t> </a:t>
+            </a:r>
+            <a:r>
+              <a:rPr lang="en-US" dirty="0" err="1" smtClean="0">
+                <a:latin typeface="Times New Roman" pitchFamily="18" charset="0"/>
+                <a:cs typeface="Times New Roman" pitchFamily="18" charset="0"/>
+              </a:rPr>
+              <a:t>tài</a:t>
+            </a:r>
+            <a:r>
+              <a:rPr lang="en-US" dirty="0" smtClean="0">
+                <a:latin typeface="Times New Roman" pitchFamily="18" charset="0"/>
+                <a:cs typeface="Times New Roman" pitchFamily="18" charset="0"/>
+              </a:rPr>
+              <a:t> </a:t>
+            </a:r>
+            <a:r>
+              <a:rPr lang="en-US" dirty="0" err="1" smtClean="0">
+                <a:latin typeface="Times New Roman" pitchFamily="18" charset="0"/>
+                <a:cs typeface="Times New Roman" pitchFamily="18" charset="0"/>
+              </a:rPr>
+              <a:t>liệu</a:t>
+            </a:r>
+            <a:r>
+              <a:rPr lang="en-US" dirty="0" smtClean="0">
+                <a:latin typeface="Times New Roman" pitchFamily="18" charset="0"/>
+                <a:cs typeface="Times New Roman" pitchFamily="18" charset="0"/>
+              </a:rPr>
+              <a:t> </a:t>
+            </a:r>
+            <a:r>
+              <a:rPr lang="en-US" dirty="0" err="1" smtClean="0">
+                <a:latin typeface="Times New Roman" pitchFamily="18" charset="0"/>
+                <a:cs typeface="Times New Roman" pitchFamily="18" charset="0"/>
+              </a:rPr>
+              <a:t>về</a:t>
+            </a:r>
+            <a:r>
+              <a:rPr lang="en-US" dirty="0" smtClean="0">
+                <a:latin typeface="Times New Roman" pitchFamily="18" charset="0"/>
+                <a:cs typeface="Times New Roman" pitchFamily="18" charset="0"/>
+              </a:rPr>
+              <a:t> </a:t>
+            </a:r>
+            <a:r>
+              <a:rPr lang="en-US" dirty="0" err="1" smtClean="0">
+                <a:latin typeface="Times New Roman" pitchFamily="18" charset="0"/>
+                <a:cs typeface="Times New Roman" pitchFamily="18" charset="0"/>
+              </a:rPr>
+              <a:t>lĩnh</a:t>
+            </a:r>
+            <a:r>
+              <a:rPr lang="en-US" dirty="0" smtClean="0">
+                <a:latin typeface="Times New Roman" pitchFamily="18" charset="0"/>
+                <a:cs typeface="Times New Roman" pitchFamily="18" charset="0"/>
+              </a:rPr>
+              <a:t> </a:t>
+            </a:r>
+            <a:r>
+              <a:rPr lang="en-US" dirty="0" err="1" smtClean="0">
+                <a:latin typeface="Times New Roman" pitchFamily="18" charset="0"/>
+                <a:cs typeface="Times New Roman" pitchFamily="18" charset="0"/>
+              </a:rPr>
+              <a:t>vực</a:t>
+            </a:r>
+            <a:r>
+              <a:rPr lang="en-US" dirty="0" smtClean="0">
+                <a:latin typeface="Times New Roman" pitchFamily="18" charset="0"/>
+                <a:cs typeface="Times New Roman" pitchFamily="18" charset="0"/>
+              </a:rPr>
+              <a:t> </a:t>
+            </a:r>
+            <a:r>
+              <a:rPr lang="en-US" dirty="0" err="1" smtClean="0">
+                <a:latin typeface="Times New Roman" pitchFamily="18" charset="0"/>
+                <a:cs typeface="Times New Roman" pitchFamily="18" charset="0"/>
+              </a:rPr>
+              <a:t>máy</a:t>
+            </a:r>
+            <a:r>
+              <a:rPr lang="en-US" dirty="0" smtClean="0">
+                <a:latin typeface="Times New Roman" pitchFamily="18" charset="0"/>
+                <a:cs typeface="Times New Roman" pitchFamily="18" charset="0"/>
+              </a:rPr>
+              <a:t> </a:t>
+            </a:r>
+            <a:r>
+              <a:rPr lang="en-US" dirty="0" err="1" smtClean="0">
+                <a:latin typeface="Times New Roman" pitchFamily="18" charset="0"/>
+                <a:cs typeface="Times New Roman" pitchFamily="18" charset="0"/>
+              </a:rPr>
+              <a:t>tính</a:t>
+            </a:r>
+            <a:r>
+              <a:rPr lang="en-US" dirty="0" smtClean="0">
+                <a:latin typeface="Times New Roman" pitchFamily="18" charset="0"/>
+                <a:cs typeface="Times New Roman" pitchFamily="18" charset="0"/>
+              </a:rPr>
+              <a:t> </a:t>
+            </a:r>
+            <a:r>
+              <a:rPr lang="en-US" dirty="0" err="1" smtClean="0">
+                <a:latin typeface="Times New Roman" pitchFamily="18" charset="0"/>
+                <a:cs typeface="Times New Roman" pitchFamily="18" charset="0"/>
+              </a:rPr>
+              <a:t>được</a:t>
+            </a:r>
+            <a:r>
+              <a:rPr lang="en-US" dirty="0" smtClean="0">
+                <a:latin typeface="Times New Roman" pitchFamily="18" charset="0"/>
+                <a:cs typeface="Times New Roman" pitchFamily="18" charset="0"/>
+              </a:rPr>
+              <a:t> </a:t>
+            </a:r>
+            <a:r>
+              <a:rPr lang="en-US" dirty="0" err="1" smtClean="0">
+                <a:latin typeface="Times New Roman" pitchFamily="18" charset="0"/>
+                <a:cs typeface="Times New Roman" pitchFamily="18" charset="0"/>
+              </a:rPr>
+              <a:t>công</a:t>
+            </a:r>
+            <a:r>
+              <a:rPr lang="en-US" dirty="0" smtClean="0">
+                <a:latin typeface="Times New Roman" pitchFamily="18" charset="0"/>
+                <a:cs typeface="Times New Roman" pitchFamily="18" charset="0"/>
+              </a:rPr>
+              <a:t> </a:t>
+            </a:r>
+            <a:r>
+              <a:rPr lang="en-US" dirty="0" err="1" smtClean="0">
+                <a:latin typeface="Times New Roman" pitchFamily="18" charset="0"/>
+                <a:cs typeface="Times New Roman" pitchFamily="18" charset="0"/>
+              </a:rPr>
+              <a:t>bố</a:t>
+            </a:r>
+            <a:r>
+              <a:rPr lang="en-US" dirty="0" smtClean="0">
+                <a:latin typeface="Times New Roman" pitchFamily="18" charset="0"/>
+                <a:cs typeface="Times New Roman" pitchFamily="18" charset="0"/>
+              </a:rPr>
+              <a:t> </a:t>
+            </a:r>
+            <a:r>
+              <a:rPr lang="en-US" dirty="0" err="1" smtClean="0">
+                <a:latin typeface="Times New Roman" pitchFamily="18" charset="0"/>
+                <a:cs typeface="Times New Roman" pitchFamily="18" charset="0"/>
+              </a:rPr>
+              <a:t>bởi</a:t>
+            </a:r>
+            <a:r>
+              <a:rPr lang="en-US" dirty="0" smtClean="0">
+                <a:latin typeface="Times New Roman" pitchFamily="18" charset="0"/>
+                <a:cs typeface="Times New Roman" pitchFamily="18" charset="0"/>
+              </a:rPr>
+              <a:t> </a:t>
+            </a:r>
+            <a:r>
+              <a:rPr lang="en-US" dirty="0" err="1" smtClean="0">
+                <a:latin typeface="Times New Roman" pitchFamily="18" charset="0"/>
+                <a:cs typeface="Times New Roman" pitchFamily="18" charset="0"/>
+              </a:rPr>
+              <a:t>nhiều</a:t>
+            </a:r>
+            <a:r>
+              <a:rPr lang="en-US" dirty="0" smtClean="0">
+                <a:latin typeface="Times New Roman" pitchFamily="18" charset="0"/>
+                <a:cs typeface="Times New Roman" pitchFamily="18" charset="0"/>
+              </a:rPr>
+              <a:t> </a:t>
+            </a:r>
+            <a:r>
+              <a:rPr lang="en-US" dirty="0" err="1" smtClean="0">
+                <a:latin typeface="Times New Roman" pitchFamily="18" charset="0"/>
+                <a:cs typeface="Times New Roman" pitchFamily="18" charset="0"/>
+              </a:rPr>
+              <a:t>tổ</a:t>
+            </a:r>
+            <a:r>
+              <a:rPr lang="en-US" dirty="0" smtClean="0">
+                <a:latin typeface="Times New Roman" pitchFamily="18" charset="0"/>
+                <a:cs typeface="Times New Roman" pitchFamily="18" charset="0"/>
+              </a:rPr>
+              <a:t> </a:t>
+            </a:r>
+            <a:r>
+              <a:rPr lang="en-US" dirty="0" err="1" smtClean="0">
+                <a:latin typeface="Times New Roman" pitchFamily="18" charset="0"/>
+                <a:cs typeface="Times New Roman" pitchFamily="18" charset="0"/>
+              </a:rPr>
+              <a:t>chức</a:t>
+            </a:r>
+            <a:r>
+              <a:rPr lang="en-US" dirty="0" smtClean="0">
+                <a:latin typeface="Times New Roman" pitchFamily="18" charset="0"/>
+                <a:cs typeface="Times New Roman" pitchFamily="18" charset="0"/>
+              </a:rPr>
+              <a:t>.</a:t>
+            </a:r>
+          </a:p>
+          <a:p>
+            <a:pPr algn="just"/>
+            <a:r>
+              <a:rPr lang="en-US" dirty="0" err="1" smtClean="0">
+                <a:latin typeface="Times New Roman" pitchFamily="18" charset="0"/>
+                <a:cs typeface="Times New Roman" pitchFamily="18" charset="0"/>
+              </a:rPr>
+              <a:t>Khi</a:t>
+            </a:r>
+            <a:r>
+              <a:rPr lang="en-US" dirty="0" smtClean="0">
+                <a:latin typeface="Times New Roman" pitchFamily="18" charset="0"/>
+                <a:cs typeface="Times New Roman" pitchFamily="18" charset="0"/>
+              </a:rPr>
+              <a:t> </a:t>
+            </a:r>
+            <a:r>
+              <a:rPr lang="en-US" dirty="0" err="1" smtClean="0">
+                <a:latin typeface="Times New Roman" pitchFamily="18" charset="0"/>
+                <a:cs typeface="Times New Roman" pitchFamily="18" charset="0"/>
+              </a:rPr>
+              <a:t>người</a:t>
+            </a:r>
+            <a:r>
+              <a:rPr lang="en-US" dirty="0" smtClean="0">
+                <a:latin typeface="Times New Roman" pitchFamily="18" charset="0"/>
+                <a:cs typeface="Times New Roman" pitchFamily="18" charset="0"/>
+              </a:rPr>
+              <a:t> </a:t>
+            </a:r>
+            <a:r>
+              <a:rPr lang="en-US" dirty="0" err="1" smtClean="0">
+                <a:latin typeface="Times New Roman" pitchFamily="18" charset="0"/>
+                <a:cs typeface="Times New Roman" pitchFamily="18" charset="0"/>
+              </a:rPr>
+              <a:t>dùng</a:t>
+            </a:r>
+            <a:r>
+              <a:rPr lang="en-US" dirty="0" smtClean="0">
+                <a:latin typeface="Times New Roman" pitchFamily="18" charset="0"/>
+                <a:cs typeface="Times New Roman" pitchFamily="18" charset="0"/>
+              </a:rPr>
+              <a:t> </a:t>
+            </a:r>
+            <a:r>
+              <a:rPr lang="en-US" dirty="0" err="1" smtClean="0">
+                <a:latin typeface="Times New Roman" pitchFamily="18" charset="0"/>
+                <a:cs typeface="Times New Roman" pitchFamily="18" charset="0"/>
+              </a:rPr>
+              <a:t>nhập</a:t>
+            </a:r>
+            <a:r>
+              <a:rPr lang="en-US" dirty="0" smtClean="0">
+                <a:latin typeface="Times New Roman" pitchFamily="18" charset="0"/>
+                <a:cs typeface="Times New Roman" pitchFamily="18" charset="0"/>
+              </a:rPr>
+              <a:t> </a:t>
+            </a:r>
+            <a:r>
+              <a:rPr lang="en-US" dirty="0" err="1" smtClean="0">
+                <a:latin typeface="Times New Roman" pitchFamily="18" charset="0"/>
+                <a:cs typeface="Times New Roman" pitchFamily="18" charset="0"/>
+              </a:rPr>
+              <a:t>thông</a:t>
+            </a:r>
+            <a:r>
+              <a:rPr lang="en-US" dirty="0" smtClean="0">
+                <a:latin typeface="Times New Roman" pitchFamily="18" charset="0"/>
+                <a:cs typeface="Times New Roman" pitchFamily="18" charset="0"/>
+              </a:rPr>
+              <a:t> tin </a:t>
+            </a:r>
+            <a:r>
+              <a:rPr lang="en-US" dirty="0" err="1" smtClean="0">
+                <a:latin typeface="Times New Roman" pitchFamily="18" charset="0"/>
+                <a:cs typeface="Times New Roman" pitchFamily="18" charset="0"/>
+              </a:rPr>
+              <a:t>tìm</a:t>
+            </a:r>
+            <a:r>
+              <a:rPr lang="en-US" dirty="0" smtClean="0">
+                <a:latin typeface="Times New Roman" pitchFamily="18" charset="0"/>
+                <a:cs typeface="Times New Roman" pitchFamily="18" charset="0"/>
+              </a:rPr>
+              <a:t> </a:t>
+            </a:r>
+            <a:r>
+              <a:rPr lang="en-US" dirty="0" err="1" smtClean="0">
+                <a:latin typeface="Times New Roman" pitchFamily="18" charset="0"/>
+                <a:cs typeface="Times New Roman" pitchFamily="18" charset="0"/>
+              </a:rPr>
+              <a:t>kiếm</a:t>
+            </a:r>
+            <a:r>
+              <a:rPr lang="en-US" dirty="0" smtClean="0">
+                <a:latin typeface="Times New Roman" pitchFamily="18" charset="0"/>
+                <a:cs typeface="Times New Roman" pitchFamily="18" charset="0"/>
+              </a:rPr>
+              <a:t> </a:t>
+            </a:r>
+            <a:r>
+              <a:rPr lang="en-US" dirty="0" err="1" smtClean="0">
+                <a:latin typeface="Times New Roman" pitchFamily="18" charset="0"/>
+                <a:cs typeface="Times New Roman" pitchFamily="18" charset="0"/>
+              </a:rPr>
+              <a:t>hệ</a:t>
+            </a:r>
+            <a:r>
+              <a:rPr lang="en-US" dirty="0" smtClean="0">
+                <a:latin typeface="Times New Roman" pitchFamily="18" charset="0"/>
+                <a:cs typeface="Times New Roman" pitchFamily="18" charset="0"/>
+              </a:rPr>
+              <a:t> </a:t>
+            </a:r>
+            <a:r>
+              <a:rPr lang="en-US" dirty="0" err="1" smtClean="0">
+                <a:latin typeface="Times New Roman" pitchFamily="18" charset="0"/>
+                <a:cs typeface="Times New Roman" pitchFamily="18" charset="0"/>
+              </a:rPr>
+              <a:t>thống</a:t>
+            </a:r>
+            <a:r>
+              <a:rPr lang="en-US" dirty="0" smtClean="0">
+                <a:latin typeface="Times New Roman" pitchFamily="18" charset="0"/>
+                <a:cs typeface="Times New Roman" pitchFamily="18" charset="0"/>
+              </a:rPr>
+              <a:t> </a:t>
+            </a:r>
+            <a:r>
+              <a:rPr lang="en-US" dirty="0" err="1" smtClean="0">
+                <a:latin typeface="Times New Roman" pitchFamily="18" charset="0"/>
+                <a:cs typeface="Times New Roman" pitchFamily="18" charset="0"/>
+              </a:rPr>
+              <a:t>sẽ</a:t>
+            </a:r>
+            <a:r>
+              <a:rPr lang="en-US" dirty="0" smtClean="0">
+                <a:latin typeface="Times New Roman" pitchFamily="18" charset="0"/>
+                <a:cs typeface="Times New Roman" pitchFamily="18" charset="0"/>
+              </a:rPr>
+              <a:t> </a:t>
+            </a:r>
+            <a:r>
+              <a:rPr lang="en-US" dirty="0" err="1" smtClean="0">
+                <a:latin typeface="Times New Roman" pitchFamily="18" charset="0"/>
+                <a:cs typeface="Times New Roman" pitchFamily="18" charset="0"/>
+              </a:rPr>
+              <a:t>dựa</a:t>
+            </a:r>
+            <a:r>
+              <a:rPr lang="en-US" dirty="0" smtClean="0">
+                <a:latin typeface="Times New Roman" pitchFamily="18" charset="0"/>
+                <a:cs typeface="Times New Roman" pitchFamily="18" charset="0"/>
+              </a:rPr>
+              <a:t> </a:t>
+            </a:r>
+            <a:r>
+              <a:rPr lang="en-US" dirty="0" err="1" smtClean="0">
+                <a:latin typeface="Times New Roman" pitchFamily="18" charset="0"/>
+                <a:cs typeface="Times New Roman" pitchFamily="18" charset="0"/>
+              </a:rPr>
+              <a:t>vào</a:t>
+            </a:r>
+            <a:r>
+              <a:rPr lang="en-US" dirty="0" smtClean="0">
+                <a:latin typeface="Times New Roman" pitchFamily="18" charset="0"/>
+                <a:cs typeface="Times New Roman" pitchFamily="18" charset="0"/>
+              </a:rPr>
+              <a:t> </a:t>
+            </a:r>
+            <a:r>
+              <a:rPr lang="en-US" dirty="0" err="1" smtClean="0">
+                <a:latin typeface="Times New Roman" pitchFamily="18" charset="0"/>
+                <a:cs typeface="Times New Roman" pitchFamily="18" charset="0"/>
+              </a:rPr>
+              <a:t>sự</a:t>
+            </a:r>
+            <a:r>
+              <a:rPr lang="en-US" dirty="0" smtClean="0">
+                <a:latin typeface="Times New Roman" pitchFamily="18" charset="0"/>
+                <a:cs typeface="Times New Roman" pitchFamily="18" charset="0"/>
+              </a:rPr>
+              <a:t> </a:t>
+            </a:r>
+            <a:r>
+              <a:rPr lang="en-US" dirty="0" err="1" smtClean="0">
+                <a:latin typeface="Times New Roman" pitchFamily="18" charset="0"/>
+                <a:cs typeface="Times New Roman" pitchFamily="18" charset="0"/>
+              </a:rPr>
+              <a:t>xuất</a:t>
+            </a:r>
+            <a:r>
+              <a:rPr lang="en-US" dirty="0" smtClean="0">
+                <a:latin typeface="Times New Roman" pitchFamily="18" charset="0"/>
+                <a:cs typeface="Times New Roman" pitchFamily="18" charset="0"/>
+              </a:rPr>
+              <a:t> </a:t>
+            </a:r>
+            <a:r>
+              <a:rPr lang="en-US" dirty="0" err="1" smtClean="0">
+                <a:latin typeface="Times New Roman" pitchFamily="18" charset="0"/>
+                <a:cs typeface="Times New Roman" pitchFamily="18" charset="0"/>
+              </a:rPr>
+              <a:t>hiện</a:t>
+            </a:r>
+            <a:r>
+              <a:rPr lang="en-US" dirty="0" smtClean="0">
+                <a:latin typeface="Times New Roman" pitchFamily="18" charset="0"/>
+                <a:cs typeface="Times New Roman" pitchFamily="18" charset="0"/>
+              </a:rPr>
+              <a:t> </a:t>
+            </a:r>
+            <a:r>
+              <a:rPr lang="en-US" dirty="0" err="1" smtClean="0">
+                <a:latin typeface="Times New Roman" pitchFamily="18" charset="0"/>
+                <a:cs typeface="Times New Roman" pitchFamily="18" charset="0"/>
+              </a:rPr>
+              <a:t>của</a:t>
+            </a:r>
+            <a:r>
+              <a:rPr lang="en-US" dirty="0" smtClean="0">
+                <a:latin typeface="Times New Roman" pitchFamily="18" charset="0"/>
+                <a:cs typeface="Times New Roman" pitchFamily="18" charset="0"/>
+              </a:rPr>
+              <a:t> </a:t>
+            </a:r>
+            <a:r>
+              <a:rPr lang="en-US" dirty="0" err="1" smtClean="0">
+                <a:latin typeface="Times New Roman" pitchFamily="18" charset="0"/>
+                <a:cs typeface="Times New Roman" pitchFamily="18" charset="0"/>
+              </a:rPr>
+              <a:t>từ</a:t>
+            </a:r>
+            <a:r>
+              <a:rPr lang="en-US" dirty="0" smtClean="0">
+                <a:latin typeface="Times New Roman" pitchFamily="18" charset="0"/>
+                <a:cs typeface="Times New Roman" pitchFamily="18" charset="0"/>
+              </a:rPr>
+              <a:t> </a:t>
+            </a:r>
+            <a:r>
+              <a:rPr lang="en-US" dirty="0" err="1" smtClean="0">
+                <a:latin typeface="Times New Roman" pitchFamily="18" charset="0"/>
+                <a:cs typeface="Times New Roman" pitchFamily="18" charset="0"/>
+              </a:rPr>
+              <a:t>khóa</a:t>
+            </a:r>
+            <a:r>
+              <a:rPr lang="en-US" dirty="0" smtClean="0">
+                <a:latin typeface="Times New Roman" pitchFamily="18" charset="0"/>
+                <a:cs typeface="Times New Roman" pitchFamily="18" charset="0"/>
+              </a:rPr>
+              <a:t> </a:t>
+            </a:r>
+            <a:r>
+              <a:rPr lang="en-US" dirty="0" err="1" smtClean="0">
+                <a:latin typeface="Times New Roman" pitchFamily="18" charset="0"/>
+                <a:cs typeface="Times New Roman" pitchFamily="18" charset="0"/>
+              </a:rPr>
+              <a:t>đó</a:t>
+            </a:r>
+            <a:r>
+              <a:rPr lang="en-US" dirty="0" smtClean="0">
+                <a:latin typeface="Times New Roman" pitchFamily="18" charset="0"/>
+                <a:cs typeface="Times New Roman" pitchFamily="18" charset="0"/>
+              </a:rPr>
+              <a:t> </a:t>
+            </a:r>
+            <a:r>
+              <a:rPr lang="en-US" dirty="0" err="1" smtClean="0">
+                <a:latin typeface="Times New Roman" pitchFamily="18" charset="0"/>
+                <a:cs typeface="Times New Roman" pitchFamily="18" charset="0"/>
+              </a:rPr>
+              <a:t>trên</a:t>
+            </a:r>
+            <a:r>
+              <a:rPr lang="en-US" dirty="0" smtClean="0">
+                <a:latin typeface="Times New Roman" pitchFamily="18" charset="0"/>
+                <a:cs typeface="Times New Roman" pitchFamily="18" charset="0"/>
+              </a:rPr>
+              <a:t> </a:t>
+            </a:r>
+            <a:r>
+              <a:rPr lang="en-US" dirty="0" err="1" smtClean="0">
+                <a:latin typeface="Times New Roman" pitchFamily="18" charset="0"/>
+                <a:cs typeface="Times New Roman" pitchFamily="18" charset="0"/>
+              </a:rPr>
+              <a:t>các</a:t>
+            </a:r>
+            <a:r>
+              <a:rPr lang="en-US" dirty="0" smtClean="0">
+                <a:latin typeface="Times New Roman" pitchFamily="18" charset="0"/>
+                <a:cs typeface="Times New Roman" pitchFamily="18" charset="0"/>
+              </a:rPr>
+              <a:t> </a:t>
+            </a:r>
+            <a:r>
+              <a:rPr lang="en-US" dirty="0" err="1" smtClean="0">
+                <a:latin typeface="Times New Roman" pitchFamily="18" charset="0"/>
+                <a:cs typeface="Times New Roman" pitchFamily="18" charset="0"/>
+              </a:rPr>
+              <a:t>trường</a:t>
+            </a:r>
+            <a:r>
+              <a:rPr lang="en-US" dirty="0" smtClean="0">
+                <a:latin typeface="Times New Roman" pitchFamily="18" charset="0"/>
+                <a:cs typeface="Times New Roman" pitchFamily="18" charset="0"/>
+              </a:rPr>
+              <a:t> </a:t>
+            </a:r>
+            <a:r>
+              <a:rPr lang="en-US" dirty="0" smtClean="0">
+                <a:latin typeface="Times New Roman" pitchFamily="18" charset="0"/>
+                <a:cs typeface="Times New Roman" pitchFamily="18" charset="0"/>
+              </a:rPr>
+              <a:t>metadata </a:t>
+            </a:r>
+            <a:r>
+              <a:rPr lang="en-US" dirty="0" err="1" smtClean="0">
+                <a:latin typeface="Times New Roman" pitchFamily="18" charset="0"/>
+                <a:cs typeface="Times New Roman" pitchFamily="18" charset="0"/>
+              </a:rPr>
+              <a:t>để</a:t>
+            </a:r>
+            <a:r>
+              <a:rPr lang="en-US" dirty="0" smtClean="0">
+                <a:latin typeface="Times New Roman" pitchFamily="18" charset="0"/>
+                <a:cs typeface="Times New Roman" pitchFamily="18" charset="0"/>
+              </a:rPr>
+              <a:t> </a:t>
+            </a:r>
+            <a:r>
+              <a:rPr lang="en-US" dirty="0" err="1" smtClean="0">
+                <a:latin typeface="Times New Roman" pitchFamily="18" charset="0"/>
+                <a:cs typeface="Times New Roman" pitchFamily="18" charset="0"/>
+              </a:rPr>
+              <a:t>đưa</a:t>
+            </a:r>
+            <a:r>
+              <a:rPr lang="en-US" dirty="0" smtClean="0">
+                <a:latin typeface="Times New Roman" pitchFamily="18" charset="0"/>
+                <a:cs typeface="Times New Roman" pitchFamily="18" charset="0"/>
+              </a:rPr>
+              <a:t> </a:t>
+            </a:r>
+            <a:r>
+              <a:rPr lang="en-US" dirty="0" err="1" smtClean="0">
+                <a:latin typeface="Times New Roman" pitchFamily="18" charset="0"/>
+                <a:cs typeface="Times New Roman" pitchFamily="18" charset="0"/>
+              </a:rPr>
+              <a:t>ra</a:t>
+            </a:r>
+            <a:r>
+              <a:rPr lang="en-US" dirty="0" smtClean="0">
+                <a:latin typeface="Times New Roman" pitchFamily="18" charset="0"/>
+                <a:cs typeface="Times New Roman" pitchFamily="18" charset="0"/>
+              </a:rPr>
+              <a:t> </a:t>
+            </a:r>
+            <a:r>
+              <a:rPr lang="en-US" dirty="0" err="1" smtClean="0">
+                <a:latin typeface="Times New Roman" pitchFamily="18" charset="0"/>
+                <a:cs typeface="Times New Roman" pitchFamily="18" charset="0"/>
+              </a:rPr>
+              <a:t>kết</a:t>
+            </a:r>
+            <a:r>
+              <a:rPr lang="en-US" dirty="0" smtClean="0">
+                <a:latin typeface="Times New Roman" pitchFamily="18" charset="0"/>
+                <a:cs typeface="Times New Roman" pitchFamily="18" charset="0"/>
+              </a:rPr>
+              <a:t> </a:t>
+            </a:r>
+            <a:r>
+              <a:rPr lang="en-US" dirty="0" err="1" smtClean="0">
+                <a:latin typeface="Times New Roman" pitchFamily="18" charset="0"/>
+                <a:cs typeface="Times New Roman" pitchFamily="18" charset="0"/>
+              </a:rPr>
+              <a:t>quả</a:t>
+            </a:r>
+            <a:r>
+              <a:rPr lang="en-US" dirty="0" smtClean="0">
+                <a:latin typeface="Times New Roman" pitchFamily="18" charset="0"/>
+                <a:cs typeface="Times New Roman" pitchFamily="18" charset="0"/>
+              </a:rPr>
+              <a:t> </a:t>
+            </a:r>
+            <a:r>
+              <a:rPr lang="en-US" dirty="0" err="1" smtClean="0">
+                <a:latin typeface="Times New Roman" pitchFamily="18" charset="0"/>
+                <a:cs typeface="Times New Roman" pitchFamily="18" charset="0"/>
+              </a:rPr>
+              <a:t>cho</a:t>
+            </a:r>
+            <a:r>
+              <a:rPr lang="en-US" dirty="0" smtClean="0">
+                <a:latin typeface="Times New Roman" pitchFamily="18" charset="0"/>
+                <a:cs typeface="Times New Roman" pitchFamily="18" charset="0"/>
+              </a:rPr>
+              <a:t> </a:t>
+            </a:r>
+            <a:r>
+              <a:rPr lang="en-US" dirty="0" err="1" smtClean="0">
+                <a:latin typeface="Times New Roman" pitchFamily="18" charset="0"/>
+                <a:cs typeface="Times New Roman" pitchFamily="18" charset="0"/>
+              </a:rPr>
+              <a:t>người</a:t>
+            </a:r>
+            <a:r>
+              <a:rPr lang="en-US" dirty="0" smtClean="0">
+                <a:latin typeface="Times New Roman" pitchFamily="18" charset="0"/>
+                <a:cs typeface="Times New Roman" pitchFamily="18" charset="0"/>
+              </a:rPr>
+              <a:t> </a:t>
+            </a:r>
+            <a:r>
+              <a:rPr lang="en-US" dirty="0" err="1" smtClean="0">
+                <a:latin typeface="Times New Roman" pitchFamily="18" charset="0"/>
+                <a:cs typeface="Times New Roman" pitchFamily="18" charset="0"/>
+              </a:rPr>
+              <a:t>dùng</a:t>
+            </a:r>
+            <a:r>
+              <a:rPr lang="en-US" dirty="0" smtClean="0">
+                <a:latin typeface="Times New Roman" pitchFamily="18" charset="0"/>
+                <a:cs typeface="Times New Roman" pitchFamily="18" charset="0"/>
+              </a:rPr>
+              <a:t>.</a:t>
+            </a:r>
+            <a:endParaRPr lang="en-US" dirty="0" smtClean="0">
+              <a:latin typeface="Times New Roman" pitchFamily="18" charset="0"/>
+              <a:cs typeface="Times New Roman" pitchFamily="18" charset="0"/>
+            </a:endParaRPr>
+          </a:p>
+          <a:p>
+            <a:pPr algn="just"/>
+            <a:r>
+              <a:rPr lang="en-US" dirty="0" err="1" smtClean="0">
+                <a:latin typeface="Times New Roman" pitchFamily="18" charset="0"/>
+                <a:cs typeface="Times New Roman" pitchFamily="18" charset="0"/>
+              </a:rPr>
+              <a:t>Hệ</a:t>
+            </a:r>
+            <a:r>
+              <a:rPr lang="en-US" dirty="0" smtClean="0">
+                <a:latin typeface="Times New Roman" pitchFamily="18" charset="0"/>
+                <a:cs typeface="Times New Roman" pitchFamily="18" charset="0"/>
+              </a:rPr>
+              <a:t> </a:t>
+            </a:r>
+            <a:r>
+              <a:rPr lang="en-US" dirty="0" err="1" smtClean="0">
+                <a:latin typeface="Times New Roman" pitchFamily="18" charset="0"/>
+                <a:cs typeface="Times New Roman" pitchFamily="18" charset="0"/>
+              </a:rPr>
+              <a:t>thống</a:t>
+            </a:r>
+            <a:r>
+              <a:rPr lang="en-US" dirty="0" smtClean="0">
+                <a:latin typeface="Times New Roman" pitchFamily="18" charset="0"/>
+                <a:cs typeface="Times New Roman" pitchFamily="18" charset="0"/>
+              </a:rPr>
+              <a:t> </a:t>
+            </a:r>
+            <a:r>
+              <a:rPr lang="en-US" dirty="0" err="1" smtClean="0">
+                <a:latin typeface="Times New Roman" pitchFamily="18" charset="0"/>
+                <a:cs typeface="Times New Roman" pitchFamily="18" charset="0"/>
+              </a:rPr>
+              <a:t>không</a:t>
+            </a:r>
+            <a:r>
+              <a:rPr lang="en-US" dirty="0" smtClean="0">
+                <a:latin typeface="Times New Roman" pitchFamily="18" charset="0"/>
+                <a:cs typeface="Times New Roman" pitchFamily="18" charset="0"/>
+              </a:rPr>
+              <a:t> </a:t>
+            </a:r>
+            <a:r>
+              <a:rPr lang="en-US" dirty="0" err="1" smtClean="0">
+                <a:latin typeface="Times New Roman" pitchFamily="18" charset="0"/>
+                <a:cs typeface="Times New Roman" pitchFamily="18" charset="0"/>
+              </a:rPr>
+              <a:t>có</a:t>
+            </a:r>
+            <a:r>
+              <a:rPr lang="en-US" dirty="0" smtClean="0">
+                <a:latin typeface="Times New Roman" pitchFamily="18" charset="0"/>
+                <a:cs typeface="Times New Roman" pitchFamily="18" charset="0"/>
+              </a:rPr>
+              <a:t> </a:t>
+            </a:r>
+            <a:r>
+              <a:rPr lang="en-US" dirty="0" err="1" smtClean="0">
+                <a:latin typeface="Times New Roman" pitchFamily="18" charset="0"/>
+                <a:cs typeface="Times New Roman" pitchFamily="18" charset="0"/>
+              </a:rPr>
+              <a:t>cây</a:t>
+            </a:r>
+            <a:r>
+              <a:rPr lang="en-US" dirty="0" smtClean="0">
+                <a:latin typeface="Times New Roman" pitchFamily="18" charset="0"/>
+                <a:cs typeface="Times New Roman" pitchFamily="18" charset="0"/>
+              </a:rPr>
+              <a:t> </a:t>
+            </a:r>
+            <a:r>
+              <a:rPr lang="en-US" dirty="0" err="1" smtClean="0">
+                <a:latin typeface="Times New Roman" pitchFamily="18" charset="0"/>
+                <a:cs typeface="Times New Roman" pitchFamily="18" charset="0"/>
+              </a:rPr>
+              <a:t>phân</a:t>
+            </a:r>
+            <a:r>
+              <a:rPr lang="en-US" dirty="0" smtClean="0">
+                <a:latin typeface="Times New Roman" pitchFamily="18" charset="0"/>
+                <a:cs typeface="Times New Roman" pitchFamily="18" charset="0"/>
+              </a:rPr>
+              <a:t> </a:t>
+            </a:r>
+            <a:r>
+              <a:rPr lang="en-US" dirty="0" err="1" smtClean="0">
+                <a:latin typeface="Times New Roman" pitchFamily="18" charset="0"/>
+                <a:cs typeface="Times New Roman" pitchFamily="18" charset="0"/>
+              </a:rPr>
+              <a:t>lớp</a:t>
+            </a:r>
+            <a:r>
+              <a:rPr lang="en-US" dirty="0" smtClean="0">
+                <a:latin typeface="Times New Roman" pitchFamily="18" charset="0"/>
+                <a:cs typeface="Times New Roman" pitchFamily="18" charset="0"/>
+              </a:rPr>
+              <a:t> </a:t>
+            </a:r>
+            <a:r>
+              <a:rPr lang="en-US" dirty="0" err="1" smtClean="0">
+                <a:latin typeface="Times New Roman" pitchFamily="18" charset="0"/>
+                <a:cs typeface="Times New Roman" pitchFamily="18" charset="0"/>
+              </a:rPr>
+              <a:t>chủ</a:t>
+            </a:r>
+            <a:r>
+              <a:rPr lang="en-US" dirty="0" smtClean="0">
+                <a:latin typeface="Times New Roman" pitchFamily="18" charset="0"/>
+                <a:cs typeface="Times New Roman" pitchFamily="18" charset="0"/>
+              </a:rPr>
+              <a:t> </a:t>
+            </a:r>
+            <a:r>
+              <a:rPr lang="en-US" dirty="0" err="1" smtClean="0">
+                <a:latin typeface="Times New Roman" pitchFamily="18" charset="0"/>
+                <a:cs typeface="Times New Roman" pitchFamily="18" charset="0"/>
+              </a:rPr>
+              <a:t>đề</a:t>
+            </a:r>
+            <a:r>
+              <a:rPr lang="en-US" dirty="0" smtClean="0">
+                <a:latin typeface="Times New Roman" pitchFamily="18" charset="0"/>
+                <a:cs typeface="Times New Roman" pitchFamily="18" charset="0"/>
+              </a:rPr>
+              <a:t> </a:t>
+            </a:r>
+            <a:r>
+              <a:rPr lang="en-US" dirty="0" err="1" smtClean="0">
+                <a:latin typeface="Times New Roman" pitchFamily="18" charset="0"/>
+                <a:cs typeface="Times New Roman" pitchFamily="18" charset="0"/>
+              </a:rPr>
+              <a:t>cũng</a:t>
+            </a:r>
+            <a:r>
+              <a:rPr lang="en-US" dirty="0" smtClean="0">
+                <a:latin typeface="Times New Roman" pitchFamily="18" charset="0"/>
+                <a:cs typeface="Times New Roman" pitchFamily="18" charset="0"/>
+              </a:rPr>
+              <a:t> </a:t>
+            </a:r>
+            <a:r>
+              <a:rPr lang="en-US" dirty="0" err="1" smtClean="0">
+                <a:latin typeface="Times New Roman" pitchFamily="18" charset="0"/>
+                <a:cs typeface="Times New Roman" pitchFamily="18" charset="0"/>
+              </a:rPr>
+              <a:t>như</a:t>
+            </a:r>
+            <a:r>
+              <a:rPr lang="en-US" dirty="0" smtClean="0">
+                <a:latin typeface="Times New Roman" pitchFamily="18" charset="0"/>
+                <a:cs typeface="Times New Roman" pitchFamily="18" charset="0"/>
+              </a:rPr>
+              <a:t> </a:t>
+            </a:r>
+            <a:r>
+              <a:rPr lang="en-US" dirty="0" err="1" smtClean="0">
+                <a:latin typeface="Times New Roman" pitchFamily="18" charset="0"/>
+                <a:cs typeface="Times New Roman" pitchFamily="18" charset="0"/>
+              </a:rPr>
+              <a:t>trong</a:t>
+            </a:r>
+            <a:r>
+              <a:rPr lang="en-US" dirty="0" smtClean="0">
+                <a:latin typeface="Times New Roman" pitchFamily="18" charset="0"/>
+                <a:cs typeface="Times New Roman" pitchFamily="18" charset="0"/>
+              </a:rPr>
+              <a:t> </a:t>
+            </a:r>
+            <a:r>
+              <a:rPr lang="en-US" dirty="0" err="1" smtClean="0">
+                <a:latin typeface="Times New Roman" pitchFamily="18" charset="0"/>
+                <a:cs typeface="Times New Roman" pitchFamily="18" charset="0"/>
+              </a:rPr>
+              <a:t>dữ</a:t>
+            </a:r>
+            <a:r>
+              <a:rPr lang="en-US" dirty="0" smtClean="0">
+                <a:latin typeface="Times New Roman" pitchFamily="18" charset="0"/>
+                <a:cs typeface="Times New Roman" pitchFamily="18" charset="0"/>
+              </a:rPr>
+              <a:t> </a:t>
+            </a:r>
+            <a:r>
+              <a:rPr lang="en-US" dirty="0" err="1" smtClean="0">
+                <a:latin typeface="Times New Roman" pitchFamily="18" charset="0"/>
+                <a:cs typeface="Times New Roman" pitchFamily="18" charset="0"/>
+              </a:rPr>
+              <a:t>liệu</a:t>
+            </a:r>
+            <a:r>
+              <a:rPr lang="en-US" dirty="0" smtClean="0">
+                <a:latin typeface="Times New Roman" pitchFamily="18" charset="0"/>
+                <a:cs typeface="Times New Roman" pitchFamily="18" charset="0"/>
+              </a:rPr>
+              <a:t> </a:t>
+            </a:r>
+            <a:r>
+              <a:rPr lang="en-US" dirty="0" err="1" smtClean="0">
+                <a:latin typeface="Times New Roman" pitchFamily="18" charset="0"/>
+                <a:cs typeface="Times New Roman" pitchFamily="18" charset="0"/>
+              </a:rPr>
+              <a:t>không</a:t>
+            </a:r>
+            <a:r>
+              <a:rPr lang="en-US" dirty="0" smtClean="0">
+                <a:latin typeface="Times New Roman" pitchFamily="18" charset="0"/>
+                <a:cs typeface="Times New Roman" pitchFamily="18" charset="0"/>
+              </a:rPr>
+              <a:t> </a:t>
+            </a:r>
+            <a:r>
+              <a:rPr lang="en-US" dirty="0" err="1" smtClean="0">
+                <a:latin typeface="Times New Roman" pitchFamily="18" charset="0"/>
+                <a:cs typeface="Times New Roman" pitchFamily="18" charset="0"/>
+              </a:rPr>
+              <a:t>lưu</a:t>
+            </a:r>
+            <a:r>
+              <a:rPr lang="en-US" dirty="0" smtClean="0">
+                <a:latin typeface="Times New Roman" pitchFamily="18" charset="0"/>
+                <a:cs typeface="Times New Roman" pitchFamily="18" charset="0"/>
+              </a:rPr>
+              <a:t> </a:t>
+            </a:r>
+            <a:r>
+              <a:rPr lang="en-US" dirty="0" err="1" smtClean="0">
+                <a:latin typeface="Times New Roman" pitchFamily="18" charset="0"/>
+                <a:cs typeface="Times New Roman" pitchFamily="18" charset="0"/>
+              </a:rPr>
+              <a:t>chủ</a:t>
+            </a:r>
+            <a:r>
+              <a:rPr lang="en-US" dirty="0" smtClean="0">
+                <a:latin typeface="Times New Roman" pitchFamily="18" charset="0"/>
+                <a:cs typeface="Times New Roman" pitchFamily="18" charset="0"/>
+              </a:rPr>
+              <a:t> </a:t>
+            </a:r>
+            <a:r>
+              <a:rPr lang="en-US" dirty="0" err="1" smtClean="0">
+                <a:latin typeface="Times New Roman" pitchFamily="18" charset="0"/>
+                <a:cs typeface="Times New Roman" pitchFamily="18" charset="0"/>
+              </a:rPr>
+              <a:t>đề</a:t>
+            </a:r>
+            <a:r>
+              <a:rPr lang="en-US" dirty="0" smtClean="0">
+                <a:latin typeface="Times New Roman" pitchFamily="18" charset="0"/>
+                <a:cs typeface="Times New Roman" pitchFamily="18" charset="0"/>
+              </a:rPr>
+              <a:t> </a:t>
+            </a:r>
+            <a:r>
+              <a:rPr lang="en-US" dirty="0" err="1" smtClean="0">
+                <a:latin typeface="Times New Roman" pitchFamily="18" charset="0"/>
+                <a:cs typeface="Times New Roman" pitchFamily="18" charset="0"/>
+              </a:rPr>
+              <a:t>của</a:t>
+            </a:r>
+            <a:r>
+              <a:rPr lang="en-US" dirty="0" smtClean="0">
+                <a:latin typeface="Times New Roman" pitchFamily="18" charset="0"/>
+                <a:cs typeface="Times New Roman" pitchFamily="18" charset="0"/>
+              </a:rPr>
+              <a:t> </a:t>
+            </a:r>
+            <a:r>
+              <a:rPr lang="en-US" dirty="0" err="1" smtClean="0">
+                <a:latin typeface="Times New Roman" pitchFamily="18" charset="0"/>
+                <a:cs typeface="Times New Roman" pitchFamily="18" charset="0"/>
+              </a:rPr>
+              <a:t>bài</a:t>
+            </a:r>
+            <a:r>
+              <a:rPr lang="en-US" dirty="0" smtClean="0">
+                <a:latin typeface="Times New Roman" pitchFamily="18" charset="0"/>
+                <a:cs typeface="Times New Roman" pitchFamily="18" charset="0"/>
+              </a:rPr>
+              <a:t> </a:t>
+            </a:r>
+            <a:r>
+              <a:rPr lang="en-US" dirty="0" err="1" smtClean="0">
+                <a:latin typeface="Times New Roman" pitchFamily="18" charset="0"/>
+                <a:cs typeface="Times New Roman" pitchFamily="18" charset="0"/>
+              </a:rPr>
+              <a:t>báo</a:t>
+            </a:r>
+            <a:r>
+              <a:rPr lang="en-US" dirty="0" smtClean="0">
+                <a:latin typeface="Times New Roman" pitchFamily="18" charset="0"/>
+                <a:cs typeface="Times New Roman" pitchFamily="18" charset="0"/>
+              </a:rPr>
+              <a:t>.</a:t>
+            </a:r>
+            <a:endParaRPr lang="en-US" dirty="0">
               <a:latin typeface="Times New Roman" pitchFamily="18" charset="0"/>
               <a:cs typeface="Times New Roman" pitchFamily="18" charset="0"/>
             </a:endParaRPr>
@@ -7149,18 +9335,11 @@
           <a:lstStyle/>
           <a:p>
             <a:r>
-              <a:rPr lang="en-US" dirty="0" smtClean="0">
-                <a:latin typeface="Times New Roman" pitchFamily="18" charset="0"/>
-                <a:cs typeface="Times New Roman" pitchFamily="18" charset="0"/>
-              </a:rPr>
-              <a:t>IEEE </a:t>
-            </a:r>
-            <a:r>
               <a:rPr lang="en-US" dirty="0" err="1" smtClean="0">
                 <a:latin typeface="Times New Roman" pitchFamily="18" charset="0"/>
                 <a:cs typeface="Times New Roman" pitchFamily="18" charset="0"/>
               </a:rPr>
-              <a:t>Xplore</a:t>
+              <a:t>Citeseerx</a:t>
             </a:r>
             <a:endParaRPr lang="en-US" dirty="0"/>
           </a:p>
@@ -7232,6 +9411,50 @@
       </p:grpSpPr>
       <p:sp>
         <p:nvSpPr>
+          <p:cNvPr id="2" name="Title 1"/>
+          <p:cNvSpPr>
+            <a:spLocks noGrp="1"/>
+          </p:cNvSpPr>
+          <p:nvPr>
+            <p:ph type="title"/>
+          </p:nvPr>
+        </p:nvSpPr>
+        <p:spPr/>
+        <p:txBody>
+          <a:bodyPr/>
+          <a:lstStyle/>
+          <a:p>
+            <a:r>
+              <a:rPr lang="en-US" dirty="0" smtClean="0">
+                <a:latin typeface="Times New Roman" pitchFamily="18" charset="0"/>
+                <a:cs typeface="Times New Roman" pitchFamily="18" charset="0"/>
+              </a:rPr>
+              <a:t>IEEE </a:t>
+            </a:r>
+            <a:r>
+              <a:rPr lang="en-US" dirty="0" err="1" smtClean="0">
+                <a:latin typeface="Times New Roman" pitchFamily="18" charset="0"/>
+                <a:cs typeface="Times New Roman" pitchFamily="18" charset="0"/>
+              </a:rPr>
+              <a:t>Xplore</a:t>
+            </a:r>
+            <a:r>
+              <a:rPr lang="en-US" dirty="0" smtClean="0">
+                <a:latin typeface="Times New Roman" pitchFamily="18" charset="0"/>
+                <a:cs typeface="Times New Roman" pitchFamily="18" charset="0"/>
+              </a:rPr>
+              <a:t> - </a:t>
+            </a:r>
+            <a:r>
+              <a:rPr lang="en-US" dirty="0" smtClean="0"/>
+              <a:t>Institute of Electrical and Electronics Engineers</a:t>
+            </a:r>
+            <a:endParaRPr lang="en-US" dirty="0"/>
+          </a:p>
+        </p:txBody>
+      </p:sp>
+      <p:sp>
+        <p:nvSpPr>
           <p:cNvPr id="3" name="Content Placeholder 2"/>
           <p:cNvSpPr>
             <a:spLocks noGrp="1"/>
@@ -7242,41 +9465,873 @@
         </p:nvSpPr>
         <p:spPr/>
         <p:txBody>
-          <a:bodyPr/>
+          <a:bodyPr>
+            <a:normAutofit/>
+          </a:bodyPr>
           <a:lstStyle/>
           <a:p>
             <a:pPr algn="just"/>
             <a:r>
-              <a:rPr lang="en-US" smtClean="0">
-                <a:latin typeface="Times New Roman" pitchFamily="18" charset="0"/>
-                <a:cs typeface="Times New Roman" pitchFamily="18" charset="0"/>
-              </a:rPr>
-              <a:t>Trang web này còn cho người dùng lọc bớt các kết quả không cần thiết sau khi kết quả tìm kiếm đã hiển thị. </a:t>
+              <a:rPr lang="en-US" dirty="0" err="1" smtClean="0">
+                <a:latin typeface="Times New Roman" pitchFamily="18" charset="0"/>
+                <a:cs typeface="Times New Roman" pitchFamily="18" charset="0"/>
+              </a:rPr>
+              <a:t>Là</a:t>
+            </a:r>
+            <a:r>
+              <a:rPr lang="en-US" dirty="0" smtClean="0">
+                <a:latin typeface="Times New Roman" pitchFamily="18" charset="0"/>
+                <a:cs typeface="Times New Roman" pitchFamily="18" charset="0"/>
+              </a:rPr>
+              <a:t> </a:t>
+            </a:r>
+            <a:r>
+              <a:rPr lang="en-US" dirty="0" err="1" smtClean="0">
+                <a:latin typeface="Times New Roman" pitchFamily="18" charset="0"/>
+                <a:cs typeface="Times New Roman" pitchFamily="18" charset="0"/>
+              </a:rPr>
+              <a:t>thư</a:t>
+            </a:r>
+            <a:r>
+              <a:rPr lang="en-US" dirty="0" smtClean="0">
+                <a:latin typeface="Times New Roman" pitchFamily="18" charset="0"/>
+                <a:cs typeface="Times New Roman" pitchFamily="18" charset="0"/>
+              </a:rPr>
+              <a:t> </a:t>
+            </a:r>
+            <a:r>
+              <a:rPr lang="en-US" dirty="0" err="1" smtClean="0">
+                <a:latin typeface="Times New Roman" pitchFamily="18" charset="0"/>
+                <a:cs typeface="Times New Roman" pitchFamily="18" charset="0"/>
+              </a:rPr>
+              <a:t>viện</a:t>
+            </a:r>
+            <a:r>
+              <a:rPr lang="en-US" dirty="0" smtClean="0">
+                <a:latin typeface="Times New Roman" pitchFamily="18" charset="0"/>
+                <a:cs typeface="Times New Roman" pitchFamily="18" charset="0"/>
+              </a:rPr>
+              <a:t> </a:t>
+            </a:r>
+            <a:r>
+              <a:rPr lang="en-US" dirty="0" err="1" smtClean="0">
+                <a:latin typeface="Times New Roman" pitchFamily="18" charset="0"/>
+                <a:cs typeface="Times New Roman" pitchFamily="18" charset="0"/>
+              </a:rPr>
+              <a:t>số</a:t>
+            </a:r>
+            <a:r>
+              <a:rPr lang="en-US" dirty="0" smtClean="0">
+                <a:latin typeface="Times New Roman" pitchFamily="18" charset="0"/>
+                <a:cs typeface="Times New Roman" pitchFamily="18" charset="0"/>
+              </a:rPr>
+              <a:t> </a:t>
+            </a:r>
+            <a:r>
+              <a:rPr lang="en-US" dirty="0" err="1" smtClean="0">
+                <a:latin typeface="Times New Roman" pitchFamily="18" charset="0"/>
+                <a:cs typeface="Times New Roman" pitchFamily="18" charset="0"/>
+              </a:rPr>
+              <a:t>cung</a:t>
+            </a:r>
+            <a:r>
+              <a:rPr lang="en-US" dirty="0" smtClean="0">
+                <a:latin typeface="Times New Roman" pitchFamily="18" charset="0"/>
+                <a:cs typeface="Times New Roman" pitchFamily="18" charset="0"/>
+              </a:rPr>
+              <a:t> </a:t>
+            </a:r>
+            <a:r>
+              <a:rPr lang="en-US" dirty="0" err="1" smtClean="0">
+                <a:latin typeface="Times New Roman" pitchFamily="18" charset="0"/>
+                <a:cs typeface="Times New Roman" pitchFamily="18" charset="0"/>
+              </a:rPr>
+              <a:t>cấp</a:t>
+            </a:r>
+            <a:r>
+              <a:rPr lang="en-US" dirty="0" smtClean="0">
+                <a:latin typeface="Times New Roman" pitchFamily="18" charset="0"/>
+                <a:cs typeface="Times New Roman" pitchFamily="18" charset="0"/>
+              </a:rPr>
+              <a:t> </a:t>
+            </a:r>
+            <a:r>
+              <a:rPr lang="en-US" dirty="0" err="1" smtClean="0">
+                <a:latin typeface="Times New Roman" pitchFamily="18" charset="0"/>
+                <a:cs typeface="Times New Roman" pitchFamily="18" charset="0"/>
+              </a:rPr>
+              <a:t>các</a:t>
+            </a:r>
+            <a:r>
+              <a:rPr lang="en-US" dirty="0" smtClean="0">
+                <a:latin typeface="Times New Roman" pitchFamily="18" charset="0"/>
+                <a:cs typeface="Times New Roman" pitchFamily="18" charset="0"/>
+              </a:rPr>
+              <a:t> </a:t>
+            </a:r>
+            <a:r>
+              <a:rPr lang="en-US" dirty="0" err="1" smtClean="0">
+                <a:latin typeface="Times New Roman" pitchFamily="18" charset="0"/>
+                <a:cs typeface="Times New Roman" pitchFamily="18" charset="0"/>
+              </a:rPr>
+              <a:t>bài</a:t>
+            </a:r>
+            <a:r>
+              <a:rPr lang="en-US" dirty="0" smtClean="0">
+                <a:latin typeface="Times New Roman" pitchFamily="18" charset="0"/>
+                <a:cs typeface="Times New Roman" pitchFamily="18" charset="0"/>
+              </a:rPr>
+              <a:t> </a:t>
+            </a:r>
+            <a:r>
+              <a:rPr lang="en-US" dirty="0" err="1" smtClean="0">
+                <a:latin typeface="Times New Roman" pitchFamily="18" charset="0"/>
+                <a:cs typeface="Times New Roman" pitchFamily="18" charset="0"/>
+              </a:rPr>
+              <a:t>báo</a:t>
+            </a:r>
+            <a:r>
+              <a:rPr lang="en-US" dirty="0" smtClean="0">
+                <a:latin typeface="Times New Roman" pitchFamily="18" charset="0"/>
+                <a:cs typeface="Times New Roman" pitchFamily="18" charset="0"/>
+              </a:rPr>
+              <a:t> </a:t>
+            </a:r>
+            <a:r>
+              <a:rPr lang="en-US" dirty="0" err="1" smtClean="0">
+                <a:latin typeface="Times New Roman" pitchFamily="18" charset="0"/>
+                <a:cs typeface="Times New Roman" pitchFamily="18" charset="0"/>
+              </a:rPr>
+              <a:t>khoa</a:t>
+            </a:r>
+            <a:r>
+              <a:rPr lang="en-US" dirty="0" smtClean="0">
+                <a:latin typeface="Times New Roman" pitchFamily="18" charset="0"/>
+                <a:cs typeface="Times New Roman" pitchFamily="18" charset="0"/>
+              </a:rPr>
+              <a:t> </a:t>
+            </a:r>
+            <a:r>
+              <a:rPr lang="en-US" dirty="0" err="1" smtClean="0">
+                <a:latin typeface="Times New Roman" pitchFamily="18" charset="0"/>
+                <a:cs typeface="Times New Roman" pitchFamily="18" charset="0"/>
+              </a:rPr>
+              <a:t>học</a:t>
+            </a:r>
+            <a:r>
+              <a:rPr lang="en-US" dirty="0" smtClean="0">
+                <a:latin typeface="Times New Roman" pitchFamily="18" charset="0"/>
+                <a:cs typeface="Times New Roman" pitchFamily="18" charset="0"/>
+              </a:rPr>
+              <a:t> </a:t>
+            </a:r>
+            <a:r>
+              <a:rPr lang="en-US" dirty="0" err="1" smtClean="0">
+                <a:latin typeface="Times New Roman" pitchFamily="18" charset="0"/>
+                <a:cs typeface="Times New Roman" pitchFamily="18" charset="0"/>
+              </a:rPr>
+              <a:t>được</a:t>
+            </a:r>
+            <a:r>
+              <a:rPr lang="en-US" dirty="0" smtClean="0">
+                <a:latin typeface="Times New Roman" pitchFamily="18" charset="0"/>
+                <a:cs typeface="Times New Roman" pitchFamily="18" charset="0"/>
+              </a:rPr>
+              <a:t> </a:t>
+            </a:r>
+            <a:r>
+              <a:rPr lang="en-US" dirty="0" err="1" smtClean="0">
+                <a:latin typeface="Times New Roman" pitchFamily="18" charset="0"/>
+                <a:cs typeface="Times New Roman" pitchFamily="18" charset="0"/>
+              </a:rPr>
+              <a:t>công</a:t>
+            </a:r>
+            <a:r>
+              <a:rPr lang="en-US" dirty="0" smtClean="0">
+                <a:latin typeface="Times New Roman" pitchFamily="18" charset="0"/>
+                <a:cs typeface="Times New Roman" pitchFamily="18" charset="0"/>
+              </a:rPr>
+              <a:t> </a:t>
+            </a:r>
+            <a:r>
+              <a:rPr lang="en-US" dirty="0" err="1" smtClean="0">
+                <a:latin typeface="Times New Roman" pitchFamily="18" charset="0"/>
+                <a:cs typeface="Times New Roman" pitchFamily="18" charset="0"/>
+              </a:rPr>
+              <a:t>bố</a:t>
+            </a:r>
+            <a:r>
+              <a:rPr lang="en-US" dirty="0" smtClean="0">
+                <a:latin typeface="Times New Roman" pitchFamily="18" charset="0"/>
+                <a:cs typeface="Times New Roman" pitchFamily="18" charset="0"/>
+              </a:rPr>
+              <a:t> </a:t>
+            </a:r>
+            <a:r>
+              <a:rPr lang="en-US" dirty="0" err="1" smtClean="0">
+                <a:latin typeface="Times New Roman" pitchFamily="18" charset="0"/>
+                <a:cs typeface="Times New Roman" pitchFamily="18" charset="0"/>
+              </a:rPr>
+              <a:t>bởi</a:t>
+            </a:r>
+            <a:r>
+              <a:rPr lang="en-US" dirty="0" smtClean="0">
+                <a:latin typeface="Times New Roman" pitchFamily="18" charset="0"/>
+                <a:cs typeface="Times New Roman" pitchFamily="18" charset="0"/>
+              </a:rPr>
+              <a:t> IEEE </a:t>
+            </a:r>
+            <a:r>
+              <a:rPr lang="en-US" dirty="0" err="1" smtClean="0">
+                <a:latin typeface="Times New Roman" pitchFamily="18" charset="0"/>
+                <a:cs typeface="Times New Roman" pitchFamily="18" charset="0"/>
+              </a:rPr>
+              <a:t>và</a:t>
+            </a:r>
+            <a:r>
+              <a:rPr lang="en-US" dirty="0" smtClean="0">
+                <a:latin typeface="Times New Roman" pitchFamily="18" charset="0"/>
+                <a:cs typeface="Times New Roman" pitchFamily="18" charset="0"/>
+              </a:rPr>
+              <a:t> </a:t>
+            </a:r>
+            <a:r>
+              <a:rPr lang="en-US" dirty="0" err="1" smtClean="0">
+                <a:latin typeface="Times New Roman" pitchFamily="18" charset="0"/>
+                <a:cs typeface="Times New Roman" pitchFamily="18" charset="0"/>
+              </a:rPr>
+              <a:t>các</a:t>
+            </a:r>
+            <a:r>
+              <a:rPr lang="en-US" dirty="0" smtClean="0">
+                <a:latin typeface="Times New Roman" pitchFamily="18" charset="0"/>
+                <a:cs typeface="Times New Roman" pitchFamily="18" charset="0"/>
+              </a:rPr>
+              <a:t> </a:t>
+            </a:r>
+            <a:r>
+              <a:rPr lang="en-US" dirty="0" err="1" smtClean="0">
+                <a:latin typeface="Times New Roman" pitchFamily="18" charset="0"/>
+                <a:cs typeface="Times New Roman" pitchFamily="18" charset="0"/>
+              </a:rPr>
+              <a:t>tổ</a:t>
+            </a:r>
+            <a:r>
+              <a:rPr lang="en-US" dirty="0" smtClean="0">
+                <a:latin typeface="Times New Roman" pitchFamily="18" charset="0"/>
+                <a:cs typeface="Times New Roman" pitchFamily="18" charset="0"/>
+              </a:rPr>
+              <a:t> </a:t>
+            </a:r>
+            <a:r>
+              <a:rPr lang="en-US" dirty="0" err="1" smtClean="0">
+                <a:latin typeface="Times New Roman" pitchFamily="18" charset="0"/>
+                <a:cs typeface="Times New Roman" pitchFamily="18" charset="0"/>
+              </a:rPr>
+              <a:t>chức</a:t>
+            </a:r>
+            <a:r>
+              <a:rPr lang="en-US" dirty="0" smtClean="0">
+                <a:latin typeface="Times New Roman" pitchFamily="18" charset="0"/>
+                <a:cs typeface="Times New Roman" pitchFamily="18" charset="0"/>
+              </a:rPr>
+              <a:t> </a:t>
+            </a:r>
+            <a:r>
+              <a:rPr lang="en-US" dirty="0" err="1" smtClean="0">
+                <a:latin typeface="Times New Roman" pitchFamily="18" charset="0"/>
+                <a:cs typeface="Times New Roman" pitchFamily="18" charset="0"/>
+              </a:rPr>
+              <a:t>khác</a:t>
+            </a:r>
+            <a:r>
+              <a:rPr lang="en-US" dirty="0" smtClean="0">
+                <a:latin typeface="Times New Roman" pitchFamily="18" charset="0"/>
+                <a:cs typeface="Times New Roman" pitchFamily="18" charset="0"/>
+              </a:rPr>
+              <a:t>.</a:t>
             </a:r>
           </a:p>
           <a:p>
             <a:pPr algn="just"/>
             <a:r>
-              <a:rPr lang="en-US" smtClean="0">
-                <a:latin typeface="Times New Roman" pitchFamily="18" charset="0"/>
-                <a:cs typeface="Times New Roman" pitchFamily="18" charset="0"/>
-              </a:rPr>
-              <a:t>Thư viện số IEEE phân loại các bài báo theo tên bài báo và một số chủ đề.</a:t>
+              <a:rPr lang="en-US" dirty="0" err="1" smtClean="0">
+                <a:latin typeface="Times New Roman" pitchFamily="18" charset="0"/>
+                <a:cs typeface="Times New Roman" pitchFamily="18" charset="0"/>
+              </a:rPr>
+              <a:t>Hệ</a:t>
+            </a:r>
+            <a:r>
+              <a:rPr lang="en-US" dirty="0" smtClean="0">
+                <a:latin typeface="Times New Roman" pitchFamily="18" charset="0"/>
+                <a:cs typeface="Times New Roman" pitchFamily="18" charset="0"/>
+              </a:rPr>
+              <a:t> </a:t>
+            </a:r>
+            <a:r>
+              <a:rPr lang="en-US" dirty="0" err="1" smtClean="0">
+                <a:latin typeface="Times New Roman" pitchFamily="18" charset="0"/>
+                <a:cs typeface="Times New Roman" pitchFamily="18" charset="0"/>
+              </a:rPr>
+              <a:t>thống</a:t>
+            </a:r>
+            <a:r>
+              <a:rPr lang="en-US" dirty="0" smtClean="0">
+                <a:latin typeface="Times New Roman" pitchFamily="18" charset="0"/>
+                <a:cs typeface="Times New Roman" pitchFamily="18" charset="0"/>
+              </a:rPr>
+              <a:t> </a:t>
+            </a:r>
+            <a:r>
+              <a:rPr lang="en-US" dirty="0" err="1" smtClean="0">
+                <a:latin typeface="Times New Roman" pitchFamily="18" charset="0"/>
+                <a:cs typeface="Times New Roman" pitchFamily="18" charset="0"/>
+              </a:rPr>
+              <a:t>tìm</a:t>
+            </a:r>
+            <a:r>
+              <a:rPr lang="en-US" dirty="0" smtClean="0">
+                <a:latin typeface="Times New Roman" pitchFamily="18" charset="0"/>
+                <a:cs typeface="Times New Roman" pitchFamily="18" charset="0"/>
+              </a:rPr>
+              <a:t> </a:t>
+            </a:r>
+            <a:r>
+              <a:rPr lang="en-US" dirty="0" err="1" smtClean="0">
+                <a:latin typeface="Times New Roman" pitchFamily="18" charset="0"/>
+                <a:cs typeface="Times New Roman" pitchFamily="18" charset="0"/>
+              </a:rPr>
+              <a:t>kiếm</a:t>
+            </a:r>
+            <a:r>
+              <a:rPr lang="en-US" dirty="0" smtClean="0">
+                <a:latin typeface="Times New Roman" pitchFamily="18" charset="0"/>
+                <a:cs typeface="Times New Roman" pitchFamily="18" charset="0"/>
+              </a:rPr>
+              <a:t> </a:t>
+            </a:r>
+            <a:r>
+              <a:rPr lang="en-US" dirty="0" err="1" smtClean="0">
+                <a:latin typeface="Times New Roman" pitchFamily="18" charset="0"/>
+                <a:cs typeface="Times New Roman" pitchFamily="18" charset="0"/>
+              </a:rPr>
+              <a:t>dựa</a:t>
+            </a:r>
+            <a:r>
+              <a:rPr lang="en-US" dirty="0" smtClean="0">
+                <a:latin typeface="Times New Roman" pitchFamily="18" charset="0"/>
+                <a:cs typeface="Times New Roman" pitchFamily="18" charset="0"/>
+              </a:rPr>
+              <a:t> </a:t>
+            </a:r>
+            <a:r>
+              <a:rPr lang="en-US" dirty="0" err="1" smtClean="0">
+                <a:latin typeface="Times New Roman" pitchFamily="18" charset="0"/>
+                <a:cs typeface="Times New Roman" pitchFamily="18" charset="0"/>
+              </a:rPr>
+              <a:t>trên</a:t>
+            </a:r>
+            <a:r>
+              <a:rPr lang="en-US" dirty="0" smtClean="0">
+                <a:latin typeface="Times New Roman" pitchFamily="18" charset="0"/>
+                <a:cs typeface="Times New Roman" pitchFamily="18" charset="0"/>
+              </a:rPr>
+              <a:t> </a:t>
+            </a:r>
+            <a:r>
+              <a:rPr lang="en-US" dirty="0" err="1" smtClean="0">
+                <a:latin typeface="Times New Roman" pitchFamily="18" charset="0"/>
+                <a:cs typeface="Times New Roman" pitchFamily="18" charset="0"/>
+              </a:rPr>
+              <a:t>từ</a:t>
+            </a:r>
+            <a:r>
+              <a:rPr lang="en-US" dirty="0" smtClean="0">
+                <a:latin typeface="Times New Roman" pitchFamily="18" charset="0"/>
+                <a:cs typeface="Times New Roman" pitchFamily="18" charset="0"/>
+              </a:rPr>
+              <a:t> </a:t>
+            </a:r>
+            <a:r>
+              <a:rPr lang="en-US" dirty="0" err="1" smtClean="0">
+                <a:latin typeface="Times New Roman" pitchFamily="18" charset="0"/>
+                <a:cs typeface="Times New Roman" pitchFamily="18" charset="0"/>
+              </a:rPr>
+              <a:t>khóa</a:t>
+            </a:r>
+            <a:r>
+              <a:rPr lang="en-US" dirty="0" smtClean="0">
+                <a:latin typeface="Times New Roman" pitchFamily="18" charset="0"/>
+                <a:cs typeface="Times New Roman" pitchFamily="18" charset="0"/>
+              </a:rPr>
+              <a:t> </a:t>
+            </a:r>
+            <a:r>
+              <a:rPr lang="en-US" dirty="0" err="1" smtClean="0">
+                <a:latin typeface="Times New Roman" pitchFamily="18" charset="0"/>
+                <a:cs typeface="Times New Roman" pitchFamily="18" charset="0"/>
+              </a:rPr>
+              <a:t>của</a:t>
+            </a:r>
+            <a:r>
+              <a:rPr lang="en-US" dirty="0" smtClean="0">
+                <a:latin typeface="Times New Roman" pitchFamily="18" charset="0"/>
+                <a:cs typeface="Times New Roman" pitchFamily="18" charset="0"/>
+              </a:rPr>
+              <a:t> </a:t>
+            </a:r>
+            <a:r>
+              <a:rPr lang="en-US" dirty="0" err="1" smtClean="0">
+                <a:latin typeface="Times New Roman" pitchFamily="18" charset="0"/>
+                <a:cs typeface="Times New Roman" pitchFamily="18" charset="0"/>
+              </a:rPr>
+              <a:t>người</a:t>
+            </a:r>
+            <a:r>
+              <a:rPr lang="en-US" dirty="0" smtClean="0">
+                <a:latin typeface="Times New Roman" pitchFamily="18" charset="0"/>
+                <a:cs typeface="Times New Roman" pitchFamily="18" charset="0"/>
+              </a:rPr>
+              <a:t> </a:t>
+            </a:r>
+            <a:r>
+              <a:rPr lang="en-US" dirty="0" err="1" smtClean="0">
+                <a:latin typeface="Times New Roman" pitchFamily="18" charset="0"/>
+                <a:cs typeface="Times New Roman" pitchFamily="18" charset="0"/>
+              </a:rPr>
+              <a:t>dùng</a:t>
+            </a:r>
+            <a:r>
+              <a:rPr lang="en-US" dirty="0" smtClean="0">
+                <a:latin typeface="Times New Roman" pitchFamily="18" charset="0"/>
+                <a:cs typeface="Times New Roman" pitchFamily="18" charset="0"/>
+              </a:rPr>
+              <a:t> </a:t>
+            </a:r>
+            <a:r>
+              <a:rPr lang="en-US" dirty="0" err="1" smtClean="0">
+                <a:latin typeface="Times New Roman" pitchFamily="18" charset="0"/>
+                <a:cs typeface="Times New Roman" pitchFamily="18" charset="0"/>
+              </a:rPr>
+              <a:t>nhập</a:t>
+            </a:r>
+            <a:r>
+              <a:rPr lang="en-US" dirty="0" smtClean="0">
+                <a:latin typeface="Times New Roman" pitchFamily="18" charset="0"/>
+                <a:cs typeface="Times New Roman" pitchFamily="18" charset="0"/>
+              </a:rPr>
+              <a:t> </a:t>
+            </a:r>
+            <a:r>
+              <a:rPr lang="en-US" dirty="0" err="1" smtClean="0">
+                <a:latin typeface="Times New Roman" pitchFamily="18" charset="0"/>
+                <a:cs typeface="Times New Roman" pitchFamily="18" charset="0"/>
+              </a:rPr>
+              <a:t>vào</a:t>
+            </a:r>
+            <a:r>
+              <a:rPr lang="en-US" dirty="0" smtClean="0">
+                <a:latin typeface="Times New Roman" pitchFamily="18" charset="0"/>
+                <a:cs typeface="Times New Roman" pitchFamily="18" charset="0"/>
+              </a:rPr>
+              <a:t> </a:t>
+            </a:r>
+            <a:r>
+              <a:rPr lang="en-US" dirty="0" err="1" smtClean="0">
+                <a:latin typeface="Times New Roman" pitchFamily="18" charset="0"/>
+                <a:cs typeface="Times New Roman" pitchFamily="18" charset="0"/>
+              </a:rPr>
+              <a:t>và</a:t>
+            </a:r>
+            <a:r>
+              <a:rPr lang="en-US" dirty="0" smtClean="0">
+                <a:latin typeface="Times New Roman" pitchFamily="18" charset="0"/>
+                <a:cs typeface="Times New Roman" pitchFamily="18" charset="0"/>
+              </a:rPr>
+              <a:t> </a:t>
+            </a:r>
+            <a:r>
+              <a:rPr lang="en-US" dirty="0" err="1" smtClean="0">
+                <a:latin typeface="Times New Roman" pitchFamily="18" charset="0"/>
+                <a:cs typeface="Times New Roman" pitchFamily="18" charset="0"/>
+              </a:rPr>
+              <a:t>trả</a:t>
+            </a:r>
+            <a:r>
+              <a:rPr lang="en-US" dirty="0" smtClean="0">
+                <a:latin typeface="Times New Roman" pitchFamily="18" charset="0"/>
+                <a:cs typeface="Times New Roman" pitchFamily="18" charset="0"/>
+              </a:rPr>
+              <a:t> </a:t>
+            </a:r>
+            <a:r>
+              <a:rPr lang="en-US" dirty="0" err="1" smtClean="0">
+                <a:latin typeface="Times New Roman" pitchFamily="18" charset="0"/>
+                <a:cs typeface="Times New Roman" pitchFamily="18" charset="0"/>
+              </a:rPr>
+              <a:t>về</a:t>
+            </a:r>
+            <a:r>
+              <a:rPr lang="en-US" dirty="0" smtClean="0">
+                <a:latin typeface="Times New Roman" pitchFamily="18" charset="0"/>
+                <a:cs typeface="Times New Roman" pitchFamily="18" charset="0"/>
+              </a:rPr>
+              <a:t> </a:t>
+            </a:r>
+            <a:r>
+              <a:rPr lang="en-US" dirty="0" err="1" smtClean="0">
+                <a:latin typeface="Times New Roman" pitchFamily="18" charset="0"/>
+                <a:cs typeface="Times New Roman" pitchFamily="18" charset="0"/>
+              </a:rPr>
+              <a:t>kết</a:t>
+            </a:r>
+            <a:r>
+              <a:rPr lang="en-US" dirty="0" smtClean="0">
+                <a:latin typeface="Times New Roman" pitchFamily="18" charset="0"/>
+                <a:cs typeface="Times New Roman" pitchFamily="18" charset="0"/>
+              </a:rPr>
+              <a:t> </a:t>
+            </a:r>
+            <a:r>
+              <a:rPr lang="en-US" dirty="0" err="1" smtClean="0">
+                <a:latin typeface="Times New Roman" pitchFamily="18" charset="0"/>
+                <a:cs typeface="Times New Roman" pitchFamily="18" charset="0"/>
+              </a:rPr>
+              <a:t>quả</a:t>
+            </a:r>
+            <a:r>
+              <a:rPr lang="en-US" dirty="0" smtClean="0">
+                <a:latin typeface="Times New Roman" pitchFamily="18" charset="0"/>
+                <a:cs typeface="Times New Roman" pitchFamily="18" charset="0"/>
+              </a:rPr>
+              <a:t>.</a:t>
             </a:r>
           </a:p>
           <a:p>
             <a:pPr algn="just"/>
             <a:r>
-              <a:rPr lang="en-US" smtClean="0">
-                <a:latin typeface="Times New Roman" pitchFamily="18" charset="0"/>
-                <a:cs typeface="Times New Roman" pitchFamily="18" charset="0"/>
-              </a:rPr>
-              <a:t>Phải có tài khoản và phải trả phí mới được xem toàn bộ và download các bài báo.</a:t>
-            </a:r>
-          </a:p>
-          <a:p>
-            <a:pPr algn="just"/>
-            <a:endParaRPr lang="en-US" smtClean="0">
+              <a:rPr lang="en-US" dirty="0" err="1" smtClean="0"/>
+              <a:t>Các</a:t>
+            </a:r>
+            <a:r>
+              <a:rPr lang="en-US" dirty="0" smtClean="0"/>
+              <a:t> </a:t>
+            </a:r>
+            <a:r>
+              <a:rPr lang="en-US" dirty="0" err="1" smtClean="0"/>
+              <a:t>bài</a:t>
+            </a:r>
+            <a:r>
+              <a:rPr lang="en-US" dirty="0" smtClean="0"/>
+              <a:t> </a:t>
+            </a:r>
+            <a:r>
+              <a:rPr lang="en-US" dirty="0" err="1" smtClean="0"/>
+              <a:t>báo</a:t>
+            </a:r>
+            <a:r>
+              <a:rPr lang="en-US" dirty="0" smtClean="0"/>
+              <a:t> </a:t>
+            </a:r>
+            <a:r>
+              <a:rPr lang="en-US" dirty="0" err="1" smtClean="0"/>
+              <a:t>trong</a:t>
+            </a:r>
+            <a:r>
+              <a:rPr lang="en-US" dirty="0" smtClean="0"/>
+              <a:t> </a:t>
+            </a:r>
+            <a:r>
+              <a:rPr lang="en-US" dirty="0" err="1" smtClean="0"/>
+              <a:t>hệ</a:t>
+            </a:r>
+            <a:r>
+              <a:rPr lang="en-US" dirty="0" smtClean="0"/>
+              <a:t> </a:t>
+            </a:r>
+            <a:r>
+              <a:rPr lang="en-US" dirty="0" err="1" smtClean="0"/>
+              <a:t>thống</a:t>
+            </a:r>
+            <a:r>
+              <a:rPr lang="en-US" dirty="0" smtClean="0"/>
+              <a:t> </a:t>
+            </a:r>
+            <a:r>
+              <a:rPr lang="en-US" dirty="0" err="1" smtClean="0"/>
+              <a:t>được</a:t>
+            </a:r>
+            <a:r>
+              <a:rPr lang="en-US" dirty="0" smtClean="0"/>
+              <a:t> </a:t>
+            </a:r>
+            <a:r>
+              <a:rPr lang="en-US" dirty="0" err="1" smtClean="0"/>
+              <a:t>phân</a:t>
+            </a:r>
+            <a:r>
+              <a:rPr lang="en-US" dirty="0" smtClean="0"/>
+              <a:t> </a:t>
+            </a:r>
+            <a:r>
+              <a:rPr lang="en-US" dirty="0" err="1" smtClean="0"/>
+              <a:t>loại</a:t>
+            </a:r>
+            <a:r>
+              <a:rPr lang="en-US" dirty="0" smtClean="0"/>
+              <a:t> </a:t>
+            </a:r>
+            <a:r>
+              <a:rPr lang="en-US" dirty="0" err="1" smtClean="0"/>
+              <a:t>theo</a:t>
+            </a:r>
+            <a:r>
+              <a:rPr lang="en-US" dirty="0" smtClean="0"/>
+              <a:t> 16 </a:t>
+            </a:r>
+            <a:r>
+              <a:rPr lang="en-US" dirty="0" err="1" smtClean="0"/>
+              <a:t>chủ</a:t>
+            </a:r>
+            <a:r>
+              <a:rPr lang="en-US" dirty="0" smtClean="0"/>
+              <a:t> </a:t>
+            </a:r>
+            <a:r>
+              <a:rPr lang="en-US" dirty="0" err="1" smtClean="0"/>
+              <a:t>đề</a:t>
+            </a:r>
+            <a:r>
+              <a:rPr lang="en-US" dirty="0" smtClean="0"/>
+              <a:t>, </a:t>
+            </a:r>
+            <a:r>
+              <a:rPr lang="en-US" dirty="0" err="1" smtClean="0"/>
+              <a:t>những</a:t>
+            </a:r>
+            <a:r>
+              <a:rPr lang="en-US" dirty="0" smtClean="0"/>
+              <a:t> </a:t>
+            </a:r>
+            <a:r>
+              <a:rPr lang="en-US" dirty="0" err="1" smtClean="0"/>
+              <a:t>chủ</a:t>
+            </a:r>
+            <a:r>
+              <a:rPr lang="en-US" dirty="0" smtClean="0"/>
+              <a:t> </a:t>
+            </a:r>
+            <a:r>
+              <a:rPr lang="en-US" dirty="0" err="1" smtClean="0"/>
+              <a:t>đề</a:t>
+            </a:r>
+            <a:r>
+              <a:rPr lang="en-US" dirty="0" smtClean="0"/>
+              <a:t> </a:t>
+            </a:r>
+            <a:r>
+              <a:rPr lang="en-US" dirty="0" err="1" smtClean="0"/>
+              <a:t>này</a:t>
+            </a:r>
+            <a:r>
+              <a:rPr lang="en-US" dirty="0" smtClean="0"/>
+              <a:t> </a:t>
+            </a:r>
+            <a:r>
+              <a:rPr lang="en-US" dirty="0" err="1" smtClean="0"/>
+              <a:t>khái</a:t>
+            </a:r>
+            <a:r>
+              <a:rPr lang="en-US" dirty="0" smtClean="0"/>
+              <a:t> </a:t>
+            </a:r>
+            <a:r>
+              <a:rPr lang="en-US" dirty="0" err="1" smtClean="0"/>
+              <a:t>quát</a:t>
+            </a:r>
+            <a:r>
+              <a:rPr lang="en-US" dirty="0" smtClean="0"/>
+              <a:t> </a:t>
+            </a:r>
+            <a:r>
+              <a:rPr lang="en-US" dirty="0" err="1" smtClean="0"/>
+              <a:t>các</a:t>
+            </a:r>
+            <a:r>
+              <a:rPr lang="en-US" dirty="0" smtClean="0"/>
+              <a:t> </a:t>
+            </a:r>
+            <a:r>
+              <a:rPr lang="en-US" dirty="0" err="1" smtClean="0"/>
+              <a:t>lĩnh</a:t>
+            </a:r>
+            <a:r>
+              <a:rPr lang="en-US" dirty="0" smtClean="0"/>
+              <a:t> </a:t>
+            </a:r>
+            <a:r>
+              <a:rPr lang="en-US" dirty="0" err="1" smtClean="0"/>
+              <a:t>vực</a:t>
+            </a:r>
+            <a:r>
+              <a:rPr lang="en-US" dirty="0" smtClean="0"/>
+              <a:t> </a:t>
+            </a:r>
+            <a:r>
+              <a:rPr lang="en-US" dirty="0" err="1" smtClean="0"/>
+              <a:t>chứ</a:t>
+            </a:r>
+            <a:r>
+              <a:rPr lang="en-US" dirty="0" smtClean="0"/>
+              <a:t> </a:t>
+            </a:r>
+            <a:r>
+              <a:rPr lang="en-US" dirty="0" err="1" smtClean="0"/>
+              <a:t>không</a:t>
+            </a:r>
+            <a:r>
+              <a:rPr lang="en-US" dirty="0" smtClean="0"/>
+              <a:t> chi </a:t>
+            </a:r>
+            <a:r>
+              <a:rPr lang="en-US" dirty="0" err="1" smtClean="0"/>
+              <a:t>tiết</a:t>
+            </a:r>
+            <a:r>
+              <a:rPr lang="en-US" dirty="0" smtClean="0"/>
+              <a:t> </a:t>
+            </a:r>
+            <a:r>
+              <a:rPr lang="en-US" dirty="0" err="1" smtClean="0"/>
+              <a:t>khiến</a:t>
+            </a:r>
+            <a:r>
+              <a:rPr lang="en-US" dirty="0" smtClean="0"/>
+              <a:t> </a:t>
+            </a:r>
+            <a:r>
+              <a:rPr lang="en-US" dirty="0" err="1" smtClean="0"/>
+              <a:t>cho</a:t>
+            </a:r>
+            <a:r>
+              <a:rPr lang="en-US" dirty="0" smtClean="0"/>
+              <a:t> </a:t>
+            </a:r>
+            <a:r>
+              <a:rPr lang="en-US" dirty="0" err="1" smtClean="0"/>
+              <a:t>người</a:t>
+            </a:r>
+            <a:r>
+              <a:rPr lang="en-US" dirty="0" smtClean="0"/>
+              <a:t> </a:t>
+            </a:r>
+            <a:r>
+              <a:rPr lang="en-US" dirty="0" err="1" smtClean="0"/>
+              <a:t>dùng</a:t>
+            </a:r>
+            <a:r>
+              <a:rPr lang="en-US" dirty="0" smtClean="0"/>
+              <a:t> </a:t>
+            </a:r>
+            <a:r>
+              <a:rPr lang="en-US" dirty="0" err="1" smtClean="0"/>
+              <a:t>gặp</a:t>
+            </a:r>
+            <a:r>
+              <a:rPr lang="en-US" dirty="0" smtClean="0"/>
+              <a:t> </a:t>
+            </a:r>
+            <a:r>
+              <a:rPr lang="en-US" dirty="0" err="1" smtClean="0"/>
+              <a:t>khó</a:t>
+            </a:r>
+            <a:r>
+              <a:rPr lang="en-US" dirty="0" smtClean="0"/>
+              <a:t> </a:t>
+            </a:r>
+            <a:r>
+              <a:rPr lang="en-US" dirty="0" err="1" smtClean="0"/>
+              <a:t>khăn</a:t>
+            </a:r>
+            <a:r>
+              <a:rPr lang="en-US" dirty="0" smtClean="0"/>
+              <a:t> </a:t>
+            </a:r>
+            <a:r>
+              <a:rPr lang="en-US" dirty="0" err="1" smtClean="0"/>
+              <a:t>trong</a:t>
+            </a:r>
+            <a:r>
+              <a:rPr lang="en-US" dirty="0" smtClean="0"/>
+              <a:t> </a:t>
+            </a:r>
+            <a:r>
+              <a:rPr lang="en-US" dirty="0" err="1" smtClean="0"/>
+              <a:t>việc</a:t>
+            </a:r>
+            <a:r>
+              <a:rPr lang="en-US" dirty="0" smtClean="0"/>
+              <a:t> </a:t>
+            </a:r>
+            <a:r>
+              <a:rPr lang="en-US" dirty="0" err="1" smtClean="0"/>
+              <a:t>tìm</a:t>
+            </a:r>
+            <a:r>
+              <a:rPr lang="en-US" dirty="0" smtClean="0"/>
+              <a:t> </a:t>
+            </a:r>
+            <a:r>
+              <a:rPr lang="en-US" dirty="0" err="1" smtClean="0"/>
+              <a:t>kiếm</a:t>
+            </a:r>
+            <a:r>
+              <a:rPr lang="en-US" dirty="0" smtClean="0"/>
+              <a:t> </a:t>
+            </a:r>
+            <a:r>
+              <a:rPr lang="en-US" dirty="0" err="1" smtClean="0"/>
+              <a:t>tài</a:t>
+            </a:r>
+            <a:r>
+              <a:rPr lang="en-US" dirty="0" smtClean="0"/>
+              <a:t> </a:t>
+            </a:r>
+            <a:r>
+              <a:rPr lang="en-US" dirty="0" err="1" smtClean="0"/>
+              <a:t>liệu</a:t>
+            </a:r>
+            <a:r>
+              <a:rPr lang="en-US" dirty="0" smtClean="0"/>
+              <a:t> </a:t>
+            </a:r>
+            <a:r>
+              <a:rPr lang="en-US" dirty="0" err="1" smtClean="0"/>
+              <a:t>theo</a:t>
+            </a:r>
+            <a:r>
+              <a:rPr lang="en-US" dirty="0" smtClean="0"/>
+              <a:t> </a:t>
+            </a:r>
+            <a:r>
+              <a:rPr lang="en-US" dirty="0" err="1" smtClean="0"/>
+              <a:t>chủ</a:t>
+            </a:r>
+            <a:r>
+              <a:rPr lang="en-US" dirty="0" smtClean="0"/>
+              <a:t> </a:t>
+            </a:r>
+            <a:r>
+              <a:rPr lang="en-US" dirty="0" err="1" smtClean="0"/>
+              <a:t>đề</a:t>
+            </a:r>
+            <a:endParaRPr lang="en-US" dirty="0" smtClean="0"/>
+          </a:p>
+          <a:p>
+            <a:pPr algn="just">
+              <a:buNone/>
+            </a:pPr>
+            <a:endParaRPr lang="en-US" dirty="0" smtClean="0">
               <a:latin typeface="Times New Roman" pitchFamily="18" charset="0"/>
               <a:cs typeface="Times New Roman" pitchFamily="18" charset="0"/>
             </a:endParaRPr>
@@ -7285,40 +10340,7 @@
       </p:sp>
       <p:sp>
         <p:nvSpPr>
-          <p:cNvPr id="4" name="Title 1"/>
-          <p:cNvSpPr>
-            <a:spLocks noGrp="1"/>
-          </p:cNvSpPr>
-          <p:nvPr>
-            <p:ph type="title"/>
-          </p:nvPr>
-        </p:nvSpPr>
-        <p:spPr/>
-        <p:txBody>
-          <a:bodyPr/>
-          <a:lstStyle/>
-          <a:p>
-            <a:r>
-              <a:rPr lang="en-US" dirty="0" smtClean="0">
-                <a:latin typeface="Times New Roman" pitchFamily="18" charset="0"/>
-                <a:cs typeface="Times New Roman" pitchFamily="18" charset="0"/>
-              </a:rPr>
-              <a:t>IEEE </a:t>
-            </a:r>
-            <a:r>
-              <a:rPr lang="en-US" dirty="0" err="1" smtClean="0">
-                <a:latin typeface="Times New Roman" pitchFamily="18" charset="0"/>
-                <a:cs typeface="Times New Roman" pitchFamily="18" charset="0"/>
-              </a:rPr>
-              <a:t>Xplore</a:t>
-            </a:r>
-            <a:endParaRPr lang="en-US" dirty="0"/>
-          </a:p>
-        </p:txBody>
-      </p:sp>
-      <p:sp>
-        <p:nvSpPr>
-          <p:cNvPr id="5" name="Slide Number Placeholder 4"/>
+          <p:cNvPr id="4" name="Slide Number Placeholder 3"/>
           <p:cNvSpPr>
             <a:spLocks noGrp="1"/>
           </p:cNvSpPr>
@@ -7345,6 +10367,66 @@
               <a:t>14</a:t>
             </a:fld>
             <a:endParaRPr lang="en-US"/>
+          </a:p>
+        </p:txBody>
+      </p:sp>
+      <p:pic>
+        <p:nvPicPr>
+          <p:cNvPr id="5" name="Picture 4" descr="C:\Users\TKORG-PC1\Desktop\subject_categories.jpg"/>
+          <p:cNvPicPr/>
+          <p:nvPr/>
+        </p:nvPicPr>
+        <p:blipFill>
+          <a:blip r:embed="rId2"/>
+          <a:srcRect/>
+          <a:stretch>
+            <a:fillRect/>
+          </a:stretch>
+        </p:blipFill>
+        <p:spPr bwMode="auto">
+          <a:xfrm>
+            <a:off x="1143000" y="4800600"/>
+            <a:ext cx="6400800" cy="1600200"/>
+          </a:xfrm>
+          <a:prstGeom prst="rect">
+            <a:avLst/>
+          </a:prstGeom>
+          <a:noFill/>
+          <a:ln w="9525">
+            <a:noFill/>
+            <a:miter lim="800000"/>
+            <a:headEnd/>
+            <a:tailEnd/>
+          </a:ln>
+        </p:spPr>
+      </p:pic>
+      <p:sp>
+        <p:nvSpPr>
+          <p:cNvPr id="6" name="TextBox 5"/>
+          <p:cNvSpPr txBox="1"/>
+          <p:nvPr/>
+        </p:nvSpPr>
+        <p:spPr>
+          <a:xfrm>
+            <a:off x="3657600" y="6488668"/>
+            <a:ext cx="5155579" cy="369332"/>
+          </a:xfrm>
+          <a:prstGeom prst="rect">
+            <a:avLst/>
+          </a:prstGeom>
+          <a:noFill/>
+        </p:spPr>
+        <p:txBody>
+          <a:bodyPr wrap="none" rtlCol="0">
+            <a:spAutoFit/>
+          </a:bodyPr>
+          <a:lstStyle/>
+          <a:p>
+            <a:r>
+              <a:rPr lang="en-US" dirty="0" smtClean="0"/>
+              <a:t>http://ieeexplore.ieee.org/Xplore/guesthome.jsp</a:t>
+            </a:r>
+            <a:endParaRPr lang="en-US" dirty="0"/>
           </a:p>
         </p:txBody>
       </p:sp>
@@ -7521,6 +10603,13 @@
   <p:clrMapOvr>
     <a:masterClrMapping/>
   </p:clrMapOvr>
+  <p:timing>
+    <p:tnLst>
+      <p:par>
+        <p:cTn id="1" dur="indefinite" restart="never" nodeType="tmRoot"/>
+      </p:par>
+    </p:tnLst>
+  </p:timing>
 </p:sld>
 </file>
 
@@ -10978,6 +14067,13 @@
   <p:clrMapOvr>
     <a:masterClrMapping/>
   </p:clrMapOvr>
+  <p:timing>
+    <p:tnLst>
+      <p:par>
+        <p:cTn id="1" dur="indefinite" restart="never" nodeType="tmRoot"/>
+      </p:par>
+    </p:tnLst>
+  </p:timing>
 </p:sld>
 </file>
 
@@ -10998,6 +14094,1696 @@
           <a:chExt cx="0" cy="0"/>
         </a:xfrm>
       </p:grpSpPr>
+      <p:pic>
+        <p:nvPicPr>
+          <p:cNvPr id="4" name="Picture 2" descr="C:\Program Files\Microsoft Office\MEDIA\CAGCAT10\j0292020.wmf"/>
+          <p:cNvPicPr>
+            <a:picLocks noChangeAspect="1" noChangeArrowheads="1"/>
+          </p:cNvPicPr>
+          <p:nvPr/>
+        </p:nvPicPr>
+        <p:blipFill>
+          <a:blip r:embed="rId2"/>
+          <a:srcRect/>
+          <a:stretch>
+            <a:fillRect/>
+          </a:stretch>
+        </p:blipFill>
+        <p:spPr bwMode="auto">
+          <a:xfrm>
+            <a:off x="0" y="1676400"/>
+            <a:ext cx="940098" cy="892175"/>
+          </a:xfrm>
+          <a:prstGeom prst="rect">
+            <a:avLst/>
+          </a:prstGeom>
+          <a:noFill/>
+        </p:spPr>
+      </p:pic>
+      <p:sp>
+        <p:nvSpPr>
+          <p:cNvPr id="7" name="Cloud Callout 6"/>
+          <p:cNvSpPr/>
+          <p:nvPr/>
+        </p:nvSpPr>
+        <p:spPr>
+          <a:xfrm>
+            <a:off x="685800" y="304800"/>
+            <a:ext cx="1524000" cy="1146048"/>
+          </a:xfrm>
+          <a:prstGeom prst="cloudCallout">
+            <a:avLst>
+              <a:gd name="adj1" fmla="val -35078"/>
+              <a:gd name="adj2" fmla="val 71525"/>
+            </a:avLst>
+          </a:prstGeom>
+          <a:noFill/>
+        </p:spPr>
+        <p:style>
+          <a:lnRef idx="2">
+            <a:schemeClr val="accent1">
+              <a:shade val="50000"/>
+            </a:schemeClr>
+          </a:lnRef>
+          <a:fillRef idx="1">
+            <a:schemeClr val="accent1"/>
+          </a:fillRef>
+          <a:effectRef idx="0">
+            <a:schemeClr val="accent1"/>
+          </a:effectRef>
+          <a:fontRef idx="minor">
+            <a:schemeClr val="lt1"/>
+          </a:fontRef>
+        </p:style>
+        <p:txBody>
+          <a:bodyPr rtlCol="0" anchor="ctr"/>
+          <a:lstStyle/>
+          <a:p>
+            <a:pPr algn="ctr"/>
+            <a:endParaRPr lang="en-US" sz="1300" b="1" dirty="0" smtClean="0">
+              <a:solidFill>
+                <a:schemeClr val="tx1"/>
+              </a:solidFill>
+              <a:latin typeface="Times New Roman" pitchFamily="18" charset="0"/>
+              <a:cs typeface="Times New Roman" pitchFamily="18" charset="0"/>
+            </a:endParaRPr>
+          </a:p>
+          <a:p>
+            <a:pPr algn="ctr"/>
+            <a:r>
+              <a:rPr lang="en-US" sz="1300" b="1" dirty="0" err="1" smtClean="0">
+                <a:solidFill>
+                  <a:schemeClr val="tx1"/>
+                </a:solidFill>
+                <a:latin typeface="Times New Roman" pitchFamily="18" charset="0"/>
+                <a:cs typeface="Times New Roman" pitchFamily="18" charset="0"/>
+              </a:rPr>
+              <a:t>Tác</a:t>
+            </a:r>
+            <a:r>
+              <a:rPr lang="en-US" sz="1300" b="1" dirty="0" smtClean="0">
+                <a:solidFill>
+                  <a:schemeClr val="tx1"/>
+                </a:solidFill>
+                <a:latin typeface="Times New Roman" pitchFamily="18" charset="0"/>
+                <a:cs typeface="Times New Roman" pitchFamily="18" charset="0"/>
+              </a:rPr>
+              <a:t> </a:t>
+            </a:r>
+            <a:r>
+              <a:rPr lang="en-US" sz="1300" b="1" dirty="0" err="1" smtClean="0">
+                <a:solidFill>
+                  <a:schemeClr val="tx1"/>
+                </a:solidFill>
+                <a:latin typeface="Times New Roman" pitchFamily="18" charset="0"/>
+                <a:cs typeface="Times New Roman" pitchFamily="18" charset="0"/>
+              </a:rPr>
+              <a:t>giả</a:t>
+            </a:r>
+            <a:endParaRPr lang="en-US" sz="1300" b="1" dirty="0" smtClean="0">
+              <a:solidFill>
+                <a:schemeClr val="tx1"/>
+              </a:solidFill>
+              <a:latin typeface="Times New Roman" pitchFamily="18" charset="0"/>
+              <a:cs typeface="Times New Roman" pitchFamily="18" charset="0"/>
+            </a:endParaRPr>
+          </a:p>
+          <a:p>
+            <a:pPr algn="ctr"/>
+            <a:r>
+              <a:rPr lang="en-US" sz="1300" b="1" dirty="0" err="1" smtClean="0">
+                <a:solidFill>
+                  <a:schemeClr val="tx1"/>
+                </a:solidFill>
+                <a:latin typeface="Times New Roman" pitchFamily="18" charset="0"/>
+                <a:cs typeface="Times New Roman" pitchFamily="18" charset="0"/>
+              </a:rPr>
+              <a:t>Tựa</a:t>
+            </a:r>
+            <a:r>
+              <a:rPr lang="en-US" sz="1300" b="1" dirty="0" smtClean="0">
+                <a:solidFill>
+                  <a:schemeClr val="tx1"/>
+                </a:solidFill>
+                <a:latin typeface="Times New Roman" pitchFamily="18" charset="0"/>
+                <a:cs typeface="Times New Roman" pitchFamily="18" charset="0"/>
+              </a:rPr>
+              <a:t> </a:t>
+            </a:r>
+            <a:r>
+              <a:rPr lang="en-US" sz="1300" b="1" dirty="0" err="1" smtClean="0">
+                <a:solidFill>
+                  <a:schemeClr val="tx1"/>
+                </a:solidFill>
+                <a:latin typeface="Times New Roman" pitchFamily="18" charset="0"/>
+                <a:cs typeface="Times New Roman" pitchFamily="18" charset="0"/>
+              </a:rPr>
+              <a:t>đề</a:t>
+            </a:r>
+            <a:endParaRPr lang="en-US" sz="1300" b="1" dirty="0" smtClean="0">
+              <a:solidFill>
+                <a:schemeClr val="tx1"/>
+              </a:solidFill>
+              <a:latin typeface="Times New Roman" pitchFamily="18" charset="0"/>
+              <a:cs typeface="Times New Roman" pitchFamily="18" charset="0"/>
+            </a:endParaRPr>
+          </a:p>
+          <a:p>
+            <a:pPr algn="ctr"/>
+            <a:r>
+              <a:rPr lang="en-US" sz="1300" b="1" dirty="0" err="1" smtClean="0">
+                <a:solidFill>
+                  <a:schemeClr val="tx1"/>
+                </a:solidFill>
+                <a:latin typeface="Times New Roman" pitchFamily="18" charset="0"/>
+                <a:cs typeface="Times New Roman" pitchFamily="18" charset="0"/>
+              </a:rPr>
+              <a:t>Hội</a:t>
+            </a:r>
+            <a:r>
+              <a:rPr lang="en-US" sz="1300" b="1" dirty="0" smtClean="0">
+                <a:solidFill>
+                  <a:schemeClr val="tx1"/>
+                </a:solidFill>
+                <a:latin typeface="Times New Roman" pitchFamily="18" charset="0"/>
+                <a:cs typeface="Times New Roman" pitchFamily="18" charset="0"/>
+              </a:rPr>
+              <a:t> </a:t>
+            </a:r>
+            <a:r>
+              <a:rPr lang="en-US" sz="1300" b="1" dirty="0" err="1" smtClean="0">
+                <a:solidFill>
+                  <a:schemeClr val="tx1"/>
+                </a:solidFill>
+                <a:latin typeface="Times New Roman" pitchFamily="18" charset="0"/>
+                <a:cs typeface="Times New Roman" pitchFamily="18" charset="0"/>
+              </a:rPr>
+              <a:t>Nghị</a:t>
+            </a:r>
+            <a:endParaRPr lang="en-US" sz="1300" b="1" dirty="0" smtClean="0">
+              <a:solidFill>
+                <a:schemeClr val="tx1"/>
+              </a:solidFill>
+              <a:latin typeface="Times New Roman" pitchFamily="18" charset="0"/>
+              <a:cs typeface="Times New Roman" pitchFamily="18" charset="0"/>
+            </a:endParaRPr>
+          </a:p>
+          <a:p>
+            <a:pPr algn="ctr"/>
+            <a:endParaRPr lang="en-US" sz="1300" b="1" dirty="0" smtClean="0">
+              <a:solidFill>
+                <a:schemeClr val="tx1"/>
+              </a:solidFill>
+              <a:latin typeface="Times New Roman" pitchFamily="18" charset="0"/>
+              <a:cs typeface="Times New Roman" pitchFamily="18" charset="0"/>
+            </a:endParaRPr>
+          </a:p>
+          <a:p>
+            <a:pPr algn="ctr"/>
+            <a:endParaRPr lang="en-US" sz="1300" b="1" dirty="0">
+              <a:solidFill>
+                <a:schemeClr val="tx1"/>
+              </a:solidFill>
+              <a:latin typeface="Times New Roman" pitchFamily="18" charset="0"/>
+              <a:cs typeface="Times New Roman" pitchFamily="18" charset="0"/>
+            </a:endParaRPr>
+          </a:p>
+        </p:txBody>
+      </p:sp>
+      <p:sp>
+        <p:nvSpPr>
+          <p:cNvPr id="31" name="Cloud 30"/>
+          <p:cNvSpPr/>
+          <p:nvPr/>
+        </p:nvSpPr>
+        <p:spPr>
+          <a:xfrm>
+            <a:off x="2971800" y="1066800"/>
+            <a:ext cx="1905000" cy="1219200"/>
+          </a:xfrm>
+          <a:prstGeom prst="cloud">
+            <a:avLst/>
+          </a:prstGeom>
+          <a:noFill/>
+        </p:spPr>
+        <p:style>
+          <a:lnRef idx="2">
+            <a:schemeClr val="accent1">
+              <a:shade val="50000"/>
+            </a:schemeClr>
+          </a:lnRef>
+          <a:fillRef idx="1">
+            <a:schemeClr val="accent1"/>
+          </a:fillRef>
+          <a:effectRef idx="0">
+            <a:schemeClr val="accent1"/>
+          </a:effectRef>
+          <a:fontRef idx="minor">
+            <a:schemeClr val="lt1"/>
+          </a:fontRef>
+        </p:style>
+        <p:txBody>
+          <a:bodyPr rtlCol="0" anchor="ctr"/>
+          <a:lstStyle/>
+          <a:p>
+            <a:pPr algn="ctr"/>
+            <a:r>
+              <a:rPr lang="en-US" sz="1300" b="1" dirty="0" smtClean="0">
+                <a:solidFill>
+                  <a:schemeClr val="tx1"/>
+                </a:solidFill>
+                <a:latin typeface="Times New Roman" pitchFamily="18" charset="0"/>
+                <a:cs typeface="Times New Roman" pitchFamily="18" charset="0"/>
+              </a:rPr>
+              <a:t>ACM, </a:t>
+            </a:r>
+            <a:r>
+              <a:rPr lang="en-US" sz="1300" b="1" dirty="0" err="1" smtClean="0">
+                <a:solidFill>
+                  <a:schemeClr val="tx1"/>
+                </a:solidFill>
+                <a:latin typeface="Times New Roman" pitchFamily="18" charset="0"/>
+                <a:cs typeface="Times New Roman" pitchFamily="18" charset="0"/>
+              </a:rPr>
+              <a:t>Citeseer</a:t>
+            </a:r>
+            <a:r>
+              <a:rPr lang="en-US" sz="1300" b="1" dirty="0" smtClean="0">
+                <a:solidFill>
+                  <a:schemeClr val="tx1"/>
+                </a:solidFill>
+                <a:latin typeface="Times New Roman" pitchFamily="18" charset="0"/>
+                <a:cs typeface="Times New Roman" pitchFamily="18" charset="0"/>
+              </a:rPr>
+              <a:t>,  IEEE </a:t>
+            </a:r>
+            <a:r>
+              <a:rPr lang="en-US" sz="1300" b="1" dirty="0" err="1" smtClean="0">
+                <a:solidFill>
+                  <a:schemeClr val="tx1"/>
+                </a:solidFill>
+                <a:latin typeface="Times New Roman" pitchFamily="18" charset="0"/>
+                <a:cs typeface="Times New Roman" pitchFamily="18" charset="0"/>
+              </a:rPr>
+              <a:t>Xplore</a:t>
+            </a:r>
+            <a:endParaRPr lang="en-US" sz="1300" b="1" dirty="0" smtClean="0">
+              <a:solidFill>
+                <a:schemeClr val="tx1"/>
+              </a:solidFill>
+              <a:latin typeface="Times New Roman" pitchFamily="18" charset="0"/>
+              <a:cs typeface="Times New Roman" pitchFamily="18" charset="0"/>
+            </a:endParaRPr>
+          </a:p>
+        </p:txBody>
+      </p:sp>
+      <p:cxnSp>
+        <p:nvCxnSpPr>
+          <p:cNvPr id="32" name="Elbow Connector 31"/>
+          <p:cNvCxnSpPr/>
+          <p:nvPr/>
+        </p:nvCxnSpPr>
+        <p:spPr>
+          <a:xfrm rot="5400000">
+            <a:off x="1942451" y="2172349"/>
+            <a:ext cx="1296698" cy="1219200"/>
+          </a:xfrm>
+          <a:prstGeom prst="bentConnector3">
+            <a:avLst>
+              <a:gd name="adj1" fmla="val 50000"/>
+            </a:avLst>
+          </a:prstGeom>
+          <a:ln>
+            <a:tailEnd type="arrow"/>
+          </a:ln>
+        </p:spPr>
+        <p:style>
+          <a:lnRef idx="1">
+            <a:schemeClr val="accent1"/>
+          </a:lnRef>
+          <a:fillRef idx="0">
+            <a:schemeClr val="accent1"/>
+          </a:fillRef>
+          <a:effectRef idx="0">
+            <a:schemeClr val="accent1"/>
+          </a:effectRef>
+          <a:fontRef idx="minor">
+            <a:schemeClr val="tx1"/>
+          </a:fontRef>
+        </p:style>
+      </p:cxnSp>
+      <p:sp>
+        <p:nvSpPr>
+          <p:cNvPr id="39" name="Flowchart: Document 38"/>
+          <p:cNvSpPr/>
+          <p:nvPr/>
+        </p:nvSpPr>
+        <p:spPr>
+          <a:xfrm>
+            <a:off x="4495800" y="3048000"/>
+            <a:ext cx="1371600" cy="1905000"/>
+          </a:xfrm>
+          <a:prstGeom prst="flowChartDocument">
+            <a:avLst/>
+          </a:prstGeom>
+          <a:solidFill>
+            <a:schemeClr val="accent1"/>
+          </a:solidFill>
+        </p:spPr>
+        <p:style>
+          <a:lnRef idx="2">
+            <a:schemeClr val="accent1">
+              <a:shade val="50000"/>
+            </a:schemeClr>
+          </a:lnRef>
+          <a:fillRef idx="1">
+            <a:schemeClr val="accent1"/>
+          </a:fillRef>
+          <a:effectRef idx="0">
+            <a:schemeClr val="accent1"/>
+          </a:effectRef>
+          <a:fontRef idx="minor">
+            <a:schemeClr val="lt1"/>
+          </a:fontRef>
+        </p:style>
+        <p:txBody>
+          <a:bodyPr rtlCol="0" anchor="ctr"/>
+          <a:lstStyle/>
+          <a:p>
+            <a:pPr algn="ctr"/>
+            <a:endParaRPr lang="en-US" sz="1300" b="1" dirty="0">
+              <a:solidFill>
+                <a:schemeClr val="tx1"/>
+              </a:solidFill>
+              <a:latin typeface="Times New Roman" pitchFamily="18" charset="0"/>
+              <a:cs typeface="Times New Roman" pitchFamily="18" charset="0"/>
+            </a:endParaRPr>
+          </a:p>
+        </p:txBody>
+      </p:sp>
+      <p:sp>
+        <p:nvSpPr>
+          <p:cNvPr id="45" name="Rectangle 44"/>
+          <p:cNvSpPr/>
+          <p:nvPr/>
+        </p:nvSpPr>
+        <p:spPr>
+          <a:xfrm>
+            <a:off x="4114800" y="2362200"/>
+            <a:ext cx="2090637" cy="292388"/>
+          </a:xfrm>
+          <a:prstGeom prst="rect">
+            <a:avLst/>
+          </a:prstGeom>
+        </p:spPr>
+        <p:txBody>
+          <a:bodyPr wrap="none">
+            <a:spAutoFit/>
+          </a:bodyPr>
+          <a:lstStyle/>
+          <a:p>
+            <a:pPr algn="ctr"/>
+            <a:r>
+              <a:rPr lang="en-US" sz="1300" b="1" dirty="0" err="1" smtClean="0">
+                <a:latin typeface="Times New Roman" pitchFamily="18" charset="0"/>
+                <a:cs typeface="Times New Roman" pitchFamily="18" charset="0"/>
+              </a:rPr>
+              <a:t>Bài</a:t>
+            </a:r>
+            <a:r>
+              <a:rPr lang="en-US" sz="1300" b="1" dirty="0" smtClean="0">
+                <a:latin typeface="Times New Roman" pitchFamily="18" charset="0"/>
+                <a:cs typeface="Times New Roman" pitchFamily="18" charset="0"/>
+              </a:rPr>
+              <a:t> </a:t>
+            </a:r>
+            <a:r>
+              <a:rPr lang="en-US" sz="1300" b="1" dirty="0" err="1" smtClean="0">
+                <a:latin typeface="Times New Roman" pitchFamily="18" charset="0"/>
+                <a:cs typeface="Times New Roman" pitchFamily="18" charset="0"/>
+              </a:rPr>
+              <a:t>báo</a:t>
+            </a:r>
+            <a:r>
+              <a:rPr lang="en-US" sz="1300" b="1" dirty="0" smtClean="0">
+                <a:latin typeface="Times New Roman" pitchFamily="18" charset="0"/>
+                <a:cs typeface="Times New Roman" pitchFamily="18" charset="0"/>
+              </a:rPr>
+              <a:t> </a:t>
+            </a:r>
+            <a:r>
+              <a:rPr lang="en-US" sz="1300" b="1" dirty="0" err="1" smtClean="0">
+                <a:latin typeface="Times New Roman" pitchFamily="18" charset="0"/>
+                <a:cs typeface="Times New Roman" pitchFamily="18" charset="0"/>
+              </a:rPr>
+              <a:t>khoa</a:t>
+            </a:r>
+            <a:r>
+              <a:rPr lang="en-US" sz="1300" b="1" dirty="0" smtClean="0">
+                <a:latin typeface="Times New Roman" pitchFamily="18" charset="0"/>
+                <a:cs typeface="Times New Roman" pitchFamily="18" charset="0"/>
+              </a:rPr>
+              <a:t> </a:t>
+            </a:r>
+            <a:r>
+              <a:rPr lang="en-US" sz="1300" b="1" dirty="0" err="1" smtClean="0">
+                <a:latin typeface="Times New Roman" pitchFamily="18" charset="0"/>
+                <a:cs typeface="Times New Roman" pitchFamily="18" charset="0"/>
+              </a:rPr>
+              <a:t>học</a:t>
+            </a:r>
+            <a:r>
+              <a:rPr lang="en-US" sz="1300" b="1" dirty="0" smtClean="0">
+                <a:latin typeface="Times New Roman" pitchFamily="18" charset="0"/>
+                <a:cs typeface="Times New Roman" pitchFamily="18" charset="0"/>
+              </a:rPr>
+              <a:t> </a:t>
+            </a:r>
+            <a:r>
+              <a:rPr lang="en-US" sz="1300" b="1" dirty="0" err="1" smtClean="0">
+                <a:latin typeface="Times New Roman" pitchFamily="18" charset="0"/>
+                <a:cs typeface="Times New Roman" pitchFamily="18" charset="0"/>
+              </a:rPr>
+              <a:t>máy</a:t>
+            </a:r>
+            <a:r>
+              <a:rPr lang="en-US" sz="1300" b="1" dirty="0" smtClean="0">
+                <a:latin typeface="Times New Roman" pitchFamily="18" charset="0"/>
+                <a:cs typeface="Times New Roman" pitchFamily="18" charset="0"/>
+              </a:rPr>
+              <a:t> </a:t>
+            </a:r>
+            <a:r>
+              <a:rPr lang="en-US" sz="1300" b="1" dirty="0" err="1" smtClean="0">
+                <a:latin typeface="Times New Roman" pitchFamily="18" charset="0"/>
+                <a:cs typeface="Times New Roman" pitchFamily="18" charset="0"/>
+              </a:rPr>
+              <a:t>tính</a:t>
+            </a:r>
+            <a:endParaRPr lang="en-US" sz="1300" b="1" dirty="0" smtClean="0">
+              <a:latin typeface="Times New Roman" pitchFamily="18" charset="0"/>
+              <a:cs typeface="Times New Roman" pitchFamily="18" charset="0"/>
+            </a:endParaRPr>
+          </a:p>
+        </p:txBody>
+      </p:sp>
+      <p:sp>
+        <p:nvSpPr>
+          <p:cNvPr id="48" name="Flowchart: Document 47"/>
+          <p:cNvSpPr/>
+          <p:nvPr/>
+        </p:nvSpPr>
+        <p:spPr>
+          <a:xfrm>
+            <a:off x="4648200" y="3124200"/>
+            <a:ext cx="1371600" cy="1905000"/>
+          </a:xfrm>
+          <a:prstGeom prst="flowChartDocument">
+            <a:avLst/>
+          </a:prstGeom>
+          <a:solidFill>
+            <a:schemeClr val="accent1"/>
+          </a:solidFill>
+        </p:spPr>
+        <p:style>
+          <a:lnRef idx="2">
+            <a:schemeClr val="accent1">
+              <a:shade val="50000"/>
+            </a:schemeClr>
+          </a:lnRef>
+          <a:fillRef idx="1">
+            <a:schemeClr val="accent1"/>
+          </a:fillRef>
+          <a:effectRef idx="0">
+            <a:schemeClr val="accent1"/>
+          </a:effectRef>
+          <a:fontRef idx="minor">
+            <a:schemeClr val="lt1"/>
+          </a:fontRef>
+        </p:style>
+        <p:txBody>
+          <a:bodyPr rtlCol="0" anchor="ctr"/>
+          <a:lstStyle/>
+          <a:p>
+            <a:pPr algn="ctr"/>
+            <a:r>
+              <a:rPr lang="en-US" sz="1300" b="1" dirty="0" smtClean="0">
+                <a:solidFill>
+                  <a:schemeClr val="tx1"/>
+                </a:solidFill>
+                <a:latin typeface="Times New Roman" pitchFamily="18" charset="0"/>
+                <a:cs typeface="Times New Roman" pitchFamily="18" charset="0"/>
+              </a:rPr>
+              <a:t>Metadata</a:t>
+            </a:r>
+          </a:p>
+        </p:txBody>
+      </p:sp>
+      <p:sp>
+        <p:nvSpPr>
+          <p:cNvPr id="15" name="Right Arrow 14"/>
+          <p:cNvSpPr/>
+          <p:nvPr/>
+        </p:nvSpPr>
+        <p:spPr>
+          <a:xfrm>
+            <a:off x="2971800" y="4114800"/>
+            <a:ext cx="1295400" cy="152400"/>
+          </a:xfrm>
+          <a:prstGeom prst="rightArrow">
+            <a:avLst/>
+          </a:prstGeom>
+        </p:spPr>
+        <p:style>
+          <a:lnRef idx="2">
+            <a:schemeClr val="accent1">
+              <a:shade val="50000"/>
+            </a:schemeClr>
+          </a:lnRef>
+          <a:fillRef idx="1">
+            <a:schemeClr val="accent1"/>
+          </a:fillRef>
+          <a:effectRef idx="0">
+            <a:schemeClr val="accent1"/>
+          </a:effectRef>
+          <a:fontRef idx="minor">
+            <a:schemeClr val="lt1"/>
+          </a:fontRef>
+        </p:style>
+        <p:txBody>
+          <a:bodyPr rtlCol="0" anchor="ctr"/>
+          <a:lstStyle/>
+          <a:p>
+            <a:pPr algn="ctr"/>
+            <a:endParaRPr lang="en-US" sz="1300" b="1">
+              <a:latin typeface="Times New Roman" pitchFamily="18" charset="0"/>
+              <a:cs typeface="Times New Roman" pitchFamily="18" charset="0"/>
+            </a:endParaRPr>
+          </a:p>
+        </p:txBody>
+      </p:sp>
+      <p:sp>
+        <p:nvSpPr>
+          <p:cNvPr id="16" name="Rectangle 15"/>
+          <p:cNvSpPr/>
+          <p:nvPr/>
+        </p:nvSpPr>
+        <p:spPr>
+          <a:xfrm>
+            <a:off x="7010400" y="2514600"/>
+            <a:ext cx="1752600" cy="3962400"/>
+          </a:xfrm>
+          <a:prstGeom prst="rect">
+            <a:avLst/>
+          </a:prstGeom>
+          <a:noFill/>
+          <a:ln>
+            <a:prstDash val="lgDash"/>
+          </a:ln>
+        </p:spPr>
+        <p:style>
+          <a:lnRef idx="2">
+            <a:schemeClr val="accent1">
+              <a:shade val="50000"/>
+            </a:schemeClr>
+          </a:lnRef>
+          <a:fillRef idx="1">
+            <a:schemeClr val="accent1"/>
+          </a:fillRef>
+          <a:effectRef idx="0">
+            <a:schemeClr val="accent1"/>
+          </a:effectRef>
+          <a:fontRef idx="minor">
+            <a:schemeClr val="lt1"/>
+          </a:fontRef>
+        </p:style>
+        <p:txBody>
+          <a:bodyPr rtlCol="0" anchor="ctr"/>
+          <a:lstStyle/>
+          <a:p>
+            <a:pPr algn="ctr"/>
+            <a:r>
+              <a:rPr lang="en-US" sz="1300" b="1" dirty="0" err="1" smtClean="0">
+                <a:solidFill>
+                  <a:schemeClr val="tx1"/>
+                </a:solidFill>
+                <a:latin typeface="Times New Roman" pitchFamily="18" charset="0"/>
+                <a:cs typeface="Times New Roman" pitchFamily="18" charset="0"/>
+              </a:rPr>
+              <a:t>Tác</a:t>
+            </a:r>
+            <a:r>
+              <a:rPr lang="en-US" sz="1300" b="1" dirty="0" smtClean="0">
+                <a:solidFill>
+                  <a:schemeClr val="tx1"/>
+                </a:solidFill>
+                <a:latin typeface="Times New Roman" pitchFamily="18" charset="0"/>
+                <a:cs typeface="Times New Roman" pitchFamily="18" charset="0"/>
+              </a:rPr>
+              <a:t> </a:t>
+            </a:r>
+            <a:r>
+              <a:rPr lang="en-US" sz="1300" b="1" dirty="0" err="1" smtClean="0">
+                <a:solidFill>
+                  <a:schemeClr val="tx1"/>
+                </a:solidFill>
+                <a:latin typeface="Times New Roman" pitchFamily="18" charset="0"/>
+                <a:cs typeface="Times New Roman" pitchFamily="18" charset="0"/>
+              </a:rPr>
+              <a:t>giả</a:t>
+            </a:r>
+            <a:endParaRPr lang="en-US" sz="1300" b="1" dirty="0" smtClean="0">
+              <a:solidFill>
+                <a:schemeClr val="tx1"/>
+              </a:solidFill>
+              <a:latin typeface="Times New Roman" pitchFamily="18" charset="0"/>
+              <a:cs typeface="Times New Roman" pitchFamily="18" charset="0"/>
+            </a:endParaRPr>
+          </a:p>
+          <a:p>
+            <a:pPr algn="ctr"/>
+            <a:endParaRPr lang="en-US" sz="1300" b="1" dirty="0" smtClean="0">
+              <a:solidFill>
+                <a:schemeClr val="tx1"/>
+              </a:solidFill>
+              <a:latin typeface="Times New Roman" pitchFamily="18" charset="0"/>
+              <a:cs typeface="Times New Roman" pitchFamily="18" charset="0"/>
+            </a:endParaRPr>
+          </a:p>
+          <a:p>
+            <a:pPr algn="ctr"/>
+            <a:endParaRPr lang="en-US" sz="1300" b="1" dirty="0" smtClean="0">
+              <a:solidFill>
+                <a:schemeClr val="tx1"/>
+              </a:solidFill>
+              <a:latin typeface="Times New Roman" pitchFamily="18" charset="0"/>
+              <a:cs typeface="Times New Roman" pitchFamily="18" charset="0"/>
+            </a:endParaRPr>
+          </a:p>
+          <a:p>
+            <a:pPr algn="ctr"/>
+            <a:r>
+              <a:rPr lang="en-US" sz="1300" b="1" dirty="0" err="1" smtClean="0">
+                <a:solidFill>
+                  <a:schemeClr val="tx1"/>
+                </a:solidFill>
+                <a:latin typeface="Times New Roman" pitchFamily="18" charset="0"/>
+                <a:cs typeface="Times New Roman" pitchFamily="18" charset="0"/>
+              </a:rPr>
+              <a:t>Hội</a:t>
+            </a:r>
+            <a:r>
+              <a:rPr lang="en-US" sz="1300" b="1" dirty="0" smtClean="0">
+                <a:solidFill>
+                  <a:schemeClr val="tx1"/>
+                </a:solidFill>
+                <a:latin typeface="Times New Roman" pitchFamily="18" charset="0"/>
+                <a:cs typeface="Times New Roman" pitchFamily="18" charset="0"/>
+              </a:rPr>
+              <a:t> </a:t>
+            </a:r>
+            <a:r>
+              <a:rPr lang="en-US" sz="1300" b="1" dirty="0" err="1" smtClean="0">
+                <a:solidFill>
+                  <a:schemeClr val="tx1"/>
+                </a:solidFill>
+                <a:latin typeface="Times New Roman" pitchFamily="18" charset="0"/>
+                <a:cs typeface="Times New Roman" pitchFamily="18" charset="0"/>
+              </a:rPr>
+              <a:t>nghị</a:t>
+            </a:r>
+            <a:endParaRPr lang="en-US" sz="1300" b="1" dirty="0" smtClean="0">
+              <a:solidFill>
+                <a:schemeClr val="tx1"/>
+              </a:solidFill>
+              <a:latin typeface="Times New Roman" pitchFamily="18" charset="0"/>
+              <a:cs typeface="Times New Roman" pitchFamily="18" charset="0"/>
+            </a:endParaRPr>
+          </a:p>
+          <a:p>
+            <a:pPr algn="ctr"/>
+            <a:endParaRPr lang="en-US" sz="1300" b="1" dirty="0" smtClean="0">
+              <a:solidFill>
+                <a:schemeClr val="tx1"/>
+              </a:solidFill>
+              <a:latin typeface="Times New Roman" pitchFamily="18" charset="0"/>
+              <a:cs typeface="Times New Roman" pitchFamily="18" charset="0"/>
+            </a:endParaRPr>
+          </a:p>
+          <a:p>
+            <a:pPr algn="ctr"/>
+            <a:endParaRPr lang="en-US" sz="1300" b="1" dirty="0" smtClean="0">
+              <a:solidFill>
+                <a:schemeClr val="tx1"/>
+              </a:solidFill>
+              <a:latin typeface="Times New Roman" pitchFamily="18" charset="0"/>
+              <a:cs typeface="Times New Roman" pitchFamily="18" charset="0"/>
+            </a:endParaRPr>
+          </a:p>
+          <a:p>
+            <a:pPr algn="ctr"/>
+            <a:r>
+              <a:rPr lang="en-US" sz="1300" b="1" dirty="0" err="1" smtClean="0">
+                <a:solidFill>
+                  <a:schemeClr val="tx1"/>
+                </a:solidFill>
+                <a:latin typeface="Times New Roman" pitchFamily="18" charset="0"/>
+                <a:cs typeface="Times New Roman" pitchFamily="18" charset="0"/>
+              </a:rPr>
+              <a:t>Năm</a:t>
+            </a:r>
+            <a:endParaRPr lang="en-US" sz="1300" b="1" dirty="0" smtClean="0">
+              <a:solidFill>
+                <a:schemeClr val="tx1"/>
+              </a:solidFill>
+              <a:latin typeface="Times New Roman" pitchFamily="18" charset="0"/>
+              <a:cs typeface="Times New Roman" pitchFamily="18" charset="0"/>
+            </a:endParaRPr>
+          </a:p>
+          <a:p>
+            <a:pPr algn="ctr"/>
+            <a:endParaRPr lang="en-US" sz="1300" b="1" dirty="0" smtClean="0">
+              <a:solidFill>
+                <a:schemeClr val="tx1"/>
+              </a:solidFill>
+              <a:latin typeface="Times New Roman" pitchFamily="18" charset="0"/>
+              <a:cs typeface="Times New Roman" pitchFamily="18" charset="0"/>
+            </a:endParaRPr>
+          </a:p>
+          <a:p>
+            <a:pPr algn="ctr"/>
+            <a:endParaRPr lang="en-US" sz="1300" b="1" dirty="0" smtClean="0">
+              <a:solidFill>
+                <a:schemeClr val="tx1"/>
+              </a:solidFill>
+              <a:latin typeface="Times New Roman" pitchFamily="18" charset="0"/>
+              <a:cs typeface="Times New Roman" pitchFamily="18" charset="0"/>
+            </a:endParaRPr>
+          </a:p>
+          <a:p>
+            <a:pPr algn="ctr"/>
+            <a:r>
+              <a:rPr lang="en-US" sz="1300" b="1" dirty="0" smtClean="0">
+                <a:solidFill>
+                  <a:schemeClr val="tx1"/>
+                </a:solidFill>
+                <a:latin typeface="Times New Roman" pitchFamily="18" charset="0"/>
+                <a:cs typeface="Times New Roman" pitchFamily="18" charset="0"/>
+              </a:rPr>
+              <a:t>Abstract</a:t>
+            </a:r>
+          </a:p>
+          <a:p>
+            <a:pPr algn="ctr"/>
+            <a:endParaRPr lang="en-US" sz="1300" b="1" dirty="0" smtClean="0">
+              <a:solidFill>
+                <a:schemeClr val="tx1"/>
+              </a:solidFill>
+              <a:latin typeface="Times New Roman" pitchFamily="18" charset="0"/>
+              <a:cs typeface="Times New Roman" pitchFamily="18" charset="0"/>
+            </a:endParaRPr>
+          </a:p>
+          <a:p>
+            <a:pPr algn="ctr"/>
+            <a:endParaRPr lang="en-US" sz="1300" b="1" dirty="0" smtClean="0">
+              <a:solidFill>
+                <a:schemeClr val="tx1"/>
+              </a:solidFill>
+              <a:latin typeface="Times New Roman" pitchFamily="18" charset="0"/>
+              <a:cs typeface="Times New Roman" pitchFamily="18" charset="0"/>
+            </a:endParaRPr>
+          </a:p>
+          <a:p>
+            <a:pPr algn="ctr"/>
+            <a:r>
+              <a:rPr lang="en-US" sz="1300" b="1" dirty="0" smtClean="0">
+                <a:solidFill>
+                  <a:schemeClr val="tx1"/>
+                </a:solidFill>
+                <a:latin typeface="Times New Roman" pitchFamily="18" charset="0"/>
+                <a:cs typeface="Times New Roman" pitchFamily="18" charset="0"/>
+              </a:rPr>
+              <a:t>Reference</a:t>
+            </a:r>
+          </a:p>
+          <a:p>
+            <a:pPr algn="ctr"/>
+            <a:endParaRPr lang="en-US" sz="1300" b="1" dirty="0" smtClean="0">
+              <a:solidFill>
+                <a:schemeClr val="tx1"/>
+              </a:solidFill>
+              <a:latin typeface="Times New Roman" pitchFamily="18" charset="0"/>
+              <a:cs typeface="Times New Roman" pitchFamily="18" charset="0"/>
+            </a:endParaRPr>
+          </a:p>
+          <a:p>
+            <a:pPr algn="ctr"/>
+            <a:r>
+              <a:rPr lang="en-US" sz="1300" b="1" dirty="0" smtClean="0">
+                <a:solidFill>
+                  <a:schemeClr val="tx1"/>
+                </a:solidFill>
+                <a:latin typeface="Times New Roman" pitchFamily="18" charset="0"/>
+                <a:cs typeface="Times New Roman" pitchFamily="18" charset="0"/>
+              </a:rPr>
+              <a:t>Title</a:t>
+            </a:r>
+          </a:p>
+          <a:p>
+            <a:pPr algn="ctr"/>
+            <a:endParaRPr lang="en-US" sz="1300" b="1" dirty="0" smtClean="0">
+              <a:solidFill>
+                <a:schemeClr val="tx1"/>
+              </a:solidFill>
+              <a:latin typeface="Times New Roman" pitchFamily="18" charset="0"/>
+              <a:cs typeface="Times New Roman" pitchFamily="18" charset="0"/>
+            </a:endParaRPr>
+          </a:p>
+          <a:p>
+            <a:pPr algn="ctr"/>
+            <a:endParaRPr lang="en-US" sz="1300" b="1" dirty="0" smtClean="0">
+              <a:solidFill>
+                <a:schemeClr val="tx1"/>
+              </a:solidFill>
+              <a:latin typeface="Times New Roman" pitchFamily="18" charset="0"/>
+              <a:cs typeface="Times New Roman" pitchFamily="18" charset="0"/>
+            </a:endParaRPr>
+          </a:p>
+          <a:p>
+            <a:pPr algn="ctr"/>
+            <a:endParaRPr lang="en-US" sz="1300" b="1" dirty="0" smtClean="0">
+              <a:solidFill>
+                <a:schemeClr val="tx1"/>
+              </a:solidFill>
+              <a:latin typeface="Times New Roman" pitchFamily="18" charset="0"/>
+              <a:cs typeface="Times New Roman" pitchFamily="18" charset="0"/>
+            </a:endParaRPr>
+          </a:p>
+          <a:p>
+            <a:pPr algn="ctr"/>
+            <a:endParaRPr lang="en-US" sz="1300" b="1" dirty="0" smtClean="0">
+              <a:solidFill>
+                <a:schemeClr val="tx1"/>
+              </a:solidFill>
+              <a:latin typeface="Times New Roman" pitchFamily="18" charset="0"/>
+              <a:cs typeface="Times New Roman" pitchFamily="18" charset="0"/>
+            </a:endParaRPr>
+          </a:p>
+          <a:p>
+            <a:pPr algn="ctr"/>
+            <a:endParaRPr lang="en-US" sz="1300" b="1" dirty="0">
+              <a:solidFill>
+                <a:schemeClr val="tx1"/>
+              </a:solidFill>
+              <a:latin typeface="Times New Roman" pitchFamily="18" charset="0"/>
+              <a:cs typeface="Times New Roman" pitchFamily="18" charset="0"/>
+            </a:endParaRPr>
+          </a:p>
+        </p:txBody>
+      </p:sp>
+      <p:cxnSp>
+        <p:nvCxnSpPr>
+          <p:cNvPr id="18" name="Straight Arrow Connector 17"/>
+          <p:cNvCxnSpPr/>
+          <p:nvPr/>
+        </p:nvCxnSpPr>
+        <p:spPr>
+          <a:xfrm flipV="1">
+            <a:off x="5867400" y="2971800"/>
+            <a:ext cx="1600200" cy="762000"/>
+          </a:xfrm>
+          <a:prstGeom prst="straightConnector1">
+            <a:avLst/>
+          </a:prstGeom>
+          <a:ln>
+            <a:solidFill>
+              <a:srgbClr val="FF0000"/>
+            </a:solidFill>
+            <a:tailEnd type="arrow"/>
+          </a:ln>
+        </p:spPr>
+        <p:style>
+          <a:lnRef idx="1">
+            <a:schemeClr val="accent1"/>
+          </a:lnRef>
+          <a:fillRef idx="0">
+            <a:schemeClr val="accent1"/>
+          </a:fillRef>
+          <a:effectRef idx="0">
+            <a:schemeClr val="accent1"/>
+          </a:effectRef>
+          <a:fontRef idx="minor">
+            <a:schemeClr val="tx1"/>
+          </a:fontRef>
+        </p:style>
+      </p:cxnSp>
+      <p:cxnSp>
+        <p:nvCxnSpPr>
+          <p:cNvPr id="22" name="Straight Arrow Connector 21"/>
+          <p:cNvCxnSpPr/>
+          <p:nvPr/>
+        </p:nvCxnSpPr>
+        <p:spPr>
+          <a:xfrm flipV="1">
+            <a:off x="5867400" y="3505200"/>
+            <a:ext cx="1600200" cy="228600"/>
+          </a:xfrm>
+          <a:prstGeom prst="straightConnector1">
+            <a:avLst/>
+          </a:prstGeom>
+          <a:ln>
+            <a:solidFill>
+              <a:srgbClr val="FF0000"/>
+            </a:solidFill>
+            <a:tailEnd type="arrow"/>
+          </a:ln>
+        </p:spPr>
+        <p:style>
+          <a:lnRef idx="1">
+            <a:schemeClr val="accent1"/>
+          </a:lnRef>
+          <a:fillRef idx="0">
+            <a:schemeClr val="accent1"/>
+          </a:fillRef>
+          <a:effectRef idx="0">
+            <a:schemeClr val="accent1"/>
+          </a:effectRef>
+          <a:fontRef idx="minor">
+            <a:schemeClr val="tx1"/>
+          </a:fontRef>
+        </p:style>
+      </p:cxnSp>
+      <p:cxnSp>
+        <p:nvCxnSpPr>
+          <p:cNvPr id="25" name="Straight Arrow Connector 24"/>
+          <p:cNvCxnSpPr/>
+          <p:nvPr/>
+        </p:nvCxnSpPr>
+        <p:spPr>
+          <a:xfrm>
+            <a:off x="5791200" y="3810000"/>
+            <a:ext cx="1752600" cy="228600"/>
+          </a:xfrm>
+          <a:prstGeom prst="straightConnector1">
+            <a:avLst/>
+          </a:prstGeom>
+          <a:ln>
+            <a:solidFill>
+              <a:srgbClr val="FF0000"/>
+            </a:solidFill>
+            <a:tailEnd type="arrow"/>
+          </a:ln>
+        </p:spPr>
+        <p:style>
+          <a:lnRef idx="1">
+            <a:schemeClr val="accent1"/>
+          </a:lnRef>
+          <a:fillRef idx="0">
+            <a:schemeClr val="accent1"/>
+          </a:fillRef>
+          <a:effectRef idx="0">
+            <a:schemeClr val="accent1"/>
+          </a:effectRef>
+          <a:fontRef idx="minor">
+            <a:schemeClr val="tx1"/>
+          </a:fontRef>
+        </p:style>
+      </p:cxnSp>
+      <p:cxnSp>
+        <p:nvCxnSpPr>
+          <p:cNvPr id="29" name="Straight Arrow Connector 28"/>
+          <p:cNvCxnSpPr/>
+          <p:nvPr/>
+        </p:nvCxnSpPr>
+        <p:spPr>
+          <a:xfrm>
+            <a:off x="5867400" y="3810000"/>
+            <a:ext cx="1600200" cy="838200"/>
+          </a:xfrm>
+          <a:prstGeom prst="straightConnector1">
+            <a:avLst/>
+          </a:prstGeom>
+          <a:ln>
+            <a:solidFill>
+              <a:srgbClr val="FF0000"/>
+            </a:solidFill>
+            <a:tailEnd type="arrow"/>
+          </a:ln>
+        </p:spPr>
+        <p:style>
+          <a:lnRef idx="1">
+            <a:schemeClr val="accent1"/>
+          </a:lnRef>
+          <a:fillRef idx="0">
+            <a:schemeClr val="accent1"/>
+          </a:fillRef>
+          <a:effectRef idx="0">
+            <a:schemeClr val="accent1"/>
+          </a:effectRef>
+          <a:fontRef idx="minor">
+            <a:schemeClr val="tx1"/>
+          </a:fontRef>
+        </p:style>
+      </p:cxnSp>
+      <p:cxnSp>
+        <p:nvCxnSpPr>
+          <p:cNvPr id="33" name="Straight Arrow Connector 32"/>
+          <p:cNvCxnSpPr/>
+          <p:nvPr/>
+        </p:nvCxnSpPr>
+        <p:spPr>
+          <a:xfrm>
+            <a:off x="5867400" y="3886200"/>
+            <a:ext cx="1447800" cy="1295400"/>
+          </a:xfrm>
+          <a:prstGeom prst="straightConnector1">
+            <a:avLst/>
+          </a:prstGeom>
+          <a:ln>
+            <a:solidFill>
+              <a:srgbClr val="FF0000"/>
+            </a:solidFill>
+            <a:tailEnd type="arrow"/>
+          </a:ln>
+        </p:spPr>
+        <p:style>
+          <a:lnRef idx="1">
+            <a:schemeClr val="accent1"/>
+          </a:lnRef>
+          <a:fillRef idx="0">
+            <a:schemeClr val="accent1"/>
+          </a:fillRef>
+          <a:effectRef idx="0">
+            <a:schemeClr val="accent1"/>
+          </a:effectRef>
+          <a:fontRef idx="minor">
+            <a:schemeClr val="tx1"/>
+          </a:fontRef>
+        </p:style>
+      </p:cxnSp>
+      <p:cxnSp>
+        <p:nvCxnSpPr>
+          <p:cNvPr id="19" name="Straight Arrow Connector 18"/>
+          <p:cNvCxnSpPr/>
+          <p:nvPr/>
+        </p:nvCxnSpPr>
+        <p:spPr>
+          <a:xfrm rot="16200000" flipH="1">
+            <a:off x="5676900" y="4000500"/>
+            <a:ext cx="1752600" cy="1676400"/>
+          </a:xfrm>
+          <a:prstGeom prst="straightConnector1">
+            <a:avLst/>
+          </a:prstGeom>
+          <a:ln>
+            <a:solidFill>
+              <a:srgbClr val="FF0000"/>
+            </a:solidFill>
+            <a:tailEnd type="arrow"/>
+          </a:ln>
+        </p:spPr>
+        <p:style>
+          <a:lnRef idx="1">
+            <a:schemeClr val="accent1"/>
+          </a:lnRef>
+          <a:fillRef idx="0">
+            <a:schemeClr val="accent1"/>
+          </a:fillRef>
+          <a:effectRef idx="0">
+            <a:schemeClr val="accent1"/>
+          </a:effectRef>
+          <a:fontRef idx="minor">
+            <a:schemeClr val="tx1"/>
+          </a:fontRef>
+        </p:style>
+      </p:cxnSp>
+      <p:cxnSp>
+        <p:nvCxnSpPr>
+          <p:cNvPr id="26" name="Curved Connector 25"/>
+          <p:cNvCxnSpPr>
+            <a:stCxn id="4" idx="3"/>
+            <a:endCxn id="31" idx="2"/>
+          </p:cNvCxnSpPr>
+          <p:nvPr/>
+        </p:nvCxnSpPr>
+        <p:spPr>
+          <a:xfrm flipV="1">
+            <a:off x="940098" y="1676400"/>
+            <a:ext cx="2037611" cy="446088"/>
+          </a:xfrm>
+          <a:prstGeom prst="curvedConnector3">
+            <a:avLst>
+              <a:gd name="adj1" fmla="val 50000"/>
+            </a:avLst>
+          </a:prstGeom>
+          <a:ln w="34925">
+            <a:tailEnd type="arrow"/>
+          </a:ln>
+        </p:spPr>
+        <p:style>
+          <a:lnRef idx="1">
+            <a:schemeClr val="accent1"/>
+          </a:lnRef>
+          <a:fillRef idx="0">
+            <a:schemeClr val="accent1"/>
+          </a:fillRef>
+          <a:effectRef idx="0">
+            <a:schemeClr val="accent1"/>
+          </a:effectRef>
+          <a:fontRef idx="minor">
+            <a:schemeClr val="tx1"/>
+          </a:fontRef>
+        </p:style>
+      </p:cxnSp>
+      <p:sp>
+        <p:nvSpPr>
+          <p:cNvPr id="20" name="Rectangle 19"/>
+          <p:cNvSpPr/>
+          <p:nvPr/>
+        </p:nvSpPr>
+        <p:spPr>
+          <a:xfrm>
+            <a:off x="6900963" y="2133600"/>
+            <a:ext cx="1879232" cy="292388"/>
+          </a:xfrm>
+          <a:prstGeom prst="rect">
+            <a:avLst/>
+          </a:prstGeom>
+        </p:spPr>
+        <p:txBody>
+          <a:bodyPr wrap="none">
+            <a:spAutoFit/>
+          </a:bodyPr>
+          <a:lstStyle/>
+          <a:p>
+            <a:pPr algn="ctr"/>
+            <a:r>
+              <a:rPr lang="en-US" sz="1300" b="1" dirty="0" err="1" smtClean="0">
+                <a:latin typeface="Times New Roman" pitchFamily="18" charset="0"/>
+                <a:cs typeface="Times New Roman" pitchFamily="18" charset="0"/>
+              </a:rPr>
+              <a:t>Thông</a:t>
+            </a:r>
+            <a:r>
+              <a:rPr lang="en-US" sz="1300" b="1" dirty="0" smtClean="0">
+                <a:latin typeface="Times New Roman" pitchFamily="18" charset="0"/>
+                <a:cs typeface="Times New Roman" pitchFamily="18" charset="0"/>
+              </a:rPr>
+              <a:t> tin </a:t>
+            </a:r>
+            <a:r>
+              <a:rPr lang="en-US" sz="1300" b="1" dirty="0" err="1" smtClean="0">
+                <a:latin typeface="Times New Roman" pitchFamily="18" charset="0"/>
+                <a:cs typeface="Times New Roman" pitchFamily="18" charset="0"/>
+              </a:rPr>
+              <a:t>trong</a:t>
+            </a:r>
+            <a:r>
+              <a:rPr lang="en-US" sz="1300" b="1" dirty="0" smtClean="0">
+                <a:latin typeface="Times New Roman" pitchFamily="18" charset="0"/>
+                <a:cs typeface="Times New Roman" pitchFamily="18" charset="0"/>
+              </a:rPr>
+              <a:t> </a:t>
+            </a:r>
+            <a:r>
+              <a:rPr lang="en-US" sz="1300" b="1" dirty="0" err="1" smtClean="0">
+                <a:latin typeface="Times New Roman" pitchFamily="18" charset="0"/>
+                <a:cs typeface="Times New Roman" pitchFamily="18" charset="0"/>
+              </a:rPr>
+              <a:t>bài</a:t>
+            </a:r>
+            <a:r>
+              <a:rPr lang="en-US" sz="1300" b="1" dirty="0" smtClean="0">
+                <a:latin typeface="Times New Roman" pitchFamily="18" charset="0"/>
+                <a:cs typeface="Times New Roman" pitchFamily="18" charset="0"/>
+              </a:rPr>
+              <a:t> </a:t>
+            </a:r>
+            <a:r>
+              <a:rPr lang="en-US" sz="1300" b="1" dirty="0" err="1" smtClean="0">
+                <a:latin typeface="Times New Roman" pitchFamily="18" charset="0"/>
+                <a:cs typeface="Times New Roman" pitchFamily="18" charset="0"/>
+              </a:rPr>
+              <a:t>báo</a:t>
+            </a:r>
+            <a:endParaRPr lang="en-US" sz="1300" b="1" dirty="0" smtClean="0">
+              <a:latin typeface="Times New Roman" pitchFamily="18" charset="0"/>
+              <a:cs typeface="Times New Roman" pitchFamily="18" charset="0"/>
+            </a:endParaRPr>
+          </a:p>
+        </p:txBody>
+      </p:sp>
+      <p:sp>
+        <p:nvSpPr>
+          <p:cNvPr id="21" name="TextBox 20"/>
+          <p:cNvSpPr txBox="1"/>
+          <p:nvPr/>
+        </p:nvSpPr>
+        <p:spPr>
+          <a:xfrm>
+            <a:off x="2514600" y="2819400"/>
+            <a:ext cx="564578" cy="292388"/>
+          </a:xfrm>
+          <a:prstGeom prst="rect">
+            <a:avLst/>
+          </a:prstGeom>
+          <a:noFill/>
+        </p:spPr>
+        <p:txBody>
+          <a:bodyPr wrap="none" rtlCol="0">
+            <a:spAutoFit/>
+          </a:bodyPr>
+          <a:lstStyle/>
+          <a:p>
+            <a:r>
+              <a:rPr lang="en-US" sz="1300" dirty="0" smtClean="0">
+                <a:latin typeface="Times New Roman" pitchFamily="18" charset="0"/>
+                <a:cs typeface="Times New Roman" pitchFamily="18" charset="0"/>
+              </a:rPr>
+              <a:t>Links</a:t>
+            </a:r>
+            <a:endParaRPr lang="en-US" sz="1300" dirty="0">
+              <a:latin typeface="Times New Roman" pitchFamily="18" charset="0"/>
+              <a:cs typeface="Times New Roman" pitchFamily="18" charset="0"/>
+            </a:endParaRPr>
+          </a:p>
+        </p:txBody>
+      </p:sp>
+      <p:sp>
+        <p:nvSpPr>
+          <p:cNvPr id="44" name="TextBox 43"/>
+          <p:cNvSpPr txBox="1"/>
+          <p:nvPr/>
+        </p:nvSpPr>
+        <p:spPr>
+          <a:xfrm>
+            <a:off x="1219200" y="2209800"/>
+            <a:ext cx="1048942" cy="292388"/>
+          </a:xfrm>
+          <a:prstGeom prst="rect">
+            <a:avLst/>
+          </a:prstGeom>
+          <a:noFill/>
+        </p:spPr>
+        <p:txBody>
+          <a:bodyPr wrap="none" rtlCol="0">
+            <a:spAutoFit/>
+          </a:bodyPr>
+          <a:lstStyle/>
+          <a:p>
+            <a:r>
+              <a:rPr lang="en-US" sz="1300" dirty="0" smtClean="0">
+                <a:latin typeface="Times New Roman" pitchFamily="18" charset="0"/>
+                <a:cs typeface="Times New Roman" pitchFamily="18" charset="0"/>
+              </a:rPr>
+              <a:t> URL Search</a:t>
+            </a:r>
+            <a:endParaRPr lang="en-US" sz="1300" dirty="0">
+              <a:latin typeface="Times New Roman" pitchFamily="18" charset="0"/>
+              <a:cs typeface="Times New Roman" pitchFamily="18" charset="0"/>
+            </a:endParaRPr>
+          </a:p>
+        </p:txBody>
+      </p:sp>
+      <p:sp>
+        <p:nvSpPr>
+          <p:cNvPr id="46" name="Rectangle 45"/>
+          <p:cNvSpPr/>
+          <p:nvPr/>
+        </p:nvSpPr>
+        <p:spPr>
+          <a:xfrm>
+            <a:off x="1066800" y="3505200"/>
+            <a:ext cx="1752600" cy="990600"/>
+          </a:xfrm>
+          <a:prstGeom prst="rect">
+            <a:avLst/>
+          </a:prstGeom>
+          <a:noFill/>
+        </p:spPr>
+        <p:style>
+          <a:lnRef idx="2">
+            <a:schemeClr val="accent1">
+              <a:shade val="50000"/>
+            </a:schemeClr>
+          </a:lnRef>
+          <a:fillRef idx="1">
+            <a:schemeClr val="accent1"/>
+          </a:fillRef>
+          <a:effectRef idx="0">
+            <a:schemeClr val="accent1"/>
+          </a:effectRef>
+          <a:fontRef idx="minor">
+            <a:schemeClr val="lt1"/>
+          </a:fontRef>
+        </p:style>
+        <p:txBody>
+          <a:bodyPr rtlCol="0" anchor="ctr"/>
+          <a:lstStyle/>
+          <a:p>
+            <a:pPr algn="ctr"/>
+            <a:r>
+              <a:rPr lang="en-US" sz="1300" b="1" dirty="0" smtClean="0">
+                <a:solidFill>
+                  <a:schemeClr val="tx1"/>
+                </a:solidFill>
+                <a:latin typeface="Times New Roman" pitchFamily="18" charset="0"/>
+                <a:cs typeface="Times New Roman" pitchFamily="18" charset="0"/>
+              </a:rPr>
+              <a:t>Module </a:t>
+            </a:r>
+            <a:r>
+              <a:rPr lang="en-US" sz="1300" b="1" dirty="0" err="1" smtClean="0">
+                <a:solidFill>
+                  <a:schemeClr val="tx1"/>
+                </a:solidFill>
+                <a:latin typeface="Times New Roman" pitchFamily="18" charset="0"/>
+                <a:cs typeface="Times New Roman" pitchFamily="18" charset="0"/>
+              </a:rPr>
+              <a:t>Rút</a:t>
+            </a:r>
+            <a:r>
+              <a:rPr lang="en-US" sz="1300" b="1" dirty="0" smtClean="0">
+                <a:solidFill>
+                  <a:schemeClr val="tx1"/>
+                </a:solidFill>
+                <a:latin typeface="Times New Roman" pitchFamily="18" charset="0"/>
+                <a:cs typeface="Times New Roman" pitchFamily="18" charset="0"/>
+              </a:rPr>
+              <a:t> </a:t>
+            </a:r>
+            <a:r>
+              <a:rPr lang="en-US" sz="1300" b="1" dirty="0" err="1" smtClean="0">
+                <a:solidFill>
+                  <a:schemeClr val="tx1"/>
+                </a:solidFill>
+                <a:latin typeface="Times New Roman" pitchFamily="18" charset="0"/>
+                <a:cs typeface="Times New Roman" pitchFamily="18" charset="0"/>
+              </a:rPr>
+              <a:t>trích</a:t>
+            </a:r>
+            <a:r>
+              <a:rPr lang="en-US" sz="1300" b="1" dirty="0" smtClean="0">
+                <a:solidFill>
+                  <a:schemeClr val="tx1"/>
+                </a:solidFill>
+                <a:latin typeface="Times New Roman" pitchFamily="18" charset="0"/>
+                <a:cs typeface="Times New Roman" pitchFamily="18" charset="0"/>
+              </a:rPr>
+              <a:t> </a:t>
+            </a:r>
+            <a:r>
+              <a:rPr lang="en-US" sz="1300" b="1" dirty="0" err="1" smtClean="0">
+                <a:solidFill>
+                  <a:schemeClr val="tx1"/>
+                </a:solidFill>
+                <a:latin typeface="Times New Roman" pitchFamily="18" charset="0"/>
+                <a:cs typeface="Times New Roman" pitchFamily="18" charset="0"/>
+              </a:rPr>
+              <a:t>thông</a:t>
+            </a:r>
+            <a:r>
+              <a:rPr lang="en-US" sz="1300" b="1" dirty="0" smtClean="0">
+                <a:solidFill>
+                  <a:schemeClr val="tx1"/>
+                </a:solidFill>
+                <a:latin typeface="Times New Roman" pitchFamily="18" charset="0"/>
+                <a:cs typeface="Times New Roman" pitchFamily="18" charset="0"/>
+              </a:rPr>
+              <a:t> tin </a:t>
+            </a:r>
+            <a:r>
+              <a:rPr lang="en-US" sz="1300" b="1" dirty="0" err="1" smtClean="0">
+                <a:solidFill>
+                  <a:schemeClr val="tx1"/>
+                </a:solidFill>
+                <a:latin typeface="Times New Roman" pitchFamily="18" charset="0"/>
+                <a:cs typeface="Times New Roman" pitchFamily="18" charset="0"/>
+              </a:rPr>
+              <a:t>bài</a:t>
+            </a:r>
+            <a:r>
+              <a:rPr lang="en-US" sz="1300" b="1" dirty="0" smtClean="0">
+                <a:solidFill>
+                  <a:schemeClr val="tx1"/>
+                </a:solidFill>
+                <a:latin typeface="Times New Roman" pitchFamily="18" charset="0"/>
+                <a:cs typeface="Times New Roman" pitchFamily="18" charset="0"/>
+              </a:rPr>
+              <a:t> </a:t>
+            </a:r>
+            <a:r>
+              <a:rPr lang="en-US" sz="1300" b="1" dirty="0" err="1" smtClean="0">
+                <a:solidFill>
+                  <a:schemeClr val="tx1"/>
+                </a:solidFill>
+                <a:latin typeface="Times New Roman" pitchFamily="18" charset="0"/>
+                <a:cs typeface="Times New Roman" pitchFamily="18" charset="0"/>
+              </a:rPr>
+              <a:t>báo</a:t>
+            </a:r>
+            <a:endParaRPr lang="en-US" sz="1300" b="1" dirty="0">
+              <a:solidFill>
+                <a:schemeClr val="tx1"/>
+              </a:solidFill>
+              <a:latin typeface="Times New Roman" pitchFamily="18" charset="0"/>
+              <a:cs typeface="Times New Roman" pitchFamily="18" charset="0"/>
+            </a:endParaRPr>
+          </a:p>
+        </p:txBody>
+      </p:sp>
+      <p:cxnSp>
+        <p:nvCxnSpPr>
+          <p:cNvPr id="38" name="Straight Arrow Connector 37"/>
+          <p:cNvCxnSpPr>
+            <a:stCxn id="46" idx="2"/>
+            <a:endCxn id="40" idx="0"/>
+          </p:cNvCxnSpPr>
+          <p:nvPr/>
+        </p:nvCxnSpPr>
+        <p:spPr>
+          <a:xfrm rot="5400000">
+            <a:off x="1085850" y="4476750"/>
+            <a:ext cx="838200" cy="876300"/>
+          </a:xfrm>
+          <a:prstGeom prst="straightConnector1">
+            <a:avLst/>
+          </a:prstGeom>
+          <a:ln>
+            <a:tailEnd type="arrow"/>
+          </a:ln>
+        </p:spPr>
+        <p:style>
+          <a:lnRef idx="1">
+            <a:schemeClr val="accent1"/>
+          </a:lnRef>
+          <a:fillRef idx="0">
+            <a:schemeClr val="accent1"/>
+          </a:fillRef>
+          <a:effectRef idx="0">
+            <a:schemeClr val="accent1"/>
+          </a:effectRef>
+          <a:fontRef idx="minor">
+            <a:schemeClr val="tx1"/>
+          </a:fontRef>
+        </p:style>
+      </p:cxnSp>
+      <p:sp>
+        <p:nvSpPr>
+          <p:cNvPr id="40" name="Oval 39"/>
+          <p:cNvSpPr/>
+          <p:nvPr/>
+        </p:nvSpPr>
+        <p:spPr>
+          <a:xfrm>
+            <a:off x="0" y="5334000"/>
+            <a:ext cx="2133600" cy="838200"/>
+          </a:xfrm>
+          <a:prstGeom prst="ellipse">
+            <a:avLst/>
+          </a:prstGeom>
+        </p:spPr>
+        <p:style>
+          <a:lnRef idx="2">
+            <a:schemeClr val="accent1">
+              <a:shade val="50000"/>
+            </a:schemeClr>
+          </a:lnRef>
+          <a:fillRef idx="1">
+            <a:schemeClr val="accent1"/>
+          </a:fillRef>
+          <a:effectRef idx="0">
+            <a:schemeClr val="accent1"/>
+          </a:effectRef>
+          <a:fontRef idx="minor">
+            <a:schemeClr val="lt1"/>
+          </a:fontRef>
+        </p:style>
+        <p:txBody>
+          <a:bodyPr rtlCol="0" anchor="ctr"/>
+          <a:lstStyle/>
+          <a:p>
+            <a:pPr algn="ctr"/>
+            <a:r>
+              <a:rPr lang="en-US" dirty="0" smtClean="0"/>
+              <a:t>Regular</a:t>
+            </a:r>
+          </a:p>
+          <a:p>
+            <a:pPr algn="ctr"/>
+            <a:r>
+              <a:rPr lang="en-US" dirty="0" err="1" smtClean="0"/>
+              <a:t>Expresstion</a:t>
+            </a:r>
+            <a:endParaRPr lang="en-US" dirty="0"/>
+          </a:p>
+        </p:txBody>
+      </p:sp>
+      <p:cxnSp>
+        <p:nvCxnSpPr>
+          <p:cNvPr id="42" name="Straight Arrow Connector 41"/>
+          <p:cNvCxnSpPr>
+            <a:stCxn id="46" idx="2"/>
+          </p:cNvCxnSpPr>
+          <p:nvPr/>
+        </p:nvCxnSpPr>
+        <p:spPr>
+          <a:xfrm rot="16200000" flipH="1">
+            <a:off x="2114550" y="4324350"/>
+            <a:ext cx="914400" cy="1257300"/>
+          </a:xfrm>
+          <a:prstGeom prst="straightConnector1">
+            <a:avLst/>
+          </a:prstGeom>
+          <a:ln>
+            <a:tailEnd type="arrow"/>
+          </a:ln>
+        </p:spPr>
+        <p:style>
+          <a:lnRef idx="1">
+            <a:schemeClr val="accent1"/>
+          </a:lnRef>
+          <a:fillRef idx="0">
+            <a:schemeClr val="accent1"/>
+          </a:fillRef>
+          <a:effectRef idx="0">
+            <a:schemeClr val="accent1"/>
+          </a:effectRef>
+          <a:fontRef idx="minor">
+            <a:schemeClr val="tx1"/>
+          </a:fontRef>
+        </p:style>
+      </p:cxnSp>
+      <p:sp>
+        <p:nvSpPr>
+          <p:cNvPr id="47" name="Oval 46"/>
+          <p:cNvSpPr/>
+          <p:nvPr/>
+        </p:nvSpPr>
+        <p:spPr>
+          <a:xfrm>
+            <a:off x="2362200" y="5410200"/>
+            <a:ext cx="2133600" cy="838200"/>
+          </a:xfrm>
+          <a:prstGeom prst="ellipse">
+            <a:avLst/>
+          </a:prstGeom>
+        </p:spPr>
+        <p:style>
+          <a:lnRef idx="2">
+            <a:schemeClr val="accent1">
+              <a:shade val="50000"/>
+            </a:schemeClr>
+          </a:lnRef>
+          <a:fillRef idx="1">
+            <a:schemeClr val="accent1"/>
+          </a:fillRef>
+          <a:effectRef idx="0">
+            <a:schemeClr val="accent1"/>
+          </a:effectRef>
+          <a:fontRef idx="minor">
+            <a:schemeClr val="lt1"/>
+          </a:fontRef>
+        </p:style>
+        <p:txBody>
+          <a:bodyPr rtlCol="0" anchor="ctr"/>
+          <a:lstStyle/>
+          <a:p>
+            <a:pPr algn="ctr"/>
+            <a:r>
+              <a:rPr lang="en-US" dirty="0" smtClean="0"/>
+              <a:t>SAX </a:t>
+            </a:r>
+            <a:r>
+              <a:rPr lang="en-US" dirty="0" smtClean="0"/>
+              <a:t>Parser</a:t>
+            </a:r>
+            <a:endParaRPr lang="en-US" dirty="0"/>
+          </a:p>
+        </p:txBody>
+      </p:sp>
+      <p:sp>
+        <p:nvSpPr>
+          <p:cNvPr id="51" name="TextBox 50"/>
+          <p:cNvSpPr txBox="1"/>
+          <p:nvPr/>
+        </p:nvSpPr>
+        <p:spPr>
+          <a:xfrm>
+            <a:off x="1295400" y="4800600"/>
+            <a:ext cx="1462260" cy="307777"/>
+          </a:xfrm>
+          <a:prstGeom prst="rect">
+            <a:avLst/>
+          </a:prstGeom>
+          <a:noFill/>
+        </p:spPr>
+        <p:txBody>
+          <a:bodyPr wrap="none" rtlCol="0">
+            <a:spAutoFit/>
+          </a:bodyPr>
+          <a:lstStyle/>
+          <a:p>
+            <a:r>
+              <a:rPr lang="en-US" sz="1400" dirty="0" smtClean="0"/>
+              <a:t>HTML Content</a:t>
+            </a:r>
+            <a:endParaRPr lang="en-US" sz="1400" dirty="0"/>
+          </a:p>
+        </p:txBody>
+      </p:sp>
+    </p:spTree>
+  </p:cSld>
+  <p:clrMapOvr>
+    <a:masterClrMapping/>
+  </p:clrMapOvr>
+  <p:timing>
+    <p:tnLst>
+      <p:par>
+        <p:cTn id="1" dur="indefinite" restart="never" nodeType="tmRoot"/>
+      </p:par>
+    </p:tnLst>
+  </p:timing>
+</p:sld>
+</file>
+
+<file path=ppt/slides/slide21.xml><?xml version="1.0" encoding="utf-8"?>
+<p:sld xmlns:a="http://schemas.openxmlformats.org/drawingml/2006/main" xmlns:r="http://schemas.openxmlformats.org/officeDocument/2006/relationships" xmlns:p="http://schemas.openxmlformats.org/presentationml/2006/main">
+  <p:cSld>
+    <p:spTree>
+      <p:nvGrpSpPr>
+        <p:cNvPr id="1" name=""/>
+        <p:cNvGrpSpPr/>
+        <p:nvPr/>
+      </p:nvGrpSpPr>
+      <p:grpSpPr>
+        <a:xfrm>
+          <a:off x="0" y="0"/>
+          <a:ext cx="0" cy="0"/>
+          <a:chOff x="0" y="0"/>
+          <a:chExt cx="0" cy="0"/>
+        </a:xfrm>
+      </p:grpSpPr>
       <p:sp>
         <p:nvSpPr>
           <p:cNvPr id="2" name="Title 1"/>
@@ -11104,6 +15890,176 @@
           <a:bodyPr/>
           <a:lstStyle/>
           <a:p>
+            <a:r>
+              <a:rPr lang="en-US" dirty="0" err="1" smtClean="0"/>
+              <a:t>Nhóm</a:t>
+            </a:r>
+            <a:r>
+              <a:rPr lang="en-US" dirty="0" smtClean="0"/>
+              <a:t> </a:t>
+            </a:r>
+            <a:r>
+              <a:rPr lang="en-US" dirty="0" err="1" smtClean="0"/>
+              <a:t>dự</a:t>
+            </a:r>
+            <a:r>
+              <a:rPr lang="en-US" dirty="0" smtClean="0"/>
+              <a:t> </a:t>
+            </a:r>
+            <a:r>
+              <a:rPr lang="en-US" dirty="0" err="1" smtClean="0"/>
+              <a:t>định</a:t>
+            </a:r>
+            <a:r>
+              <a:rPr lang="en-US" dirty="0" smtClean="0"/>
+              <a:t> </a:t>
+            </a:r>
+            <a:r>
+              <a:rPr lang="en-US" dirty="0" err="1" smtClean="0"/>
+              <a:t>thực</a:t>
+            </a:r>
+            <a:r>
+              <a:rPr lang="en-US" dirty="0" smtClean="0"/>
+              <a:t> </a:t>
+            </a:r>
+            <a:r>
+              <a:rPr lang="en-US" dirty="0" err="1" smtClean="0"/>
+              <a:t>hiện</a:t>
+            </a:r>
+            <a:r>
+              <a:rPr lang="en-US" dirty="0" smtClean="0"/>
+              <a:t> </a:t>
+            </a:r>
+            <a:r>
+              <a:rPr lang="en-US" dirty="0" err="1" smtClean="0"/>
+              <a:t>phân</a:t>
+            </a:r>
+            <a:r>
+              <a:rPr lang="en-US" dirty="0" smtClean="0"/>
+              <a:t> </a:t>
+            </a:r>
+            <a:r>
+              <a:rPr lang="en-US" dirty="0" err="1" smtClean="0"/>
+              <a:t>loại</a:t>
+            </a:r>
+            <a:r>
+              <a:rPr lang="en-US" dirty="0" smtClean="0"/>
+              <a:t> </a:t>
+            </a:r>
+            <a:r>
+              <a:rPr lang="en-US" dirty="0" err="1" smtClean="0"/>
+              <a:t>chủ</a:t>
+            </a:r>
+            <a:r>
+              <a:rPr lang="en-US" dirty="0" smtClean="0"/>
+              <a:t> </a:t>
+            </a:r>
+            <a:r>
+              <a:rPr lang="en-US" dirty="0" err="1" smtClean="0"/>
+              <a:t>đề</a:t>
+            </a:r>
+            <a:r>
+              <a:rPr lang="en-US" dirty="0" smtClean="0"/>
+              <a:t> </a:t>
+            </a:r>
+            <a:r>
+              <a:rPr lang="en-US" dirty="0" err="1" smtClean="0"/>
+              <a:t>cho</a:t>
+            </a:r>
+            <a:r>
+              <a:rPr lang="en-US" dirty="0" smtClean="0"/>
+              <a:t> </a:t>
+            </a:r>
+            <a:r>
+              <a:rPr lang="en-US" dirty="0" err="1" smtClean="0"/>
+              <a:t>các</a:t>
+            </a:r>
+            <a:r>
+              <a:rPr lang="en-US" dirty="0" smtClean="0"/>
+              <a:t> </a:t>
+            </a:r>
+            <a:r>
+              <a:rPr lang="en-US" dirty="0" err="1" smtClean="0"/>
+              <a:t>bài</a:t>
+            </a:r>
+            <a:r>
+              <a:rPr lang="en-US" dirty="0" smtClean="0"/>
+              <a:t> </a:t>
+            </a:r>
+            <a:r>
+              <a:rPr lang="en-US" dirty="0" err="1" smtClean="0"/>
+              <a:t>báo</a:t>
+            </a:r>
+            <a:r>
+              <a:rPr lang="en-US" dirty="0" smtClean="0"/>
+              <a:t> </a:t>
+            </a:r>
+            <a:r>
+              <a:rPr lang="en-US" dirty="0" err="1" smtClean="0"/>
+              <a:t>thu</a:t>
+            </a:r>
+            <a:r>
+              <a:rPr lang="en-US" dirty="0" smtClean="0"/>
+              <a:t> </a:t>
+            </a:r>
+            <a:r>
+              <a:rPr lang="en-US" dirty="0" err="1" smtClean="0"/>
+              <a:t>thập</a:t>
+            </a:r>
+            <a:r>
+              <a:rPr lang="en-US" dirty="0" smtClean="0"/>
+              <a:t> </a:t>
+            </a:r>
+            <a:r>
+              <a:rPr lang="en-US" dirty="0" err="1" smtClean="0"/>
+              <a:t>được</a:t>
+            </a:r>
+            <a:r>
+              <a:rPr lang="en-US" dirty="0" smtClean="0"/>
+              <a:t> </a:t>
+            </a:r>
+            <a:r>
+              <a:rPr lang="en-US" dirty="0" err="1" smtClean="0"/>
+              <a:t>dựa</a:t>
+            </a:r>
+            <a:r>
+              <a:rPr lang="en-US" dirty="0" smtClean="0"/>
+              <a:t> </a:t>
+            </a:r>
+            <a:r>
+              <a:rPr lang="en-US" dirty="0" err="1" smtClean="0"/>
+              <a:t>vào</a:t>
+            </a:r>
+            <a:r>
+              <a:rPr lang="en-US" dirty="0" smtClean="0"/>
+              <a:t> Title, abstract </a:t>
+            </a:r>
+            <a:r>
+              <a:rPr lang="en-US" dirty="0" err="1" smtClean="0"/>
+              <a:t>của</a:t>
+            </a:r>
+            <a:r>
+              <a:rPr lang="en-US" dirty="0" smtClean="0"/>
+              <a:t> </a:t>
+            </a:r>
+            <a:r>
+              <a:rPr lang="en-US" dirty="0" err="1" smtClean="0"/>
+              <a:t>bài</a:t>
+            </a:r>
+            <a:r>
+              <a:rPr lang="en-US" dirty="0" smtClean="0"/>
+              <a:t> </a:t>
+            </a:r>
+            <a:r>
+              <a:rPr lang="en-US" dirty="0" err="1" smtClean="0"/>
+              <a:t>báo</a:t>
+            </a:r>
+            <a:r>
+              <a:rPr lang="en-US" dirty="0" smtClean="0"/>
+              <a:t>.</a:t>
+            </a:r>
+          </a:p>
+          <a:p>
             <a:endParaRPr lang="en-US" dirty="0"/>
           </a:p>
         </p:txBody>
@@ -11113,6 +16069,13 @@
   <p:clrMapOvr>
     <a:masterClrMapping/>
   </p:clrMapOvr>
+  <p:timing>
+    <p:tnLst>
+      <p:par>
+        <p:cTn id="1" dur="indefinite" restart="never" nodeType="tmRoot"/>
+      </p:par>
+    </p:tnLst>
+  </p:timing>
 </p:sld>
 </file>
 
@@ -12213,6 +17176,13 @@
   <p:clrMapOvr>
     <a:masterClrMapping/>
   </p:clrMapOvr>
+  <p:timing>
+    <p:tnLst>
+      <p:par>
+        <p:cTn id="1" dur="indefinite" restart="never" nodeType="tmRoot"/>
+      </p:par>
+    </p:tnLst>
+  </p:timing>
 </p:sld>
 </file>
 
@@ -12846,6 +17816,13 @@
   <p:clrMapOvr>
     <a:masterClrMapping/>
   </p:clrMapOvr>
+  <p:timing>
+    <p:tnLst>
+      <p:par>
+        <p:cTn id="1" dur="indefinite" restart="never" nodeType="tmRoot"/>
+      </p:par>
+    </p:tnLst>
+  </p:timing>
 </p:sld>
 </file>
 
@@ -14398,6 +19375,13 @@
   <p:clrMapOvr>
     <a:masterClrMapping/>
   </p:clrMapOvr>
+  <p:timing>
+    <p:tnLst>
+      <p:par>
+        <p:cTn id="1" dur="indefinite" restart="never" nodeType="tmRoot"/>
+      </p:par>
+    </p:tnLst>
+  </p:timing>
 </p:sld>
 </file>
 
@@ -14609,6 +19593,13 @@
   <p:clrMapOvr>
     <a:masterClrMapping/>
   </p:clrMapOvr>
+  <p:timing>
+    <p:tnLst>
+      <p:par>
+        <p:cTn id="1" dur="indefinite" restart="never" nodeType="tmRoot"/>
+      </p:par>
+    </p:tnLst>
+  </p:timing>
 </p:sld>
 </file>
 
@@ -15067,8 +20058,143 @@
             </a:r>
             <a:r>
               <a:rPr lang="en-US" dirty="0" smtClean="0"/>
-              <a:t> SQL.</a:t>
-            </a:r>
+              <a:t> SQL</a:t>
+            </a:r>
+            <a:r>
+              <a:rPr lang="en-US" dirty="0" smtClean="0"/>
+              <a:t>.</a:t>
+            </a:r>
+          </a:p>
+          <a:p>
+            <a:r>
+              <a:rPr lang="en-US" dirty="0" err="1" smtClean="0"/>
+              <a:t>Dữ</a:t>
+            </a:r>
+            <a:r>
+              <a:rPr lang="en-US" dirty="0" smtClean="0"/>
+              <a:t> </a:t>
+            </a:r>
+            <a:r>
+              <a:rPr lang="en-US" dirty="0" err="1" smtClean="0"/>
+              <a:t>liệu</a:t>
+            </a:r>
+            <a:r>
+              <a:rPr lang="en-US" dirty="0" smtClean="0"/>
+              <a:t> DBLP </a:t>
+            </a:r>
+            <a:r>
+              <a:rPr lang="en-US" dirty="0" err="1" smtClean="0"/>
+              <a:t>được</a:t>
+            </a:r>
+            <a:r>
+              <a:rPr lang="en-US" dirty="0" smtClean="0"/>
+              <a:t> </a:t>
+            </a:r>
+            <a:r>
+              <a:rPr lang="en-US" dirty="0" err="1" smtClean="0"/>
+              <a:t>cập</a:t>
+            </a:r>
+            <a:r>
+              <a:rPr lang="en-US" dirty="0" smtClean="0"/>
+              <a:t> </a:t>
+            </a:r>
+            <a:r>
+              <a:rPr lang="en-US" dirty="0" err="1" smtClean="0"/>
+              <a:t>nhật</a:t>
+            </a:r>
+            <a:r>
+              <a:rPr lang="en-US" dirty="0" smtClean="0"/>
+              <a:t> </a:t>
+            </a:r>
+            <a:r>
+              <a:rPr lang="en-US" dirty="0" err="1" smtClean="0"/>
+              <a:t>khi</a:t>
+            </a:r>
+            <a:r>
+              <a:rPr lang="en-US" dirty="0" smtClean="0"/>
+              <a:t> </a:t>
+            </a:r>
+            <a:r>
+              <a:rPr lang="en-US" dirty="0" err="1" smtClean="0"/>
+              <a:t>tác</a:t>
+            </a:r>
+            <a:r>
+              <a:rPr lang="en-US" dirty="0" smtClean="0"/>
+              <a:t> </a:t>
+            </a:r>
+            <a:r>
+              <a:rPr lang="en-US" dirty="0" err="1" smtClean="0"/>
+              <a:t>giả</a:t>
+            </a:r>
+            <a:r>
+              <a:rPr lang="en-US" dirty="0" smtClean="0"/>
+              <a:t> </a:t>
+            </a:r>
+            <a:r>
+              <a:rPr lang="en-US" dirty="0" err="1" smtClean="0"/>
+              <a:t>có</a:t>
+            </a:r>
+            <a:r>
+              <a:rPr lang="en-US" dirty="0" smtClean="0"/>
+              <a:t> </a:t>
+            </a:r>
+            <a:r>
+              <a:rPr lang="en-US" dirty="0" err="1" smtClean="0"/>
+              <a:t>các</a:t>
+            </a:r>
+            <a:r>
+              <a:rPr lang="en-US" dirty="0" smtClean="0"/>
+              <a:t> file TOCs </a:t>
+            </a:r>
+            <a:r>
+              <a:rPr lang="en-US" dirty="0" err="1" smtClean="0"/>
+              <a:t>của</a:t>
+            </a:r>
+            <a:r>
+              <a:rPr lang="en-US" dirty="0" smtClean="0"/>
+              <a:t> </a:t>
+            </a:r>
+            <a:r>
+              <a:rPr lang="en-US" dirty="0" err="1" smtClean="0"/>
+              <a:t>các</a:t>
+            </a:r>
+            <a:r>
+              <a:rPr lang="en-US" dirty="0" smtClean="0"/>
+              <a:t> </a:t>
+            </a:r>
+            <a:r>
+              <a:rPr lang="en-US" dirty="0" err="1" smtClean="0"/>
+              <a:t>hội</a:t>
+            </a:r>
+            <a:r>
+              <a:rPr lang="en-US" dirty="0" smtClean="0"/>
+              <a:t> </a:t>
+            </a:r>
+            <a:r>
+              <a:rPr lang="en-US" dirty="0" err="1" smtClean="0"/>
+              <a:t>nghị</a:t>
+            </a:r>
+            <a:r>
+              <a:rPr lang="en-US" dirty="0" smtClean="0"/>
+              <a:t>, </a:t>
+            </a:r>
+            <a:r>
+              <a:rPr lang="en-US" dirty="0" err="1" smtClean="0"/>
+              <a:t>bài</a:t>
+            </a:r>
+            <a:r>
+              <a:rPr lang="en-US" dirty="0" smtClean="0"/>
+              <a:t> </a:t>
+            </a:r>
+            <a:r>
+              <a:rPr lang="en-US" dirty="0" err="1" smtClean="0"/>
+              <a:t>báo</a:t>
+            </a:r>
+            <a:r>
+              <a:rPr lang="en-US" dirty="0" smtClean="0"/>
+              <a:t>.</a:t>
+            </a:r>
+            <a:endParaRPr lang="en-US" dirty="0" smtClean="0"/>
           </a:p>
           <a:p>
             <a:pPr>
@@ -15083,6 +20209,13 @@
   <p:clrMapOvr>
     <a:masterClrMapping/>
   </p:clrMapOvr>
+  <p:timing>
+    <p:tnLst>
+      <p:par>
+        <p:cTn id="1" dur="indefinite" restart="never" nodeType="tmRoot"/>
+      </p:par>
+    </p:tnLst>
+  </p:timing>
 </p:sld>
 </file>
 
@@ -15531,7 +20664,7 @@
         <p:spPr>
           <a:xfrm>
             <a:off x="5257800" y="990600"/>
-            <a:ext cx="1066800" cy="1219200"/>
+            <a:ext cx="1066800" cy="1295400"/>
           </a:xfrm>
           <a:prstGeom prst="flowChartPunchedCard">
             <a:avLst/>
@@ -15583,8 +20716,8 @@
         </p:nvCxnSpPr>
         <p:spPr>
           <a:xfrm rot="16200000" flipH="1">
-            <a:off x="5753100" y="2247900"/>
-            <a:ext cx="609600" cy="533400"/>
+            <a:off x="5791200" y="2286000"/>
+            <a:ext cx="533400" cy="533400"/>
           </a:xfrm>
           <a:prstGeom prst="curvedConnector3">
             <a:avLst>
@@ -15717,11 +20850,167 @@
           </a:p>
         </p:txBody>
       </p:sp>
+      <p:sp>
+        <p:nvSpPr>
+          <p:cNvPr id="17" name="TextBox 16"/>
+          <p:cNvSpPr txBox="1"/>
+          <p:nvPr/>
+        </p:nvSpPr>
+        <p:spPr>
+          <a:xfrm>
+            <a:off x="228600" y="6211669"/>
+            <a:ext cx="4939173" cy="646331"/>
+          </a:xfrm>
+          <a:prstGeom prst="rect">
+            <a:avLst/>
+          </a:prstGeom>
+          <a:noFill/>
+        </p:spPr>
+        <p:txBody>
+          <a:bodyPr wrap="none" rtlCol="0">
+            <a:spAutoFit/>
+          </a:bodyPr>
+          <a:lstStyle/>
+          <a:p>
+            <a:r>
+              <a:rPr lang="en-US" dirty="0" smtClean="0">
+                <a:hlinkClick r:id="rId2"/>
+              </a:rPr>
+              <a:t>http://</a:t>
+            </a:r>
+            <a:r>
+              <a:rPr lang="en-US" dirty="0" smtClean="0">
+                <a:hlinkClick r:id="rId2"/>
+              </a:rPr>
+              <a:t>dblp.uni-trier.de/db/about/faqsoft.html</a:t>
+            </a:r>
+            <a:endParaRPr lang="en-US" dirty="0" smtClean="0"/>
+          </a:p>
+          <a:p>
+            <a:endParaRPr lang="en-US" dirty="0"/>
+          </a:p>
+        </p:txBody>
+      </p:sp>
+      <p:sp>
+        <p:nvSpPr>
+          <p:cNvPr id="20" name="TextBox 19"/>
+          <p:cNvSpPr txBox="1"/>
+          <p:nvPr/>
+        </p:nvSpPr>
+        <p:spPr>
+          <a:xfrm>
+            <a:off x="0" y="3886200"/>
+            <a:ext cx="5774338" cy="923330"/>
+          </a:xfrm>
+          <a:prstGeom prst="rect">
+            <a:avLst/>
+          </a:prstGeom>
+          <a:noFill/>
+        </p:spPr>
+        <p:txBody>
+          <a:bodyPr wrap="none" rtlCol="0">
+            <a:spAutoFit/>
+          </a:bodyPr>
+          <a:lstStyle/>
+          <a:p>
+            <a:r>
+              <a:rPr lang="en-US" dirty="0" smtClean="0"/>
+              <a:t>TOCs tables </a:t>
+            </a:r>
+            <a:r>
+              <a:rPr lang="en-US" dirty="0" smtClean="0"/>
+              <a:t>of contents of proceedings and </a:t>
+            </a:r>
+            <a:r>
+              <a:rPr lang="en-US" dirty="0" smtClean="0"/>
+              <a:t>journals.</a:t>
+            </a:r>
+          </a:p>
+          <a:p>
+            <a:r>
+              <a:rPr lang="en-US" dirty="0" smtClean="0"/>
+              <a:t>(</a:t>
+            </a:r>
+            <a:r>
+              <a:rPr lang="en-US" sz="1300" i="1" dirty="0" smtClean="0"/>
+              <a:t>The TOCs were typed in directly in the HTML </a:t>
+            </a:r>
+            <a:r>
+              <a:rPr lang="en-US" sz="1300" i="1" dirty="0" smtClean="0"/>
+              <a:t>format</a:t>
+            </a:r>
+          </a:p>
+          <a:p>
+            <a:r>
+              <a:rPr lang="en-US" sz="1300" i="1" dirty="0" smtClean="0"/>
+              <a:t> </a:t>
+            </a:r>
+            <a:r>
+              <a:rPr lang="en-US" sz="1300" i="1" dirty="0" smtClean="0"/>
+              <a:t>and connected to a few introduction pages by handcrafted links</a:t>
+            </a:r>
+            <a:r>
+              <a:rPr lang="en-US" dirty="0" smtClean="0"/>
+              <a:t>)</a:t>
+            </a:r>
+            <a:endParaRPr lang="en-US" dirty="0"/>
+          </a:p>
+        </p:txBody>
+      </p:sp>
+      <p:sp>
+        <p:nvSpPr>
+          <p:cNvPr id="21" name="TextBox 20"/>
+          <p:cNvSpPr txBox="1"/>
+          <p:nvPr/>
+        </p:nvSpPr>
+        <p:spPr>
+          <a:xfrm>
+            <a:off x="0" y="4953000"/>
+            <a:ext cx="5181227" cy="369332"/>
+          </a:xfrm>
+          <a:prstGeom prst="rect">
+            <a:avLst/>
+          </a:prstGeom>
+          <a:noFill/>
+        </p:spPr>
+        <p:txBody>
+          <a:bodyPr wrap="none" rtlCol="0">
+            <a:spAutoFit/>
+          </a:bodyPr>
+          <a:lstStyle/>
+          <a:p>
+            <a:r>
+              <a:rPr lang="en-US" dirty="0" smtClean="0"/>
+              <a:t>TOC OUT single </a:t>
+            </a:r>
+            <a:r>
+              <a:rPr lang="en-US" dirty="0" smtClean="0"/>
+              <a:t>text </a:t>
+            </a:r>
+            <a:r>
+              <a:rPr lang="en-US" dirty="0" smtClean="0"/>
+              <a:t>file using </a:t>
+            </a:r>
+            <a:r>
+              <a:rPr lang="en-US" dirty="0" smtClean="0"/>
+              <a:t>a line-oriented </a:t>
+            </a:r>
+            <a:endParaRPr lang="en-US" dirty="0"/>
+          </a:p>
+        </p:txBody>
+      </p:sp>
     </p:spTree>
   </p:cSld>
   <p:clrMapOvr>
     <a:masterClrMapping/>
   </p:clrMapOvr>
+  <p:timing>
+    <p:tnLst>
+      <p:par>
+        <p:cTn id="1" dur="indefinite" restart="never" nodeType="tmRoot"/>
+      </p:par>
+    </p:tnLst>
+  </p:timing>
 </p:sld>
 </file>
 
@@ -15742,185 +21031,70 @@
           <a:chExt cx="0" cy="0"/>
         </a:xfrm>
       </p:grpSpPr>
-      <p:sp>
-        <p:nvSpPr>
-          <p:cNvPr id="2" name="Title 1"/>
-          <p:cNvSpPr>
-            <a:spLocks noGrp="1"/>
-          </p:cNvSpPr>
-          <p:nvPr>
-            <p:ph type="title"/>
-          </p:nvPr>
-        </p:nvSpPr>
-        <p:spPr/>
-        <p:txBody>
-          <a:bodyPr>
-            <a:normAutofit fontScale="90000"/>
-          </a:bodyPr>
-          <a:lstStyle/>
-          <a:p>
-            <a:r>
-              <a:rPr lang="en-US" sz="3200" dirty="0" err="1" smtClean="0"/>
-              <a:t>Hệ</a:t>
-            </a:r>
-            <a:r>
-              <a:rPr lang="en-US" sz="3200" dirty="0" smtClean="0"/>
-              <a:t> </a:t>
-            </a:r>
-            <a:r>
-              <a:rPr lang="en-US" sz="3200" dirty="0" err="1" smtClean="0"/>
-              <a:t>thống</a:t>
-            </a:r>
-            <a:r>
-              <a:rPr lang="en-US" sz="3200" dirty="0" smtClean="0"/>
-              <a:t> </a:t>
-            </a:r>
-            <a:r>
-              <a:rPr lang="en-US" sz="3200" dirty="0" err="1" smtClean="0"/>
-              <a:t>thư</a:t>
-            </a:r>
-            <a:r>
-              <a:rPr lang="en-US" sz="3200" dirty="0" smtClean="0"/>
-              <a:t> </a:t>
-            </a:r>
-            <a:r>
-              <a:rPr lang="en-US" sz="3200" dirty="0" err="1" smtClean="0"/>
-              <a:t>viện</a:t>
-            </a:r>
-            <a:r>
-              <a:rPr lang="en-US" sz="3200" dirty="0" smtClean="0"/>
-              <a:t> </a:t>
-            </a:r>
-            <a:r>
-              <a:rPr lang="en-US" sz="3200" dirty="0" err="1" smtClean="0"/>
-              <a:t>số</a:t>
-            </a:r>
-            <a:r>
-              <a:rPr lang="en-US" sz="3200" dirty="0" smtClean="0"/>
-              <a:t> </a:t>
-            </a:r>
-            <a:r>
-              <a:rPr lang="en-US" sz="3200" dirty="0" err="1" smtClean="0"/>
-              <a:t>và</a:t>
-            </a:r>
-            <a:r>
-              <a:rPr lang="en-US" sz="3200" dirty="0" smtClean="0"/>
-              <a:t> </a:t>
-            </a:r>
-            <a:r>
-              <a:rPr lang="en-US" sz="3200" dirty="0" err="1" smtClean="0"/>
-              <a:t>cây</a:t>
-            </a:r>
-            <a:r>
-              <a:rPr lang="en-US" sz="3200" dirty="0" smtClean="0"/>
-              <a:t> </a:t>
-            </a:r>
-            <a:r>
-              <a:rPr lang="en-US" sz="3200" dirty="0" err="1" smtClean="0"/>
-              <a:t>phân</a:t>
-            </a:r>
-            <a:r>
-              <a:rPr lang="en-US" sz="3200" dirty="0" smtClean="0"/>
-              <a:t> </a:t>
-            </a:r>
-            <a:r>
-              <a:rPr lang="en-US" sz="3200" dirty="0" err="1" smtClean="0"/>
-              <a:t>lớp</a:t>
-            </a:r>
-            <a:r>
-              <a:rPr lang="en-US" sz="3200" dirty="0" smtClean="0"/>
-              <a:t> </a:t>
-            </a:r>
-            <a:r>
-              <a:rPr lang="en-US" sz="3200" dirty="0" err="1" smtClean="0"/>
-              <a:t>của</a:t>
-            </a:r>
-            <a:r>
-              <a:rPr lang="en-US" sz="3200" dirty="0" smtClean="0"/>
-              <a:t> </a:t>
-            </a:r>
-            <a:r>
-              <a:rPr lang="en-US" sz="3200" dirty="0" err="1" smtClean="0"/>
-              <a:t>thư</a:t>
-            </a:r>
-            <a:r>
-              <a:rPr lang="en-US" sz="3200" dirty="0" smtClean="0"/>
-              <a:t> </a:t>
-            </a:r>
-            <a:r>
-              <a:rPr lang="en-US" sz="3200" dirty="0" err="1" smtClean="0"/>
-              <a:t>viện</a:t>
-            </a:r>
-            <a:r>
-              <a:rPr lang="en-US" sz="3200" dirty="0" smtClean="0"/>
-              <a:t> </a:t>
-            </a:r>
-            <a:r>
-              <a:rPr lang="en-US" sz="3200" dirty="0" err="1" smtClean="0"/>
-              <a:t>số</a:t>
-            </a:r>
-            <a:r>
-              <a:rPr lang="en-US" sz="3200" dirty="0" smtClean="0"/>
-              <a:t>.</a:t>
-            </a:r>
-            <a:br>
-              <a:rPr lang="en-US" sz="3200" dirty="0" smtClean="0"/>
-            </a:br>
-            <a:endParaRPr lang="en-US" dirty="0"/>
-          </a:p>
-        </p:txBody>
-      </p:sp>
-      <p:sp>
-        <p:nvSpPr>
-          <p:cNvPr id="3" name="Content Placeholder 2"/>
-          <p:cNvSpPr>
-            <a:spLocks noGrp="1"/>
-          </p:cNvSpPr>
-          <p:nvPr>
-            <p:ph sz="quarter" idx="1"/>
-          </p:nvPr>
-        </p:nvSpPr>
-        <p:spPr/>
-        <p:txBody>
-          <a:bodyPr/>
-          <a:lstStyle/>
-          <a:p>
-            <a:pPr lvl="1"/>
-            <a:r>
-              <a:rPr lang="en-US" sz="2000" dirty="0" smtClean="0"/>
-              <a:t>ACM.</a:t>
-            </a:r>
-          </a:p>
-          <a:p>
-            <a:pPr lvl="1"/>
-            <a:r>
-              <a:rPr lang="en-US" sz="2000" dirty="0" smtClean="0"/>
-              <a:t>IEEE </a:t>
-            </a:r>
-            <a:r>
-              <a:rPr lang="en-US" sz="2000" dirty="0" err="1" smtClean="0"/>
-              <a:t>Xplore</a:t>
-            </a:r>
-            <a:endParaRPr lang="en-US" sz="2000" dirty="0" smtClean="0"/>
-          </a:p>
-          <a:p>
-            <a:pPr lvl="1"/>
-            <a:r>
-              <a:rPr lang="en-US" sz="2000" dirty="0" err="1" smtClean="0"/>
-              <a:t>Cicesser</a:t>
-            </a:r>
-            <a:endParaRPr lang="en-US" sz="2000" dirty="0" smtClean="0"/>
-          </a:p>
-          <a:p>
-            <a:endParaRPr lang="en-US" dirty="0"/>
-          </a:p>
-        </p:txBody>
-      </p:sp>
+      <p:pic>
+        <p:nvPicPr>
+          <p:cNvPr id="2050" name="Picture 2" descr="C:\Users\TKORG-PC1\Desktop\12-2-2010 9-33-35 AM.png"/>
+          <p:cNvPicPr>
+            <a:picLocks noChangeAspect="1" noChangeArrowheads="1"/>
+          </p:cNvPicPr>
+          <p:nvPr/>
+        </p:nvPicPr>
+        <p:blipFill>
+          <a:blip r:embed="rId2"/>
+          <a:srcRect/>
+          <a:stretch>
+            <a:fillRect/>
+          </a:stretch>
+        </p:blipFill>
+        <p:spPr bwMode="auto">
+          <a:xfrm>
+            <a:off x="3048000" y="3048000"/>
+            <a:ext cx="5509647" cy="3429000"/>
+          </a:xfrm>
+          <a:prstGeom prst="rect">
+            <a:avLst/>
+          </a:prstGeom>
+          <a:noFill/>
+        </p:spPr>
+      </p:pic>
+      <p:pic>
+        <p:nvPicPr>
+          <p:cNvPr id="2051" name="Picture 3" descr="C:\Users\TKORG-PC1\Desktop\toc.png"/>
+          <p:cNvPicPr>
+            <a:picLocks noChangeAspect="1" noChangeArrowheads="1"/>
+          </p:cNvPicPr>
+          <p:nvPr/>
+        </p:nvPicPr>
+        <p:blipFill>
+          <a:blip r:embed="rId3"/>
+          <a:srcRect/>
+          <a:stretch>
+            <a:fillRect/>
+          </a:stretch>
+        </p:blipFill>
+        <p:spPr bwMode="auto">
+          <a:xfrm>
+            <a:off x="228600" y="304800"/>
+            <a:ext cx="6206087" cy="3679111"/>
+          </a:xfrm>
+          <a:prstGeom prst="rect">
+            <a:avLst/>
+          </a:prstGeom>
+          <a:noFill/>
+        </p:spPr>
+      </p:pic>
     </p:spTree>
   </p:cSld>
   <p:clrMapOvr>
     <a:masterClrMapping/>
   </p:clrMapOvr>
+  <p:timing>
+    <p:tnLst>
+      <p:par>
+        <p:cTn id="1" dur="indefinite" restart="never" nodeType="tmRoot"/>
+      </p:par>
+    </p:tnLst>
+  </p:timing>
 </p:sld>
 </file>
 

--- a/Report/Baocao 3-12.pptx
+++ b/Report/Baocao 3-12.pptx
@@ -267,7 +267,7 @@
             <a:fld id="{1D8BD707-D9CF-40AE-B4C6-C98DA3205C09}" type="datetimeFigureOut">
               <a:rPr lang="en-US" smtClean="0"/>
               <a:pPr/>
-              <a:t>12/2/2010</a:t>
+              <a:t>12/3/2010</a:t>
             </a:fld>
             <a:endParaRPr lang="en-US"/>
           </a:p>
@@ -1138,7 +1138,7 @@
             <a:fld id="{1D8BD707-D9CF-40AE-B4C6-C98DA3205C09}" type="datetimeFigureOut">
               <a:rPr lang="en-US" smtClean="0"/>
               <a:pPr/>
-              <a:t>12/2/2010</a:t>
+              <a:t>12/3/2010</a:t>
             </a:fld>
             <a:endParaRPr lang="en-US"/>
           </a:p>
@@ -1315,7 +1315,7 @@
             <a:fld id="{1D8BD707-D9CF-40AE-B4C6-C98DA3205C09}" type="datetimeFigureOut">
               <a:rPr lang="en-US" smtClean="0"/>
               <a:pPr/>
-              <a:t>12/2/2010</a:t>
+              <a:t>12/3/2010</a:t>
             </a:fld>
             <a:endParaRPr lang="en-US"/>
           </a:p>
@@ -1487,7 +1487,7 @@
             <a:fld id="{1D8BD707-D9CF-40AE-B4C6-C98DA3205C09}" type="datetimeFigureOut">
               <a:rPr lang="en-US" smtClean="0"/>
               <a:pPr/>
-              <a:t>12/2/2010</a:t>
+              <a:t>12/3/2010</a:t>
             </a:fld>
             <a:endParaRPr lang="en-US"/>
           </a:p>
@@ -1699,7 +1699,7 @@
             <a:fld id="{1D8BD707-D9CF-40AE-B4C6-C98DA3205C09}" type="datetimeFigureOut">
               <a:rPr lang="en-US" smtClean="0"/>
               <a:pPr/>
-              <a:t>12/2/2010</a:t>
+              <a:t>12/3/2010</a:t>
             </a:fld>
             <a:endParaRPr lang="en-US"/>
           </a:p>
@@ -2515,7 +2515,7 @@
             <a:fld id="{1D8BD707-D9CF-40AE-B4C6-C98DA3205C09}" type="datetimeFigureOut">
               <a:rPr lang="en-US" smtClean="0"/>
               <a:pPr/>
-              <a:t>12/2/2010</a:t>
+              <a:t>12/3/2010</a:t>
             </a:fld>
             <a:endParaRPr lang="en-US"/>
           </a:p>
@@ -2753,7 +2753,7 @@
             <a:fld id="{1D8BD707-D9CF-40AE-B4C6-C98DA3205C09}" type="datetimeFigureOut">
               <a:rPr lang="en-US" smtClean="0"/>
               <a:pPr/>
-              <a:t>12/2/2010</a:t>
+              <a:t>12/3/2010</a:t>
             </a:fld>
             <a:endParaRPr lang="en-US"/>
           </a:p>
@@ -3078,7 +3078,7 @@
             <a:fld id="{1D8BD707-D9CF-40AE-B4C6-C98DA3205C09}" type="datetimeFigureOut">
               <a:rPr lang="en-US" smtClean="0"/>
               <a:pPr/>
-              <a:t>12/2/2010</a:t>
+              <a:t>12/3/2010</a:t>
             </a:fld>
             <a:endParaRPr lang="en-US"/>
           </a:p>
@@ -3170,7 +3170,7 @@
             <a:fld id="{1D8BD707-D9CF-40AE-B4C6-C98DA3205C09}" type="datetimeFigureOut">
               <a:rPr lang="en-US" smtClean="0"/>
               <a:pPr/>
-              <a:t>12/2/2010</a:t>
+              <a:t>12/3/2010</a:t>
             </a:fld>
             <a:endParaRPr lang="en-US"/>
           </a:p>
@@ -3689,7 +3689,7 @@
             <a:fld id="{1D8BD707-D9CF-40AE-B4C6-C98DA3205C09}" type="datetimeFigureOut">
               <a:rPr lang="en-US" smtClean="0"/>
               <a:pPr/>
-              <a:t>12/2/2010</a:t>
+              <a:t>12/3/2010</a:t>
             </a:fld>
             <a:endParaRPr lang="en-US"/>
           </a:p>
@@ -4202,7 +4202,7 @@
             <a:fld id="{1D8BD707-D9CF-40AE-B4C6-C98DA3205C09}" type="datetimeFigureOut">
               <a:rPr lang="en-US" smtClean="0"/>
               <a:pPr/>
-              <a:t>12/2/2010</a:t>
+              <a:t>12/3/2010</a:t>
             </a:fld>
             <a:endParaRPr lang="en-US"/>
           </a:p>
@@ -4449,7 +4449,7 @@
             <a:fld id="{1D8BD707-D9CF-40AE-B4C6-C98DA3205C09}" type="datetimeFigureOut">
               <a:rPr lang="en-US" smtClean="0"/>
               <a:pPr/>
-              <a:t>12/2/2010</a:t>
+              <a:t>12/3/2010</a:t>
             </a:fld>
             <a:endParaRPr lang="en-US"/>
           </a:p>
@@ -6945,7 +6945,14 @@
                 <a:latin typeface="Times New Roman" pitchFamily="18" charset="0"/>
                 <a:cs typeface="Times New Roman" pitchFamily="18" charset="0"/>
               </a:rPr>
-              <a:t> CSS , </a:t>
+              <a:t> CCS </a:t>
+            </a:r>
+            <a:r>
+              <a:rPr lang="en-US" sz="2000" dirty="0" smtClean="0">
+                <a:latin typeface="Times New Roman" pitchFamily="18" charset="0"/>
+                <a:cs typeface="Times New Roman" pitchFamily="18" charset="0"/>
+              </a:rPr>
+              <a:t>, </a:t>
             </a:r>
             <a:r>
               <a:rPr lang="en-US" sz="2000" dirty="0" err="1" smtClean="0">
@@ -7394,7 +7401,7 @@
         </p:blipFill>
         <p:spPr bwMode="auto">
           <a:xfrm>
-            <a:off x="2057400" y="228600"/>
+            <a:off x="2667000" y="609600"/>
             <a:ext cx="6248400" cy="6248400"/>
           </a:xfrm>
           <a:prstGeom prst="rect">
@@ -11214,14 +11221,14 @@
           <a:p>
             <a:pPr algn="ctr"/>
             <a:r>
-              <a:rPr lang="en-US" sz="1300" b="1" dirty="0" err="1" smtClean="0">
+              <a:rPr lang="en-US" sz="1300" b="1" dirty="0" smtClean="0">
                 <a:solidFill>
                   <a:schemeClr val="tx1"/>
                 </a:solidFill>
                 <a:latin typeface="Times New Roman" pitchFamily="18" charset="0"/>
                 <a:cs typeface="Times New Roman" pitchFamily="18" charset="0"/>
               </a:rPr>
-              <a:t>ScienceDriect</a:t>
+              <a:t>S</a:t>
             </a:r>
             <a:endParaRPr lang="en-US" sz="1300" b="1" dirty="0">
               <a:solidFill>
@@ -15903,7 +15910,6 @@
               <a:rPr lang="en-US" sz="2000" dirty="0" smtClean="0"/>
               <a:t>.</a:t>
             </a:r>
-            <a:endParaRPr lang="en-US" sz="2000" dirty="0" smtClean="0"/>
           </a:p>
           <a:p>
             <a:r>
@@ -16084,7 +16090,6 @@
               <a:rPr lang="en-US" sz="2000" dirty="0" smtClean="0"/>
               <a:t>.</a:t>
             </a:r>
-            <a:endParaRPr lang="en-US" sz="2000" dirty="0" smtClean="0"/>
           </a:p>
           <a:p>
             <a:endParaRPr lang="en-US" sz="2000" dirty="0" smtClean="0"/>
@@ -16404,15 +16409,7 @@
             </a:r>
             <a:r>
               <a:rPr lang="en-US" dirty="0" smtClean="0"/>
-              <a:t> </a:t>
-            </a:r>
-            <a:r>
-              <a:rPr lang="en-US" dirty="0" smtClean="0"/>
-              <a:t>Title - </a:t>
-            </a:r>
-            <a:r>
-              <a:rPr lang="en-US" dirty="0" smtClean="0"/>
-              <a:t>abstract </a:t>
+              <a:t> Title - abstract </a:t>
             </a:r>
             <a:r>
               <a:rPr lang="en-US" dirty="0" err="1" smtClean="0"/>
@@ -16574,18 +16571,17 @@
             </a:r>
             <a:r>
               <a:rPr lang="en-US" dirty="0" smtClean="0"/>
-              <a:t> wiki)</a:t>
-            </a:r>
-          </a:p>
-          <a:p>
-            <a:pPr>
-              <a:buNone/>
-            </a:pPr>
+              <a:t> wiki</a:t>
+            </a:r>
+            <a:r>
+              <a:rPr lang="en-US" dirty="0" smtClean="0"/>
+              <a:t>)</a:t>
+            </a:r>
             <a:r>
               <a:rPr lang="en-US" dirty="0" smtClean="0">
                 <a:sym typeface="Wingdings" pitchFamily="2" charset="2"/>
               </a:rPr>
-              <a:t> </a:t>
+              <a:t> </a:t>
             </a:r>
             <a:endParaRPr lang="en-US" dirty="0" smtClean="0"/>
           </a:p>
@@ -17060,10 +17056,6 @@
               </a:rPr>
               <a:t>.</a:t>
             </a:r>
-            <a:endParaRPr lang="en-US" dirty="0" smtClean="0">
-              <a:latin typeface="Times New Roman" pitchFamily="18" charset="0"/>
-              <a:cs typeface="Times New Roman" pitchFamily="18" charset="0"/>
-            </a:endParaRPr>
           </a:p>
           <a:p>
             <a:pPr lvl="0"/>
@@ -17331,19 +17323,8 @@
                 <a:latin typeface="Times New Roman" pitchFamily="18" charset="0"/>
                 <a:cs typeface="Times New Roman" pitchFamily="18" charset="0"/>
               </a:rPr>
-              <a:t>.</a:t>
-            </a:r>
-            <a:r>
-              <a:rPr lang="en-US" dirty="0" smtClean="0">
-                <a:latin typeface="Times New Roman" pitchFamily="18" charset="0"/>
-                <a:cs typeface="Times New Roman" pitchFamily="18" charset="0"/>
-              </a:rPr>
-              <a:t> </a:t>
-            </a:r>
-            <a:endParaRPr lang="en-US" dirty="0" smtClean="0">
-              <a:latin typeface="Times New Roman" pitchFamily="18" charset="0"/>
-              <a:cs typeface="Times New Roman" pitchFamily="18" charset="0"/>
-            </a:endParaRPr>
+              <a:t>. </a:t>
+            </a:r>
           </a:p>
         </p:txBody>
       </p:sp>
@@ -18839,9 +18820,6 @@
               </a:rPr>
               <a:t>.</a:t>
             </a:r>
-            <a:endParaRPr lang="en-US" dirty="0" smtClean="0">
-              <a:sym typeface="Wingdings" pitchFamily="2" charset="2"/>
-            </a:endParaRPr>
           </a:p>
           <a:p>
             <a:pPr>
@@ -19287,6 +19265,62 @@
           </a:p>
         </p:txBody>
       </p:sp>
+      <p:pic>
+        <p:nvPicPr>
+          <p:cNvPr id="4" name="Picture 3" descr="C:\Users\TKORG-PC1\Desktop\subject_categories.jpg"/>
+          <p:cNvPicPr/>
+          <p:nvPr/>
+        </p:nvPicPr>
+        <p:blipFill>
+          <a:blip r:embed="rId2"/>
+          <a:srcRect/>
+          <a:stretch>
+            <a:fillRect/>
+          </a:stretch>
+        </p:blipFill>
+        <p:spPr bwMode="auto">
+          <a:xfrm>
+            <a:off x="1524000" y="1752600"/>
+            <a:ext cx="7620000" cy="4724400"/>
+          </a:xfrm>
+          <a:prstGeom prst="rect">
+            <a:avLst/>
+          </a:prstGeom>
+          <a:noFill/>
+          <a:ln w="9525">
+            <a:noFill/>
+            <a:miter lim="800000"/>
+            <a:headEnd/>
+            <a:tailEnd/>
+          </a:ln>
+        </p:spPr>
+      </p:pic>
+      <p:pic>
+        <p:nvPicPr>
+          <p:cNvPr id="5" name="Picture 2" descr="C:\Users\TKORG-PC1\Desktop\ccs.png"/>
+          <p:cNvPicPr>
+            <a:picLocks noChangeAspect="1" noChangeArrowheads="1"/>
+          </p:cNvPicPr>
+          <p:nvPr/>
+        </p:nvPicPr>
+        <p:blipFill>
+          <a:blip r:embed="rId3"/>
+          <a:srcRect/>
+          <a:stretch>
+            <a:fillRect/>
+          </a:stretch>
+        </p:blipFill>
+        <p:spPr bwMode="auto">
+          <a:xfrm>
+            <a:off x="2057400" y="228600"/>
+            <a:ext cx="6248400" cy="6248400"/>
+          </a:xfrm>
+          <a:prstGeom prst="rect">
+            <a:avLst/>
+          </a:prstGeom>
+          <a:noFill/>
+        </p:spPr>
+      </p:pic>
     </p:spTree>
   </p:cSld>
   <p:clrMapOvr>
@@ -19295,9 +19329,782 @@
   <p:timing>
     <p:tnLst>
       <p:par>
-        <p:cTn id="1" dur="indefinite" restart="never" nodeType="tmRoot"/>
+        <p:cTn id="1" dur="indefinite" restart="never" nodeType="tmRoot">
+          <p:childTnLst>
+            <p:seq concurrent="1" nextAc="seek">
+              <p:cTn id="2" dur="indefinite" nodeType="mainSeq">
+                <p:childTnLst>
+                  <p:par>
+                    <p:cTn id="3" fill="hold">
+                      <p:stCondLst>
+                        <p:cond delay="indefinite"/>
+                      </p:stCondLst>
+                      <p:childTnLst>
+                        <p:par>
+                          <p:cTn id="4" fill="hold">
+                            <p:stCondLst>
+                              <p:cond delay="0"/>
+                            </p:stCondLst>
+                            <p:childTnLst>
+                              <p:par>
+                                <p:cTn id="5" presetID="2" presetClass="entr" presetSubtype="4" fill="hold" grpId="0" nodeType="clickEffect">
+                                  <p:stCondLst>
+                                    <p:cond delay="0"/>
+                                  </p:stCondLst>
+                                  <p:childTnLst>
+                                    <p:set>
+                                      <p:cBhvr>
+                                        <p:cTn id="6" dur="1" fill="hold">
+                                          <p:stCondLst>
+                                            <p:cond delay="0"/>
+                                          </p:stCondLst>
+                                        </p:cTn>
+                                        <p:tgtEl>
+                                          <p:spTgt spid="3">
+                                            <p:txEl>
+                                              <p:pRg st="0" end="0"/>
+                                            </p:txEl>
+                                          </p:spTgt>
+                                        </p:tgtEl>
+                                        <p:attrNameLst>
+                                          <p:attrName>style.visibility</p:attrName>
+                                        </p:attrNameLst>
+                                      </p:cBhvr>
+                                      <p:to>
+                                        <p:strVal val="visible"/>
+                                      </p:to>
+                                    </p:set>
+                                    <p:anim calcmode="lin" valueType="num">
+                                      <p:cBhvr additive="base">
+                                        <p:cTn id="7" dur="500" fill="hold"/>
+                                        <p:tgtEl>
+                                          <p:spTgt spid="3">
+                                            <p:txEl>
+                                              <p:pRg st="0" end="0"/>
+                                            </p:txEl>
+                                          </p:spTgt>
+                                        </p:tgtEl>
+                                        <p:attrNameLst>
+                                          <p:attrName>ppt_x</p:attrName>
+                                        </p:attrNameLst>
+                                      </p:cBhvr>
+                                      <p:tavLst>
+                                        <p:tav tm="0">
+                                          <p:val>
+                                            <p:strVal val="#ppt_x"/>
+                                          </p:val>
+                                        </p:tav>
+                                        <p:tav tm="100000">
+                                          <p:val>
+                                            <p:strVal val="#ppt_x"/>
+                                          </p:val>
+                                        </p:tav>
+                                      </p:tavLst>
+                                    </p:anim>
+                                    <p:anim calcmode="lin" valueType="num">
+                                      <p:cBhvr additive="base">
+                                        <p:cTn id="8" dur="500" fill="hold"/>
+                                        <p:tgtEl>
+                                          <p:spTgt spid="3">
+                                            <p:txEl>
+                                              <p:pRg st="0" end="0"/>
+                                            </p:txEl>
+                                          </p:spTgt>
+                                        </p:tgtEl>
+                                        <p:attrNameLst>
+                                          <p:attrName>ppt_y</p:attrName>
+                                        </p:attrNameLst>
+                                      </p:cBhvr>
+                                      <p:tavLst>
+                                        <p:tav tm="0">
+                                          <p:val>
+                                            <p:strVal val="1+#ppt_h/2"/>
+                                          </p:val>
+                                        </p:tav>
+                                        <p:tav tm="100000">
+                                          <p:val>
+                                            <p:strVal val="#ppt_y"/>
+                                          </p:val>
+                                        </p:tav>
+                                      </p:tavLst>
+                                    </p:anim>
+                                  </p:childTnLst>
+                                </p:cTn>
+                              </p:par>
+                            </p:childTnLst>
+                          </p:cTn>
+                        </p:par>
+                        <p:par>
+                          <p:cTn id="9" fill="hold">
+                            <p:stCondLst>
+                              <p:cond delay="500"/>
+                            </p:stCondLst>
+                            <p:childTnLst>
+                              <p:par>
+                                <p:cTn id="10" presetID="2" presetClass="entr" presetSubtype="4" fill="hold" grpId="0" nodeType="afterEffect">
+                                  <p:stCondLst>
+                                    <p:cond delay="0"/>
+                                  </p:stCondLst>
+                                  <p:childTnLst>
+                                    <p:set>
+                                      <p:cBhvr>
+                                        <p:cTn id="11" dur="1" fill="hold">
+                                          <p:stCondLst>
+                                            <p:cond delay="0"/>
+                                          </p:stCondLst>
+                                        </p:cTn>
+                                        <p:tgtEl>
+                                          <p:spTgt spid="3">
+                                            <p:txEl>
+                                              <p:pRg st="1" end="1"/>
+                                            </p:txEl>
+                                          </p:spTgt>
+                                        </p:tgtEl>
+                                        <p:attrNameLst>
+                                          <p:attrName>style.visibility</p:attrName>
+                                        </p:attrNameLst>
+                                      </p:cBhvr>
+                                      <p:to>
+                                        <p:strVal val="visible"/>
+                                      </p:to>
+                                    </p:set>
+                                    <p:anim calcmode="lin" valueType="num">
+                                      <p:cBhvr additive="base">
+                                        <p:cTn id="12" dur="3000" fill="hold"/>
+                                        <p:tgtEl>
+                                          <p:spTgt spid="3">
+                                            <p:txEl>
+                                              <p:pRg st="1" end="1"/>
+                                            </p:txEl>
+                                          </p:spTgt>
+                                        </p:tgtEl>
+                                        <p:attrNameLst>
+                                          <p:attrName>ppt_x</p:attrName>
+                                        </p:attrNameLst>
+                                      </p:cBhvr>
+                                      <p:tavLst>
+                                        <p:tav tm="0">
+                                          <p:val>
+                                            <p:strVal val="#ppt_x"/>
+                                          </p:val>
+                                        </p:tav>
+                                        <p:tav tm="100000">
+                                          <p:val>
+                                            <p:strVal val="#ppt_x"/>
+                                          </p:val>
+                                        </p:tav>
+                                      </p:tavLst>
+                                    </p:anim>
+                                    <p:anim calcmode="lin" valueType="num">
+                                      <p:cBhvr additive="base">
+                                        <p:cTn id="13" dur="3000" fill="hold"/>
+                                        <p:tgtEl>
+                                          <p:spTgt spid="3">
+                                            <p:txEl>
+                                              <p:pRg st="1" end="1"/>
+                                            </p:txEl>
+                                          </p:spTgt>
+                                        </p:tgtEl>
+                                        <p:attrNameLst>
+                                          <p:attrName>ppt_y</p:attrName>
+                                        </p:attrNameLst>
+                                      </p:cBhvr>
+                                      <p:tavLst>
+                                        <p:tav tm="0">
+                                          <p:val>
+                                            <p:strVal val="1+#ppt_h/2"/>
+                                          </p:val>
+                                        </p:tav>
+                                        <p:tav tm="100000">
+                                          <p:val>
+                                            <p:strVal val="#ppt_y"/>
+                                          </p:val>
+                                        </p:tav>
+                                      </p:tavLst>
+                                    </p:anim>
+                                  </p:childTnLst>
+                                </p:cTn>
+                              </p:par>
+                            </p:childTnLst>
+                          </p:cTn>
+                        </p:par>
+                        <p:par>
+                          <p:cTn id="14" fill="hold">
+                            <p:stCondLst>
+                              <p:cond delay="3500"/>
+                            </p:stCondLst>
+                            <p:childTnLst>
+                              <p:par>
+                                <p:cTn id="15" presetID="2" presetClass="entr" presetSubtype="4" fill="hold" grpId="0" nodeType="afterEffect">
+                                  <p:stCondLst>
+                                    <p:cond delay="0"/>
+                                  </p:stCondLst>
+                                  <p:childTnLst>
+                                    <p:set>
+                                      <p:cBhvr>
+                                        <p:cTn id="16" dur="1" fill="hold">
+                                          <p:stCondLst>
+                                            <p:cond delay="0"/>
+                                          </p:stCondLst>
+                                        </p:cTn>
+                                        <p:tgtEl>
+                                          <p:spTgt spid="3">
+                                            <p:txEl>
+                                              <p:pRg st="2" end="2"/>
+                                            </p:txEl>
+                                          </p:spTgt>
+                                        </p:tgtEl>
+                                        <p:attrNameLst>
+                                          <p:attrName>style.visibility</p:attrName>
+                                        </p:attrNameLst>
+                                      </p:cBhvr>
+                                      <p:to>
+                                        <p:strVal val="visible"/>
+                                      </p:to>
+                                    </p:set>
+                                    <p:anim calcmode="lin" valueType="num">
+                                      <p:cBhvr additive="base">
+                                        <p:cTn id="17" dur="2000" fill="hold"/>
+                                        <p:tgtEl>
+                                          <p:spTgt spid="3">
+                                            <p:txEl>
+                                              <p:pRg st="2" end="2"/>
+                                            </p:txEl>
+                                          </p:spTgt>
+                                        </p:tgtEl>
+                                        <p:attrNameLst>
+                                          <p:attrName>ppt_x</p:attrName>
+                                        </p:attrNameLst>
+                                      </p:cBhvr>
+                                      <p:tavLst>
+                                        <p:tav tm="0">
+                                          <p:val>
+                                            <p:strVal val="#ppt_x"/>
+                                          </p:val>
+                                        </p:tav>
+                                        <p:tav tm="100000">
+                                          <p:val>
+                                            <p:strVal val="#ppt_x"/>
+                                          </p:val>
+                                        </p:tav>
+                                      </p:tavLst>
+                                    </p:anim>
+                                    <p:anim calcmode="lin" valueType="num">
+                                      <p:cBhvr additive="base">
+                                        <p:cTn id="18" dur="2000" fill="hold"/>
+                                        <p:tgtEl>
+                                          <p:spTgt spid="3">
+                                            <p:txEl>
+                                              <p:pRg st="2" end="2"/>
+                                            </p:txEl>
+                                          </p:spTgt>
+                                        </p:tgtEl>
+                                        <p:attrNameLst>
+                                          <p:attrName>ppt_y</p:attrName>
+                                        </p:attrNameLst>
+                                      </p:cBhvr>
+                                      <p:tavLst>
+                                        <p:tav tm="0">
+                                          <p:val>
+                                            <p:strVal val="1+#ppt_h/2"/>
+                                          </p:val>
+                                        </p:tav>
+                                        <p:tav tm="100000">
+                                          <p:val>
+                                            <p:strVal val="#ppt_y"/>
+                                          </p:val>
+                                        </p:tav>
+                                      </p:tavLst>
+                                    </p:anim>
+                                  </p:childTnLst>
+                                </p:cTn>
+                              </p:par>
+                            </p:childTnLst>
+                          </p:cTn>
+                        </p:par>
+                      </p:childTnLst>
+                    </p:cTn>
+                  </p:par>
+                  <p:par>
+                    <p:cTn id="19" fill="hold">
+                      <p:stCondLst>
+                        <p:cond delay="indefinite"/>
+                      </p:stCondLst>
+                      <p:childTnLst>
+                        <p:par>
+                          <p:cTn id="20" fill="hold">
+                            <p:stCondLst>
+                              <p:cond delay="0"/>
+                            </p:stCondLst>
+                            <p:childTnLst>
+                              <p:par>
+                                <p:cTn id="21" presetID="2" presetClass="entr" presetSubtype="4" fill="hold" grpId="0" nodeType="clickEffect">
+                                  <p:stCondLst>
+                                    <p:cond delay="0"/>
+                                  </p:stCondLst>
+                                  <p:childTnLst>
+                                    <p:set>
+                                      <p:cBhvr>
+                                        <p:cTn id="22" dur="1" fill="hold">
+                                          <p:stCondLst>
+                                            <p:cond delay="0"/>
+                                          </p:stCondLst>
+                                        </p:cTn>
+                                        <p:tgtEl>
+                                          <p:spTgt spid="3">
+                                            <p:txEl>
+                                              <p:pRg st="4" end="4"/>
+                                            </p:txEl>
+                                          </p:spTgt>
+                                        </p:tgtEl>
+                                        <p:attrNameLst>
+                                          <p:attrName>style.visibility</p:attrName>
+                                        </p:attrNameLst>
+                                      </p:cBhvr>
+                                      <p:to>
+                                        <p:strVal val="visible"/>
+                                      </p:to>
+                                    </p:set>
+                                    <p:anim calcmode="lin" valueType="num">
+                                      <p:cBhvr additive="base">
+                                        <p:cTn id="23" dur="500" fill="hold"/>
+                                        <p:tgtEl>
+                                          <p:spTgt spid="3">
+                                            <p:txEl>
+                                              <p:pRg st="4" end="4"/>
+                                            </p:txEl>
+                                          </p:spTgt>
+                                        </p:tgtEl>
+                                        <p:attrNameLst>
+                                          <p:attrName>ppt_x</p:attrName>
+                                        </p:attrNameLst>
+                                      </p:cBhvr>
+                                      <p:tavLst>
+                                        <p:tav tm="0">
+                                          <p:val>
+                                            <p:strVal val="#ppt_x"/>
+                                          </p:val>
+                                        </p:tav>
+                                        <p:tav tm="100000">
+                                          <p:val>
+                                            <p:strVal val="#ppt_x"/>
+                                          </p:val>
+                                        </p:tav>
+                                      </p:tavLst>
+                                    </p:anim>
+                                    <p:anim calcmode="lin" valueType="num">
+                                      <p:cBhvr additive="base">
+                                        <p:cTn id="24" dur="500" fill="hold"/>
+                                        <p:tgtEl>
+                                          <p:spTgt spid="3">
+                                            <p:txEl>
+                                              <p:pRg st="4" end="4"/>
+                                            </p:txEl>
+                                          </p:spTgt>
+                                        </p:tgtEl>
+                                        <p:attrNameLst>
+                                          <p:attrName>ppt_y</p:attrName>
+                                        </p:attrNameLst>
+                                      </p:cBhvr>
+                                      <p:tavLst>
+                                        <p:tav tm="0">
+                                          <p:val>
+                                            <p:strVal val="1+#ppt_h/2"/>
+                                          </p:val>
+                                        </p:tav>
+                                        <p:tav tm="100000">
+                                          <p:val>
+                                            <p:strVal val="#ppt_y"/>
+                                          </p:val>
+                                        </p:tav>
+                                      </p:tavLst>
+                                    </p:anim>
+                                  </p:childTnLst>
+                                </p:cTn>
+                              </p:par>
+                            </p:childTnLst>
+                          </p:cTn>
+                        </p:par>
+                      </p:childTnLst>
+                    </p:cTn>
+                  </p:par>
+                  <p:par>
+                    <p:cTn id="25" fill="hold">
+                      <p:stCondLst>
+                        <p:cond delay="indefinite"/>
+                      </p:stCondLst>
+                      <p:childTnLst>
+                        <p:par>
+                          <p:cTn id="26" fill="hold">
+                            <p:stCondLst>
+                              <p:cond delay="0"/>
+                            </p:stCondLst>
+                            <p:childTnLst>
+                              <p:par>
+                                <p:cTn id="27" presetID="5" presetClass="entr" presetSubtype="10" fill="hold" nodeType="clickEffect">
+                                  <p:stCondLst>
+                                    <p:cond delay="0"/>
+                                  </p:stCondLst>
+                                  <p:childTnLst>
+                                    <p:set>
+                                      <p:cBhvr>
+                                        <p:cTn id="28" dur="1" fill="hold">
+                                          <p:stCondLst>
+                                            <p:cond delay="0"/>
+                                          </p:stCondLst>
+                                        </p:cTn>
+                                        <p:tgtEl>
+                                          <p:spTgt spid="4"/>
+                                        </p:tgtEl>
+                                        <p:attrNameLst>
+                                          <p:attrName>style.visibility</p:attrName>
+                                        </p:attrNameLst>
+                                      </p:cBhvr>
+                                      <p:to>
+                                        <p:strVal val="visible"/>
+                                      </p:to>
+                                    </p:set>
+                                    <p:animEffect transition="in" filter="checkerboard(across)">
+                                      <p:cBhvr>
+                                        <p:cTn id="29" dur="500"/>
+                                        <p:tgtEl>
+                                          <p:spTgt spid="4"/>
+                                        </p:tgtEl>
+                                      </p:cBhvr>
+                                    </p:animEffect>
+                                  </p:childTnLst>
+                                </p:cTn>
+                              </p:par>
+                            </p:childTnLst>
+                          </p:cTn>
+                        </p:par>
+                      </p:childTnLst>
+                    </p:cTn>
+                  </p:par>
+                  <p:par>
+                    <p:cTn id="30" fill="hold">
+                      <p:stCondLst>
+                        <p:cond delay="indefinite"/>
+                      </p:stCondLst>
+                      <p:childTnLst>
+                        <p:par>
+                          <p:cTn id="31" fill="hold">
+                            <p:stCondLst>
+                              <p:cond delay="0"/>
+                            </p:stCondLst>
+                            <p:childTnLst>
+                              <p:par>
+                                <p:cTn id="32" presetID="8" presetClass="exit" presetSubtype="16" fill="hold" nodeType="clickEffect">
+                                  <p:stCondLst>
+                                    <p:cond delay="0"/>
+                                  </p:stCondLst>
+                                  <p:childTnLst>
+                                    <p:animEffect transition="out" filter="diamond(in)">
+                                      <p:cBhvr>
+                                        <p:cTn id="33" dur="2000"/>
+                                        <p:tgtEl>
+                                          <p:spTgt spid="4"/>
+                                        </p:tgtEl>
+                                      </p:cBhvr>
+                                    </p:animEffect>
+                                    <p:set>
+                                      <p:cBhvr>
+                                        <p:cTn id="34" dur="1" fill="hold">
+                                          <p:stCondLst>
+                                            <p:cond delay="1999"/>
+                                          </p:stCondLst>
+                                        </p:cTn>
+                                        <p:tgtEl>
+                                          <p:spTgt spid="4"/>
+                                        </p:tgtEl>
+                                        <p:attrNameLst>
+                                          <p:attrName>style.visibility</p:attrName>
+                                        </p:attrNameLst>
+                                      </p:cBhvr>
+                                      <p:to>
+                                        <p:strVal val="hidden"/>
+                                      </p:to>
+                                    </p:set>
+                                  </p:childTnLst>
+                                </p:cTn>
+                              </p:par>
+                            </p:childTnLst>
+                          </p:cTn>
+                        </p:par>
+                      </p:childTnLst>
+                    </p:cTn>
+                  </p:par>
+                  <p:par>
+                    <p:cTn id="35" fill="hold">
+                      <p:stCondLst>
+                        <p:cond delay="indefinite"/>
+                      </p:stCondLst>
+                      <p:childTnLst>
+                        <p:par>
+                          <p:cTn id="36" fill="hold">
+                            <p:stCondLst>
+                              <p:cond delay="0"/>
+                            </p:stCondLst>
+                            <p:childTnLst>
+                              <p:par>
+                                <p:cTn id="37" presetID="5" presetClass="entr" presetSubtype="10" fill="hold" nodeType="clickEffect">
+                                  <p:stCondLst>
+                                    <p:cond delay="0"/>
+                                  </p:stCondLst>
+                                  <p:childTnLst>
+                                    <p:set>
+                                      <p:cBhvr>
+                                        <p:cTn id="38" dur="1" fill="hold">
+                                          <p:stCondLst>
+                                            <p:cond delay="0"/>
+                                          </p:stCondLst>
+                                        </p:cTn>
+                                        <p:tgtEl>
+                                          <p:spTgt spid="5"/>
+                                        </p:tgtEl>
+                                        <p:attrNameLst>
+                                          <p:attrName>style.visibility</p:attrName>
+                                        </p:attrNameLst>
+                                      </p:cBhvr>
+                                      <p:to>
+                                        <p:strVal val="visible"/>
+                                      </p:to>
+                                    </p:set>
+                                    <p:animEffect transition="in" filter="checkerboard(across)">
+                                      <p:cBhvr>
+                                        <p:cTn id="39" dur="500"/>
+                                        <p:tgtEl>
+                                          <p:spTgt spid="5"/>
+                                        </p:tgtEl>
+                                      </p:cBhvr>
+                                    </p:animEffect>
+                                  </p:childTnLst>
+                                </p:cTn>
+                              </p:par>
+                            </p:childTnLst>
+                          </p:cTn>
+                        </p:par>
+                      </p:childTnLst>
+                    </p:cTn>
+                  </p:par>
+                  <p:par>
+                    <p:cTn id="40" fill="hold">
+                      <p:stCondLst>
+                        <p:cond delay="indefinite"/>
+                      </p:stCondLst>
+                      <p:childTnLst>
+                        <p:par>
+                          <p:cTn id="41" fill="hold">
+                            <p:stCondLst>
+                              <p:cond delay="0"/>
+                            </p:stCondLst>
+                            <p:childTnLst>
+                              <p:par>
+                                <p:cTn id="42" presetID="2" presetClass="exit" presetSubtype="4" fill="hold" nodeType="clickEffect">
+                                  <p:stCondLst>
+                                    <p:cond delay="0"/>
+                                  </p:stCondLst>
+                                  <p:childTnLst>
+                                    <p:anim calcmode="lin" valueType="num">
+                                      <p:cBhvr additive="base">
+                                        <p:cTn id="43" dur="500"/>
+                                        <p:tgtEl>
+                                          <p:spTgt spid="5"/>
+                                        </p:tgtEl>
+                                        <p:attrNameLst>
+                                          <p:attrName>ppt_x</p:attrName>
+                                        </p:attrNameLst>
+                                      </p:cBhvr>
+                                      <p:tavLst>
+                                        <p:tav tm="0">
+                                          <p:val>
+                                            <p:strVal val="ppt_x"/>
+                                          </p:val>
+                                        </p:tav>
+                                        <p:tav tm="100000">
+                                          <p:val>
+                                            <p:strVal val="ppt_x"/>
+                                          </p:val>
+                                        </p:tav>
+                                      </p:tavLst>
+                                    </p:anim>
+                                    <p:anim calcmode="lin" valueType="num">
+                                      <p:cBhvr additive="base">
+                                        <p:cTn id="44" dur="500"/>
+                                        <p:tgtEl>
+                                          <p:spTgt spid="5"/>
+                                        </p:tgtEl>
+                                        <p:attrNameLst>
+                                          <p:attrName>ppt_y</p:attrName>
+                                        </p:attrNameLst>
+                                      </p:cBhvr>
+                                      <p:tavLst>
+                                        <p:tav tm="0">
+                                          <p:val>
+                                            <p:strVal val="ppt_y"/>
+                                          </p:val>
+                                        </p:tav>
+                                        <p:tav tm="100000">
+                                          <p:val>
+                                            <p:strVal val="1+ppt_h/2"/>
+                                          </p:val>
+                                        </p:tav>
+                                      </p:tavLst>
+                                    </p:anim>
+                                    <p:set>
+                                      <p:cBhvr>
+                                        <p:cTn id="45" dur="1" fill="hold">
+                                          <p:stCondLst>
+                                            <p:cond delay="499"/>
+                                          </p:stCondLst>
+                                        </p:cTn>
+                                        <p:tgtEl>
+                                          <p:spTgt spid="5"/>
+                                        </p:tgtEl>
+                                        <p:attrNameLst>
+                                          <p:attrName>style.visibility</p:attrName>
+                                        </p:attrNameLst>
+                                      </p:cBhvr>
+                                      <p:to>
+                                        <p:strVal val="hidden"/>
+                                      </p:to>
+                                    </p:set>
+                                  </p:childTnLst>
+                                </p:cTn>
+                              </p:par>
+                            </p:childTnLst>
+                          </p:cTn>
+                        </p:par>
+                      </p:childTnLst>
+                    </p:cTn>
+                  </p:par>
+                  <p:par>
+                    <p:cTn id="46" fill="hold">
+                      <p:stCondLst>
+                        <p:cond delay="indefinite"/>
+                      </p:stCondLst>
+                      <p:childTnLst>
+                        <p:par>
+                          <p:cTn id="47" fill="hold">
+                            <p:stCondLst>
+                              <p:cond delay="0"/>
+                            </p:stCondLst>
+                            <p:childTnLst>
+                              <p:par>
+                                <p:cTn id="48" presetID="2" presetClass="entr" presetSubtype="4" fill="hold" grpId="0" nodeType="clickEffect">
+                                  <p:stCondLst>
+                                    <p:cond delay="0"/>
+                                  </p:stCondLst>
+                                  <p:childTnLst>
+                                    <p:set>
+                                      <p:cBhvr>
+                                        <p:cTn id="49" dur="1" fill="hold">
+                                          <p:stCondLst>
+                                            <p:cond delay="0"/>
+                                          </p:stCondLst>
+                                        </p:cTn>
+                                        <p:tgtEl>
+                                          <p:spTgt spid="3">
+                                            <p:txEl>
+                                              <p:pRg st="6" end="6"/>
+                                            </p:txEl>
+                                          </p:spTgt>
+                                        </p:tgtEl>
+                                        <p:attrNameLst>
+                                          <p:attrName>style.visibility</p:attrName>
+                                        </p:attrNameLst>
+                                      </p:cBhvr>
+                                      <p:to>
+                                        <p:strVal val="visible"/>
+                                      </p:to>
+                                    </p:set>
+                                    <p:anim calcmode="lin" valueType="num">
+                                      <p:cBhvr additive="base">
+                                        <p:cTn id="50" dur="500" fill="hold"/>
+                                        <p:tgtEl>
+                                          <p:spTgt spid="3">
+                                            <p:txEl>
+                                              <p:pRg st="6" end="6"/>
+                                            </p:txEl>
+                                          </p:spTgt>
+                                        </p:tgtEl>
+                                        <p:attrNameLst>
+                                          <p:attrName>ppt_x</p:attrName>
+                                        </p:attrNameLst>
+                                      </p:cBhvr>
+                                      <p:tavLst>
+                                        <p:tav tm="0">
+                                          <p:val>
+                                            <p:strVal val="#ppt_x"/>
+                                          </p:val>
+                                        </p:tav>
+                                        <p:tav tm="100000">
+                                          <p:val>
+                                            <p:strVal val="#ppt_x"/>
+                                          </p:val>
+                                        </p:tav>
+                                      </p:tavLst>
+                                    </p:anim>
+                                    <p:anim calcmode="lin" valueType="num">
+                                      <p:cBhvr additive="base">
+                                        <p:cTn id="51" dur="500" fill="hold"/>
+                                        <p:tgtEl>
+                                          <p:spTgt spid="3">
+                                            <p:txEl>
+                                              <p:pRg st="6" end="6"/>
+                                            </p:txEl>
+                                          </p:spTgt>
+                                        </p:tgtEl>
+                                        <p:attrNameLst>
+                                          <p:attrName>ppt_y</p:attrName>
+                                        </p:attrNameLst>
+                                      </p:cBhvr>
+                                      <p:tavLst>
+                                        <p:tav tm="0">
+                                          <p:val>
+                                            <p:strVal val="1+#ppt_h/2"/>
+                                          </p:val>
+                                        </p:tav>
+                                        <p:tav tm="100000">
+                                          <p:val>
+                                            <p:strVal val="#ppt_y"/>
+                                          </p:val>
+                                        </p:tav>
+                                      </p:tavLst>
+                                    </p:anim>
+                                  </p:childTnLst>
+                                </p:cTn>
+                              </p:par>
+                            </p:childTnLst>
+                          </p:cTn>
+                        </p:par>
+                      </p:childTnLst>
+                    </p:cTn>
+                  </p:par>
+                </p:childTnLst>
+              </p:cTn>
+              <p:prevCondLst>
+                <p:cond evt="onPrev" delay="0">
+                  <p:tgtEl>
+                    <p:sldTgt/>
+                  </p:tgtEl>
+                </p:cond>
+              </p:prevCondLst>
+              <p:nextCondLst>
+                <p:cond evt="onNext" delay="0">
+                  <p:tgtEl>
+                    <p:sldTgt/>
+                  </p:tgtEl>
+                </p:cond>
+              </p:nextCondLst>
+            </p:seq>
+          </p:childTnLst>
+        </p:cTn>
       </p:par>
     </p:tnLst>
+    <p:bldLst>
+      <p:bldP spid="3" grpId="0" build="p"/>
+    </p:bldLst>
   </p:timing>
 </p:sld>
 </file>
@@ -19935,9 +20742,617 @@
   <p:timing>
     <p:tnLst>
       <p:par>
-        <p:cTn id="1" dur="indefinite" restart="never" nodeType="tmRoot"/>
+        <p:cTn id="1" dur="indefinite" restart="never" nodeType="tmRoot">
+          <p:childTnLst>
+            <p:seq concurrent="1" nextAc="seek">
+              <p:cTn id="2" dur="indefinite" nodeType="mainSeq">
+                <p:childTnLst>
+                  <p:par>
+                    <p:cTn id="3" fill="hold">
+                      <p:stCondLst>
+                        <p:cond delay="indefinite"/>
+                      </p:stCondLst>
+                      <p:childTnLst>
+                        <p:par>
+                          <p:cTn id="4" fill="hold">
+                            <p:stCondLst>
+                              <p:cond delay="0"/>
+                            </p:stCondLst>
+                            <p:childTnLst>
+                              <p:par>
+                                <p:cTn id="5" presetID="2" presetClass="entr" presetSubtype="4" fill="hold" grpId="0" nodeType="clickEffect">
+                                  <p:stCondLst>
+                                    <p:cond delay="0"/>
+                                  </p:stCondLst>
+                                  <p:childTnLst>
+                                    <p:set>
+                                      <p:cBhvr>
+                                        <p:cTn id="6" dur="1" fill="hold">
+                                          <p:stCondLst>
+                                            <p:cond delay="0"/>
+                                          </p:stCondLst>
+                                        </p:cTn>
+                                        <p:tgtEl>
+                                          <p:spTgt spid="3">
+                                            <p:txEl>
+                                              <p:pRg st="0" end="0"/>
+                                            </p:txEl>
+                                          </p:spTgt>
+                                        </p:tgtEl>
+                                        <p:attrNameLst>
+                                          <p:attrName>style.visibility</p:attrName>
+                                        </p:attrNameLst>
+                                      </p:cBhvr>
+                                      <p:to>
+                                        <p:strVal val="visible"/>
+                                      </p:to>
+                                    </p:set>
+                                    <p:anim calcmode="lin" valueType="num">
+                                      <p:cBhvr additive="base">
+                                        <p:cTn id="7" dur="500" fill="hold"/>
+                                        <p:tgtEl>
+                                          <p:spTgt spid="3">
+                                            <p:txEl>
+                                              <p:pRg st="0" end="0"/>
+                                            </p:txEl>
+                                          </p:spTgt>
+                                        </p:tgtEl>
+                                        <p:attrNameLst>
+                                          <p:attrName>ppt_x</p:attrName>
+                                        </p:attrNameLst>
+                                      </p:cBhvr>
+                                      <p:tavLst>
+                                        <p:tav tm="0">
+                                          <p:val>
+                                            <p:strVal val="#ppt_x"/>
+                                          </p:val>
+                                        </p:tav>
+                                        <p:tav tm="100000">
+                                          <p:val>
+                                            <p:strVal val="#ppt_x"/>
+                                          </p:val>
+                                        </p:tav>
+                                      </p:tavLst>
+                                    </p:anim>
+                                    <p:anim calcmode="lin" valueType="num">
+                                      <p:cBhvr additive="base">
+                                        <p:cTn id="8" dur="500" fill="hold"/>
+                                        <p:tgtEl>
+                                          <p:spTgt spid="3">
+                                            <p:txEl>
+                                              <p:pRg st="0" end="0"/>
+                                            </p:txEl>
+                                          </p:spTgt>
+                                        </p:tgtEl>
+                                        <p:attrNameLst>
+                                          <p:attrName>ppt_y</p:attrName>
+                                        </p:attrNameLst>
+                                      </p:cBhvr>
+                                      <p:tavLst>
+                                        <p:tav tm="0">
+                                          <p:val>
+                                            <p:strVal val="1+#ppt_h/2"/>
+                                          </p:val>
+                                        </p:tav>
+                                        <p:tav tm="100000">
+                                          <p:val>
+                                            <p:strVal val="#ppt_y"/>
+                                          </p:val>
+                                        </p:tav>
+                                      </p:tavLst>
+                                    </p:anim>
+                                  </p:childTnLst>
+                                </p:cTn>
+                              </p:par>
+                            </p:childTnLst>
+                          </p:cTn>
+                        </p:par>
+                        <p:par>
+                          <p:cTn id="9" fill="hold">
+                            <p:stCondLst>
+                              <p:cond delay="500"/>
+                            </p:stCondLst>
+                            <p:childTnLst>
+                              <p:par>
+                                <p:cTn id="10" presetID="2" presetClass="entr" presetSubtype="4" fill="hold" grpId="0" nodeType="afterEffect">
+                                  <p:stCondLst>
+                                    <p:cond delay="0"/>
+                                  </p:stCondLst>
+                                  <p:childTnLst>
+                                    <p:set>
+                                      <p:cBhvr>
+                                        <p:cTn id="11" dur="1" fill="hold">
+                                          <p:stCondLst>
+                                            <p:cond delay="0"/>
+                                          </p:stCondLst>
+                                        </p:cTn>
+                                        <p:tgtEl>
+                                          <p:spTgt spid="3">
+                                            <p:txEl>
+                                              <p:pRg st="1" end="1"/>
+                                            </p:txEl>
+                                          </p:spTgt>
+                                        </p:tgtEl>
+                                        <p:attrNameLst>
+                                          <p:attrName>style.visibility</p:attrName>
+                                        </p:attrNameLst>
+                                      </p:cBhvr>
+                                      <p:to>
+                                        <p:strVal val="visible"/>
+                                      </p:to>
+                                    </p:set>
+                                    <p:anim calcmode="lin" valueType="num">
+                                      <p:cBhvr additive="base">
+                                        <p:cTn id="12" dur="500" fill="hold"/>
+                                        <p:tgtEl>
+                                          <p:spTgt spid="3">
+                                            <p:txEl>
+                                              <p:pRg st="1" end="1"/>
+                                            </p:txEl>
+                                          </p:spTgt>
+                                        </p:tgtEl>
+                                        <p:attrNameLst>
+                                          <p:attrName>ppt_x</p:attrName>
+                                        </p:attrNameLst>
+                                      </p:cBhvr>
+                                      <p:tavLst>
+                                        <p:tav tm="0">
+                                          <p:val>
+                                            <p:strVal val="#ppt_x"/>
+                                          </p:val>
+                                        </p:tav>
+                                        <p:tav tm="100000">
+                                          <p:val>
+                                            <p:strVal val="#ppt_x"/>
+                                          </p:val>
+                                        </p:tav>
+                                      </p:tavLst>
+                                    </p:anim>
+                                    <p:anim calcmode="lin" valueType="num">
+                                      <p:cBhvr additive="base">
+                                        <p:cTn id="13" dur="500" fill="hold"/>
+                                        <p:tgtEl>
+                                          <p:spTgt spid="3">
+                                            <p:txEl>
+                                              <p:pRg st="1" end="1"/>
+                                            </p:txEl>
+                                          </p:spTgt>
+                                        </p:tgtEl>
+                                        <p:attrNameLst>
+                                          <p:attrName>ppt_y</p:attrName>
+                                        </p:attrNameLst>
+                                      </p:cBhvr>
+                                      <p:tavLst>
+                                        <p:tav tm="0">
+                                          <p:val>
+                                            <p:strVal val="1+#ppt_h/2"/>
+                                          </p:val>
+                                        </p:tav>
+                                        <p:tav tm="100000">
+                                          <p:val>
+                                            <p:strVal val="#ppt_y"/>
+                                          </p:val>
+                                        </p:tav>
+                                      </p:tavLst>
+                                    </p:anim>
+                                  </p:childTnLst>
+                                </p:cTn>
+                              </p:par>
+                            </p:childTnLst>
+                          </p:cTn>
+                        </p:par>
+                        <p:par>
+                          <p:cTn id="14" fill="hold">
+                            <p:stCondLst>
+                              <p:cond delay="1000"/>
+                            </p:stCondLst>
+                            <p:childTnLst>
+                              <p:par>
+                                <p:cTn id="15" presetID="2" presetClass="entr" presetSubtype="4" fill="hold" grpId="0" nodeType="afterEffect">
+                                  <p:stCondLst>
+                                    <p:cond delay="0"/>
+                                  </p:stCondLst>
+                                  <p:childTnLst>
+                                    <p:set>
+                                      <p:cBhvr>
+                                        <p:cTn id="16" dur="1" fill="hold">
+                                          <p:stCondLst>
+                                            <p:cond delay="0"/>
+                                          </p:stCondLst>
+                                        </p:cTn>
+                                        <p:tgtEl>
+                                          <p:spTgt spid="3">
+                                            <p:txEl>
+                                              <p:pRg st="2" end="2"/>
+                                            </p:txEl>
+                                          </p:spTgt>
+                                        </p:tgtEl>
+                                        <p:attrNameLst>
+                                          <p:attrName>style.visibility</p:attrName>
+                                        </p:attrNameLst>
+                                      </p:cBhvr>
+                                      <p:to>
+                                        <p:strVal val="visible"/>
+                                      </p:to>
+                                    </p:set>
+                                    <p:anim calcmode="lin" valueType="num">
+                                      <p:cBhvr additive="base">
+                                        <p:cTn id="17" dur="500" fill="hold"/>
+                                        <p:tgtEl>
+                                          <p:spTgt spid="3">
+                                            <p:txEl>
+                                              <p:pRg st="2" end="2"/>
+                                            </p:txEl>
+                                          </p:spTgt>
+                                        </p:tgtEl>
+                                        <p:attrNameLst>
+                                          <p:attrName>ppt_x</p:attrName>
+                                        </p:attrNameLst>
+                                      </p:cBhvr>
+                                      <p:tavLst>
+                                        <p:tav tm="0">
+                                          <p:val>
+                                            <p:strVal val="#ppt_x"/>
+                                          </p:val>
+                                        </p:tav>
+                                        <p:tav tm="100000">
+                                          <p:val>
+                                            <p:strVal val="#ppt_x"/>
+                                          </p:val>
+                                        </p:tav>
+                                      </p:tavLst>
+                                    </p:anim>
+                                    <p:anim calcmode="lin" valueType="num">
+                                      <p:cBhvr additive="base">
+                                        <p:cTn id="18" dur="500" fill="hold"/>
+                                        <p:tgtEl>
+                                          <p:spTgt spid="3">
+                                            <p:txEl>
+                                              <p:pRg st="2" end="2"/>
+                                            </p:txEl>
+                                          </p:spTgt>
+                                        </p:tgtEl>
+                                        <p:attrNameLst>
+                                          <p:attrName>ppt_y</p:attrName>
+                                        </p:attrNameLst>
+                                      </p:cBhvr>
+                                      <p:tavLst>
+                                        <p:tav tm="0">
+                                          <p:val>
+                                            <p:strVal val="1+#ppt_h/2"/>
+                                          </p:val>
+                                        </p:tav>
+                                        <p:tav tm="100000">
+                                          <p:val>
+                                            <p:strVal val="#ppt_y"/>
+                                          </p:val>
+                                        </p:tav>
+                                      </p:tavLst>
+                                    </p:anim>
+                                  </p:childTnLst>
+                                </p:cTn>
+                              </p:par>
+                            </p:childTnLst>
+                          </p:cTn>
+                        </p:par>
+                      </p:childTnLst>
+                    </p:cTn>
+                  </p:par>
+                  <p:par>
+                    <p:cTn id="19" fill="hold">
+                      <p:stCondLst>
+                        <p:cond delay="indefinite"/>
+                      </p:stCondLst>
+                      <p:childTnLst>
+                        <p:par>
+                          <p:cTn id="20" fill="hold">
+                            <p:stCondLst>
+                              <p:cond delay="0"/>
+                            </p:stCondLst>
+                            <p:childTnLst>
+                              <p:par>
+                                <p:cTn id="21" presetID="2" presetClass="entr" presetSubtype="4" fill="hold" grpId="0" nodeType="clickEffect">
+                                  <p:stCondLst>
+                                    <p:cond delay="0"/>
+                                  </p:stCondLst>
+                                  <p:childTnLst>
+                                    <p:set>
+                                      <p:cBhvr>
+                                        <p:cTn id="22" dur="1" fill="hold">
+                                          <p:stCondLst>
+                                            <p:cond delay="0"/>
+                                          </p:stCondLst>
+                                        </p:cTn>
+                                        <p:tgtEl>
+                                          <p:spTgt spid="3">
+                                            <p:txEl>
+                                              <p:pRg st="3" end="3"/>
+                                            </p:txEl>
+                                          </p:spTgt>
+                                        </p:tgtEl>
+                                        <p:attrNameLst>
+                                          <p:attrName>style.visibility</p:attrName>
+                                        </p:attrNameLst>
+                                      </p:cBhvr>
+                                      <p:to>
+                                        <p:strVal val="visible"/>
+                                      </p:to>
+                                    </p:set>
+                                    <p:anim calcmode="lin" valueType="num">
+                                      <p:cBhvr additive="base">
+                                        <p:cTn id="23" dur="500" fill="hold"/>
+                                        <p:tgtEl>
+                                          <p:spTgt spid="3">
+                                            <p:txEl>
+                                              <p:pRg st="3" end="3"/>
+                                            </p:txEl>
+                                          </p:spTgt>
+                                        </p:tgtEl>
+                                        <p:attrNameLst>
+                                          <p:attrName>ppt_x</p:attrName>
+                                        </p:attrNameLst>
+                                      </p:cBhvr>
+                                      <p:tavLst>
+                                        <p:tav tm="0">
+                                          <p:val>
+                                            <p:strVal val="#ppt_x"/>
+                                          </p:val>
+                                        </p:tav>
+                                        <p:tav tm="100000">
+                                          <p:val>
+                                            <p:strVal val="#ppt_x"/>
+                                          </p:val>
+                                        </p:tav>
+                                      </p:tavLst>
+                                    </p:anim>
+                                    <p:anim calcmode="lin" valueType="num">
+                                      <p:cBhvr additive="base">
+                                        <p:cTn id="24" dur="500" fill="hold"/>
+                                        <p:tgtEl>
+                                          <p:spTgt spid="3">
+                                            <p:txEl>
+                                              <p:pRg st="3" end="3"/>
+                                            </p:txEl>
+                                          </p:spTgt>
+                                        </p:tgtEl>
+                                        <p:attrNameLst>
+                                          <p:attrName>ppt_y</p:attrName>
+                                        </p:attrNameLst>
+                                      </p:cBhvr>
+                                      <p:tavLst>
+                                        <p:tav tm="0">
+                                          <p:val>
+                                            <p:strVal val="1+#ppt_h/2"/>
+                                          </p:val>
+                                        </p:tav>
+                                        <p:tav tm="100000">
+                                          <p:val>
+                                            <p:strVal val="#ppt_y"/>
+                                          </p:val>
+                                        </p:tav>
+                                      </p:tavLst>
+                                    </p:anim>
+                                  </p:childTnLst>
+                                </p:cTn>
+                              </p:par>
+                            </p:childTnLst>
+                          </p:cTn>
+                        </p:par>
+                        <p:par>
+                          <p:cTn id="25" fill="hold">
+                            <p:stCondLst>
+                              <p:cond delay="500"/>
+                            </p:stCondLst>
+                            <p:childTnLst>
+                              <p:par>
+                                <p:cTn id="26" presetID="2" presetClass="entr" presetSubtype="4" fill="hold" grpId="0" nodeType="afterEffect">
+                                  <p:stCondLst>
+                                    <p:cond delay="0"/>
+                                  </p:stCondLst>
+                                  <p:childTnLst>
+                                    <p:set>
+                                      <p:cBhvr>
+                                        <p:cTn id="27" dur="1" fill="hold">
+                                          <p:stCondLst>
+                                            <p:cond delay="0"/>
+                                          </p:stCondLst>
+                                        </p:cTn>
+                                        <p:tgtEl>
+                                          <p:spTgt spid="3">
+                                            <p:txEl>
+                                              <p:pRg st="4" end="4"/>
+                                            </p:txEl>
+                                          </p:spTgt>
+                                        </p:tgtEl>
+                                        <p:attrNameLst>
+                                          <p:attrName>style.visibility</p:attrName>
+                                        </p:attrNameLst>
+                                      </p:cBhvr>
+                                      <p:to>
+                                        <p:strVal val="visible"/>
+                                      </p:to>
+                                    </p:set>
+                                    <p:anim calcmode="lin" valueType="num">
+                                      <p:cBhvr additive="base">
+                                        <p:cTn id="28" dur="2000" fill="hold"/>
+                                        <p:tgtEl>
+                                          <p:spTgt spid="3">
+                                            <p:txEl>
+                                              <p:pRg st="4" end="4"/>
+                                            </p:txEl>
+                                          </p:spTgt>
+                                        </p:tgtEl>
+                                        <p:attrNameLst>
+                                          <p:attrName>ppt_x</p:attrName>
+                                        </p:attrNameLst>
+                                      </p:cBhvr>
+                                      <p:tavLst>
+                                        <p:tav tm="0">
+                                          <p:val>
+                                            <p:strVal val="#ppt_x"/>
+                                          </p:val>
+                                        </p:tav>
+                                        <p:tav tm="100000">
+                                          <p:val>
+                                            <p:strVal val="#ppt_x"/>
+                                          </p:val>
+                                        </p:tav>
+                                      </p:tavLst>
+                                    </p:anim>
+                                    <p:anim calcmode="lin" valueType="num">
+                                      <p:cBhvr additive="base">
+                                        <p:cTn id="29" dur="2000" fill="hold"/>
+                                        <p:tgtEl>
+                                          <p:spTgt spid="3">
+                                            <p:txEl>
+                                              <p:pRg st="4" end="4"/>
+                                            </p:txEl>
+                                          </p:spTgt>
+                                        </p:tgtEl>
+                                        <p:attrNameLst>
+                                          <p:attrName>ppt_y</p:attrName>
+                                        </p:attrNameLst>
+                                      </p:cBhvr>
+                                      <p:tavLst>
+                                        <p:tav tm="0">
+                                          <p:val>
+                                            <p:strVal val="1+#ppt_h/2"/>
+                                          </p:val>
+                                        </p:tav>
+                                        <p:tav tm="100000">
+                                          <p:val>
+                                            <p:strVal val="#ppt_y"/>
+                                          </p:val>
+                                        </p:tav>
+                                      </p:tavLst>
+                                    </p:anim>
+                                  </p:childTnLst>
+                                </p:cTn>
+                              </p:par>
+                            </p:childTnLst>
+                          </p:cTn>
+                        </p:par>
+                        <p:par>
+                          <p:cTn id="30" fill="hold">
+                            <p:stCondLst>
+                              <p:cond delay="2500"/>
+                            </p:stCondLst>
+                            <p:childTnLst>
+                              <p:par>
+                                <p:cTn id="31" presetID="2" presetClass="entr" presetSubtype="4" fill="hold" grpId="0" nodeType="afterEffect">
+                                  <p:stCondLst>
+                                    <p:cond delay="0"/>
+                                  </p:stCondLst>
+                                  <p:childTnLst>
+                                    <p:set>
+                                      <p:cBhvr>
+                                        <p:cTn id="32" dur="1" fill="hold">
+                                          <p:stCondLst>
+                                            <p:cond delay="0"/>
+                                          </p:stCondLst>
+                                        </p:cTn>
+                                        <p:tgtEl>
+                                          <p:spTgt spid="3">
+                                            <p:txEl>
+                                              <p:pRg st="5" end="5"/>
+                                            </p:txEl>
+                                          </p:spTgt>
+                                        </p:tgtEl>
+                                        <p:attrNameLst>
+                                          <p:attrName>style.visibility</p:attrName>
+                                        </p:attrNameLst>
+                                      </p:cBhvr>
+                                      <p:to>
+                                        <p:strVal val="visible"/>
+                                      </p:to>
+                                    </p:set>
+                                    <p:anim calcmode="lin" valueType="num">
+                                      <p:cBhvr additive="base">
+                                        <p:cTn id="33" dur="2000" fill="hold"/>
+                                        <p:tgtEl>
+                                          <p:spTgt spid="3">
+                                            <p:txEl>
+                                              <p:pRg st="5" end="5"/>
+                                            </p:txEl>
+                                          </p:spTgt>
+                                        </p:tgtEl>
+                                        <p:attrNameLst>
+                                          <p:attrName>ppt_x</p:attrName>
+                                        </p:attrNameLst>
+                                      </p:cBhvr>
+                                      <p:tavLst>
+                                        <p:tav tm="0">
+                                          <p:val>
+                                            <p:strVal val="#ppt_x"/>
+                                          </p:val>
+                                        </p:tav>
+                                        <p:tav tm="100000">
+                                          <p:val>
+                                            <p:strVal val="#ppt_x"/>
+                                          </p:val>
+                                        </p:tav>
+                                      </p:tavLst>
+                                    </p:anim>
+                                    <p:anim calcmode="lin" valueType="num">
+                                      <p:cBhvr additive="base">
+                                        <p:cTn id="34" dur="2000" fill="hold"/>
+                                        <p:tgtEl>
+                                          <p:spTgt spid="3">
+                                            <p:txEl>
+                                              <p:pRg st="5" end="5"/>
+                                            </p:txEl>
+                                          </p:spTgt>
+                                        </p:tgtEl>
+                                        <p:attrNameLst>
+                                          <p:attrName>ppt_y</p:attrName>
+                                        </p:attrNameLst>
+                                      </p:cBhvr>
+                                      <p:tavLst>
+                                        <p:tav tm="0">
+                                          <p:val>
+                                            <p:strVal val="1+#ppt_h/2"/>
+                                          </p:val>
+                                        </p:tav>
+                                        <p:tav tm="100000">
+                                          <p:val>
+                                            <p:strVal val="#ppt_y"/>
+                                          </p:val>
+                                        </p:tav>
+                                      </p:tavLst>
+                                    </p:anim>
+                                  </p:childTnLst>
+                                </p:cTn>
+                              </p:par>
+                            </p:childTnLst>
+                          </p:cTn>
+                        </p:par>
+                      </p:childTnLst>
+                    </p:cTn>
+                  </p:par>
+                </p:childTnLst>
+              </p:cTn>
+              <p:prevCondLst>
+                <p:cond evt="onPrev" delay="0">
+                  <p:tgtEl>
+                    <p:sldTgt/>
+                  </p:tgtEl>
+                </p:cond>
+              </p:prevCondLst>
+              <p:nextCondLst>
+                <p:cond evt="onNext" delay="0">
+                  <p:tgtEl>
+                    <p:sldTgt/>
+                  </p:tgtEl>
+                </p:cond>
+              </p:nextCondLst>
+            </p:seq>
+          </p:childTnLst>
+        </p:cTn>
       </p:par>
     </p:tnLst>
+    <p:bldLst>
+      <p:bldP spid="3" grpId="0" uiExpand="1" build="p"/>
+    </p:bldLst>
   </p:timing>
 </p:sld>
 </file>
@@ -22315,6 +23730,41 @@
           </a:p>
         </p:txBody>
       </p:sp>
+      <p:sp>
+        <p:nvSpPr>
+          <p:cNvPr id="4" name="TextBox 3"/>
+          <p:cNvSpPr txBox="1"/>
+          <p:nvPr/>
+        </p:nvSpPr>
+        <p:spPr>
+          <a:xfrm>
+            <a:off x="3810000" y="6211669"/>
+            <a:ext cx="4939173" cy="646331"/>
+          </a:xfrm>
+          <a:prstGeom prst="rect">
+            <a:avLst/>
+          </a:prstGeom>
+          <a:noFill/>
+        </p:spPr>
+        <p:txBody>
+          <a:bodyPr wrap="none" rtlCol="0">
+            <a:spAutoFit/>
+          </a:bodyPr>
+          <a:lstStyle/>
+          <a:p>
+            <a:r>
+              <a:rPr lang="en-US" dirty="0" smtClean="0">
+                <a:hlinkClick r:id="rId3"/>
+              </a:rPr>
+              <a:t>http://dblp.uni-trier.de/db/about/faqsoft.html</a:t>
+            </a:r>
+            <a:endParaRPr lang="en-US" dirty="0" smtClean="0"/>
+          </a:p>
+          <a:p>
+            <a:endParaRPr lang="en-US" dirty="0"/>
+          </a:p>
+        </p:txBody>
+      </p:sp>
     </p:spTree>
   </p:cSld>
   <p:clrMapOvr>
@@ -22323,9 +23773,129 @@
   <p:timing>
     <p:tnLst>
       <p:par>
-        <p:cTn id="1" dur="indefinite" restart="never" nodeType="tmRoot"/>
+        <p:cTn id="1" dur="indefinite" restart="never" nodeType="tmRoot">
+          <p:childTnLst>
+            <p:seq concurrent="1" nextAc="seek">
+              <p:cTn id="2" dur="indefinite" nodeType="mainSeq">
+                <p:childTnLst>
+                  <p:par>
+                    <p:cTn id="3" fill="hold">
+                      <p:stCondLst>
+                        <p:cond delay="indefinite"/>
+                        <p:cond evt="onBegin" delay="0">
+                          <p:tn val="2"/>
+                        </p:cond>
+                      </p:stCondLst>
+                      <p:childTnLst>
+                        <p:par>
+                          <p:cTn id="4" fill="hold">
+                            <p:stCondLst>
+                              <p:cond delay="0"/>
+                            </p:stCondLst>
+                            <p:childTnLst>
+                              <p:par>
+                                <p:cTn id="5" presetID="2" presetClass="entr" presetSubtype="4" fill="hold" grpId="0" nodeType="withEffect">
+                                  <p:stCondLst>
+                                    <p:cond delay="0"/>
+                                  </p:stCondLst>
+                                  <p:childTnLst>
+                                    <p:set>
+                                      <p:cBhvr>
+                                        <p:cTn id="6" dur="1" fill="hold">
+                                          <p:stCondLst>
+                                            <p:cond delay="0"/>
+                                          </p:stCondLst>
+                                        </p:cTn>
+                                        <p:tgtEl>
+                                          <p:spTgt spid="4"/>
+                                        </p:tgtEl>
+                                        <p:attrNameLst>
+                                          <p:attrName>style.visibility</p:attrName>
+                                        </p:attrNameLst>
+                                      </p:cBhvr>
+                                      <p:to>
+                                        <p:strVal val="visible"/>
+                                      </p:to>
+                                    </p:set>
+                                    <p:anim calcmode="lin" valueType="num">
+                                      <p:cBhvr additive="base">
+                                        <p:cTn id="7" dur="500" fill="hold"/>
+                                        <p:tgtEl>
+                                          <p:spTgt spid="4"/>
+                                        </p:tgtEl>
+                                        <p:attrNameLst>
+                                          <p:attrName>ppt_x</p:attrName>
+                                        </p:attrNameLst>
+                                      </p:cBhvr>
+                                      <p:tavLst>
+                                        <p:tav tm="0">
+                                          <p:val>
+                                            <p:strVal val="#ppt_x"/>
+                                          </p:val>
+                                        </p:tav>
+                                        <p:tav tm="100000">
+                                          <p:val>
+                                            <p:strVal val="#ppt_x"/>
+                                          </p:val>
+                                        </p:tav>
+                                      </p:tavLst>
+                                    </p:anim>
+                                    <p:anim calcmode="lin" valueType="num">
+                                      <p:cBhvr additive="base">
+                                        <p:cTn id="8" dur="500" fill="hold"/>
+                                        <p:tgtEl>
+                                          <p:spTgt spid="4"/>
+                                        </p:tgtEl>
+                                        <p:attrNameLst>
+                                          <p:attrName>ppt_y</p:attrName>
+                                        </p:attrNameLst>
+                                      </p:cBhvr>
+                                      <p:tavLst>
+                                        <p:tav tm="0">
+                                          <p:val>
+                                            <p:strVal val="1+#ppt_h/2"/>
+                                          </p:val>
+                                        </p:tav>
+                                        <p:tav tm="100000">
+                                          <p:val>
+                                            <p:strVal val="#ppt_y"/>
+                                          </p:val>
+                                        </p:tav>
+                                      </p:tavLst>
+                                    </p:anim>
+                                  </p:childTnLst>
+                                </p:cTn>
+                              </p:par>
+                            </p:childTnLst>
+                          </p:cTn>
+                        </p:par>
+                      </p:childTnLst>
+                    </p:cTn>
+                  </p:par>
+                </p:childTnLst>
+              </p:cTn>
+              <p:prevCondLst>
+                <p:cond evt="onPrev" delay="0">
+                  <p:tgtEl>
+                    <p:sldTgt/>
+                  </p:tgtEl>
+                </p:cond>
+              </p:prevCondLst>
+              <p:nextCondLst>
+                <p:cond evt="onNext" delay="0">
+                  <p:tgtEl>
+                    <p:sldTgt/>
+                  </p:tgtEl>
+                </p:cond>
+              </p:nextCondLst>
+            </p:seq>
+          </p:childTnLst>
+        </p:cTn>
       </p:par>
     </p:tnLst>
+    <p:bldLst>
+      <p:bldP spid="4" grpId="0"/>
+    </p:bldLst>
   </p:timing>
 </p:sld>
 </file>
@@ -24464,7 +26034,7 @@
                             </p:stCondLst>
                             <p:childTnLst>
                               <p:par>
-                                <p:cTn id="83" presetID="8" presetClass="emph" presetSubtype="0" fill="hold" grpId="0" nodeType="clickEffect">
+                                <p:cTn id="83" presetID="8" presetClass="emph" presetSubtype="0" fill="hold" nodeType="clickEffect">
                                   <p:stCondLst>
                                     <p:cond delay="0"/>
                                   </p:stCondLst>

--- a/Report/Baocao 3-12.pptx
+++ b/Report/Baocao 3-12.pptx
@@ -26,8 +26,7 @@
     <p:sldId id="281" r:id="rId20"/>
     <p:sldId id="277" r:id="rId21"/>
     <p:sldId id="283" r:id="rId22"/>
-    <p:sldId id="284" r:id="rId23"/>
-    <p:sldId id="282" r:id="rId24"/>
+    <p:sldId id="282" r:id="rId23"/>
   </p:sldIdLst>
   <p:sldSz cx="9144000" cy="6858000" type="screen4x3"/>
   <p:notesSz cx="6858000" cy="9144000"/>
@@ -267,7 +266,7 @@
             <a:fld id="{1D8BD707-D9CF-40AE-B4C6-C98DA3205C09}" type="datetimeFigureOut">
               <a:rPr lang="en-US" smtClean="0"/>
               <a:pPr/>
-              <a:t>12/3/2010</a:t>
+              <a:t>12/6/2010</a:t>
             </a:fld>
             <a:endParaRPr lang="en-US"/>
           </a:p>
@@ -1138,7 +1137,7 @@
             <a:fld id="{1D8BD707-D9CF-40AE-B4C6-C98DA3205C09}" type="datetimeFigureOut">
               <a:rPr lang="en-US" smtClean="0"/>
               <a:pPr/>
-              <a:t>12/3/2010</a:t>
+              <a:t>12/6/2010</a:t>
             </a:fld>
             <a:endParaRPr lang="en-US"/>
           </a:p>
@@ -1315,7 +1314,7 @@
             <a:fld id="{1D8BD707-D9CF-40AE-B4C6-C98DA3205C09}" type="datetimeFigureOut">
               <a:rPr lang="en-US" smtClean="0"/>
               <a:pPr/>
-              <a:t>12/3/2010</a:t>
+              <a:t>12/6/2010</a:t>
             </a:fld>
             <a:endParaRPr lang="en-US"/>
           </a:p>
@@ -1487,7 +1486,7 @@
             <a:fld id="{1D8BD707-D9CF-40AE-B4C6-C98DA3205C09}" type="datetimeFigureOut">
               <a:rPr lang="en-US" smtClean="0"/>
               <a:pPr/>
-              <a:t>12/3/2010</a:t>
+              <a:t>12/6/2010</a:t>
             </a:fld>
             <a:endParaRPr lang="en-US"/>
           </a:p>
@@ -1699,7 +1698,7 @@
             <a:fld id="{1D8BD707-D9CF-40AE-B4C6-C98DA3205C09}" type="datetimeFigureOut">
               <a:rPr lang="en-US" smtClean="0"/>
               <a:pPr/>
-              <a:t>12/3/2010</a:t>
+              <a:t>12/6/2010</a:t>
             </a:fld>
             <a:endParaRPr lang="en-US"/>
           </a:p>
@@ -2515,7 +2514,7 @@
             <a:fld id="{1D8BD707-D9CF-40AE-B4C6-C98DA3205C09}" type="datetimeFigureOut">
               <a:rPr lang="en-US" smtClean="0"/>
               <a:pPr/>
-              <a:t>12/3/2010</a:t>
+              <a:t>12/6/2010</a:t>
             </a:fld>
             <a:endParaRPr lang="en-US"/>
           </a:p>
@@ -2753,7 +2752,7 @@
             <a:fld id="{1D8BD707-D9CF-40AE-B4C6-C98DA3205C09}" type="datetimeFigureOut">
               <a:rPr lang="en-US" smtClean="0"/>
               <a:pPr/>
-              <a:t>12/3/2010</a:t>
+              <a:t>12/6/2010</a:t>
             </a:fld>
             <a:endParaRPr lang="en-US"/>
           </a:p>
@@ -3078,7 +3077,7 @@
             <a:fld id="{1D8BD707-D9CF-40AE-B4C6-C98DA3205C09}" type="datetimeFigureOut">
               <a:rPr lang="en-US" smtClean="0"/>
               <a:pPr/>
-              <a:t>12/3/2010</a:t>
+              <a:t>12/6/2010</a:t>
             </a:fld>
             <a:endParaRPr lang="en-US"/>
           </a:p>
@@ -3170,7 +3169,7 @@
             <a:fld id="{1D8BD707-D9CF-40AE-B4C6-C98DA3205C09}" type="datetimeFigureOut">
               <a:rPr lang="en-US" smtClean="0"/>
               <a:pPr/>
-              <a:t>12/3/2010</a:t>
+              <a:t>12/6/2010</a:t>
             </a:fld>
             <a:endParaRPr lang="en-US"/>
           </a:p>
@@ -3689,7 +3688,7 @@
             <a:fld id="{1D8BD707-D9CF-40AE-B4C6-C98DA3205C09}" type="datetimeFigureOut">
               <a:rPr lang="en-US" smtClean="0"/>
               <a:pPr/>
-              <a:t>12/3/2010</a:t>
+              <a:t>12/6/2010</a:t>
             </a:fld>
             <a:endParaRPr lang="en-US"/>
           </a:p>
@@ -4202,7 +4201,7 @@
             <a:fld id="{1D8BD707-D9CF-40AE-B4C6-C98DA3205C09}" type="datetimeFigureOut">
               <a:rPr lang="en-US" smtClean="0"/>
               <a:pPr/>
-              <a:t>12/3/2010</a:t>
+              <a:t>12/6/2010</a:t>
             </a:fld>
             <a:endParaRPr lang="en-US"/>
           </a:p>
@@ -4449,7 +4448,7 @@
             <a:fld id="{1D8BD707-D9CF-40AE-B4C6-C98DA3205C09}" type="datetimeFigureOut">
               <a:rPr lang="en-US" smtClean="0"/>
               <a:pPr/>
-              <a:t>12/3/2010</a:t>
+              <a:t>12/6/2010</a:t>
             </a:fld>
             <a:endParaRPr lang="en-US"/>
           </a:p>
@@ -6945,14 +6944,7 @@
                 <a:latin typeface="Times New Roman" pitchFamily="18" charset="0"/>
                 <a:cs typeface="Times New Roman" pitchFamily="18" charset="0"/>
               </a:rPr>
-              <a:t> CCS </a:t>
-            </a:r>
-            <a:r>
-              <a:rPr lang="en-US" sz="2000" dirty="0" smtClean="0">
-                <a:latin typeface="Times New Roman" pitchFamily="18" charset="0"/>
-                <a:cs typeface="Times New Roman" pitchFamily="18" charset="0"/>
-              </a:rPr>
-              <a:t>, </a:t>
+              <a:t> CCS , </a:t>
             </a:r>
             <a:r>
               <a:rPr lang="en-US" sz="2000" dirty="0" err="1" smtClean="0">
@@ -16176,7 +16168,7 @@
           <a:p>
             <a:r>
               <a:rPr lang="en-US" sz="2800" dirty="0" err="1" smtClean="0"/>
-              <a:t>Kế</a:t>
+              <a:t>Một</a:t>
             </a:r>
             <a:r>
               <a:rPr lang="en-US" sz="2800" dirty="0" smtClean="0"/>
@@ -16184,7 +16176,7 @@
             </a:r>
             <a:r>
               <a:rPr lang="en-US" sz="2800" dirty="0" err="1" smtClean="0"/>
-              <a:t>hoạch</a:t>
+              <a:t>số</a:t>
             </a:r>
             <a:r>
               <a:rPr lang="en-US" sz="2800" dirty="0" smtClean="0"/>
@@ -16192,15 +16184,7 @@
             </a:r>
             <a:r>
               <a:rPr lang="en-US" sz="2800" dirty="0" err="1" smtClean="0"/>
-              <a:t>triển</a:t>
-            </a:r>
-            <a:r>
-              <a:rPr lang="en-US" sz="2800" dirty="0" smtClean="0"/>
-              <a:t> </a:t>
-            </a:r>
-            <a:r>
-              <a:rPr lang="en-US" sz="2800" dirty="0" err="1" smtClean="0"/>
-              <a:t>khai</a:t>
+              <a:t>hướng</a:t>
             </a:r>
             <a:r>
               <a:rPr lang="en-US" sz="2800" dirty="0" smtClean="0"/>
@@ -16232,7 +16216,15 @@
             </a:r>
             <a:r>
               <a:rPr lang="en-US" sz="2800" dirty="0" err="1" smtClean="0"/>
-              <a:t>tới</a:t>
+              <a:t>tiếp</a:t>
+            </a:r>
+            <a:r>
+              <a:rPr lang="en-US" sz="2800" dirty="0" smtClean="0"/>
+              <a:t> </a:t>
+            </a:r>
+            <a:r>
+              <a:rPr lang="en-US" sz="2800" dirty="0" err="1" smtClean="0"/>
+              <a:t>theo</a:t>
             </a:r>
             <a:endParaRPr lang="en-US" sz="2400" dirty="0"/>
           </a:p>
@@ -16250,340 +16242,1790 @@
         </p:nvSpPr>
         <p:spPr>
           <a:xfrm>
-            <a:off x="533400" y="1066800"/>
-            <a:ext cx="8077200" cy="5407152"/>
+            <a:off x="533400" y="990600"/>
+            <a:ext cx="8153400" cy="5562600"/>
           </a:xfrm>
         </p:spPr>
         <p:txBody>
-          <a:bodyPr/>
+          <a:bodyPr>
+            <a:normAutofit/>
+          </a:bodyPr>
           <a:lstStyle/>
-          <a:p>
-            <a:endParaRPr lang="en-US" dirty="0" smtClean="0"/>
-          </a:p>
           <a:p>
             <a:pPr>
               <a:buNone/>
             </a:pPr>
-            <a:endParaRPr lang="en-US" dirty="0" smtClean="0"/>
-          </a:p>
-          <a:p>
-            <a:r>
-              <a:rPr lang="en-US" dirty="0" err="1" smtClean="0"/>
-              <a:t>Nhóm</a:t>
-            </a:r>
-            <a:r>
-              <a:rPr lang="en-US" dirty="0" smtClean="0"/>
-              <a:t> </a:t>
-            </a:r>
-            <a:r>
-              <a:rPr lang="en-US" dirty="0" err="1" smtClean="0"/>
-              <a:t>dự</a:t>
-            </a:r>
-            <a:r>
-              <a:rPr lang="en-US" dirty="0" smtClean="0"/>
-              <a:t> </a:t>
-            </a:r>
-            <a:r>
-              <a:rPr lang="en-US" dirty="0" err="1" smtClean="0"/>
-              <a:t>định</a:t>
-            </a:r>
-            <a:r>
-              <a:rPr lang="en-US" dirty="0" smtClean="0"/>
-              <a:t> </a:t>
-            </a:r>
-            <a:r>
-              <a:rPr lang="en-US" dirty="0" err="1" smtClean="0"/>
-              <a:t>thực</a:t>
-            </a:r>
-            <a:r>
-              <a:rPr lang="en-US" dirty="0" smtClean="0"/>
-              <a:t> </a:t>
-            </a:r>
-            <a:r>
-              <a:rPr lang="en-US" dirty="0" err="1" smtClean="0"/>
+            <a:endParaRPr lang="en-US" sz="2000" dirty="0" smtClean="0">
+              <a:latin typeface="Times New Roman" pitchFamily="18" charset="0"/>
+              <a:cs typeface="Times New Roman" pitchFamily="18" charset="0"/>
+            </a:endParaRPr>
+          </a:p>
+          <a:p>
+            <a:r>
+              <a:rPr lang="en-US" sz="2000" dirty="0" err="1" smtClean="0">
+                <a:latin typeface="Times New Roman" pitchFamily="18" charset="0"/>
+                <a:cs typeface="Times New Roman" pitchFamily="18" charset="0"/>
+              </a:rPr>
+              <a:t>Thực</a:t>
+            </a:r>
+            <a:r>
+              <a:rPr lang="en-US" sz="2000" dirty="0" smtClean="0">
+                <a:latin typeface="Times New Roman" pitchFamily="18" charset="0"/>
+                <a:cs typeface="Times New Roman" pitchFamily="18" charset="0"/>
+              </a:rPr>
+              <a:t> </a:t>
+            </a:r>
+            <a:r>
+              <a:rPr lang="en-US" sz="2000" dirty="0" err="1" smtClean="0">
+                <a:latin typeface="Times New Roman" pitchFamily="18" charset="0"/>
+                <a:cs typeface="Times New Roman" pitchFamily="18" charset="0"/>
+              </a:rPr>
               <a:t>hiện</a:t>
             </a:r>
             <a:r>
-              <a:rPr lang="en-US" dirty="0" smtClean="0"/>
-              <a:t> </a:t>
-            </a:r>
-            <a:r>
-              <a:rPr lang="en-US" dirty="0" err="1" smtClean="0"/>
+              <a:rPr lang="en-US" sz="2000" dirty="0" smtClean="0">
+                <a:latin typeface="Times New Roman" pitchFamily="18" charset="0"/>
+                <a:cs typeface="Times New Roman" pitchFamily="18" charset="0"/>
+              </a:rPr>
+              <a:t> </a:t>
+            </a:r>
+            <a:r>
+              <a:rPr lang="en-US" sz="2000" dirty="0" err="1" smtClean="0">
+                <a:latin typeface="Times New Roman" pitchFamily="18" charset="0"/>
+                <a:cs typeface="Times New Roman" pitchFamily="18" charset="0"/>
+              </a:rPr>
               <a:t>phân</a:t>
             </a:r>
             <a:r>
-              <a:rPr lang="en-US" dirty="0" smtClean="0"/>
-              <a:t> </a:t>
-            </a:r>
-            <a:r>
-              <a:rPr lang="en-US" dirty="0" err="1" smtClean="0"/>
+              <a:rPr lang="en-US" sz="2000" dirty="0" smtClean="0">
+                <a:latin typeface="Times New Roman" pitchFamily="18" charset="0"/>
+                <a:cs typeface="Times New Roman" pitchFamily="18" charset="0"/>
+              </a:rPr>
+              <a:t> </a:t>
+            </a:r>
+            <a:r>
+              <a:rPr lang="en-US" sz="2000" dirty="0" err="1" smtClean="0">
+                <a:latin typeface="Times New Roman" pitchFamily="18" charset="0"/>
+                <a:cs typeface="Times New Roman" pitchFamily="18" charset="0"/>
+              </a:rPr>
               <a:t>loại</a:t>
             </a:r>
             <a:r>
-              <a:rPr lang="en-US" dirty="0" smtClean="0"/>
-              <a:t> </a:t>
-            </a:r>
-            <a:r>
-              <a:rPr lang="en-US" dirty="0" err="1" smtClean="0"/>
+              <a:rPr lang="en-US" sz="2000" dirty="0" smtClean="0">
+                <a:latin typeface="Times New Roman" pitchFamily="18" charset="0"/>
+                <a:cs typeface="Times New Roman" pitchFamily="18" charset="0"/>
+              </a:rPr>
+              <a:t> </a:t>
+            </a:r>
+            <a:r>
+              <a:rPr lang="en-US" sz="2000" dirty="0" err="1" smtClean="0">
+                <a:latin typeface="Times New Roman" pitchFamily="18" charset="0"/>
+                <a:cs typeface="Times New Roman" pitchFamily="18" charset="0"/>
+              </a:rPr>
               <a:t>chủ</a:t>
             </a:r>
             <a:r>
-              <a:rPr lang="en-US" dirty="0" smtClean="0"/>
-              <a:t> </a:t>
-            </a:r>
-            <a:r>
-              <a:rPr lang="en-US" dirty="0" err="1" smtClean="0"/>
+              <a:rPr lang="en-US" sz="2000" dirty="0" smtClean="0">
+                <a:latin typeface="Times New Roman" pitchFamily="18" charset="0"/>
+                <a:cs typeface="Times New Roman" pitchFamily="18" charset="0"/>
+              </a:rPr>
+              <a:t> </a:t>
+            </a:r>
+            <a:r>
+              <a:rPr lang="en-US" sz="2000" dirty="0" err="1" smtClean="0">
+                <a:latin typeface="Times New Roman" pitchFamily="18" charset="0"/>
+                <a:cs typeface="Times New Roman" pitchFamily="18" charset="0"/>
+              </a:rPr>
               <a:t>đề</a:t>
             </a:r>
             <a:r>
-              <a:rPr lang="en-US" dirty="0" smtClean="0"/>
-              <a:t> </a:t>
-            </a:r>
-            <a:r>
-              <a:rPr lang="en-US" dirty="0" err="1" smtClean="0"/>
+              <a:rPr lang="en-US" sz="2000" dirty="0" smtClean="0">
+                <a:latin typeface="Times New Roman" pitchFamily="18" charset="0"/>
+                <a:cs typeface="Times New Roman" pitchFamily="18" charset="0"/>
+              </a:rPr>
+              <a:t> </a:t>
+            </a:r>
+            <a:r>
+              <a:rPr lang="en-US" sz="2000" dirty="0" err="1" smtClean="0">
+                <a:latin typeface="Times New Roman" pitchFamily="18" charset="0"/>
+                <a:cs typeface="Times New Roman" pitchFamily="18" charset="0"/>
+              </a:rPr>
               <a:t>cho</a:t>
             </a:r>
             <a:r>
-              <a:rPr lang="en-US" dirty="0" smtClean="0"/>
-              <a:t> </a:t>
-            </a:r>
-            <a:r>
-              <a:rPr lang="en-US" dirty="0" err="1" smtClean="0"/>
+              <a:rPr lang="en-US" sz="2000" dirty="0" smtClean="0">
+                <a:latin typeface="Times New Roman" pitchFamily="18" charset="0"/>
+                <a:cs typeface="Times New Roman" pitchFamily="18" charset="0"/>
+              </a:rPr>
+              <a:t> </a:t>
+            </a:r>
+            <a:r>
+              <a:rPr lang="en-US" sz="2000" dirty="0" err="1" smtClean="0">
+                <a:latin typeface="Times New Roman" pitchFamily="18" charset="0"/>
+                <a:cs typeface="Times New Roman" pitchFamily="18" charset="0"/>
+              </a:rPr>
               <a:t>các</a:t>
             </a:r>
             <a:r>
-              <a:rPr lang="en-US" dirty="0" smtClean="0"/>
-              <a:t> </a:t>
-            </a:r>
-            <a:r>
-              <a:rPr lang="en-US" dirty="0" err="1" smtClean="0"/>
+              <a:rPr lang="en-US" sz="2000" dirty="0" smtClean="0">
+                <a:latin typeface="Times New Roman" pitchFamily="18" charset="0"/>
+                <a:cs typeface="Times New Roman" pitchFamily="18" charset="0"/>
+              </a:rPr>
+              <a:t> </a:t>
+            </a:r>
+            <a:r>
+              <a:rPr lang="en-US" sz="2000" dirty="0" err="1" smtClean="0">
+                <a:latin typeface="Times New Roman" pitchFamily="18" charset="0"/>
+                <a:cs typeface="Times New Roman" pitchFamily="18" charset="0"/>
+              </a:rPr>
               <a:t>bài</a:t>
             </a:r>
             <a:r>
-              <a:rPr lang="en-US" dirty="0" smtClean="0"/>
-              <a:t> </a:t>
-            </a:r>
-            <a:r>
-              <a:rPr lang="en-US" dirty="0" err="1" smtClean="0"/>
+              <a:rPr lang="en-US" sz="2000" dirty="0" smtClean="0">
+                <a:latin typeface="Times New Roman" pitchFamily="18" charset="0"/>
+                <a:cs typeface="Times New Roman" pitchFamily="18" charset="0"/>
+              </a:rPr>
+              <a:t> </a:t>
+            </a:r>
+            <a:r>
+              <a:rPr lang="en-US" sz="2000" dirty="0" err="1" smtClean="0">
+                <a:latin typeface="Times New Roman" pitchFamily="18" charset="0"/>
+                <a:cs typeface="Times New Roman" pitchFamily="18" charset="0"/>
+              </a:rPr>
               <a:t>báo</a:t>
             </a:r>
             <a:r>
-              <a:rPr lang="en-US" dirty="0" smtClean="0"/>
-              <a:t> </a:t>
-            </a:r>
-            <a:r>
-              <a:rPr lang="en-US" dirty="0" err="1" smtClean="0"/>
+              <a:rPr lang="en-US" sz="2000" dirty="0" smtClean="0">
+                <a:latin typeface="Times New Roman" pitchFamily="18" charset="0"/>
+                <a:cs typeface="Times New Roman" pitchFamily="18" charset="0"/>
+              </a:rPr>
+              <a:t> </a:t>
+            </a:r>
+            <a:r>
+              <a:rPr lang="en-US" sz="2000" dirty="0" err="1" smtClean="0">
+                <a:latin typeface="Times New Roman" pitchFamily="18" charset="0"/>
+                <a:cs typeface="Times New Roman" pitchFamily="18" charset="0"/>
+              </a:rPr>
               <a:t>thu</a:t>
             </a:r>
             <a:r>
-              <a:rPr lang="en-US" dirty="0" smtClean="0"/>
-              <a:t> </a:t>
-            </a:r>
-            <a:r>
-              <a:rPr lang="en-US" dirty="0" err="1" smtClean="0"/>
+              <a:rPr lang="en-US" sz="2000" dirty="0" smtClean="0">
+                <a:latin typeface="Times New Roman" pitchFamily="18" charset="0"/>
+                <a:cs typeface="Times New Roman" pitchFamily="18" charset="0"/>
+              </a:rPr>
+              <a:t> </a:t>
+            </a:r>
+            <a:r>
+              <a:rPr lang="en-US" sz="2000" dirty="0" err="1" smtClean="0">
+                <a:latin typeface="Times New Roman" pitchFamily="18" charset="0"/>
+                <a:cs typeface="Times New Roman" pitchFamily="18" charset="0"/>
+              </a:rPr>
               <a:t>thập</a:t>
             </a:r>
             <a:r>
-              <a:rPr lang="en-US" dirty="0" smtClean="0"/>
-              <a:t> </a:t>
-            </a:r>
-            <a:r>
-              <a:rPr lang="en-US" dirty="0" err="1" smtClean="0"/>
+              <a:rPr lang="en-US" sz="2000" dirty="0" smtClean="0">
+                <a:latin typeface="Times New Roman" pitchFamily="18" charset="0"/>
+                <a:cs typeface="Times New Roman" pitchFamily="18" charset="0"/>
+              </a:rPr>
+              <a:t> </a:t>
+            </a:r>
+            <a:r>
+              <a:rPr lang="en-US" sz="2000" dirty="0" err="1" smtClean="0">
+                <a:latin typeface="Times New Roman" pitchFamily="18" charset="0"/>
+                <a:cs typeface="Times New Roman" pitchFamily="18" charset="0"/>
+              </a:rPr>
               <a:t>được</a:t>
             </a:r>
             <a:r>
-              <a:rPr lang="en-US" dirty="0" smtClean="0"/>
+              <a:rPr lang="en-US" sz="2000" dirty="0" smtClean="0">
+                <a:latin typeface="Times New Roman" pitchFamily="18" charset="0"/>
+                <a:cs typeface="Times New Roman" pitchFamily="18" charset="0"/>
+              </a:rPr>
               <a:t>, </a:t>
             </a:r>
             <a:r>
-              <a:rPr lang="en-US" dirty="0" err="1" smtClean="0"/>
+              <a:rPr lang="en-US" sz="2000" dirty="0" err="1" smtClean="0">
+                <a:latin typeface="Times New Roman" pitchFamily="18" charset="0"/>
+                <a:cs typeface="Times New Roman" pitchFamily="18" charset="0"/>
+              </a:rPr>
               <a:t>dựa</a:t>
             </a:r>
             <a:r>
-              <a:rPr lang="en-US" dirty="0" smtClean="0"/>
-              <a:t> </a:t>
-            </a:r>
-            <a:r>
-              <a:rPr lang="en-US" dirty="0" err="1" smtClean="0"/>
+              <a:rPr lang="en-US" sz="2000" dirty="0" smtClean="0">
+                <a:latin typeface="Times New Roman" pitchFamily="18" charset="0"/>
+                <a:cs typeface="Times New Roman" pitchFamily="18" charset="0"/>
+              </a:rPr>
+              <a:t> </a:t>
+            </a:r>
+            <a:r>
+              <a:rPr lang="en-US" sz="2000" dirty="0" err="1" smtClean="0">
+                <a:latin typeface="Times New Roman" pitchFamily="18" charset="0"/>
+                <a:cs typeface="Times New Roman" pitchFamily="18" charset="0"/>
+              </a:rPr>
               <a:t>vào</a:t>
             </a:r>
             <a:r>
-              <a:rPr lang="en-US" dirty="0" smtClean="0"/>
+              <a:rPr lang="en-US" sz="2000" dirty="0" smtClean="0">
+                <a:latin typeface="Times New Roman" pitchFamily="18" charset="0"/>
+                <a:cs typeface="Times New Roman" pitchFamily="18" charset="0"/>
+              </a:rPr>
               <a:t> Title - abstract </a:t>
             </a:r>
             <a:r>
-              <a:rPr lang="en-US" dirty="0" err="1" smtClean="0"/>
+              <a:rPr lang="en-US" sz="2000" dirty="0" err="1" smtClean="0">
+                <a:latin typeface="Times New Roman" pitchFamily="18" charset="0"/>
+                <a:cs typeface="Times New Roman" pitchFamily="18" charset="0"/>
+              </a:rPr>
               <a:t>của</a:t>
             </a:r>
             <a:r>
-              <a:rPr lang="en-US" dirty="0" smtClean="0"/>
-              <a:t> </a:t>
-            </a:r>
-            <a:r>
-              <a:rPr lang="en-US" dirty="0" err="1" smtClean="0"/>
+              <a:rPr lang="en-US" sz="2000" dirty="0" smtClean="0">
+                <a:latin typeface="Times New Roman" pitchFamily="18" charset="0"/>
+                <a:cs typeface="Times New Roman" pitchFamily="18" charset="0"/>
+              </a:rPr>
+              <a:t> </a:t>
+            </a:r>
+            <a:r>
+              <a:rPr lang="en-US" sz="2000" dirty="0" err="1" smtClean="0">
+                <a:latin typeface="Times New Roman" pitchFamily="18" charset="0"/>
+                <a:cs typeface="Times New Roman" pitchFamily="18" charset="0"/>
+              </a:rPr>
               <a:t>bài</a:t>
             </a:r>
             <a:r>
-              <a:rPr lang="en-US" dirty="0" smtClean="0"/>
-              <a:t> </a:t>
-            </a:r>
-            <a:r>
-              <a:rPr lang="en-US" dirty="0" err="1" smtClean="0"/>
+              <a:rPr lang="en-US" sz="2000" dirty="0" smtClean="0">
+                <a:latin typeface="Times New Roman" pitchFamily="18" charset="0"/>
+                <a:cs typeface="Times New Roman" pitchFamily="18" charset="0"/>
+              </a:rPr>
+              <a:t> </a:t>
+            </a:r>
+            <a:r>
+              <a:rPr lang="en-US" sz="2000" dirty="0" err="1" smtClean="0">
+                <a:latin typeface="Times New Roman" pitchFamily="18" charset="0"/>
+                <a:cs typeface="Times New Roman" pitchFamily="18" charset="0"/>
+              </a:rPr>
+              <a:t>báo.Phạm</a:t>
+            </a:r>
+            <a:r>
+              <a:rPr lang="en-US" sz="2000" dirty="0" smtClean="0">
+                <a:latin typeface="Times New Roman" pitchFamily="18" charset="0"/>
+                <a:cs typeface="Times New Roman" pitchFamily="18" charset="0"/>
+              </a:rPr>
+              <a:t> vi </a:t>
+            </a:r>
+            <a:r>
+              <a:rPr lang="en-US" sz="2000" dirty="0" err="1" smtClean="0">
+                <a:latin typeface="Times New Roman" pitchFamily="18" charset="0"/>
+                <a:cs typeface="Times New Roman" pitchFamily="18" charset="0"/>
+              </a:rPr>
+              <a:t>phân</a:t>
+            </a:r>
+            <a:r>
+              <a:rPr lang="en-US" sz="2000" dirty="0" smtClean="0">
+                <a:latin typeface="Times New Roman" pitchFamily="18" charset="0"/>
+                <a:cs typeface="Times New Roman" pitchFamily="18" charset="0"/>
+              </a:rPr>
+              <a:t> </a:t>
+            </a:r>
+            <a:r>
+              <a:rPr lang="en-US" sz="2000" dirty="0" err="1" smtClean="0">
+                <a:latin typeface="Times New Roman" pitchFamily="18" charset="0"/>
+                <a:cs typeface="Times New Roman" pitchFamily="18" charset="0"/>
+              </a:rPr>
+              <a:t>loại</a:t>
+            </a:r>
+            <a:r>
+              <a:rPr lang="en-US" sz="2000" dirty="0" smtClean="0">
+                <a:latin typeface="Times New Roman" pitchFamily="18" charset="0"/>
+                <a:cs typeface="Times New Roman" pitchFamily="18" charset="0"/>
+              </a:rPr>
+              <a:t> </a:t>
+            </a:r>
+            <a:r>
+              <a:rPr lang="en-US" sz="2000" dirty="0" err="1" smtClean="0">
+                <a:latin typeface="Times New Roman" pitchFamily="18" charset="0"/>
+                <a:cs typeface="Times New Roman" pitchFamily="18" charset="0"/>
+              </a:rPr>
+              <a:t>chủ</a:t>
+            </a:r>
+            <a:r>
+              <a:rPr lang="en-US" sz="2000" dirty="0" smtClean="0">
+                <a:latin typeface="Times New Roman" pitchFamily="18" charset="0"/>
+                <a:cs typeface="Times New Roman" pitchFamily="18" charset="0"/>
+              </a:rPr>
+              <a:t> </a:t>
+            </a:r>
+            <a:r>
+              <a:rPr lang="en-US" sz="2000" dirty="0" err="1" smtClean="0">
+                <a:latin typeface="Times New Roman" pitchFamily="18" charset="0"/>
+                <a:cs typeface="Times New Roman" pitchFamily="18" charset="0"/>
+              </a:rPr>
+              <a:t>đề</a:t>
+            </a:r>
+            <a:r>
+              <a:rPr lang="en-US" sz="2000" dirty="0" smtClean="0">
+                <a:latin typeface="Times New Roman" pitchFamily="18" charset="0"/>
+                <a:cs typeface="Times New Roman" pitchFamily="18" charset="0"/>
+              </a:rPr>
+              <a:t> </a:t>
+            </a:r>
+            <a:r>
+              <a:rPr lang="en-US" sz="2000" dirty="0" err="1" smtClean="0">
+                <a:latin typeface="Times New Roman" pitchFamily="18" charset="0"/>
+                <a:cs typeface="Times New Roman" pitchFamily="18" charset="0"/>
+              </a:rPr>
+              <a:t>thuộc</a:t>
+            </a:r>
+            <a:r>
+              <a:rPr lang="en-US" sz="2000" dirty="0" smtClean="0">
+                <a:latin typeface="Times New Roman" pitchFamily="18" charset="0"/>
+                <a:cs typeface="Times New Roman" pitchFamily="18" charset="0"/>
+              </a:rPr>
+              <a:t> </a:t>
+            </a:r>
+            <a:r>
+              <a:rPr lang="en-US" sz="2000" dirty="0" err="1" smtClean="0">
+                <a:latin typeface="Times New Roman" pitchFamily="18" charset="0"/>
+                <a:cs typeface="Times New Roman" pitchFamily="18" charset="0"/>
+              </a:rPr>
+              <a:t>khoa</a:t>
+            </a:r>
+            <a:r>
+              <a:rPr lang="en-US" sz="2000" dirty="0" smtClean="0">
+                <a:latin typeface="Times New Roman" pitchFamily="18" charset="0"/>
+                <a:cs typeface="Times New Roman" pitchFamily="18" charset="0"/>
+              </a:rPr>
+              <a:t> </a:t>
+            </a:r>
+            <a:r>
+              <a:rPr lang="en-US" sz="2000" dirty="0" err="1" smtClean="0">
+                <a:latin typeface="Times New Roman" pitchFamily="18" charset="0"/>
+                <a:cs typeface="Times New Roman" pitchFamily="18" charset="0"/>
+              </a:rPr>
+              <a:t>học</a:t>
+            </a:r>
+            <a:r>
+              <a:rPr lang="en-US" sz="2000" dirty="0" smtClean="0">
+                <a:latin typeface="Times New Roman" pitchFamily="18" charset="0"/>
+                <a:cs typeface="Times New Roman" pitchFamily="18" charset="0"/>
+              </a:rPr>
+              <a:t> </a:t>
+            </a:r>
+            <a:r>
+              <a:rPr lang="en-US" sz="2000" dirty="0" err="1" smtClean="0">
+                <a:latin typeface="Times New Roman" pitchFamily="18" charset="0"/>
+                <a:cs typeface="Times New Roman" pitchFamily="18" charset="0"/>
+              </a:rPr>
+              <a:t>máy</a:t>
+            </a:r>
+            <a:r>
+              <a:rPr lang="en-US" sz="2000" dirty="0" smtClean="0">
+                <a:latin typeface="Times New Roman" pitchFamily="18" charset="0"/>
+                <a:cs typeface="Times New Roman" pitchFamily="18" charset="0"/>
+              </a:rPr>
+              <a:t> </a:t>
+            </a:r>
+            <a:r>
+              <a:rPr lang="en-US" sz="2000" dirty="0" err="1" smtClean="0">
+                <a:latin typeface="Times New Roman" pitchFamily="18" charset="0"/>
+                <a:cs typeface="Times New Roman" pitchFamily="18" charset="0"/>
+              </a:rPr>
+              <a:t>tính</a:t>
+            </a:r>
+            <a:r>
+              <a:rPr lang="en-US" sz="2000" dirty="0" smtClean="0">
+                <a:latin typeface="Times New Roman" pitchFamily="18" charset="0"/>
+                <a:cs typeface="Times New Roman" pitchFamily="18" charset="0"/>
+              </a:rPr>
+              <a:t> (</a:t>
+            </a:r>
+            <a:r>
+              <a:rPr lang="en-US" sz="2000" i="1" dirty="0" err="1" smtClean="0">
+                <a:latin typeface="Times New Roman" pitchFamily="18" charset="0"/>
+                <a:cs typeface="Times New Roman" pitchFamily="18" charset="0"/>
+              </a:rPr>
+              <a:t>tên</a:t>
+            </a:r>
+            <a:r>
+              <a:rPr lang="en-US" sz="2000" i="1" dirty="0" smtClean="0">
+                <a:latin typeface="Times New Roman" pitchFamily="18" charset="0"/>
+                <a:cs typeface="Times New Roman" pitchFamily="18" charset="0"/>
+              </a:rPr>
+              <a:t> </a:t>
+            </a:r>
+            <a:r>
+              <a:rPr lang="en-US" sz="2000" i="1" dirty="0" err="1" smtClean="0">
+                <a:latin typeface="Times New Roman" pitchFamily="18" charset="0"/>
+                <a:cs typeface="Times New Roman" pitchFamily="18" charset="0"/>
+              </a:rPr>
+              <a:t>chủ</a:t>
+            </a:r>
+            <a:r>
+              <a:rPr lang="en-US" sz="2000" i="1" dirty="0" smtClean="0">
+                <a:latin typeface="Times New Roman" pitchFamily="18" charset="0"/>
+                <a:cs typeface="Times New Roman" pitchFamily="18" charset="0"/>
+              </a:rPr>
+              <a:t> </a:t>
+            </a:r>
+            <a:r>
+              <a:rPr lang="en-US" sz="2000" i="1" dirty="0" err="1" smtClean="0">
+                <a:latin typeface="Times New Roman" pitchFamily="18" charset="0"/>
+                <a:cs typeface="Times New Roman" pitchFamily="18" charset="0"/>
+              </a:rPr>
+              <a:t>đề</a:t>
+            </a:r>
+            <a:r>
+              <a:rPr lang="en-US" sz="2000" i="1" dirty="0" smtClean="0">
+                <a:latin typeface="Times New Roman" pitchFamily="18" charset="0"/>
+                <a:cs typeface="Times New Roman" pitchFamily="18" charset="0"/>
+              </a:rPr>
+              <a:t> </a:t>
+            </a:r>
+            <a:r>
+              <a:rPr lang="en-US" sz="2000" i="1" dirty="0" err="1" smtClean="0">
+                <a:latin typeface="Times New Roman" pitchFamily="18" charset="0"/>
+                <a:cs typeface="Times New Roman" pitchFamily="18" charset="0"/>
+              </a:rPr>
+              <a:t>được</a:t>
+            </a:r>
+            <a:r>
+              <a:rPr lang="en-US" sz="2000" i="1" dirty="0" smtClean="0">
+                <a:latin typeface="Times New Roman" pitchFamily="18" charset="0"/>
+                <a:cs typeface="Times New Roman" pitchFamily="18" charset="0"/>
+              </a:rPr>
+              <a:t> </a:t>
+            </a:r>
+            <a:r>
+              <a:rPr lang="en-US" sz="2000" i="1" dirty="0" err="1" smtClean="0">
+                <a:latin typeface="Times New Roman" pitchFamily="18" charset="0"/>
+                <a:cs typeface="Times New Roman" pitchFamily="18" charset="0"/>
+              </a:rPr>
+              <a:t>tham</a:t>
+            </a:r>
+            <a:r>
+              <a:rPr lang="en-US" sz="2000" i="1" dirty="0" smtClean="0">
+                <a:latin typeface="Times New Roman" pitchFamily="18" charset="0"/>
+                <a:cs typeface="Times New Roman" pitchFamily="18" charset="0"/>
+              </a:rPr>
+              <a:t> </a:t>
+            </a:r>
+            <a:r>
+              <a:rPr lang="en-US" sz="2000" i="1" dirty="0" err="1" smtClean="0">
+                <a:latin typeface="Times New Roman" pitchFamily="18" charset="0"/>
+                <a:cs typeface="Times New Roman" pitchFamily="18" charset="0"/>
+              </a:rPr>
+              <a:t>khảo</a:t>
+            </a:r>
+            <a:r>
+              <a:rPr lang="en-US" sz="2000" i="1" dirty="0" smtClean="0">
+                <a:latin typeface="Times New Roman" pitchFamily="18" charset="0"/>
+                <a:cs typeface="Times New Roman" pitchFamily="18" charset="0"/>
+              </a:rPr>
+              <a:t> </a:t>
+            </a:r>
+            <a:r>
+              <a:rPr lang="en-US" sz="2000" i="1" dirty="0" err="1" smtClean="0">
+                <a:latin typeface="Times New Roman" pitchFamily="18" charset="0"/>
+                <a:cs typeface="Times New Roman" pitchFamily="18" charset="0"/>
+              </a:rPr>
+              <a:t>từ</a:t>
+            </a:r>
+            <a:r>
+              <a:rPr lang="en-US" sz="2000" i="1" dirty="0" smtClean="0">
+                <a:latin typeface="Times New Roman" pitchFamily="18" charset="0"/>
+                <a:cs typeface="Times New Roman" pitchFamily="18" charset="0"/>
+              </a:rPr>
+              <a:t> wiki</a:t>
+            </a:r>
+            <a:r>
+              <a:rPr lang="en-US" sz="2000" dirty="0" smtClean="0">
+                <a:latin typeface="Times New Roman" pitchFamily="18" charset="0"/>
+                <a:cs typeface="Times New Roman" pitchFamily="18" charset="0"/>
+              </a:rPr>
+              <a:t>)</a:t>
+            </a:r>
+            <a:r>
+              <a:rPr lang="en-US" sz="2000" dirty="0" smtClean="0">
+                <a:latin typeface="Times New Roman" pitchFamily="18" charset="0"/>
+                <a:cs typeface="Times New Roman" pitchFamily="18" charset="0"/>
+                <a:sym typeface="Wingdings" pitchFamily="2" charset="2"/>
+              </a:rPr>
+              <a:t>.</a:t>
+            </a:r>
+          </a:p>
+          <a:p>
+            <a:endParaRPr lang="en-US" sz="2000" dirty="0" smtClean="0">
+              <a:latin typeface="Times New Roman" pitchFamily="18" charset="0"/>
+              <a:cs typeface="Times New Roman" pitchFamily="18" charset="0"/>
+              <a:sym typeface="Wingdings" pitchFamily="2" charset="2"/>
+            </a:endParaRPr>
+          </a:p>
+          <a:p>
+            <a:r>
+              <a:rPr lang="en-US" sz="2000" dirty="0" err="1" smtClean="0">
+                <a:latin typeface="Times New Roman" pitchFamily="18" charset="0"/>
+                <a:cs typeface="Times New Roman" pitchFamily="18" charset="0"/>
+                <a:sym typeface="Wingdings" pitchFamily="2" charset="2"/>
+              </a:rPr>
+              <a:t>Cập</a:t>
+            </a:r>
+            <a:r>
+              <a:rPr lang="en-US" sz="2000" dirty="0" smtClean="0">
+                <a:latin typeface="Times New Roman" pitchFamily="18" charset="0"/>
+                <a:cs typeface="Times New Roman" pitchFamily="18" charset="0"/>
+                <a:sym typeface="Wingdings" pitchFamily="2" charset="2"/>
+              </a:rPr>
+              <a:t> </a:t>
+            </a:r>
+            <a:r>
+              <a:rPr lang="en-US" sz="2000" dirty="0" err="1" smtClean="0">
+                <a:latin typeface="Times New Roman" pitchFamily="18" charset="0"/>
+                <a:cs typeface="Times New Roman" pitchFamily="18" charset="0"/>
+                <a:sym typeface="Wingdings" pitchFamily="2" charset="2"/>
+              </a:rPr>
+              <a:t>nhật</a:t>
+            </a:r>
+            <a:r>
+              <a:rPr lang="en-US" sz="2000" dirty="0" smtClean="0">
+                <a:latin typeface="Times New Roman" pitchFamily="18" charset="0"/>
+                <a:cs typeface="Times New Roman" pitchFamily="18" charset="0"/>
+                <a:sym typeface="Wingdings" pitchFamily="2" charset="2"/>
+              </a:rPr>
+              <a:t> abstract </a:t>
+            </a:r>
+            <a:r>
+              <a:rPr lang="en-US" sz="2000" dirty="0" err="1" smtClean="0">
+                <a:latin typeface="Times New Roman" pitchFamily="18" charset="0"/>
+                <a:cs typeface="Times New Roman" pitchFamily="18" charset="0"/>
+                <a:sym typeface="Wingdings" pitchFamily="2" charset="2"/>
+              </a:rPr>
+              <a:t>cho</a:t>
+            </a:r>
+            <a:r>
+              <a:rPr lang="en-US" sz="2000" dirty="0" smtClean="0">
+                <a:latin typeface="Times New Roman" pitchFamily="18" charset="0"/>
+                <a:cs typeface="Times New Roman" pitchFamily="18" charset="0"/>
+                <a:sym typeface="Wingdings" pitchFamily="2" charset="2"/>
+              </a:rPr>
+              <a:t> </a:t>
+            </a:r>
+            <a:r>
+              <a:rPr lang="en-US" sz="2000" dirty="0" err="1" smtClean="0">
+                <a:latin typeface="Times New Roman" pitchFamily="18" charset="0"/>
+                <a:cs typeface="Times New Roman" pitchFamily="18" charset="0"/>
+                <a:sym typeface="Wingdings" pitchFamily="2" charset="2"/>
+              </a:rPr>
+              <a:t>các</a:t>
+            </a:r>
+            <a:r>
+              <a:rPr lang="en-US" sz="2000" dirty="0" smtClean="0">
+                <a:latin typeface="Times New Roman" pitchFamily="18" charset="0"/>
+                <a:cs typeface="Times New Roman" pitchFamily="18" charset="0"/>
+                <a:sym typeface="Wingdings" pitchFamily="2" charset="2"/>
+              </a:rPr>
+              <a:t> </a:t>
+            </a:r>
+            <a:r>
+              <a:rPr lang="en-US" sz="2000" dirty="0" err="1" smtClean="0">
+                <a:latin typeface="Times New Roman" pitchFamily="18" charset="0"/>
+                <a:cs typeface="Times New Roman" pitchFamily="18" charset="0"/>
+                <a:sym typeface="Wingdings" pitchFamily="2" charset="2"/>
+              </a:rPr>
+              <a:t>bài</a:t>
+            </a:r>
+            <a:r>
+              <a:rPr lang="en-US" sz="2000" dirty="0" smtClean="0">
+                <a:latin typeface="Times New Roman" pitchFamily="18" charset="0"/>
+                <a:cs typeface="Times New Roman" pitchFamily="18" charset="0"/>
+                <a:sym typeface="Wingdings" pitchFamily="2" charset="2"/>
+              </a:rPr>
+              <a:t> </a:t>
+            </a:r>
+            <a:r>
+              <a:rPr lang="en-US" sz="2000" dirty="0" err="1" smtClean="0">
+                <a:latin typeface="Times New Roman" pitchFamily="18" charset="0"/>
+                <a:cs typeface="Times New Roman" pitchFamily="18" charset="0"/>
+                <a:sym typeface="Wingdings" pitchFamily="2" charset="2"/>
+              </a:rPr>
               <a:t>báo</a:t>
             </a:r>
             <a:r>
-              <a:rPr lang="en-US" dirty="0" smtClean="0"/>
+              <a:rPr lang="en-US" sz="2000" dirty="0" smtClean="0">
+                <a:latin typeface="Times New Roman" pitchFamily="18" charset="0"/>
+                <a:cs typeface="Times New Roman" pitchFamily="18" charset="0"/>
+                <a:sym typeface="Wingdings" pitchFamily="2" charset="2"/>
+              </a:rPr>
+              <a:t> </a:t>
+            </a:r>
+            <a:r>
+              <a:rPr lang="en-US" sz="2000" dirty="0" err="1" smtClean="0">
+                <a:latin typeface="Times New Roman" pitchFamily="18" charset="0"/>
+                <a:cs typeface="Times New Roman" pitchFamily="18" charset="0"/>
+                <a:sym typeface="Wingdings" pitchFamily="2" charset="2"/>
+              </a:rPr>
+              <a:t>trong</a:t>
+            </a:r>
+            <a:r>
+              <a:rPr lang="en-US" sz="2000" dirty="0" smtClean="0">
+                <a:latin typeface="Times New Roman" pitchFamily="18" charset="0"/>
+                <a:cs typeface="Times New Roman" pitchFamily="18" charset="0"/>
+                <a:sym typeface="Wingdings" pitchFamily="2" charset="2"/>
+              </a:rPr>
+              <a:t> </a:t>
+            </a:r>
+            <a:r>
+              <a:rPr lang="en-US" sz="2000" dirty="0" err="1" smtClean="0">
+                <a:latin typeface="Times New Roman" pitchFamily="18" charset="0"/>
+                <a:cs typeface="Times New Roman" pitchFamily="18" charset="0"/>
+                <a:sym typeface="Wingdings" pitchFamily="2" charset="2"/>
+              </a:rPr>
+              <a:t>dữ</a:t>
+            </a:r>
+            <a:r>
+              <a:rPr lang="en-US" sz="2000" dirty="0" smtClean="0">
+                <a:latin typeface="Times New Roman" pitchFamily="18" charset="0"/>
+                <a:cs typeface="Times New Roman" pitchFamily="18" charset="0"/>
+                <a:sym typeface="Wingdings" pitchFamily="2" charset="2"/>
+              </a:rPr>
+              <a:t> </a:t>
+            </a:r>
+            <a:r>
+              <a:rPr lang="en-US" sz="2000" dirty="0" err="1" smtClean="0">
+                <a:latin typeface="Times New Roman" pitchFamily="18" charset="0"/>
+                <a:cs typeface="Times New Roman" pitchFamily="18" charset="0"/>
+                <a:sym typeface="Wingdings" pitchFamily="2" charset="2"/>
+              </a:rPr>
+              <a:t>liệu</a:t>
+            </a:r>
+            <a:r>
+              <a:rPr lang="en-US" sz="2000" dirty="0" smtClean="0">
+                <a:latin typeface="Times New Roman" pitchFamily="18" charset="0"/>
+                <a:cs typeface="Times New Roman" pitchFamily="18" charset="0"/>
+                <a:sym typeface="Wingdings" pitchFamily="2" charset="2"/>
+              </a:rPr>
+              <a:t> </a:t>
+            </a:r>
+            <a:r>
+              <a:rPr lang="en-US" sz="2000" dirty="0" err="1" smtClean="0">
+                <a:latin typeface="Times New Roman" pitchFamily="18" charset="0"/>
+                <a:cs typeface="Times New Roman" pitchFamily="18" charset="0"/>
+                <a:sym typeface="Wingdings" pitchFamily="2" charset="2"/>
+              </a:rPr>
+              <a:t>chỉ</a:t>
+            </a:r>
+            <a:r>
+              <a:rPr lang="en-US" sz="2000" dirty="0" smtClean="0">
+                <a:latin typeface="Times New Roman" pitchFamily="18" charset="0"/>
+                <a:cs typeface="Times New Roman" pitchFamily="18" charset="0"/>
+                <a:sym typeface="Wingdings" pitchFamily="2" charset="2"/>
+              </a:rPr>
+              <a:t> </a:t>
+            </a:r>
+            <a:r>
+              <a:rPr lang="en-US" sz="2000" dirty="0" err="1" smtClean="0">
+                <a:latin typeface="Times New Roman" pitchFamily="18" charset="0"/>
+                <a:cs typeface="Times New Roman" pitchFamily="18" charset="0"/>
+                <a:sym typeface="Wingdings" pitchFamily="2" charset="2"/>
+              </a:rPr>
+              <a:t>mục</a:t>
+            </a:r>
+            <a:r>
+              <a:rPr lang="en-US" sz="2000" dirty="0" smtClean="0">
+                <a:latin typeface="Times New Roman" pitchFamily="18" charset="0"/>
+                <a:cs typeface="Times New Roman" pitchFamily="18" charset="0"/>
+                <a:sym typeface="Wingdings" pitchFamily="2" charset="2"/>
+              </a:rPr>
+              <a:t> DBLP</a:t>
+            </a:r>
+            <a:r>
+              <a:rPr lang="en-US" sz="2000" dirty="0" smtClean="0">
+                <a:latin typeface="Times New Roman" pitchFamily="18" charset="0"/>
+                <a:cs typeface="Times New Roman" pitchFamily="18" charset="0"/>
+                <a:sym typeface="Wingdings" pitchFamily="2" charset="2"/>
+              </a:rPr>
               <a:t>.</a:t>
             </a:r>
           </a:p>
           <a:p>
-            <a:r>
-              <a:rPr lang="en-US" dirty="0" err="1" smtClean="0"/>
-              <a:t>Phạm</a:t>
-            </a:r>
-            <a:r>
-              <a:rPr lang="en-US" dirty="0" smtClean="0"/>
-              <a:t> vi </a:t>
-            </a:r>
-            <a:r>
-              <a:rPr lang="en-US" dirty="0" err="1" smtClean="0"/>
-              <a:t>phân</a:t>
-            </a:r>
-            <a:r>
-              <a:rPr lang="en-US" dirty="0" smtClean="0"/>
-              <a:t> </a:t>
-            </a:r>
-            <a:r>
-              <a:rPr lang="en-US" dirty="0" err="1" smtClean="0"/>
-              <a:t>loại</a:t>
-            </a:r>
-            <a:r>
-              <a:rPr lang="en-US" dirty="0" smtClean="0"/>
-              <a:t> </a:t>
-            </a:r>
-            <a:r>
-              <a:rPr lang="en-US" dirty="0" err="1" smtClean="0"/>
-              <a:t>chủ</a:t>
-            </a:r>
-            <a:r>
-              <a:rPr lang="en-US" dirty="0" smtClean="0"/>
-              <a:t> </a:t>
-            </a:r>
-            <a:r>
-              <a:rPr lang="en-US" dirty="0" err="1" smtClean="0"/>
-              <a:t>đề</a:t>
-            </a:r>
-            <a:r>
-              <a:rPr lang="en-US" dirty="0" smtClean="0"/>
-              <a:t> </a:t>
-            </a:r>
-            <a:r>
-              <a:rPr lang="en-US" dirty="0" err="1" smtClean="0"/>
-              <a:t>thuộc</a:t>
-            </a:r>
-            <a:r>
-              <a:rPr lang="en-US" dirty="0" smtClean="0"/>
-              <a:t> </a:t>
-            </a:r>
-            <a:r>
-              <a:rPr lang="en-US" dirty="0" err="1" smtClean="0"/>
-              <a:t>khoa</a:t>
-            </a:r>
-            <a:r>
-              <a:rPr lang="en-US" dirty="0" smtClean="0"/>
-              <a:t> </a:t>
-            </a:r>
-            <a:r>
-              <a:rPr lang="en-US" dirty="0" err="1" smtClean="0"/>
-              <a:t>học</a:t>
-            </a:r>
-            <a:r>
-              <a:rPr lang="en-US" dirty="0" smtClean="0"/>
-              <a:t> </a:t>
-            </a:r>
-            <a:r>
-              <a:rPr lang="en-US" dirty="0" err="1" smtClean="0"/>
-              <a:t>máy</a:t>
-            </a:r>
-            <a:r>
-              <a:rPr lang="en-US" dirty="0" smtClean="0"/>
-              <a:t> </a:t>
-            </a:r>
-            <a:r>
-              <a:rPr lang="en-US" dirty="0" err="1" smtClean="0"/>
-              <a:t>tính</a:t>
-            </a:r>
-            <a:r>
-              <a:rPr lang="en-US" dirty="0" smtClean="0"/>
-              <a:t> (</a:t>
-            </a:r>
-            <a:r>
-              <a:rPr lang="en-US" dirty="0" err="1" smtClean="0"/>
+            <a:pPr>
+              <a:buNone/>
+            </a:pPr>
+            <a:r>
+              <a:rPr lang="en-US" sz="2000" dirty="0" smtClean="0">
+                <a:latin typeface="Times New Roman" pitchFamily="18" charset="0"/>
+                <a:cs typeface="Times New Roman" pitchFamily="18" charset="0"/>
+                <a:sym typeface="Wingdings" pitchFamily="2" charset="2"/>
+              </a:rPr>
+              <a:t>	</a:t>
+            </a:r>
+            <a:r>
+              <a:rPr lang="en-US" sz="2000" dirty="0" smtClean="0">
+                <a:latin typeface="Times New Roman" pitchFamily="18" charset="0"/>
+                <a:cs typeface="Times New Roman" pitchFamily="18" charset="0"/>
+                <a:sym typeface="Wingdings" pitchFamily="2" charset="2"/>
+              </a:rPr>
+              <a:t>	+ </a:t>
+            </a:r>
+            <a:r>
+              <a:rPr lang="en-US" sz="2000" dirty="0" err="1" smtClean="0">
+                <a:latin typeface="Times New Roman" pitchFamily="18" charset="0"/>
+                <a:cs typeface="Times New Roman" pitchFamily="18" charset="0"/>
+                <a:sym typeface="Wingdings" pitchFamily="2" charset="2"/>
+              </a:rPr>
+              <a:t>Dùng</a:t>
+            </a:r>
+            <a:r>
+              <a:rPr lang="en-US" sz="2000" dirty="0" smtClean="0">
+                <a:latin typeface="Times New Roman" pitchFamily="18" charset="0"/>
+                <a:cs typeface="Times New Roman" pitchFamily="18" charset="0"/>
+                <a:sym typeface="Wingdings" pitchFamily="2" charset="2"/>
+              </a:rPr>
+              <a:t> title </a:t>
+            </a:r>
+            <a:r>
+              <a:rPr lang="en-US" sz="2000" dirty="0" err="1" smtClean="0">
+                <a:latin typeface="Times New Roman" pitchFamily="18" charset="0"/>
+                <a:cs typeface="Times New Roman" pitchFamily="18" charset="0"/>
+                <a:sym typeface="Wingdings" pitchFamily="2" charset="2"/>
+              </a:rPr>
+              <a:t>bỏ</a:t>
+            </a:r>
+            <a:r>
+              <a:rPr lang="en-US" sz="2000" dirty="0" smtClean="0">
+                <a:latin typeface="Times New Roman" pitchFamily="18" charset="0"/>
+                <a:cs typeface="Times New Roman" pitchFamily="18" charset="0"/>
+                <a:sym typeface="Wingdings" pitchFamily="2" charset="2"/>
+              </a:rPr>
+              <a:t> </a:t>
+            </a:r>
+            <a:r>
+              <a:rPr lang="en-US" sz="2000" dirty="0" err="1" smtClean="0">
+                <a:latin typeface="Times New Roman" pitchFamily="18" charset="0"/>
+                <a:cs typeface="Times New Roman" pitchFamily="18" charset="0"/>
+                <a:sym typeface="Wingdings" pitchFamily="2" charset="2"/>
+              </a:rPr>
+              <a:t>lên</a:t>
+            </a:r>
+            <a:r>
+              <a:rPr lang="en-US" sz="2000" dirty="0" smtClean="0">
+                <a:latin typeface="Times New Roman" pitchFamily="18" charset="0"/>
+                <a:cs typeface="Times New Roman" pitchFamily="18" charset="0"/>
+                <a:sym typeface="Wingdings" pitchFamily="2" charset="2"/>
+              </a:rPr>
+              <a:t> search engine </a:t>
+            </a:r>
+            <a:r>
+              <a:rPr lang="en-US" sz="2000" dirty="0" err="1" smtClean="0">
+                <a:latin typeface="Times New Roman" pitchFamily="18" charset="0"/>
+                <a:cs typeface="Times New Roman" pitchFamily="18" charset="0"/>
+                <a:sym typeface="Wingdings" pitchFamily="2" charset="2"/>
+              </a:rPr>
+              <a:t>như</a:t>
+            </a:r>
+            <a:r>
+              <a:rPr lang="en-US" sz="2000" dirty="0" smtClean="0">
+                <a:latin typeface="Times New Roman" pitchFamily="18" charset="0"/>
+                <a:cs typeface="Times New Roman" pitchFamily="18" charset="0"/>
+                <a:sym typeface="Wingdings" pitchFamily="2" charset="2"/>
+              </a:rPr>
+              <a:t> </a:t>
+            </a:r>
+            <a:r>
+              <a:rPr lang="en-US" sz="2000" dirty="0" err="1" smtClean="0">
+                <a:latin typeface="Times New Roman" pitchFamily="18" charset="0"/>
+                <a:cs typeface="Times New Roman" pitchFamily="18" charset="0"/>
+                <a:sym typeface="Wingdings" pitchFamily="2" charset="2"/>
+              </a:rPr>
+              <a:t>google,yahoo</a:t>
+            </a:r>
+            <a:r>
+              <a:rPr lang="en-US" sz="2000" dirty="0" smtClean="0">
+                <a:latin typeface="Times New Roman" pitchFamily="18" charset="0"/>
+                <a:cs typeface="Times New Roman" pitchFamily="18" charset="0"/>
+                <a:sym typeface="Wingdings" pitchFamily="2" charset="2"/>
+              </a:rPr>
+              <a:t>.</a:t>
+            </a:r>
+          </a:p>
+          <a:p>
+            <a:pPr>
+              <a:buNone/>
+            </a:pPr>
+            <a:r>
+              <a:rPr lang="en-US" sz="2000" dirty="0" smtClean="0">
+                <a:latin typeface="Times New Roman" pitchFamily="18" charset="0"/>
+                <a:cs typeface="Times New Roman" pitchFamily="18" charset="0"/>
+                <a:sym typeface="Wingdings" pitchFamily="2" charset="2"/>
+              </a:rPr>
+              <a:t>		+ </a:t>
+            </a:r>
+            <a:r>
+              <a:rPr lang="en-US" sz="2000" dirty="0" err="1" smtClean="0">
+                <a:latin typeface="Times New Roman" pitchFamily="18" charset="0"/>
+                <a:cs typeface="Times New Roman" pitchFamily="18" charset="0"/>
+                <a:sym typeface="Wingdings" pitchFamily="2" charset="2"/>
+              </a:rPr>
+              <a:t>Dùng</a:t>
+            </a:r>
+            <a:r>
+              <a:rPr lang="en-US" sz="2000" dirty="0" smtClean="0">
+                <a:latin typeface="Times New Roman" pitchFamily="18" charset="0"/>
+                <a:cs typeface="Times New Roman" pitchFamily="18" charset="0"/>
+                <a:sym typeface="Wingdings" pitchFamily="2" charset="2"/>
+              </a:rPr>
+              <a:t> title </a:t>
+            </a:r>
+            <a:r>
+              <a:rPr lang="en-US" sz="2000" dirty="0" err="1" smtClean="0">
+                <a:latin typeface="Times New Roman" pitchFamily="18" charset="0"/>
+                <a:cs typeface="Times New Roman" pitchFamily="18" charset="0"/>
+                <a:sym typeface="Wingdings" pitchFamily="2" charset="2"/>
+              </a:rPr>
+              <a:t>đưa</a:t>
+            </a:r>
+            <a:r>
+              <a:rPr lang="en-US" sz="2000" dirty="0" smtClean="0">
+                <a:latin typeface="Times New Roman" pitchFamily="18" charset="0"/>
+                <a:cs typeface="Times New Roman" pitchFamily="18" charset="0"/>
+                <a:sym typeface="Wingdings" pitchFamily="2" charset="2"/>
+              </a:rPr>
+              <a:t> </a:t>
+            </a:r>
+            <a:r>
+              <a:rPr lang="en-US" sz="2000" dirty="0" err="1" smtClean="0">
+                <a:latin typeface="Times New Roman" pitchFamily="18" charset="0"/>
+                <a:cs typeface="Times New Roman" pitchFamily="18" charset="0"/>
+                <a:sym typeface="Wingdings" pitchFamily="2" charset="2"/>
+              </a:rPr>
+              <a:t>lên</a:t>
+            </a:r>
+            <a:r>
+              <a:rPr lang="en-US" sz="2000" dirty="0" smtClean="0">
+                <a:latin typeface="Times New Roman" pitchFamily="18" charset="0"/>
+                <a:cs typeface="Times New Roman" pitchFamily="18" charset="0"/>
+                <a:sym typeface="Wingdings" pitchFamily="2" charset="2"/>
+              </a:rPr>
+              <a:t> </a:t>
+            </a:r>
+            <a:r>
+              <a:rPr lang="en-US" sz="2000" dirty="0" err="1" smtClean="0">
+                <a:latin typeface="Times New Roman" pitchFamily="18" charset="0"/>
+                <a:cs typeface="Times New Roman" pitchFamily="18" charset="0"/>
+                <a:sym typeface="Wingdings" pitchFamily="2" charset="2"/>
+              </a:rPr>
+              <a:t>trực</a:t>
+            </a:r>
+            <a:r>
+              <a:rPr lang="en-US" sz="2000" dirty="0" smtClean="0">
+                <a:latin typeface="Times New Roman" pitchFamily="18" charset="0"/>
+                <a:cs typeface="Times New Roman" pitchFamily="18" charset="0"/>
+                <a:sym typeface="Wingdings" pitchFamily="2" charset="2"/>
+              </a:rPr>
+              <a:t> </a:t>
+            </a:r>
+            <a:r>
+              <a:rPr lang="en-US" sz="2000" dirty="0" err="1" smtClean="0">
+                <a:latin typeface="Times New Roman" pitchFamily="18" charset="0"/>
+                <a:cs typeface="Times New Roman" pitchFamily="18" charset="0"/>
+                <a:sym typeface="Wingdings" pitchFamily="2" charset="2"/>
+              </a:rPr>
+              <a:t>tiếp</a:t>
+            </a:r>
+            <a:r>
+              <a:rPr lang="en-US" sz="2000" dirty="0" smtClean="0">
+                <a:latin typeface="Times New Roman" pitchFamily="18" charset="0"/>
+                <a:cs typeface="Times New Roman" pitchFamily="18" charset="0"/>
+                <a:sym typeface="Wingdings" pitchFamily="2" charset="2"/>
+              </a:rPr>
+              <a:t> 1 </a:t>
+            </a:r>
+            <a:r>
+              <a:rPr lang="en-US" sz="2000" dirty="0" err="1" smtClean="0">
+                <a:latin typeface="Times New Roman" pitchFamily="18" charset="0"/>
+                <a:cs typeface="Times New Roman" pitchFamily="18" charset="0"/>
+                <a:sym typeface="Wingdings" pitchFamily="2" charset="2"/>
+              </a:rPr>
+              <a:t>thư</a:t>
+            </a:r>
+            <a:r>
+              <a:rPr lang="en-US" sz="2000" dirty="0" smtClean="0">
+                <a:latin typeface="Times New Roman" pitchFamily="18" charset="0"/>
+                <a:cs typeface="Times New Roman" pitchFamily="18" charset="0"/>
+                <a:sym typeface="Wingdings" pitchFamily="2" charset="2"/>
+              </a:rPr>
+              <a:t> </a:t>
+            </a:r>
+            <a:r>
+              <a:rPr lang="en-US" sz="2000" dirty="0" err="1" smtClean="0">
+                <a:latin typeface="Times New Roman" pitchFamily="18" charset="0"/>
+                <a:cs typeface="Times New Roman" pitchFamily="18" charset="0"/>
+                <a:sym typeface="Wingdings" pitchFamily="2" charset="2"/>
+              </a:rPr>
+              <a:t>viện</a:t>
+            </a:r>
+            <a:r>
+              <a:rPr lang="en-US" sz="2000" dirty="0" smtClean="0">
+                <a:latin typeface="Times New Roman" pitchFamily="18" charset="0"/>
+                <a:cs typeface="Times New Roman" pitchFamily="18" charset="0"/>
+                <a:sym typeface="Wingdings" pitchFamily="2" charset="2"/>
+              </a:rPr>
+              <a:t> </a:t>
+            </a:r>
+            <a:r>
+              <a:rPr lang="en-US" sz="2000" dirty="0" err="1" smtClean="0">
+                <a:latin typeface="Times New Roman" pitchFamily="18" charset="0"/>
+                <a:cs typeface="Times New Roman" pitchFamily="18" charset="0"/>
+                <a:sym typeface="Wingdings" pitchFamily="2" charset="2"/>
+              </a:rPr>
+              <a:t>số</a:t>
+            </a:r>
+            <a:r>
+              <a:rPr lang="en-US" sz="2000" dirty="0" smtClean="0">
+                <a:latin typeface="Times New Roman" pitchFamily="18" charset="0"/>
+                <a:cs typeface="Times New Roman" pitchFamily="18" charset="0"/>
+                <a:sym typeface="Wingdings" pitchFamily="2" charset="2"/>
+              </a:rPr>
+              <a:t> </a:t>
+            </a:r>
+            <a:r>
+              <a:rPr lang="en-US" sz="2000" dirty="0" err="1" smtClean="0">
+                <a:latin typeface="Times New Roman" pitchFamily="18" charset="0"/>
+                <a:cs typeface="Times New Roman" pitchFamily="18" charset="0"/>
+                <a:sym typeface="Wingdings" pitchFamily="2" charset="2"/>
+              </a:rPr>
+              <a:t>để</a:t>
+            </a:r>
+            <a:r>
+              <a:rPr lang="en-US" sz="2000" dirty="0" smtClean="0">
+                <a:latin typeface="Times New Roman" pitchFamily="18" charset="0"/>
+                <a:cs typeface="Times New Roman" pitchFamily="18" charset="0"/>
+                <a:sym typeface="Wingdings" pitchFamily="2" charset="2"/>
+              </a:rPr>
+              <a:t> </a:t>
+            </a:r>
+            <a:r>
+              <a:rPr lang="en-US" sz="2000" dirty="0" err="1" smtClean="0">
+                <a:latin typeface="Times New Roman" pitchFamily="18" charset="0"/>
+                <a:cs typeface="Times New Roman" pitchFamily="18" charset="0"/>
+                <a:sym typeface="Wingdings" pitchFamily="2" charset="2"/>
+              </a:rPr>
+              <a:t>lấy</a:t>
+            </a:r>
+            <a:r>
+              <a:rPr lang="en-US" sz="2000" dirty="0" smtClean="0">
+                <a:latin typeface="Times New Roman" pitchFamily="18" charset="0"/>
+                <a:cs typeface="Times New Roman" pitchFamily="18" charset="0"/>
+                <a:sym typeface="Wingdings" pitchFamily="2" charset="2"/>
+              </a:rPr>
+              <a:t> abstract </a:t>
+            </a:r>
+            <a:r>
+              <a:rPr lang="en-US" sz="2000" dirty="0" err="1" smtClean="0">
+                <a:latin typeface="Times New Roman" pitchFamily="18" charset="0"/>
+                <a:cs typeface="Times New Roman" pitchFamily="18" charset="0"/>
+                <a:sym typeface="Wingdings" pitchFamily="2" charset="2"/>
+              </a:rPr>
+              <a:t>về</a:t>
+            </a:r>
+            <a:r>
+              <a:rPr lang="en-US" sz="2000" dirty="0" smtClean="0">
+                <a:latin typeface="Times New Roman" pitchFamily="18" charset="0"/>
+                <a:cs typeface="Times New Roman" pitchFamily="18" charset="0"/>
+                <a:sym typeface="Wingdings" pitchFamily="2" charset="2"/>
+              </a:rPr>
+              <a:t>.</a:t>
+            </a:r>
+          </a:p>
+          <a:p>
+            <a:pPr>
+              <a:buNone/>
+            </a:pPr>
+            <a:endParaRPr lang="en-US" sz="2000" dirty="0" smtClean="0">
+              <a:latin typeface="Times New Roman" pitchFamily="18" charset="0"/>
+              <a:cs typeface="Times New Roman" pitchFamily="18" charset="0"/>
+              <a:sym typeface="Wingdings" pitchFamily="2" charset="2"/>
+            </a:endParaRPr>
+          </a:p>
+          <a:p>
+            <a:r>
+              <a:rPr lang="en-US" sz="2000" dirty="0" err="1" smtClean="0">
+                <a:latin typeface="Times New Roman" pitchFamily="18" charset="0"/>
+                <a:cs typeface="Times New Roman" pitchFamily="18" charset="0"/>
+                <a:sym typeface="Wingdings" pitchFamily="2" charset="2"/>
+              </a:rPr>
+              <a:t>Dựa</a:t>
+            </a:r>
+            <a:r>
+              <a:rPr lang="en-US" sz="2000" dirty="0" smtClean="0">
+                <a:latin typeface="Times New Roman" pitchFamily="18" charset="0"/>
+                <a:cs typeface="Times New Roman" pitchFamily="18" charset="0"/>
+                <a:sym typeface="Wingdings" pitchFamily="2" charset="2"/>
+              </a:rPr>
+              <a:t> </a:t>
+            </a:r>
+            <a:r>
+              <a:rPr lang="en-US" sz="2000" dirty="0" err="1" smtClean="0">
+                <a:latin typeface="Times New Roman" pitchFamily="18" charset="0"/>
+                <a:cs typeface="Times New Roman" pitchFamily="18" charset="0"/>
+                <a:sym typeface="Wingdings" pitchFamily="2" charset="2"/>
+              </a:rPr>
+              <a:t>vào</a:t>
+            </a:r>
+            <a:r>
+              <a:rPr lang="en-US" sz="2000" dirty="0" smtClean="0">
+                <a:latin typeface="Times New Roman" pitchFamily="18" charset="0"/>
+                <a:cs typeface="Times New Roman" pitchFamily="18" charset="0"/>
+                <a:sym typeface="Wingdings" pitchFamily="2" charset="2"/>
+              </a:rPr>
+              <a:t> </a:t>
+            </a:r>
+            <a:r>
+              <a:rPr lang="en-US" sz="2000" dirty="0" err="1" smtClean="0">
+                <a:latin typeface="Times New Roman" pitchFamily="18" charset="0"/>
+                <a:cs typeface="Times New Roman" pitchFamily="18" charset="0"/>
+                <a:sym typeface="Wingdings" pitchFamily="2" charset="2"/>
+              </a:rPr>
               <a:t>tên</a:t>
             </a:r>
             <a:r>
-              <a:rPr lang="en-US" dirty="0" smtClean="0"/>
-              <a:t> </a:t>
-            </a:r>
-            <a:r>
-              <a:rPr lang="en-US" dirty="0" err="1" smtClean="0"/>
-              <a:t>chủ</a:t>
-            </a:r>
-            <a:r>
-              <a:rPr lang="en-US" dirty="0" smtClean="0"/>
-              <a:t> </a:t>
-            </a:r>
-            <a:r>
-              <a:rPr lang="en-US" dirty="0" err="1" smtClean="0"/>
-              <a:t>đề</a:t>
-            </a:r>
-            <a:r>
-              <a:rPr lang="en-US" dirty="0" smtClean="0"/>
-              <a:t> </a:t>
-            </a:r>
-            <a:r>
-              <a:rPr lang="en-US" dirty="0" err="1" smtClean="0"/>
-              <a:t>được</a:t>
-            </a:r>
-            <a:r>
-              <a:rPr lang="en-US" dirty="0" smtClean="0"/>
-              <a:t> </a:t>
-            </a:r>
-            <a:r>
-              <a:rPr lang="en-US" dirty="0" err="1" smtClean="0"/>
-              <a:t>tham</a:t>
-            </a:r>
-            <a:r>
-              <a:rPr lang="en-US" dirty="0" smtClean="0"/>
-              <a:t> </a:t>
-            </a:r>
-            <a:r>
-              <a:rPr lang="en-US" dirty="0" err="1" smtClean="0"/>
-              <a:t>khảo</a:t>
-            </a:r>
-            <a:r>
-              <a:rPr lang="en-US" dirty="0" smtClean="0"/>
-              <a:t> </a:t>
-            </a:r>
-            <a:r>
-              <a:rPr lang="en-US" dirty="0" err="1" smtClean="0"/>
-              <a:t>từ</a:t>
-            </a:r>
-            <a:r>
-              <a:rPr lang="en-US" dirty="0" smtClean="0"/>
-              <a:t> wiki</a:t>
-            </a:r>
-            <a:r>
-              <a:rPr lang="en-US" dirty="0" smtClean="0"/>
-              <a:t>)</a:t>
-            </a:r>
-            <a:r>
-              <a:rPr lang="en-US" dirty="0" smtClean="0">
+              <a:rPr lang="en-US" sz="2000" dirty="0" smtClean="0">
+                <a:latin typeface="Times New Roman" pitchFamily="18" charset="0"/>
+                <a:cs typeface="Times New Roman" pitchFamily="18" charset="0"/>
                 <a:sym typeface="Wingdings" pitchFamily="2" charset="2"/>
               </a:rPr>
               <a:t> </a:t>
             </a:r>
-            <a:endParaRPr lang="en-US" dirty="0" smtClean="0"/>
+            <a:r>
+              <a:rPr lang="en-US" sz="2000" dirty="0" err="1" smtClean="0">
+                <a:latin typeface="Times New Roman" pitchFamily="18" charset="0"/>
+                <a:cs typeface="Times New Roman" pitchFamily="18" charset="0"/>
+                <a:sym typeface="Wingdings" pitchFamily="2" charset="2"/>
+              </a:rPr>
+              <a:t>tác</a:t>
+            </a:r>
+            <a:r>
+              <a:rPr lang="en-US" sz="2000" dirty="0" smtClean="0">
+                <a:latin typeface="Times New Roman" pitchFamily="18" charset="0"/>
+                <a:cs typeface="Times New Roman" pitchFamily="18" charset="0"/>
+                <a:sym typeface="Wingdings" pitchFamily="2" charset="2"/>
+              </a:rPr>
+              <a:t> </a:t>
+            </a:r>
+            <a:r>
+              <a:rPr lang="en-US" sz="2000" dirty="0" err="1" smtClean="0">
+                <a:latin typeface="Times New Roman" pitchFamily="18" charset="0"/>
+                <a:cs typeface="Times New Roman" pitchFamily="18" charset="0"/>
+                <a:sym typeface="Wingdings" pitchFamily="2" charset="2"/>
+              </a:rPr>
+              <a:t>giả</a:t>
+            </a:r>
+            <a:r>
+              <a:rPr lang="en-US" sz="2000" dirty="0" smtClean="0">
+                <a:latin typeface="Times New Roman" pitchFamily="18" charset="0"/>
+                <a:cs typeface="Times New Roman" pitchFamily="18" charset="0"/>
+                <a:sym typeface="Wingdings" pitchFamily="2" charset="2"/>
+              </a:rPr>
+              <a:t>  </a:t>
+            </a:r>
+            <a:r>
+              <a:rPr lang="en-US" sz="2000" dirty="0" err="1" smtClean="0">
+                <a:latin typeface="Times New Roman" pitchFamily="18" charset="0"/>
+                <a:cs typeface="Times New Roman" pitchFamily="18" charset="0"/>
+                <a:sym typeface="Wingdings" pitchFamily="2" charset="2"/>
+              </a:rPr>
+              <a:t>tìm</a:t>
+            </a:r>
+            <a:r>
+              <a:rPr lang="en-US" sz="2000" dirty="0" smtClean="0">
+                <a:latin typeface="Times New Roman" pitchFamily="18" charset="0"/>
+                <a:cs typeface="Times New Roman" pitchFamily="18" charset="0"/>
+                <a:sym typeface="Wingdings" pitchFamily="2" charset="2"/>
+              </a:rPr>
+              <a:t> </a:t>
+            </a:r>
+            <a:r>
+              <a:rPr lang="en-US" sz="2000" dirty="0" err="1" smtClean="0">
+                <a:latin typeface="Times New Roman" pitchFamily="18" charset="0"/>
+                <a:cs typeface="Times New Roman" pitchFamily="18" charset="0"/>
+                <a:sym typeface="Wingdings" pitchFamily="2" charset="2"/>
+              </a:rPr>
+              <a:t>trang</a:t>
+            </a:r>
+            <a:r>
+              <a:rPr lang="en-US" sz="2000" dirty="0" smtClean="0">
+                <a:latin typeface="Times New Roman" pitchFamily="18" charset="0"/>
+                <a:cs typeface="Times New Roman" pitchFamily="18" charset="0"/>
+                <a:sym typeface="Wingdings" pitchFamily="2" charset="2"/>
+              </a:rPr>
+              <a:t> web </a:t>
+            </a:r>
+            <a:r>
+              <a:rPr lang="en-US" sz="2000" dirty="0" err="1" smtClean="0">
+                <a:latin typeface="Times New Roman" pitchFamily="18" charset="0"/>
+                <a:cs typeface="Times New Roman" pitchFamily="18" charset="0"/>
+                <a:sym typeface="Wingdings" pitchFamily="2" charset="2"/>
+              </a:rPr>
+              <a:t>cá</a:t>
+            </a:r>
+            <a:r>
+              <a:rPr lang="en-US" sz="2000" dirty="0" smtClean="0">
+                <a:latin typeface="Times New Roman" pitchFamily="18" charset="0"/>
+                <a:cs typeface="Times New Roman" pitchFamily="18" charset="0"/>
+                <a:sym typeface="Wingdings" pitchFamily="2" charset="2"/>
+              </a:rPr>
+              <a:t> </a:t>
+            </a:r>
+            <a:r>
+              <a:rPr lang="en-US" sz="2000" dirty="0" err="1" smtClean="0">
+                <a:latin typeface="Times New Roman" pitchFamily="18" charset="0"/>
+                <a:cs typeface="Times New Roman" pitchFamily="18" charset="0"/>
+                <a:sym typeface="Wingdings" pitchFamily="2" charset="2"/>
+              </a:rPr>
+              <a:t>nhân</a:t>
+            </a:r>
+            <a:r>
+              <a:rPr lang="en-US" sz="2000" dirty="0" smtClean="0">
+                <a:latin typeface="Times New Roman" pitchFamily="18" charset="0"/>
+                <a:cs typeface="Times New Roman" pitchFamily="18" charset="0"/>
+                <a:sym typeface="Wingdings" pitchFamily="2" charset="2"/>
+              </a:rPr>
+              <a:t> </a:t>
+            </a:r>
+            <a:r>
+              <a:rPr lang="en-US" sz="2000" dirty="0" err="1" smtClean="0">
+                <a:latin typeface="Times New Roman" pitchFamily="18" charset="0"/>
+                <a:cs typeface="Times New Roman" pitchFamily="18" charset="0"/>
+                <a:sym typeface="Wingdings" pitchFamily="2" charset="2"/>
+              </a:rPr>
+              <a:t>của</a:t>
+            </a:r>
+            <a:r>
+              <a:rPr lang="en-US" sz="2000" dirty="0" smtClean="0">
+                <a:latin typeface="Times New Roman" pitchFamily="18" charset="0"/>
+                <a:cs typeface="Times New Roman" pitchFamily="18" charset="0"/>
+                <a:sym typeface="Wingdings" pitchFamily="2" charset="2"/>
+              </a:rPr>
+              <a:t> </a:t>
+            </a:r>
+            <a:r>
+              <a:rPr lang="en-US" sz="2000" dirty="0" err="1" smtClean="0">
+                <a:latin typeface="Times New Roman" pitchFamily="18" charset="0"/>
+                <a:cs typeface="Times New Roman" pitchFamily="18" charset="0"/>
+                <a:sym typeface="Wingdings" pitchFamily="2" charset="2"/>
+              </a:rPr>
+              <a:t>tác</a:t>
+            </a:r>
+            <a:r>
+              <a:rPr lang="en-US" sz="2000" dirty="0" smtClean="0">
+                <a:latin typeface="Times New Roman" pitchFamily="18" charset="0"/>
+                <a:cs typeface="Times New Roman" pitchFamily="18" charset="0"/>
+                <a:sym typeface="Wingdings" pitchFamily="2" charset="2"/>
+              </a:rPr>
+              <a:t> </a:t>
+            </a:r>
+            <a:r>
+              <a:rPr lang="en-US" sz="2000" dirty="0" err="1" smtClean="0">
+                <a:latin typeface="Times New Roman" pitchFamily="18" charset="0"/>
+                <a:cs typeface="Times New Roman" pitchFamily="18" charset="0"/>
+                <a:sym typeface="Wingdings" pitchFamily="2" charset="2"/>
+              </a:rPr>
+              <a:t>giả</a:t>
+            </a:r>
+            <a:r>
+              <a:rPr lang="en-US" sz="2000" dirty="0" smtClean="0">
+                <a:latin typeface="Times New Roman" pitchFamily="18" charset="0"/>
+                <a:cs typeface="Times New Roman" pitchFamily="18" charset="0"/>
+                <a:sym typeface="Wingdings" pitchFamily="2" charset="2"/>
+              </a:rPr>
+              <a:t>. </a:t>
+            </a:r>
+            <a:r>
+              <a:rPr lang="en-US" sz="2000" dirty="0" err="1" smtClean="0">
+                <a:latin typeface="Times New Roman" pitchFamily="18" charset="0"/>
+                <a:cs typeface="Times New Roman" pitchFamily="18" charset="0"/>
+                <a:sym typeface="Wingdings" pitchFamily="2" charset="2"/>
+              </a:rPr>
+              <a:t>Từ</a:t>
+            </a:r>
+            <a:r>
+              <a:rPr lang="en-US" sz="2000" dirty="0" smtClean="0">
+                <a:latin typeface="Times New Roman" pitchFamily="18" charset="0"/>
+                <a:cs typeface="Times New Roman" pitchFamily="18" charset="0"/>
+                <a:sym typeface="Wingdings" pitchFamily="2" charset="2"/>
+              </a:rPr>
+              <a:t> </a:t>
+            </a:r>
+            <a:r>
+              <a:rPr lang="en-US" sz="2000" dirty="0" err="1" smtClean="0">
+                <a:latin typeface="Times New Roman" pitchFamily="18" charset="0"/>
+                <a:cs typeface="Times New Roman" pitchFamily="18" charset="0"/>
+                <a:sym typeface="Wingdings" pitchFamily="2" charset="2"/>
+              </a:rPr>
+              <a:t>trang</a:t>
+            </a:r>
+            <a:r>
+              <a:rPr lang="en-US" sz="2000" dirty="0" smtClean="0">
+                <a:latin typeface="Times New Roman" pitchFamily="18" charset="0"/>
+                <a:cs typeface="Times New Roman" pitchFamily="18" charset="0"/>
+                <a:sym typeface="Wingdings" pitchFamily="2" charset="2"/>
+              </a:rPr>
+              <a:t> web </a:t>
+            </a:r>
+            <a:r>
+              <a:rPr lang="en-US" sz="2000" dirty="0" err="1" smtClean="0">
+                <a:latin typeface="Times New Roman" pitchFamily="18" charset="0"/>
+                <a:cs typeface="Times New Roman" pitchFamily="18" charset="0"/>
+                <a:sym typeface="Wingdings" pitchFamily="2" charset="2"/>
+              </a:rPr>
+              <a:t>này</a:t>
+            </a:r>
+            <a:r>
+              <a:rPr lang="en-US" sz="2000" dirty="0" smtClean="0">
+                <a:latin typeface="Times New Roman" pitchFamily="18" charset="0"/>
+                <a:cs typeface="Times New Roman" pitchFamily="18" charset="0"/>
+                <a:sym typeface="Wingdings" pitchFamily="2" charset="2"/>
+              </a:rPr>
+              <a:t> </a:t>
+            </a:r>
+            <a:r>
+              <a:rPr lang="en-US" sz="2000" dirty="0" err="1" smtClean="0">
+                <a:latin typeface="Times New Roman" pitchFamily="18" charset="0"/>
+                <a:cs typeface="Times New Roman" pitchFamily="18" charset="0"/>
+                <a:sym typeface="Wingdings" pitchFamily="2" charset="2"/>
+              </a:rPr>
+              <a:t>lấy</a:t>
+            </a:r>
+            <a:r>
+              <a:rPr lang="en-US" sz="2000" dirty="0" smtClean="0">
+                <a:latin typeface="Times New Roman" pitchFamily="18" charset="0"/>
+                <a:cs typeface="Times New Roman" pitchFamily="18" charset="0"/>
+                <a:sym typeface="Wingdings" pitchFamily="2" charset="2"/>
+              </a:rPr>
+              <a:t> </a:t>
+            </a:r>
+            <a:r>
+              <a:rPr lang="en-US" sz="2000" dirty="0" err="1" smtClean="0">
+                <a:latin typeface="Times New Roman" pitchFamily="18" charset="0"/>
+                <a:cs typeface="Times New Roman" pitchFamily="18" charset="0"/>
+                <a:sym typeface="Wingdings" pitchFamily="2" charset="2"/>
+              </a:rPr>
+              <a:t>thông</a:t>
+            </a:r>
+            <a:r>
+              <a:rPr lang="en-US" sz="2000" dirty="0" smtClean="0">
+                <a:latin typeface="Times New Roman" pitchFamily="18" charset="0"/>
+                <a:cs typeface="Times New Roman" pitchFamily="18" charset="0"/>
+                <a:sym typeface="Wingdings" pitchFamily="2" charset="2"/>
+              </a:rPr>
+              <a:t> tin </a:t>
+            </a:r>
+            <a:r>
+              <a:rPr lang="en-US" sz="2000" dirty="0" err="1" smtClean="0">
+                <a:latin typeface="Times New Roman" pitchFamily="18" charset="0"/>
+                <a:cs typeface="Times New Roman" pitchFamily="18" charset="0"/>
+                <a:sym typeface="Wingdings" pitchFamily="2" charset="2"/>
+              </a:rPr>
+              <a:t>các</a:t>
+            </a:r>
+            <a:r>
+              <a:rPr lang="en-US" sz="2000" dirty="0" smtClean="0">
+                <a:latin typeface="Times New Roman" pitchFamily="18" charset="0"/>
+                <a:cs typeface="Times New Roman" pitchFamily="18" charset="0"/>
+                <a:sym typeface="Wingdings" pitchFamily="2" charset="2"/>
+              </a:rPr>
+              <a:t> </a:t>
+            </a:r>
+            <a:r>
+              <a:rPr lang="en-US" sz="2000" dirty="0" err="1" smtClean="0">
+                <a:latin typeface="Times New Roman" pitchFamily="18" charset="0"/>
+                <a:cs typeface="Times New Roman" pitchFamily="18" charset="0"/>
+                <a:sym typeface="Wingdings" pitchFamily="2" charset="2"/>
+              </a:rPr>
+              <a:t>bài</a:t>
+            </a:r>
+            <a:r>
+              <a:rPr lang="en-US" sz="2000" dirty="0" smtClean="0">
+                <a:latin typeface="Times New Roman" pitchFamily="18" charset="0"/>
+                <a:cs typeface="Times New Roman" pitchFamily="18" charset="0"/>
+                <a:sym typeface="Wingdings" pitchFamily="2" charset="2"/>
+              </a:rPr>
+              <a:t> </a:t>
+            </a:r>
+            <a:r>
+              <a:rPr lang="en-US" sz="2000" dirty="0" err="1" smtClean="0">
+                <a:latin typeface="Times New Roman" pitchFamily="18" charset="0"/>
+                <a:cs typeface="Times New Roman" pitchFamily="18" charset="0"/>
+                <a:sym typeface="Wingdings" pitchFamily="2" charset="2"/>
+              </a:rPr>
+              <a:t>báo</a:t>
+            </a:r>
+            <a:r>
+              <a:rPr lang="en-US" sz="2000" dirty="0" smtClean="0">
+                <a:latin typeface="Times New Roman" pitchFamily="18" charset="0"/>
+                <a:cs typeface="Times New Roman" pitchFamily="18" charset="0"/>
+                <a:sym typeface="Wingdings" pitchFamily="2" charset="2"/>
+              </a:rPr>
+              <a:t> </a:t>
+            </a:r>
+            <a:r>
+              <a:rPr lang="en-US" sz="2000" dirty="0" err="1" smtClean="0">
+                <a:latin typeface="Times New Roman" pitchFamily="18" charset="0"/>
+                <a:cs typeface="Times New Roman" pitchFamily="18" charset="0"/>
+                <a:sym typeface="Wingdings" pitchFamily="2" charset="2"/>
+              </a:rPr>
+              <a:t>để</a:t>
+            </a:r>
+            <a:r>
+              <a:rPr lang="en-US" sz="2000" dirty="0" smtClean="0">
+                <a:latin typeface="Times New Roman" pitchFamily="18" charset="0"/>
+                <a:cs typeface="Times New Roman" pitchFamily="18" charset="0"/>
+                <a:sym typeface="Wingdings" pitchFamily="2" charset="2"/>
+              </a:rPr>
+              <a:t> </a:t>
+            </a:r>
+            <a:r>
+              <a:rPr lang="en-US" sz="2000" dirty="0" err="1" smtClean="0">
+                <a:latin typeface="Times New Roman" pitchFamily="18" charset="0"/>
+                <a:cs typeface="Times New Roman" pitchFamily="18" charset="0"/>
+                <a:sym typeface="Wingdings" pitchFamily="2" charset="2"/>
+              </a:rPr>
+              <a:t>bổ</a:t>
+            </a:r>
+            <a:r>
+              <a:rPr lang="en-US" sz="2000" dirty="0" smtClean="0">
+                <a:latin typeface="Times New Roman" pitchFamily="18" charset="0"/>
+                <a:cs typeface="Times New Roman" pitchFamily="18" charset="0"/>
+                <a:sym typeface="Wingdings" pitchFamily="2" charset="2"/>
+              </a:rPr>
+              <a:t> </a:t>
+            </a:r>
+            <a:r>
+              <a:rPr lang="en-US" sz="2000" dirty="0" err="1" smtClean="0">
+                <a:latin typeface="Times New Roman" pitchFamily="18" charset="0"/>
+                <a:cs typeface="Times New Roman" pitchFamily="18" charset="0"/>
+                <a:sym typeface="Wingdings" pitchFamily="2" charset="2"/>
+              </a:rPr>
+              <a:t>xung</a:t>
+            </a:r>
+            <a:r>
+              <a:rPr lang="en-US" sz="2000" dirty="0" smtClean="0">
+                <a:latin typeface="Times New Roman" pitchFamily="18" charset="0"/>
+                <a:cs typeface="Times New Roman" pitchFamily="18" charset="0"/>
+                <a:sym typeface="Wingdings" pitchFamily="2" charset="2"/>
+              </a:rPr>
+              <a:t> </a:t>
+            </a:r>
+            <a:r>
+              <a:rPr lang="en-US" sz="2000" dirty="0" err="1" smtClean="0">
+                <a:latin typeface="Times New Roman" pitchFamily="18" charset="0"/>
+                <a:cs typeface="Times New Roman" pitchFamily="18" charset="0"/>
+                <a:sym typeface="Wingdings" pitchFamily="2" charset="2"/>
+              </a:rPr>
+              <a:t>và</a:t>
+            </a:r>
+            <a:r>
+              <a:rPr lang="en-US" sz="2000" dirty="0" smtClean="0">
+                <a:latin typeface="Times New Roman" pitchFamily="18" charset="0"/>
+                <a:cs typeface="Times New Roman" pitchFamily="18" charset="0"/>
+                <a:sym typeface="Wingdings" pitchFamily="2" charset="2"/>
+              </a:rPr>
+              <a:t> </a:t>
+            </a:r>
+            <a:r>
+              <a:rPr lang="en-US" sz="2000" dirty="0" err="1" smtClean="0">
+                <a:latin typeface="Times New Roman" pitchFamily="18" charset="0"/>
+                <a:cs typeface="Times New Roman" pitchFamily="18" charset="0"/>
+                <a:sym typeface="Wingdings" pitchFamily="2" charset="2"/>
+              </a:rPr>
+              <a:t>dữ</a:t>
+            </a:r>
+            <a:r>
+              <a:rPr lang="en-US" sz="2000" dirty="0" smtClean="0">
+                <a:latin typeface="Times New Roman" pitchFamily="18" charset="0"/>
+                <a:cs typeface="Times New Roman" pitchFamily="18" charset="0"/>
+                <a:sym typeface="Wingdings" pitchFamily="2" charset="2"/>
+              </a:rPr>
+              <a:t> </a:t>
+            </a:r>
+            <a:r>
+              <a:rPr lang="en-US" sz="2000" dirty="0" err="1" smtClean="0">
+                <a:latin typeface="Times New Roman" pitchFamily="18" charset="0"/>
+                <a:cs typeface="Times New Roman" pitchFamily="18" charset="0"/>
+                <a:sym typeface="Wingdings" pitchFamily="2" charset="2"/>
+              </a:rPr>
+              <a:t>liệu</a:t>
+            </a:r>
+            <a:r>
+              <a:rPr lang="en-US" sz="2000" dirty="0" smtClean="0">
+                <a:latin typeface="Times New Roman" pitchFamily="18" charset="0"/>
+                <a:cs typeface="Times New Roman" pitchFamily="18" charset="0"/>
+                <a:sym typeface="Wingdings" pitchFamily="2" charset="2"/>
+              </a:rPr>
+              <a:t>.</a:t>
+            </a:r>
+          </a:p>
+          <a:p>
+            <a:pPr lvl="1"/>
+            <a:r>
+              <a:rPr lang="en-US" sz="2000" dirty="0" err="1" smtClean="0">
+                <a:latin typeface="Times New Roman" pitchFamily="18" charset="0"/>
+                <a:cs typeface="Times New Roman" pitchFamily="18" charset="0"/>
+              </a:rPr>
+              <a:t>Dùng</a:t>
+            </a:r>
+            <a:r>
+              <a:rPr lang="en-US" sz="2000" dirty="0" smtClean="0">
+                <a:latin typeface="Times New Roman" pitchFamily="18" charset="0"/>
+                <a:cs typeface="Times New Roman" pitchFamily="18" charset="0"/>
+              </a:rPr>
+              <a:t>  </a:t>
+            </a:r>
+            <a:r>
+              <a:rPr lang="en-US" sz="2000" dirty="0" err="1" smtClean="0">
+                <a:latin typeface="Times New Roman" pitchFamily="18" charset="0"/>
+                <a:cs typeface="Times New Roman" pitchFamily="18" charset="0"/>
+              </a:rPr>
+              <a:t>tên</a:t>
+            </a:r>
+            <a:r>
+              <a:rPr lang="en-US" sz="2000" dirty="0" smtClean="0">
+                <a:latin typeface="Times New Roman" pitchFamily="18" charset="0"/>
+                <a:cs typeface="Times New Roman" pitchFamily="18" charset="0"/>
+              </a:rPr>
+              <a:t> </a:t>
+            </a:r>
+            <a:r>
+              <a:rPr lang="en-US" sz="2000" dirty="0" err="1" smtClean="0">
+                <a:latin typeface="Times New Roman" pitchFamily="18" charset="0"/>
+                <a:cs typeface="Times New Roman" pitchFamily="18" charset="0"/>
+              </a:rPr>
+              <a:t>tác</a:t>
+            </a:r>
+            <a:r>
+              <a:rPr lang="en-US" sz="2000" dirty="0" smtClean="0">
+                <a:latin typeface="Times New Roman" pitchFamily="18" charset="0"/>
+                <a:cs typeface="Times New Roman" pitchFamily="18" charset="0"/>
+              </a:rPr>
+              <a:t> </a:t>
+            </a:r>
+            <a:r>
+              <a:rPr lang="en-US" sz="2000" dirty="0" err="1" smtClean="0">
+                <a:latin typeface="Times New Roman" pitchFamily="18" charset="0"/>
+                <a:cs typeface="Times New Roman" pitchFamily="18" charset="0"/>
+              </a:rPr>
+              <a:t>giả</a:t>
+            </a:r>
+            <a:r>
+              <a:rPr lang="en-US" sz="2000" dirty="0" smtClean="0">
+                <a:latin typeface="Times New Roman" pitchFamily="18" charset="0"/>
+                <a:cs typeface="Times New Roman" pitchFamily="18" charset="0"/>
+              </a:rPr>
+              <a:t> </a:t>
+            </a:r>
+            <a:r>
+              <a:rPr lang="en-US" sz="2000" dirty="0" err="1" smtClean="0">
+                <a:latin typeface="Times New Roman" pitchFamily="18" charset="0"/>
+                <a:cs typeface="Times New Roman" pitchFamily="18" charset="0"/>
+              </a:rPr>
+              <a:t>đưa</a:t>
+            </a:r>
+            <a:r>
+              <a:rPr lang="en-US" sz="2000" dirty="0" smtClean="0">
+                <a:latin typeface="Times New Roman" pitchFamily="18" charset="0"/>
+                <a:cs typeface="Times New Roman" pitchFamily="18" charset="0"/>
+              </a:rPr>
+              <a:t> </a:t>
+            </a:r>
+            <a:r>
+              <a:rPr lang="en-US" sz="2000" dirty="0" err="1" smtClean="0">
+                <a:latin typeface="Times New Roman" pitchFamily="18" charset="0"/>
+                <a:cs typeface="Times New Roman" pitchFamily="18" charset="0"/>
+              </a:rPr>
+              <a:t>lên</a:t>
+            </a:r>
+            <a:r>
+              <a:rPr lang="en-US" sz="2000" dirty="0" smtClean="0">
+                <a:latin typeface="Times New Roman" pitchFamily="18" charset="0"/>
+                <a:cs typeface="Times New Roman" pitchFamily="18" charset="0"/>
+              </a:rPr>
+              <a:t> search </a:t>
+            </a:r>
+            <a:r>
+              <a:rPr lang="en-US" sz="2000" dirty="0" err="1" smtClean="0">
+                <a:latin typeface="Times New Roman" pitchFamily="18" charset="0"/>
+                <a:cs typeface="Times New Roman" pitchFamily="18" charset="0"/>
+              </a:rPr>
+              <a:t>Search</a:t>
+            </a:r>
+            <a:r>
+              <a:rPr lang="en-US" sz="2000" dirty="0" smtClean="0">
+                <a:latin typeface="Times New Roman" pitchFamily="18" charset="0"/>
+                <a:cs typeface="Times New Roman" pitchFamily="18" charset="0"/>
+              </a:rPr>
+              <a:t> engine  </a:t>
+            </a:r>
+            <a:r>
+              <a:rPr lang="en-US" sz="2000" dirty="0" err="1" smtClean="0">
+                <a:latin typeface="Times New Roman" pitchFamily="18" charset="0"/>
+                <a:cs typeface="Times New Roman" pitchFamily="18" charset="0"/>
+              </a:rPr>
+              <a:t>lấy</a:t>
+            </a:r>
+            <a:r>
+              <a:rPr lang="en-US" sz="2000" dirty="0" smtClean="0">
+                <a:latin typeface="Times New Roman" pitchFamily="18" charset="0"/>
+                <a:cs typeface="Times New Roman" pitchFamily="18" charset="0"/>
+              </a:rPr>
+              <a:t> </a:t>
+            </a:r>
+            <a:r>
+              <a:rPr lang="en-US" sz="2000" dirty="0" err="1" smtClean="0">
+                <a:latin typeface="Times New Roman" pitchFamily="18" charset="0"/>
+                <a:cs typeface="Times New Roman" pitchFamily="18" charset="0"/>
+              </a:rPr>
+              <a:t>về</a:t>
+            </a:r>
+            <a:r>
+              <a:rPr lang="en-US" sz="2000" dirty="0" smtClean="0">
+                <a:latin typeface="Times New Roman" pitchFamily="18" charset="0"/>
+                <a:cs typeface="Times New Roman" pitchFamily="18" charset="0"/>
+              </a:rPr>
+              <a:t> link homepage </a:t>
+            </a:r>
+            <a:r>
+              <a:rPr lang="en-US" sz="2000" dirty="0" err="1" smtClean="0">
+                <a:latin typeface="Times New Roman" pitchFamily="18" charset="0"/>
+                <a:cs typeface="Times New Roman" pitchFamily="18" charset="0"/>
+              </a:rPr>
+              <a:t>của</a:t>
+            </a:r>
+            <a:r>
+              <a:rPr lang="en-US" sz="2000" dirty="0" smtClean="0">
+                <a:latin typeface="Times New Roman" pitchFamily="18" charset="0"/>
+                <a:cs typeface="Times New Roman" pitchFamily="18" charset="0"/>
+              </a:rPr>
+              <a:t> </a:t>
+            </a:r>
+            <a:r>
+              <a:rPr lang="en-US" sz="2000" dirty="0" err="1" smtClean="0">
+                <a:latin typeface="Times New Roman" pitchFamily="18" charset="0"/>
+                <a:cs typeface="Times New Roman" pitchFamily="18" charset="0"/>
+              </a:rPr>
+              <a:t>tác</a:t>
+            </a:r>
+            <a:r>
+              <a:rPr lang="en-US" sz="2000" dirty="0" smtClean="0">
+                <a:latin typeface="Times New Roman" pitchFamily="18" charset="0"/>
+                <a:cs typeface="Times New Roman" pitchFamily="18" charset="0"/>
+              </a:rPr>
+              <a:t> </a:t>
+            </a:r>
+            <a:r>
+              <a:rPr lang="en-US" sz="2000" dirty="0" err="1" smtClean="0">
+                <a:latin typeface="Times New Roman" pitchFamily="18" charset="0"/>
+                <a:cs typeface="Times New Roman" pitchFamily="18" charset="0"/>
+              </a:rPr>
+              <a:t>giả</a:t>
+            </a:r>
+            <a:r>
+              <a:rPr lang="en-US" sz="2000" dirty="0" smtClean="0">
+                <a:latin typeface="Times New Roman" pitchFamily="18" charset="0"/>
+                <a:cs typeface="Times New Roman" pitchFamily="18" charset="0"/>
+              </a:rPr>
+              <a:t>.</a:t>
+            </a:r>
+          </a:p>
+          <a:p>
+            <a:pPr lvl="1"/>
+            <a:r>
+              <a:rPr lang="en-US" sz="2000" dirty="0" smtClean="0">
+                <a:latin typeface="Times New Roman" pitchFamily="18" charset="0"/>
+                <a:cs typeface="Times New Roman" pitchFamily="18" charset="0"/>
+              </a:rPr>
+              <a:t>Parse </a:t>
+            </a:r>
+            <a:r>
+              <a:rPr lang="en-US" sz="2000" dirty="0" err="1" smtClean="0">
+                <a:latin typeface="Times New Roman" pitchFamily="18" charset="0"/>
+                <a:cs typeface="Times New Roman" pitchFamily="18" charset="0"/>
+              </a:rPr>
+              <a:t>nội</a:t>
+            </a:r>
+            <a:r>
+              <a:rPr lang="en-US" sz="2000" dirty="0" smtClean="0">
+                <a:latin typeface="Times New Roman" pitchFamily="18" charset="0"/>
+                <a:cs typeface="Times New Roman" pitchFamily="18" charset="0"/>
+              </a:rPr>
+              <a:t> dung HTML </a:t>
+            </a:r>
+            <a:r>
+              <a:rPr lang="en-US" sz="2000" dirty="0" err="1" smtClean="0">
+                <a:latin typeface="Times New Roman" pitchFamily="18" charset="0"/>
+                <a:cs typeface="Times New Roman" pitchFamily="18" charset="0"/>
+              </a:rPr>
+              <a:t>để</a:t>
+            </a:r>
+            <a:r>
+              <a:rPr lang="en-US" sz="2000" dirty="0" smtClean="0">
+                <a:latin typeface="Times New Roman" pitchFamily="18" charset="0"/>
+                <a:cs typeface="Times New Roman" pitchFamily="18" charset="0"/>
+              </a:rPr>
+              <a:t> </a:t>
+            </a:r>
+            <a:r>
+              <a:rPr lang="en-US" sz="2000" dirty="0" err="1" smtClean="0">
+                <a:latin typeface="Times New Roman" pitchFamily="18" charset="0"/>
+                <a:cs typeface="Times New Roman" pitchFamily="18" charset="0"/>
+              </a:rPr>
+              <a:t>lấy</a:t>
+            </a:r>
+            <a:r>
+              <a:rPr lang="en-US" sz="2000" dirty="0" smtClean="0">
+                <a:latin typeface="Times New Roman" pitchFamily="18" charset="0"/>
+                <a:cs typeface="Times New Roman" pitchFamily="18" charset="0"/>
+              </a:rPr>
+              <a:t> </a:t>
+            </a:r>
+            <a:r>
+              <a:rPr lang="en-US" sz="2000" dirty="0" err="1" smtClean="0">
+                <a:latin typeface="Times New Roman" pitchFamily="18" charset="0"/>
+                <a:cs typeface="Times New Roman" pitchFamily="18" charset="0"/>
+              </a:rPr>
+              <a:t>thông</a:t>
+            </a:r>
+            <a:r>
+              <a:rPr lang="en-US" sz="2000" dirty="0" smtClean="0">
+                <a:latin typeface="Times New Roman" pitchFamily="18" charset="0"/>
+                <a:cs typeface="Times New Roman" pitchFamily="18" charset="0"/>
+              </a:rPr>
+              <a:t> tin </a:t>
+            </a:r>
+            <a:r>
+              <a:rPr lang="en-US" sz="2000" dirty="0" err="1" smtClean="0">
+                <a:latin typeface="Times New Roman" pitchFamily="18" charset="0"/>
+                <a:cs typeface="Times New Roman" pitchFamily="18" charset="0"/>
+              </a:rPr>
+              <a:t>bài</a:t>
+            </a:r>
+            <a:r>
+              <a:rPr lang="en-US" sz="2000" dirty="0" smtClean="0">
+                <a:latin typeface="Times New Roman" pitchFamily="18" charset="0"/>
+                <a:cs typeface="Times New Roman" pitchFamily="18" charset="0"/>
+              </a:rPr>
+              <a:t> </a:t>
+            </a:r>
+            <a:r>
+              <a:rPr lang="en-US" sz="2000" dirty="0" err="1" smtClean="0">
+                <a:latin typeface="Times New Roman" pitchFamily="18" charset="0"/>
+                <a:cs typeface="Times New Roman" pitchFamily="18" charset="0"/>
+              </a:rPr>
+              <a:t>báo</a:t>
+            </a:r>
+            <a:r>
+              <a:rPr lang="en-US" sz="2000" dirty="0" smtClean="0">
+                <a:latin typeface="Times New Roman" pitchFamily="18" charset="0"/>
+                <a:cs typeface="Times New Roman" pitchFamily="18" charset="0"/>
+              </a:rPr>
+              <a:t> </a:t>
+            </a:r>
+            <a:r>
+              <a:rPr lang="en-US" sz="2000" dirty="0" err="1" smtClean="0">
+                <a:latin typeface="Times New Roman" pitchFamily="18" charset="0"/>
+                <a:cs typeface="Times New Roman" pitchFamily="18" charset="0"/>
+              </a:rPr>
+              <a:t>bổ</a:t>
+            </a:r>
+            <a:r>
+              <a:rPr lang="en-US" sz="2000" dirty="0" smtClean="0">
+                <a:latin typeface="Times New Roman" pitchFamily="18" charset="0"/>
+                <a:cs typeface="Times New Roman" pitchFamily="18" charset="0"/>
+              </a:rPr>
+              <a:t> </a:t>
+            </a:r>
+            <a:r>
+              <a:rPr lang="en-US" sz="2000" dirty="0" err="1" smtClean="0">
+                <a:latin typeface="Times New Roman" pitchFamily="18" charset="0"/>
+                <a:cs typeface="Times New Roman" pitchFamily="18" charset="0"/>
+              </a:rPr>
+              <a:t>xung</a:t>
+            </a:r>
+            <a:r>
+              <a:rPr lang="en-US" sz="2000" dirty="0" smtClean="0">
+                <a:latin typeface="Times New Roman" pitchFamily="18" charset="0"/>
+                <a:cs typeface="Times New Roman" pitchFamily="18" charset="0"/>
+              </a:rPr>
+              <a:t> </a:t>
+            </a:r>
+            <a:r>
+              <a:rPr lang="en-US" sz="2000" dirty="0" err="1" smtClean="0">
+                <a:latin typeface="Times New Roman" pitchFamily="18" charset="0"/>
+                <a:cs typeface="Times New Roman" pitchFamily="18" charset="0"/>
+              </a:rPr>
+              <a:t>vào</a:t>
+            </a:r>
+            <a:r>
+              <a:rPr lang="en-US" sz="2000" dirty="0" smtClean="0">
+                <a:latin typeface="Times New Roman" pitchFamily="18" charset="0"/>
+                <a:cs typeface="Times New Roman" pitchFamily="18" charset="0"/>
+              </a:rPr>
+              <a:t> </a:t>
+            </a:r>
+            <a:r>
+              <a:rPr lang="en-US" sz="2000" dirty="0" err="1" smtClean="0">
+                <a:latin typeface="Times New Roman" pitchFamily="18" charset="0"/>
+                <a:cs typeface="Times New Roman" pitchFamily="18" charset="0"/>
+              </a:rPr>
+              <a:t>dbsa</a:t>
+            </a:r>
+            <a:r>
+              <a:rPr lang="en-US" sz="2000" dirty="0" smtClean="0">
+                <a:latin typeface="Times New Roman" pitchFamily="18" charset="0"/>
+                <a:cs typeface="Times New Roman" pitchFamily="18" charset="0"/>
+              </a:rPr>
+              <a:t>. </a:t>
+            </a:r>
+          </a:p>
+        </p:txBody>
+      </p:sp>
+      <p:sp>
+        <p:nvSpPr>
+          <p:cNvPr id="4" name="Smiley Face 3"/>
+          <p:cNvSpPr/>
+          <p:nvPr/>
+        </p:nvSpPr>
+        <p:spPr>
+          <a:xfrm>
+            <a:off x="8153400" y="5715000"/>
+            <a:ext cx="609600" cy="609600"/>
+          </a:xfrm>
+          <a:prstGeom prst="smileyFace">
+            <a:avLst>
+              <a:gd name="adj" fmla="val -2490"/>
+            </a:avLst>
+          </a:prstGeom>
+        </p:spPr>
+        <p:style>
+          <a:lnRef idx="2">
+            <a:schemeClr val="accent1">
+              <a:shade val="50000"/>
+            </a:schemeClr>
+          </a:lnRef>
+          <a:fillRef idx="1">
+            <a:schemeClr val="accent1"/>
+          </a:fillRef>
+          <a:effectRef idx="0">
+            <a:schemeClr val="accent1"/>
+          </a:effectRef>
+          <a:fontRef idx="minor">
+            <a:schemeClr val="lt1"/>
+          </a:fontRef>
+        </p:style>
+        <p:txBody>
+          <a:bodyPr rtlCol="0" anchor="ctr"/>
+          <a:lstStyle/>
+          <a:p>
+            <a:pPr algn="ctr"/>
+            <a:endParaRPr lang="en-US"/>
           </a:p>
         </p:txBody>
       </p:sp>
@@ -17344,706 +18786,6 @@
 </file>
 
 <file path=ppt/slides/slide22.xml><?xml version="1.0" encoding="utf-8"?>
-<p:sld xmlns:a="http://schemas.openxmlformats.org/drawingml/2006/main" xmlns:r="http://schemas.openxmlformats.org/officeDocument/2006/relationships" xmlns:p="http://schemas.openxmlformats.org/presentationml/2006/main">
-  <p:cSld>
-    <p:spTree>
-      <p:nvGrpSpPr>
-        <p:cNvPr id="1" name=""/>
-        <p:cNvGrpSpPr/>
-        <p:nvPr/>
-      </p:nvGrpSpPr>
-      <p:grpSpPr>
-        <a:xfrm>
-          <a:off x="0" y="0"/>
-          <a:ext cx="0" cy="0"/>
-          <a:chOff x="0" y="0"/>
-          <a:chExt cx="0" cy="0"/>
-        </a:xfrm>
-      </p:grpSpPr>
-      <p:sp>
-        <p:nvSpPr>
-          <p:cNvPr id="2" name="Title 1"/>
-          <p:cNvSpPr>
-            <a:spLocks noGrp="1"/>
-          </p:cNvSpPr>
-          <p:nvPr>
-            <p:ph type="title"/>
-          </p:nvPr>
-        </p:nvSpPr>
-        <p:spPr/>
-        <p:txBody>
-          <a:bodyPr>
-            <a:normAutofit/>
-          </a:bodyPr>
-          <a:lstStyle/>
-          <a:p>
-            <a:pPr lvl="0"/>
-            <a:r>
-              <a:rPr lang="en-US" dirty="0" err="1" smtClean="0">
-                <a:latin typeface="Times New Roman" pitchFamily="18" charset="0"/>
-                <a:cs typeface="Times New Roman" pitchFamily="18" charset="0"/>
-              </a:rPr>
-              <a:t>Các</a:t>
-            </a:r>
-            <a:r>
-              <a:rPr lang="en-US" dirty="0" smtClean="0">
-                <a:latin typeface="Times New Roman" pitchFamily="18" charset="0"/>
-                <a:cs typeface="Times New Roman" pitchFamily="18" charset="0"/>
-              </a:rPr>
-              <a:t> </a:t>
-            </a:r>
-            <a:r>
-              <a:rPr lang="en-US" dirty="0" err="1" smtClean="0">
-                <a:latin typeface="Times New Roman" pitchFamily="18" charset="0"/>
-                <a:cs typeface="Times New Roman" pitchFamily="18" charset="0"/>
-              </a:rPr>
-              <a:t>tài</a:t>
-            </a:r>
-            <a:r>
-              <a:rPr lang="en-US" dirty="0" smtClean="0">
-                <a:latin typeface="Times New Roman" pitchFamily="18" charset="0"/>
-                <a:cs typeface="Times New Roman" pitchFamily="18" charset="0"/>
-              </a:rPr>
-              <a:t> </a:t>
-            </a:r>
-            <a:r>
-              <a:rPr lang="en-US" dirty="0" err="1" smtClean="0">
-                <a:latin typeface="Times New Roman" pitchFamily="18" charset="0"/>
-                <a:cs typeface="Times New Roman" pitchFamily="18" charset="0"/>
-              </a:rPr>
-              <a:t>liệu</a:t>
-            </a:r>
-            <a:r>
-              <a:rPr lang="en-US" dirty="0" smtClean="0">
-                <a:latin typeface="Times New Roman" pitchFamily="18" charset="0"/>
-                <a:cs typeface="Times New Roman" pitchFamily="18" charset="0"/>
-              </a:rPr>
-              <a:t> </a:t>
-            </a:r>
-            <a:r>
-              <a:rPr lang="en-US" dirty="0" err="1" smtClean="0">
-                <a:latin typeface="Times New Roman" pitchFamily="18" charset="0"/>
-                <a:cs typeface="Times New Roman" pitchFamily="18" charset="0"/>
-              </a:rPr>
-              <a:t>tham</a:t>
-            </a:r>
-            <a:r>
-              <a:rPr lang="en-US" dirty="0" smtClean="0">
-                <a:latin typeface="Times New Roman" pitchFamily="18" charset="0"/>
-                <a:cs typeface="Times New Roman" pitchFamily="18" charset="0"/>
-              </a:rPr>
-              <a:t> </a:t>
-            </a:r>
-            <a:r>
-              <a:rPr lang="en-US" dirty="0" err="1" smtClean="0">
-                <a:latin typeface="Times New Roman" pitchFamily="18" charset="0"/>
-                <a:cs typeface="Times New Roman" pitchFamily="18" charset="0"/>
-              </a:rPr>
-              <a:t>khảo</a:t>
-            </a:r>
-            <a:r>
-              <a:rPr lang="en-US" dirty="0" smtClean="0">
-                <a:latin typeface="Times New Roman" pitchFamily="18" charset="0"/>
-                <a:cs typeface="Times New Roman" pitchFamily="18" charset="0"/>
-              </a:rPr>
-              <a:t> </a:t>
-            </a:r>
-            <a:r>
-              <a:rPr lang="en-US" dirty="0" err="1" smtClean="0">
-                <a:latin typeface="Times New Roman" pitchFamily="18" charset="0"/>
-                <a:cs typeface="Times New Roman" pitchFamily="18" charset="0"/>
-              </a:rPr>
-              <a:t>chính</a:t>
-            </a:r>
-            <a:r>
-              <a:rPr lang="en-US" dirty="0" smtClean="0">
-                <a:latin typeface="Times New Roman" pitchFamily="18" charset="0"/>
-                <a:cs typeface="Times New Roman" pitchFamily="18" charset="0"/>
-              </a:rPr>
-              <a:t> </a:t>
-            </a:r>
-            <a:r>
-              <a:rPr lang="en-US" dirty="0" err="1" smtClean="0">
-                <a:latin typeface="Times New Roman" pitchFamily="18" charset="0"/>
-                <a:cs typeface="Times New Roman" pitchFamily="18" charset="0"/>
-              </a:rPr>
-              <a:t>dự</a:t>
-            </a:r>
-            <a:r>
-              <a:rPr lang="en-US" dirty="0" smtClean="0">
-                <a:latin typeface="Times New Roman" pitchFamily="18" charset="0"/>
-                <a:cs typeface="Times New Roman" pitchFamily="18" charset="0"/>
-              </a:rPr>
-              <a:t> </a:t>
-            </a:r>
-            <a:r>
-              <a:rPr lang="en-US" dirty="0" err="1" smtClean="0">
-                <a:latin typeface="Times New Roman" pitchFamily="18" charset="0"/>
-                <a:cs typeface="Times New Roman" pitchFamily="18" charset="0"/>
-              </a:rPr>
-              <a:t>kiến</a:t>
-            </a:r>
-            <a:r>
-              <a:rPr lang="en-US" dirty="0" smtClean="0">
-                <a:latin typeface="Times New Roman" pitchFamily="18" charset="0"/>
-                <a:cs typeface="Times New Roman" pitchFamily="18" charset="0"/>
-              </a:rPr>
-              <a:t>.</a:t>
-            </a:r>
-            <a:r>
-              <a:rPr lang="en-US" sz="2800" dirty="0" smtClean="0">
-                <a:latin typeface="Times New Roman" pitchFamily="18" charset="0"/>
-                <a:cs typeface="Times New Roman" pitchFamily="18" charset="0"/>
-              </a:rPr>
-              <a:t/>
-            </a:r>
-            <a:br>
-              <a:rPr lang="en-US" sz="2800" dirty="0" smtClean="0">
-                <a:latin typeface="Times New Roman" pitchFamily="18" charset="0"/>
-                <a:cs typeface="Times New Roman" pitchFamily="18" charset="0"/>
-              </a:rPr>
-            </a:br>
-            <a:endParaRPr lang="en-US" dirty="0"/>
-          </a:p>
-        </p:txBody>
-      </p:sp>
-      <p:sp>
-        <p:nvSpPr>
-          <p:cNvPr id="3" name="Content Placeholder 2"/>
-          <p:cNvSpPr>
-            <a:spLocks noGrp="1"/>
-          </p:cNvSpPr>
-          <p:nvPr>
-            <p:ph idx="1"/>
-          </p:nvPr>
-        </p:nvSpPr>
-        <p:spPr>
-          <a:xfrm>
-            <a:off x="228600" y="1295400"/>
-            <a:ext cx="8763000" cy="4784725"/>
-          </a:xfrm>
-        </p:spPr>
-        <p:txBody>
-          <a:bodyPr>
-            <a:normAutofit lnSpcReduction="10000"/>
-          </a:bodyPr>
-          <a:lstStyle/>
-          <a:p>
-            <a:pPr>
-              <a:buNone/>
-            </a:pPr>
-            <a:r>
-              <a:rPr lang="en-US" sz="2000" dirty="0" smtClean="0">
-                <a:latin typeface="Times New Roman" pitchFamily="18" charset="0"/>
-                <a:cs typeface="Times New Roman" pitchFamily="18" charset="0"/>
-              </a:rPr>
-              <a:t>[1]</a:t>
-            </a:r>
-            <a:r>
-              <a:rPr lang="en-US" sz="2000" dirty="0" err="1" smtClean="0">
-                <a:latin typeface="Times New Roman" pitchFamily="18" charset="0"/>
-                <a:cs typeface="Times New Roman" pitchFamily="18" charset="0"/>
-              </a:rPr>
-              <a:t>Ashwin</a:t>
-            </a:r>
-            <a:r>
-              <a:rPr lang="en-US" sz="2000" dirty="0" smtClean="0">
-                <a:latin typeface="Times New Roman" pitchFamily="18" charset="0"/>
-                <a:cs typeface="Times New Roman" pitchFamily="18" charset="0"/>
-              </a:rPr>
-              <a:t> </a:t>
-            </a:r>
-            <a:r>
-              <a:rPr lang="en-US" sz="2000" dirty="0" err="1" smtClean="0">
-                <a:latin typeface="Times New Roman" pitchFamily="18" charset="0"/>
-                <a:cs typeface="Times New Roman" pitchFamily="18" charset="0"/>
-              </a:rPr>
-              <a:t>Pulijala</a:t>
-            </a:r>
-            <a:r>
-              <a:rPr lang="en-US" sz="2000" dirty="0" smtClean="0">
-                <a:latin typeface="Times New Roman" pitchFamily="18" charset="0"/>
-                <a:cs typeface="Times New Roman" pitchFamily="18" charset="0"/>
-              </a:rPr>
-              <a:t>. Susan </a:t>
-            </a:r>
-            <a:r>
-              <a:rPr lang="en-US" sz="2000" dirty="0" err="1" smtClean="0">
-                <a:latin typeface="Times New Roman" pitchFamily="18" charset="0"/>
-                <a:cs typeface="Times New Roman" pitchFamily="18" charset="0"/>
-              </a:rPr>
-              <a:t>Gauch</a:t>
-            </a:r>
-            <a:r>
-              <a:rPr lang="en-US" sz="2000" dirty="0" smtClean="0">
-                <a:latin typeface="Times New Roman" pitchFamily="18" charset="0"/>
-                <a:cs typeface="Times New Roman" pitchFamily="18" charset="0"/>
-              </a:rPr>
-              <a:t>. </a:t>
-            </a:r>
-            <a:r>
-              <a:rPr lang="en-US" sz="2000" i="1" dirty="0" smtClean="0">
-                <a:latin typeface="Times New Roman" pitchFamily="18" charset="0"/>
-                <a:cs typeface="Times New Roman" pitchFamily="18" charset="0"/>
-              </a:rPr>
-              <a:t>Hierarchical Text Classification</a:t>
-            </a:r>
-            <a:r>
-              <a:rPr lang="en-US" sz="2000" dirty="0" smtClean="0">
-                <a:latin typeface="Times New Roman" pitchFamily="18" charset="0"/>
-                <a:cs typeface="Times New Roman" pitchFamily="18" charset="0"/>
-              </a:rPr>
-              <a:t>. Department of Electrical Engineering and Computer </a:t>
-            </a:r>
-            <a:r>
-              <a:rPr lang="en-US" sz="2000" dirty="0" err="1" smtClean="0">
-                <a:latin typeface="Times New Roman" pitchFamily="18" charset="0"/>
-                <a:cs typeface="Times New Roman" pitchFamily="18" charset="0"/>
-              </a:rPr>
-              <a:t>ScienceUniversity</a:t>
-            </a:r>
-            <a:r>
-              <a:rPr lang="en-US" sz="2000" dirty="0" smtClean="0">
-                <a:latin typeface="Times New Roman" pitchFamily="18" charset="0"/>
-                <a:cs typeface="Times New Roman" pitchFamily="18" charset="0"/>
-              </a:rPr>
-              <a:t> of Kansas .</a:t>
-            </a:r>
-          </a:p>
-          <a:p>
-            <a:pPr>
-              <a:buNone/>
-            </a:pPr>
-            <a:r>
-              <a:rPr lang="en-US" sz="2000" dirty="0" smtClean="0">
-                <a:latin typeface="Times New Roman" pitchFamily="18" charset="0"/>
-                <a:cs typeface="Times New Roman" pitchFamily="18" charset="0"/>
-              </a:rPr>
-              <a:t>[2] </a:t>
-            </a:r>
-            <a:r>
-              <a:rPr lang="en-US" sz="2000" dirty="0" err="1" smtClean="0">
-                <a:latin typeface="Times New Roman" pitchFamily="18" charset="0"/>
-                <a:cs typeface="Times New Roman" pitchFamily="18" charset="0"/>
-              </a:rPr>
-              <a:t>Aixin</a:t>
-            </a:r>
-            <a:r>
-              <a:rPr lang="en-US" sz="2000" dirty="0" smtClean="0">
-                <a:latin typeface="Times New Roman" pitchFamily="18" charset="0"/>
-                <a:cs typeface="Times New Roman" pitchFamily="18" charset="0"/>
-              </a:rPr>
-              <a:t> Sun and </a:t>
-            </a:r>
-            <a:r>
-              <a:rPr lang="en-US" sz="2000" dirty="0" err="1" smtClean="0">
-                <a:latin typeface="Times New Roman" pitchFamily="18" charset="0"/>
-                <a:cs typeface="Times New Roman" pitchFamily="18" charset="0"/>
-              </a:rPr>
-              <a:t>Ee-Peng</a:t>
-            </a:r>
-            <a:r>
-              <a:rPr lang="en-US" sz="2000" dirty="0" smtClean="0">
-                <a:latin typeface="Times New Roman" pitchFamily="18" charset="0"/>
-                <a:cs typeface="Times New Roman" pitchFamily="18" charset="0"/>
-              </a:rPr>
-              <a:t> Lim. </a:t>
-            </a:r>
-            <a:r>
-              <a:rPr lang="en-US" sz="2000" i="1" dirty="0" smtClean="0">
-                <a:latin typeface="Times New Roman" pitchFamily="18" charset="0"/>
-                <a:cs typeface="Times New Roman" pitchFamily="18" charset="0"/>
-              </a:rPr>
-              <a:t>Hierarchical Text Classification and Evaluation</a:t>
-            </a:r>
-            <a:r>
-              <a:rPr lang="en-US" sz="2000" dirty="0" smtClean="0">
-                <a:latin typeface="Times New Roman" pitchFamily="18" charset="0"/>
-                <a:cs typeface="Times New Roman" pitchFamily="18" charset="0"/>
-              </a:rPr>
-              <a:t>. Center for Advanced Information </a:t>
-            </a:r>
-            <a:r>
-              <a:rPr lang="en-US" sz="2000" dirty="0" err="1" smtClean="0">
-                <a:latin typeface="Times New Roman" pitchFamily="18" charset="0"/>
-                <a:cs typeface="Times New Roman" pitchFamily="18" charset="0"/>
-              </a:rPr>
-              <a:t>SystemsNanyang</a:t>
-            </a:r>
-            <a:r>
-              <a:rPr lang="en-US" sz="2000" dirty="0" smtClean="0">
-                <a:latin typeface="Times New Roman" pitchFamily="18" charset="0"/>
-                <a:cs typeface="Times New Roman" pitchFamily="18" charset="0"/>
-              </a:rPr>
-              <a:t> Technological University</a:t>
-            </a:r>
-          </a:p>
-          <a:p>
-            <a:pPr>
-              <a:buNone/>
-            </a:pPr>
-            <a:r>
-              <a:rPr lang="en-US" sz="2000" dirty="0" smtClean="0">
-                <a:latin typeface="Times New Roman" pitchFamily="18" charset="0"/>
-                <a:cs typeface="Times New Roman" pitchFamily="18" charset="0"/>
-              </a:rPr>
-              <a:t>[3] </a:t>
-            </a:r>
-            <a:r>
-              <a:rPr lang="en-US" sz="2000" dirty="0" err="1" smtClean="0">
-                <a:latin typeface="Times New Roman" pitchFamily="18" charset="0"/>
-                <a:cs typeface="Times New Roman" pitchFamily="18" charset="0"/>
-              </a:rPr>
-              <a:t>Koller</a:t>
-            </a:r>
-            <a:r>
-              <a:rPr lang="en-US" sz="2000" dirty="0" smtClean="0">
-                <a:latin typeface="Times New Roman" pitchFamily="18" charset="0"/>
-                <a:cs typeface="Times New Roman" pitchFamily="18" charset="0"/>
-              </a:rPr>
-              <a:t>  D.  and  </a:t>
-            </a:r>
-            <a:r>
-              <a:rPr lang="en-US" sz="2000" dirty="0" err="1" smtClean="0">
-                <a:latin typeface="Times New Roman" pitchFamily="18" charset="0"/>
-                <a:cs typeface="Times New Roman" pitchFamily="18" charset="0"/>
-              </a:rPr>
-              <a:t>Sahami</a:t>
-            </a:r>
-            <a:r>
-              <a:rPr lang="en-US" sz="2000" dirty="0" smtClean="0">
-                <a:latin typeface="Times New Roman" pitchFamily="18" charset="0"/>
-                <a:cs typeface="Times New Roman" pitchFamily="18" charset="0"/>
-              </a:rPr>
-              <a:t>  M.  (1997).  </a:t>
-            </a:r>
-            <a:r>
-              <a:rPr lang="en-US" sz="2000" i="1" dirty="0" smtClean="0">
-                <a:latin typeface="Times New Roman" pitchFamily="18" charset="0"/>
-                <a:cs typeface="Times New Roman" pitchFamily="18" charset="0"/>
-              </a:rPr>
-              <a:t>Hierarchically  Classifying  Documents  using  Very  Few  Words</a:t>
-            </a:r>
-            <a:r>
-              <a:rPr lang="en-US" sz="2000" dirty="0" smtClean="0">
-                <a:latin typeface="Times New Roman" pitchFamily="18" charset="0"/>
-                <a:cs typeface="Times New Roman" pitchFamily="18" charset="0"/>
-              </a:rPr>
-              <a:t>. International Conference on Machine Learning,  pp.170-178, Volume 14, Morgan-Kauffman.</a:t>
-            </a:r>
-          </a:p>
-          <a:p>
-            <a:pPr>
-              <a:buNone/>
-            </a:pPr>
-            <a:r>
-              <a:rPr lang="en-US" sz="2000" dirty="0" smtClean="0">
-                <a:latin typeface="Times New Roman" pitchFamily="18" charset="0"/>
-                <a:cs typeface="Times New Roman" pitchFamily="18" charset="0"/>
-              </a:rPr>
-              <a:t>[4] T</a:t>
-            </a:r>
-            <a:r>
-              <a:rPr lang="en-US" sz="2000" dirty="0" smtClean="0"/>
-              <a:t>horsten </a:t>
-            </a:r>
-            <a:r>
-              <a:rPr lang="en-US" sz="2000" dirty="0" err="1" smtClean="0"/>
-              <a:t>Joachims</a:t>
-            </a:r>
-            <a:r>
-              <a:rPr lang="en-US" sz="2000" dirty="0" smtClean="0"/>
-              <a:t>.  </a:t>
-            </a:r>
-            <a:r>
-              <a:rPr lang="en-US" sz="2000" i="1" dirty="0" smtClean="0">
-                <a:latin typeface="Times New Roman" pitchFamily="18" charset="0"/>
-                <a:cs typeface="Times New Roman" pitchFamily="18" charset="0"/>
-              </a:rPr>
-              <a:t>Text categorization with SVM </a:t>
-            </a:r>
-            <a:r>
-              <a:rPr lang="en-US" sz="2000" i="1" dirty="0" err="1" smtClean="0">
-                <a:latin typeface="Times New Roman" pitchFamily="18" charset="0"/>
-                <a:cs typeface="Times New Roman" pitchFamily="18" charset="0"/>
-              </a:rPr>
-              <a:t>lear</a:t>
-            </a:r>
-            <a:r>
-              <a:rPr lang="en-US" sz="2000" i="1" dirty="0" smtClean="0">
-                <a:latin typeface="Times New Roman" pitchFamily="18" charset="0"/>
-                <a:cs typeface="Times New Roman" pitchFamily="18" charset="0"/>
-              </a:rPr>
-              <a:t> with many relevant</a:t>
-            </a:r>
-          </a:p>
-          <a:p>
-            <a:pPr>
-              <a:buNone/>
-            </a:pPr>
-            <a:r>
-              <a:rPr lang="en-US" sz="2000" dirty="0" smtClean="0">
-                <a:latin typeface="Times New Roman" pitchFamily="18" charset="0"/>
-                <a:cs typeface="Times New Roman" pitchFamily="18" charset="0"/>
-              </a:rPr>
-              <a:t>[5] </a:t>
-            </a:r>
-            <a:r>
-              <a:rPr lang="en-US" sz="2000" dirty="0" err="1" smtClean="0">
-                <a:latin typeface="Times New Roman" pitchFamily="18" charset="0"/>
-                <a:cs typeface="Times New Roman" pitchFamily="18" charset="0"/>
-              </a:rPr>
-              <a:t>Mladenic</a:t>
-            </a:r>
-            <a:r>
-              <a:rPr lang="en-US" sz="2000" dirty="0" smtClean="0">
-                <a:latin typeface="Times New Roman" pitchFamily="18" charset="0"/>
-                <a:cs typeface="Times New Roman" pitchFamily="18" charset="0"/>
-              </a:rPr>
-              <a:t>  D.  </a:t>
-            </a:r>
-            <a:r>
-              <a:rPr lang="en-US" sz="2000" dirty="0" err="1" smtClean="0">
-                <a:latin typeface="Times New Roman" pitchFamily="18" charset="0"/>
-                <a:cs typeface="Times New Roman" pitchFamily="18" charset="0"/>
-              </a:rPr>
-              <a:t>Grobelnik</a:t>
-            </a:r>
-            <a:r>
-              <a:rPr lang="en-US" sz="2000" dirty="0" smtClean="0">
-                <a:latin typeface="Times New Roman" pitchFamily="18" charset="0"/>
-                <a:cs typeface="Times New Roman" pitchFamily="18" charset="0"/>
-              </a:rPr>
-              <a:t>  M.  </a:t>
-            </a:r>
-            <a:r>
-              <a:rPr lang="en-US" sz="2000" dirty="0" err="1" smtClean="0">
-                <a:latin typeface="Times New Roman" pitchFamily="18" charset="0"/>
-                <a:cs typeface="Times New Roman" pitchFamily="18" charset="0"/>
-              </a:rPr>
-              <a:t>(1998).  </a:t>
-            </a:r>
-            <a:r>
-              <a:rPr lang="en-US" sz="2000" dirty="0" smtClean="0">
-                <a:latin typeface="Times New Roman" pitchFamily="18" charset="0"/>
-                <a:cs typeface="Times New Roman" pitchFamily="18" charset="0"/>
-              </a:rPr>
-              <a:t>Feature  Selection  for  Classification  Based on  Text  </a:t>
-            </a:r>
-            <a:r>
-              <a:rPr lang="en-US" sz="2000" dirty="0" err="1" smtClean="0">
-                <a:latin typeface="Times New Roman" pitchFamily="18" charset="0"/>
-                <a:cs typeface="Times New Roman" pitchFamily="18" charset="0"/>
-              </a:rPr>
-              <a:t>Hierarchy.Working</a:t>
-            </a:r>
-            <a:r>
-              <a:rPr lang="en-US" sz="2000" dirty="0" smtClean="0">
-                <a:latin typeface="Times New Roman" pitchFamily="18" charset="0"/>
-                <a:cs typeface="Times New Roman" pitchFamily="18" charset="0"/>
-              </a:rPr>
-              <a:t> notes of Learning from Text and the Web, Conference on Automated Learning and Discovery CONALD-98.</a:t>
-            </a:r>
-          </a:p>
-          <a:p>
-            <a:pPr lvl="0">
-              <a:buNone/>
-            </a:pPr>
-            <a:r>
-              <a:rPr lang="en-US" sz="2000" dirty="0" smtClean="0">
-                <a:latin typeface="Times New Roman" pitchFamily="18" charset="0"/>
-                <a:cs typeface="Times New Roman" pitchFamily="18" charset="0"/>
-              </a:rPr>
-              <a:t>[6]</a:t>
-            </a:r>
-            <a:r>
-              <a:rPr lang="en-US" sz="2000" dirty="0" smtClean="0"/>
-              <a:t> </a:t>
-            </a:r>
-            <a:r>
-              <a:rPr lang="en-US" sz="2000" dirty="0" smtClean="0">
-                <a:latin typeface="Times New Roman" pitchFamily="18" charset="0"/>
-                <a:cs typeface="Times New Roman" pitchFamily="18" charset="0"/>
-              </a:rPr>
-              <a:t>Tao Wang. </a:t>
-            </a:r>
-            <a:r>
-              <a:rPr lang="en-US" sz="2000" i="1" dirty="0" smtClean="0">
-                <a:latin typeface="Times New Roman" pitchFamily="18" charset="0"/>
-                <a:cs typeface="Times New Roman" pitchFamily="18" charset="0"/>
-              </a:rPr>
-              <a:t>Document Classification with ACM Subject Hierarchy. </a:t>
-            </a:r>
-            <a:r>
-              <a:rPr lang="en-US" sz="2000" dirty="0" smtClean="0">
-                <a:latin typeface="Times New Roman" pitchFamily="18" charset="0"/>
-                <a:cs typeface="Times New Roman" pitchFamily="18" charset="0"/>
-              </a:rPr>
-              <a:t>Electrical and Computer Engineering, 2007. </a:t>
-            </a:r>
-            <a:r>
-              <a:rPr lang="en-US" sz="2000" dirty="0" err="1" smtClean="0">
-                <a:latin typeface="Times New Roman" pitchFamily="18" charset="0"/>
-                <a:cs typeface="Times New Roman" pitchFamily="18" charset="0"/>
-              </a:rPr>
-              <a:t>CCECE 2007. </a:t>
-            </a:r>
-            <a:r>
-              <a:rPr lang="en-US" sz="2000" dirty="0" smtClean="0">
-                <a:latin typeface="Times New Roman" pitchFamily="18" charset="0"/>
-                <a:cs typeface="Times New Roman" pitchFamily="18" charset="0"/>
-              </a:rPr>
-              <a:t>Canadian Conference on </a:t>
-            </a:r>
-          </a:p>
-          <a:p>
-            <a:pPr lvl="0">
-              <a:buNone/>
-            </a:pPr>
-            <a:r>
-              <a:rPr lang="en-US" sz="2000" dirty="0" smtClean="0">
-                <a:latin typeface="Times New Roman" pitchFamily="18" charset="0"/>
-                <a:cs typeface="Times New Roman" pitchFamily="18" charset="0"/>
-              </a:rPr>
-              <a:t>[7] </a:t>
-            </a:r>
-            <a:r>
-              <a:rPr lang="en-US" sz="2000" dirty="0" err="1" smtClean="0">
-                <a:latin typeface="Times New Roman" pitchFamily="18" charset="0"/>
-                <a:cs typeface="Times New Roman" pitchFamily="18" charset="0"/>
-              </a:rPr>
-              <a:t>Gui-Rong</a:t>
-            </a:r>
-            <a:r>
-              <a:rPr lang="en-US" sz="2000" dirty="0" smtClean="0">
-                <a:latin typeface="Times New Roman" pitchFamily="18" charset="0"/>
-                <a:cs typeface="Times New Roman" pitchFamily="18" charset="0"/>
-              </a:rPr>
-              <a:t> </a:t>
-            </a:r>
-            <a:r>
-              <a:rPr lang="en-US" sz="2000" dirty="0" err="1" smtClean="0">
-                <a:latin typeface="Times New Roman" pitchFamily="18" charset="0"/>
-                <a:cs typeface="Times New Roman" pitchFamily="18" charset="0"/>
-              </a:rPr>
-              <a:t>Xue</a:t>
-            </a:r>
-            <a:r>
-              <a:rPr lang="en-US" sz="2000" dirty="0" smtClean="0">
-                <a:latin typeface="Times New Roman" pitchFamily="18" charset="0"/>
-                <a:cs typeface="Times New Roman" pitchFamily="18" charset="0"/>
-              </a:rPr>
-              <a:t>. </a:t>
-            </a:r>
-            <a:r>
-              <a:rPr lang="en-US" sz="2000" dirty="0" err="1" smtClean="0">
-                <a:latin typeface="Times New Roman" pitchFamily="18" charset="0"/>
-                <a:cs typeface="Times New Roman" pitchFamily="18" charset="0"/>
-              </a:rPr>
-              <a:t>Dikan</a:t>
-            </a:r>
-            <a:r>
-              <a:rPr lang="en-US" sz="2000" dirty="0" smtClean="0">
-                <a:latin typeface="Times New Roman" pitchFamily="18" charset="0"/>
-                <a:cs typeface="Times New Roman" pitchFamily="18" charset="0"/>
-              </a:rPr>
-              <a:t> Xing. </a:t>
-            </a:r>
-            <a:r>
-              <a:rPr lang="en-US" sz="2000" dirty="0" err="1" smtClean="0">
-                <a:latin typeface="Times New Roman" pitchFamily="18" charset="0"/>
-                <a:cs typeface="Times New Roman" pitchFamily="18" charset="0"/>
-              </a:rPr>
-              <a:t>Qiang</a:t>
-            </a:r>
-            <a:r>
-              <a:rPr lang="en-US" sz="2000" dirty="0" smtClean="0">
-                <a:latin typeface="Times New Roman" pitchFamily="18" charset="0"/>
-                <a:cs typeface="Times New Roman" pitchFamily="18" charset="0"/>
-              </a:rPr>
-              <a:t> </a:t>
-            </a:r>
-            <a:r>
-              <a:rPr lang="en-US" sz="2000" dirty="0" err="1" smtClean="0">
-                <a:latin typeface="Times New Roman" pitchFamily="18" charset="0"/>
-                <a:cs typeface="Times New Roman" pitchFamily="18" charset="0"/>
-              </a:rPr>
-              <a:t>Yang.Yong</a:t>
-            </a:r>
-            <a:r>
-              <a:rPr lang="en-US" sz="2000" dirty="0" smtClean="0">
-                <a:latin typeface="Times New Roman" pitchFamily="18" charset="0"/>
-                <a:cs typeface="Times New Roman" pitchFamily="18" charset="0"/>
-              </a:rPr>
-              <a:t> Yu Deep. </a:t>
-            </a:r>
-            <a:r>
-              <a:rPr lang="en-US" sz="2000" i="1" dirty="0" smtClean="0">
-                <a:latin typeface="Times New Roman" pitchFamily="18" charset="0"/>
-                <a:cs typeface="Times New Roman" pitchFamily="18" charset="0"/>
-              </a:rPr>
-              <a:t>Classification in Large-scale Text Hierarchies </a:t>
-            </a:r>
-          </a:p>
-          <a:p>
-            <a:pPr>
-              <a:buNone/>
-            </a:pPr>
-            <a:endParaRPr lang="en-US" sz="2000" dirty="0" smtClean="0">
-              <a:latin typeface="Times New Roman" pitchFamily="18" charset="0"/>
-              <a:cs typeface="Times New Roman" pitchFamily="18" charset="0"/>
-            </a:endParaRPr>
-          </a:p>
-        </p:txBody>
-      </p:sp>
-      <p:sp>
-        <p:nvSpPr>
-          <p:cNvPr id="4" name="Slide Number Placeholder 3"/>
-          <p:cNvSpPr>
-            <a:spLocks noGrp="1"/>
-          </p:cNvSpPr>
-          <p:nvPr>
-            <p:ph type="sldNum" sz="quarter" idx="4294967295"/>
-          </p:nvPr>
-        </p:nvSpPr>
-        <p:spPr>
-          <a:xfrm>
-            <a:off x="8229600" y="6473952"/>
-            <a:ext cx="758952" cy="246888"/>
-          </a:xfrm>
-          <a:prstGeom prst="rect">
-            <a:avLst/>
-          </a:prstGeom>
-        </p:spPr>
-        <p:txBody>
-          <a:bodyPr/>
-          <a:lstStyle/>
-          <a:p>
-            <a:fld id="{B6F15528-21DE-4FAA-801E-634DDDAF4B2B}" type="slidenum">
-              <a:rPr lang="en-US" smtClean="0"/>
-              <a:pPr/>
-              <a:t>22</a:t>
-            </a:fld>
-            <a:endParaRPr lang="en-US"/>
-          </a:p>
-        </p:txBody>
-      </p:sp>
-    </p:spTree>
-  </p:cSld>
-  <p:clrMapOvr>
-    <a:masterClrMapping/>
-  </p:clrMapOvr>
-  <p:timing>
-    <p:tnLst>
-      <p:par>
-        <p:cTn id="1" dur="indefinite" restart="never" nodeType="tmRoot"/>
-      </p:par>
-    </p:tnLst>
-  </p:timing>
-</p:sld>
-</file>
-
-<file path=ppt/slides/slide23.xml><?xml version="1.0" encoding="utf-8"?>
 <p:sld xmlns:a="http://schemas.openxmlformats.org/drawingml/2006/main" xmlns:r="http://schemas.openxmlformats.org/officeDocument/2006/relationships" xmlns:p="http://schemas.openxmlformats.org/presentationml/2006/main">
   <p:cSld>
     <p:spTree>
